--- a/fuentes/contenidos/grado09/guion08/MapaConceptual_MA_09_08_CO.pptx
+++ b/fuentes/contenidos/grado09/guion08/MapaConceptual_MA_09_08_CO.pptx
@@ -451,7 +451,7 @@
             <a:fld id="{5001C876-01F7-4317-94B9-1AE222133113}" type="datetimeFigureOut">
               <a:rPr lang="es-ES" smtClean="0"/>
               <a:pPr/>
-              <a:t>22/12/2015</a:t>
+              <a:t>28/12/2015</a:t>
             </a:fld>
             <a:endParaRPr lang="es-ES"/>
           </a:p>
@@ -1636,7 +1636,7 @@
         </p:nvSpPr>
         <p:spPr>
           <a:xfrm>
-            <a:off x="3030372" y="6665689"/>
+            <a:off x="3011322" y="5275039"/>
             <a:ext cx="1095738" cy="221963"/>
           </a:xfrm>
           <a:prstGeom prst="rect">
@@ -1666,22 +1666,13 @@
           <a:p>
             <a:pPr algn="ctr"/>
             <a:r>
-              <a:rPr lang="es-CO" sz="900" dirty="0">
-                <a:solidFill>
-                  <a:schemeClr val="tx1"/>
-                </a:solidFill>
-                <a:cs typeface="Arial" pitchFamily="34" charset="0"/>
-              </a:rPr>
-              <a:t>e</a:t>
-            </a:r>
-            <a:r>
-              <a:rPr lang="es-CO" sz="900" dirty="0" smtClean="0">
-                <a:solidFill>
-                  <a:schemeClr val="tx1"/>
-                </a:solidFill>
-                <a:cs typeface="Arial" pitchFamily="34" charset="0"/>
-              </a:rPr>
-              <a:t>jemplos   </a:t>
+              <a:rPr lang="es-CO" sz="900" dirty="0" smtClean="0">
+                <a:solidFill>
+                  <a:schemeClr val="tx1"/>
+                </a:solidFill>
+                <a:cs typeface="Arial" pitchFamily="34" charset="0"/>
+              </a:rPr>
+              <a:t>ejemplo   </a:t>
             </a:r>
             <a:endParaRPr lang="es-CO" sz="900" dirty="0">
               <a:solidFill>
@@ -1700,7 +1691,7 @@
         </p:nvSpPr>
         <p:spPr>
           <a:xfrm>
-            <a:off x="2951959" y="7042300"/>
+            <a:off x="2932909" y="5623075"/>
             <a:ext cx="1260000" cy="715539"/>
           </a:xfrm>
           <a:prstGeom prst="rect">
@@ -1736,34 +1727,34 @@
                 </a:solidFill>
                 <a:cs typeface="Arial" pitchFamily="34" charset="0"/>
               </a:rPr>
-              <a:t>Conjunto números pares                             </a:t>
-            </a:r>
-            <a:r>
-              <a:rPr lang="es-CO" sz="900" i="1" dirty="0" err="1" smtClean="0">
-                <a:solidFill>
-                  <a:schemeClr val="tx1"/>
-                </a:solidFill>
-                <a:cs typeface="Arial" pitchFamily="34" charset="0"/>
-              </a:rPr>
-              <a:t>a</a:t>
-            </a:r>
-            <a:r>
-              <a:rPr lang="es-CO" sz="900" i="1" baseline="-25000" dirty="0" err="1" smtClean="0">
-                <a:solidFill>
-                  <a:schemeClr val="tx1"/>
-                </a:solidFill>
-                <a:cs typeface="Arial" pitchFamily="34" charset="0"/>
-              </a:rPr>
-              <a:t>n</a:t>
-            </a:r>
-            <a:r>
-              <a:rPr lang="es-CO" sz="900" dirty="0" smtClean="0">
-                <a:solidFill>
-                  <a:schemeClr val="tx1"/>
-                </a:solidFill>
-                <a:cs typeface="Arial" pitchFamily="34" charset="0"/>
-              </a:rPr>
-              <a:t> = [2,4,6,8,10….]  </a:t>
+              <a:t>c</a:t>
+            </a:r>
+            <a:r>
+              <a:rPr lang="es-CO" sz="900" dirty="0" smtClean="0">
+                <a:solidFill>
+                  <a:schemeClr val="tx1"/>
+                </a:solidFill>
+                <a:cs typeface="Arial" pitchFamily="34" charset="0"/>
+              </a:rPr>
+              <a:t>onjunto </a:t>
+            </a:r>
+            <a:r>
+              <a:rPr lang="es-CO" sz="900" dirty="0" smtClean="0">
+                <a:solidFill>
+                  <a:schemeClr val="tx1"/>
+                </a:solidFill>
+                <a:cs typeface="Arial" pitchFamily="34" charset="0"/>
+              </a:rPr>
+              <a:t>números pares                             </a:t>
+            </a:r>
+            <a:r>
+              <a:rPr lang="es-CO" sz="900" dirty="0" smtClean="0">
+                <a:solidFill>
+                  <a:schemeClr val="tx1"/>
+                </a:solidFill>
+                <a:cs typeface="Arial" pitchFamily="34" charset="0"/>
+              </a:rPr>
+              <a:t> </a:t>
             </a:r>
             <a:endParaRPr lang="es-CO" sz="900" dirty="0">
               <a:solidFill>
@@ -1785,8 +1776,8 @@
         </p:nvCxnSpPr>
         <p:spPr>
           <a:xfrm>
-            <a:off x="3578241" y="6887652"/>
-            <a:ext cx="3718" cy="154648"/>
+            <a:off x="3559191" y="5497002"/>
+            <a:ext cx="3718" cy="126073"/>
           </a:xfrm>
           <a:prstGeom prst="line">
             <a:avLst/>
@@ -1998,7 +1989,16 @@
                 </a:solidFill>
                 <a:cs typeface="Arial" pitchFamily="34" charset="0"/>
               </a:rPr>
-              <a:t>ueden ser finitas   </a:t>
+              <a:t>ueden ser </a:t>
+            </a:r>
+            <a:r>
+              <a:rPr lang="es-CO" sz="900" dirty="0" smtClean="0">
+                <a:solidFill>
+                  <a:schemeClr val="tx1"/>
+                </a:solidFill>
+                <a:cs typeface="Arial" pitchFamily="34" charset="0"/>
+              </a:rPr>
+              <a:t> finitas   </a:t>
             </a:r>
             <a:endParaRPr lang="es-CO" sz="900" b="1" dirty="0">
               <a:solidFill>
@@ -2013,15 +2013,15 @@
         <p:nvCxnSpPr>
           <p:cNvPr id="92" name="91 Conector recto"/>
           <p:cNvCxnSpPr>
-            <a:stCxn id="117" idx="2"/>
-            <a:endCxn id="102" idx="0"/>
+            <a:stCxn id="279" idx="0"/>
+            <a:endCxn id="286" idx="2"/>
           </p:cNvCxnSpPr>
           <p:nvPr/>
         </p:nvCxnSpPr>
         <p:spPr>
-          <a:xfrm flipH="1">
-            <a:off x="3577814" y="7757839"/>
-            <a:ext cx="4145" cy="207905"/>
+          <a:xfrm flipV="1">
+            <a:off x="3566061" y="6772275"/>
+            <a:ext cx="464" cy="205512"/>
           </a:xfrm>
           <a:prstGeom prst="line">
             <a:avLst/>
@@ -2047,88 +2047,6 @@
           </a:fontRef>
         </p:style>
       </p:cxnSp>
-      <p:sp>
-        <p:nvSpPr>
-          <p:cNvPr id="102" name="Rectángulo 33"/>
-          <p:cNvSpPr/>
-          <p:nvPr/>
-        </p:nvSpPr>
-        <p:spPr>
-          <a:xfrm>
-            <a:off x="2947814" y="7965744"/>
-            <a:ext cx="1260000" cy="715539"/>
-          </a:xfrm>
-          <a:prstGeom prst="rect">
-            <a:avLst/>
-          </a:prstGeom>
-          <a:solidFill>
-            <a:schemeClr val="bg1"/>
-          </a:solidFill>
-        </p:spPr>
-        <p:style>
-          <a:lnRef idx="2">
-            <a:schemeClr val="dk1"/>
-          </a:lnRef>
-          <a:fillRef idx="1">
-            <a:schemeClr val="lt1"/>
-          </a:fillRef>
-          <a:effectRef idx="0">
-            <a:schemeClr val="dk1"/>
-          </a:effectRef>
-          <a:fontRef idx="minor">
-            <a:schemeClr val="dk1"/>
-          </a:fontRef>
-        </p:style>
-        <p:txBody>
-          <a:bodyPr lIns="105683" tIns="52841" rIns="105683" bIns="52841" rtlCol="0" anchor="ctr"/>
-          <a:lstStyle/>
-          <a:p>
-            <a:pPr algn="ctr"/>
-            <a:r>
-              <a:rPr lang="es-CO" sz="900" dirty="0" smtClean="0">
-                <a:solidFill>
-                  <a:schemeClr val="tx1"/>
-                </a:solidFill>
-                <a:cs typeface="Arial" pitchFamily="34" charset="0"/>
-              </a:rPr>
-              <a:t>La sucesión de Fibonacci                      </a:t>
-            </a:r>
-            <a:r>
-              <a:rPr lang="es-CO" sz="900" i="1" dirty="0" err="1" smtClean="0">
-                <a:solidFill>
-                  <a:schemeClr val="tx1"/>
-                </a:solidFill>
-                <a:cs typeface="Arial" pitchFamily="34" charset="0"/>
-              </a:rPr>
-              <a:t>a</a:t>
-            </a:r>
-            <a:r>
-              <a:rPr lang="es-CO" sz="900" i="1" baseline="-25000" dirty="0" err="1" smtClean="0">
-                <a:solidFill>
-                  <a:schemeClr val="tx1"/>
-                </a:solidFill>
-                <a:cs typeface="Arial" pitchFamily="34" charset="0"/>
-              </a:rPr>
-              <a:t>n</a:t>
-            </a:r>
-            <a:r>
-              <a:rPr lang="es-CO" sz="900" dirty="0" smtClean="0">
-                <a:solidFill>
-                  <a:schemeClr val="tx1"/>
-                </a:solidFill>
-                <a:cs typeface="Arial" pitchFamily="34" charset="0"/>
-              </a:rPr>
-              <a:t> = [1,1,2,3,5,8……]  </a:t>
-            </a:r>
-            <a:endParaRPr lang="es-CO" sz="900" dirty="0">
-              <a:solidFill>
-                <a:schemeClr val="tx1"/>
-              </a:solidFill>
-              <a:cs typeface="Arial" pitchFamily="34" charset="0"/>
-            </a:endParaRPr>
-          </a:p>
-        </p:txBody>
-      </p:sp>
       <p:cxnSp>
         <p:nvCxnSpPr>
           <p:cNvPr id="109" name="108 Conector recto"/>
@@ -2349,7 +2267,7 @@
         </p:nvSpPr>
         <p:spPr>
           <a:xfrm>
-            <a:off x="4394619" y="6658280"/>
+            <a:off x="4394619" y="5258105"/>
             <a:ext cx="1095738" cy="221963"/>
           </a:xfrm>
           <a:prstGeom prst="rect">
@@ -2395,91 +2313,6 @@
                 <a:cs typeface="Arial" pitchFamily="34" charset="0"/>
               </a:rPr>
               <a:t>jemplos   </a:t>
-            </a:r>
-            <a:endParaRPr lang="es-CO" sz="900" dirty="0">
-              <a:solidFill>
-                <a:schemeClr val="tx1"/>
-              </a:solidFill>
-              <a:cs typeface="Arial" pitchFamily="34" charset="0"/>
-            </a:endParaRPr>
-          </a:p>
-        </p:txBody>
-      </p:sp>
-      <p:sp>
-        <p:nvSpPr>
-          <p:cNvPr id="136" name="Rectángulo 33"/>
-          <p:cNvSpPr/>
-          <p:nvPr/>
-        </p:nvSpPr>
-        <p:spPr>
-          <a:xfrm>
-            <a:off x="4316304" y="7042294"/>
-            <a:ext cx="1260000" cy="715539"/>
-          </a:xfrm>
-          <a:prstGeom prst="rect">
-            <a:avLst/>
-          </a:prstGeom>
-          <a:solidFill>
-            <a:schemeClr val="bg1"/>
-          </a:solidFill>
-        </p:spPr>
-        <p:style>
-          <a:lnRef idx="2">
-            <a:schemeClr val="dk1"/>
-          </a:lnRef>
-          <a:fillRef idx="1">
-            <a:schemeClr val="lt1"/>
-          </a:fillRef>
-          <a:effectRef idx="0">
-            <a:schemeClr val="dk1"/>
-          </a:effectRef>
-          <a:fontRef idx="minor">
-            <a:schemeClr val="dk1"/>
-          </a:fontRef>
-        </p:style>
-        <p:txBody>
-          <a:bodyPr lIns="105683" tIns="52841" rIns="105683" bIns="52841" rtlCol="0" anchor="ctr"/>
-          <a:lstStyle/>
-          <a:p>
-            <a:pPr algn="ctr"/>
-            <a:r>
-              <a:rPr lang="es-CO" sz="900" dirty="0" smtClean="0">
-                <a:solidFill>
-                  <a:schemeClr val="tx1"/>
-                </a:solidFill>
-                <a:cs typeface="Arial" pitchFamily="34" charset="0"/>
-              </a:rPr>
-              <a:t>Orden de llegada  en una carrera  6 personas</a:t>
-            </a:r>
-          </a:p>
-          <a:p>
-            <a:pPr algn="ctr"/>
-            <a:r>
-              <a:rPr lang="es-CO" sz="900" i="1" dirty="0" err="1" smtClean="0">
-                <a:solidFill>
-                  <a:schemeClr val="tx1"/>
-                </a:solidFill>
-                <a:cs typeface="Arial" pitchFamily="34" charset="0"/>
-              </a:rPr>
-              <a:t>a</a:t>
-            </a:r>
-            <a:r>
-              <a:rPr lang="es-CO" sz="900" i="1" baseline="-25000" dirty="0" err="1" smtClean="0">
-                <a:solidFill>
-                  <a:schemeClr val="tx1"/>
-                </a:solidFill>
-                <a:cs typeface="Arial" pitchFamily="34" charset="0"/>
-              </a:rPr>
-              <a:t>n</a:t>
-            </a:r>
-            <a:r>
-              <a:rPr lang="es-CO" sz="900" dirty="0" smtClean="0">
-                <a:solidFill>
-                  <a:schemeClr val="tx1"/>
-                </a:solidFill>
-                <a:cs typeface="Arial" pitchFamily="34" charset="0"/>
-              </a:rPr>
-              <a:t> =[3,5,1,6,4,2]  </a:t>
             </a:r>
             <a:endParaRPr lang="es-CO" sz="900" dirty="0">
               <a:solidFill>
@@ -2492,55 +2325,17 @@
       </p:sp>
       <p:cxnSp>
         <p:nvCxnSpPr>
-          <p:cNvPr id="139" name="138 Conector recto"/>
+          <p:cNvPr id="142" name="141 Conector recto"/>
           <p:cNvCxnSpPr>
             <a:stCxn id="131" idx="2"/>
-            <a:endCxn id="136" idx="0"/>
-          </p:cNvCxnSpPr>
-          <p:nvPr/>
-        </p:nvCxnSpPr>
-        <p:spPr>
-          <a:xfrm>
-            <a:off x="4942488" y="6880243"/>
-            <a:ext cx="3816" cy="162051"/>
-          </a:xfrm>
-          <a:prstGeom prst="line">
-            <a:avLst/>
-          </a:prstGeom>
-          <a:ln w="12700">
-            <a:solidFill>
-              <a:schemeClr val="tx1"/>
-            </a:solidFill>
-          </a:ln>
-        </p:spPr>
-        <p:style>
-          <a:lnRef idx="1">
-            <a:schemeClr val="accent1"/>
-          </a:lnRef>
-          <a:fillRef idx="0">
-            <a:schemeClr val="accent1"/>
-          </a:fillRef>
-          <a:effectRef idx="0">
-            <a:schemeClr val="accent1"/>
-          </a:effectRef>
-          <a:fontRef idx="minor">
-            <a:schemeClr val="tx1"/>
-          </a:fontRef>
-        </p:style>
-      </p:cxnSp>
-      <p:cxnSp>
-        <p:nvCxnSpPr>
-          <p:cNvPr id="142" name="141 Conector recto"/>
-          <p:cNvCxnSpPr>
-            <a:stCxn id="136" idx="2"/>
             <a:endCxn id="145" idx="0"/>
           </p:cNvCxnSpPr>
           <p:nvPr/>
         </p:nvCxnSpPr>
         <p:spPr>
-          <a:xfrm flipH="1">
-            <a:off x="4941103" y="7757833"/>
-            <a:ext cx="5201" cy="216370"/>
+          <a:xfrm>
+            <a:off x="4942488" y="5480068"/>
+            <a:ext cx="8140" cy="141460"/>
           </a:xfrm>
           <a:prstGeom prst="line">
             <a:avLst/>
@@ -2574,7 +2369,7 @@
         </p:nvSpPr>
         <p:spPr>
           <a:xfrm>
-            <a:off x="4311103" y="7974203"/>
+            <a:off x="4320628" y="5621528"/>
             <a:ext cx="1260000" cy="715539"/>
           </a:xfrm>
           <a:prstGeom prst="rect">
@@ -2610,83 +2405,35 @@
                 </a:solidFill>
                 <a:cs typeface="Arial" pitchFamily="34" charset="0"/>
               </a:rPr>
-              <a:t>Orden de llegada  en la fila del banco </a:t>
-            </a:r>
-          </a:p>
-          <a:p>
-            <a:pPr algn="ctr"/>
-            <a:r>
-              <a:rPr lang="es-CO" sz="900" i="1" dirty="0" err="1" smtClean="0">
-                <a:solidFill>
-                  <a:schemeClr val="tx1"/>
-                </a:solidFill>
-                <a:cs typeface="Arial" pitchFamily="34" charset="0"/>
-              </a:rPr>
-              <a:t>a</a:t>
-            </a:r>
-            <a:r>
-              <a:rPr lang="es-CO" sz="900" i="1" baseline="-25000" dirty="0" err="1" smtClean="0">
-                <a:solidFill>
-                  <a:schemeClr val="tx1"/>
-                </a:solidFill>
-                <a:cs typeface="Arial" pitchFamily="34" charset="0"/>
-              </a:rPr>
-              <a:t>n</a:t>
-            </a:r>
-            <a:r>
-              <a:rPr lang="es-CO" sz="900" dirty="0" smtClean="0">
-                <a:solidFill>
-                  <a:schemeClr val="tx1"/>
-                </a:solidFill>
-                <a:cs typeface="Arial" pitchFamily="34" charset="0"/>
-              </a:rPr>
-              <a:t> =[Pedro, </a:t>
-            </a:r>
-            <a:r>
-              <a:rPr lang="es-CO" sz="900" dirty="0">
-                <a:solidFill>
-                  <a:schemeClr val="tx1"/>
-                </a:solidFill>
-                <a:cs typeface="Arial" pitchFamily="34" charset="0"/>
-              </a:rPr>
-              <a:t>J</a:t>
-            </a:r>
-            <a:r>
-              <a:rPr lang="es-CO" sz="900" dirty="0" smtClean="0">
-                <a:solidFill>
-                  <a:schemeClr val="tx1"/>
-                </a:solidFill>
-                <a:cs typeface="Arial" pitchFamily="34" charset="0"/>
-              </a:rPr>
-              <a:t>uan, </a:t>
-            </a:r>
-            <a:r>
-              <a:rPr lang="es-CO" sz="900" dirty="0" err="1">
-                <a:solidFill>
-                  <a:schemeClr val="tx1"/>
-                </a:solidFill>
-                <a:cs typeface="Arial" pitchFamily="34" charset="0"/>
-              </a:rPr>
-              <a:t>M</a:t>
-            </a:r>
-            <a:r>
-              <a:rPr lang="es-CO" sz="900" dirty="0" err="1" smtClean="0">
-                <a:solidFill>
-                  <a:schemeClr val="tx1"/>
-                </a:solidFill>
-                <a:cs typeface="Arial" pitchFamily="34" charset="0"/>
-              </a:rPr>
-              <a:t>aria</a:t>
-            </a:r>
-            <a:r>
-              <a:rPr lang="es-CO" sz="900" dirty="0" smtClean="0">
-                <a:solidFill>
-                  <a:schemeClr val="tx1"/>
-                </a:solidFill>
-                <a:cs typeface="Arial" pitchFamily="34" charset="0"/>
-              </a:rPr>
-              <a:t>]</a:t>
-            </a:r>
+              <a:t>o</a:t>
+            </a:r>
+            <a:r>
+              <a:rPr lang="es-CO" sz="900" dirty="0" smtClean="0">
+                <a:solidFill>
+                  <a:schemeClr val="tx1"/>
+                </a:solidFill>
+                <a:cs typeface="Arial" pitchFamily="34" charset="0"/>
+              </a:rPr>
+              <a:t>rden </a:t>
+            </a:r>
+            <a:r>
+              <a:rPr lang="es-CO" sz="900" dirty="0" smtClean="0">
+                <a:solidFill>
+                  <a:schemeClr val="tx1"/>
+                </a:solidFill>
+                <a:cs typeface="Arial" pitchFamily="34" charset="0"/>
+              </a:rPr>
+              <a:t>de llegada  en la fila del banco </a:t>
+            </a:r>
+          </a:p>
+          <a:p>
+            <a:pPr algn="ctr"/>
+            <a:endParaRPr lang="es-CO" sz="900" dirty="0" smtClean="0">
+              <a:solidFill>
+                <a:schemeClr val="tx1"/>
+              </a:solidFill>
+              <a:cs typeface="Arial" pitchFamily="34" charset="0"/>
+            </a:endParaRPr>
           </a:p>
         </p:txBody>
       </p:sp>
@@ -2803,26 +2550,20 @@
                 </a:solidFill>
                 <a:cs typeface="Arial" pitchFamily="34" charset="0"/>
               </a:rPr>
-              <a:t>Se denota  de manera general como </a:t>
-            </a:r>
-            <a:r>
-              <a:rPr lang="es-CO" sz="900" i="1" dirty="0" err="1" smtClean="0">
-                <a:solidFill>
-                  <a:schemeClr val="tx1"/>
-                </a:solidFill>
-                <a:cs typeface="Arial" pitchFamily="34" charset="0"/>
-              </a:rPr>
-              <a:t>a</a:t>
-            </a:r>
-            <a:r>
-              <a:rPr lang="es-CO" sz="900" i="1" baseline="-25000" dirty="0" err="1" smtClean="0">
-                <a:solidFill>
-                  <a:schemeClr val="tx1"/>
-                </a:solidFill>
-                <a:cs typeface="Arial" pitchFamily="34" charset="0"/>
-              </a:rPr>
-              <a:t>n</a:t>
-            </a:r>
+              <a:t>se denota como : </a:t>
+            </a:r>
+            <a:r>
+              <a:rPr lang="es-CO" sz="900" dirty="0" smtClean="0">
+                <a:solidFill>
+                  <a:srgbClr val="FF0000"/>
+                </a:solidFill>
+                <a:cs typeface="Arial" pitchFamily="34" charset="0"/>
+              </a:rPr>
+              <a:t>1</a:t>
+            </a:r>
+          </a:p>
+          <a:p>
+            <a:pPr algn="ctr"/>
             <a:r>
               <a:rPr lang="es-CO" sz="900" dirty="0" smtClean="0">
                 <a:solidFill>
@@ -2833,70 +2574,6 @@
               <a:t>    </a:t>
             </a:r>
             <a:endParaRPr lang="es-CO" sz="900" b="1" dirty="0">
-              <a:solidFill>
-                <a:schemeClr val="tx1"/>
-              </a:solidFill>
-              <a:cs typeface="Arial" pitchFamily="34" charset="0"/>
-            </a:endParaRPr>
-          </a:p>
-        </p:txBody>
-      </p:sp>
-      <p:sp>
-        <p:nvSpPr>
-          <p:cNvPr id="149" name="Rectángulo 35"/>
-          <p:cNvSpPr/>
-          <p:nvPr/>
-        </p:nvSpPr>
-        <p:spPr>
-          <a:xfrm>
-            <a:off x="3011315" y="5362823"/>
-            <a:ext cx="1095738" cy="221963"/>
-          </a:xfrm>
-          <a:prstGeom prst="rect">
-            <a:avLst/>
-          </a:prstGeom>
-          <a:ln>
-            <a:noFill/>
-          </a:ln>
-        </p:spPr>
-        <p:style>
-          <a:lnRef idx="2">
-            <a:schemeClr val="dk1"/>
-          </a:lnRef>
-          <a:fillRef idx="1">
-            <a:schemeClr val="lt1"/>
-          </a:fillRef>
-          <a:effectRef idx="0">
-            <a:schemeClr val="dk1"/>
-          </a:effectRef>
-          <a:fontRef idx="minor">
-            <a:schemeClr val="dk1"/>
-          </a:fontRef>
-        </p:style>
-        <p:txBody>
-          <a:bodyPr lIns="105683" tIns="52841" rIns="105683" bIns="52841" rtlCol="0" anchor="ctr"/>
-          <a:lstStyle/>
-          <a:p>
-            <a:pPr algn="ctr"/>
-            <a:r>
-              <a:rPr lang="es-CO" sz="900" dirty="0">
-                <a:solidFill>
-                  <a:schemeClr val="tx1"/>
-                </a:solidFill>
-                <a:cs typeface="Arial" pitchFamily="34" charset="0"/>
-              </a:rPr>
-              <a:t>d</a:t>
-            </a:r>
-            <a:r>
-              <a:rPr lang="es-CO" sz="900" dirty="0" smtClean="0">
-                <a:solidFill>
-                  <a:schemeClr val="tx1"/>
-                </a:solidFill>
-                <a:cs typeface="Arial" pitchFamily="34" charset="0"/>
-              </a:rPr>
-              <a:t>efinida como  </a:t>
-            </a:r>
-            <a:endParaRPr lang="es-CO" sz="900" dirty="0">
               <a:solidFill>
                 <a:schemeClr val="tx1"/>
               </a:solidFill>
@@ -2910,14 +2587,14 @@
           <p:cNvPr id="150" name="149 Conector recto"/>
           <p:cNvCxnSpPr>
             <a:stCxn id="596" idx="2"/>
-            <a:endCxn id="149" idx="0"/>
+            <a:endCxn id="113" idx="0"/>
           </p:cNvCxnSpPr>
           <p:nvPr/>
         </p:nvCxnSpPr>
         <p:spPr>
           <a:xfrm>
             <a:off x="3552515" y="5153958"/>
-            <a:ext cx="6669" cy="208865"/>
+            <a:ext cx="6676" cy="121081"/>
           </a:xfrm>
           <a:prstGeom prst="line">
             <a:avLst/>
@@ -2943,328 +2620,6 @@
           </a:fontRef>
         </p:style>
       </p:cxnSp>
-      <p:sp>
-        <p:nvSpPr>
-          <p:cNvPr id="152" name="Rectángulo 33"/>
-          <p:cNvSpPr/>
-          <p:nvPr/>
-        </p:nvSpPr>
-        <p:spPr>
-          <a:xfrm>
-            <a:off x="2942418" y="5729906"/>
-            <a:ext cx="1260000" cy="715539"/>
-          </a:xfrm>
-          <a:prstGeom prst="rect">
-            <a:avLst/>
-          </a:prstGeom>
-          <a:solidFill>
-            <a:schemeClr val="bg1"/>
-          </a:solidFill>
-        </p:spPr>
-        <p:style>
-          <a:lnRef idx="2">
-            <a:schemeClr val="dk1"/>
-          </a:lnRef>
-          <a:fillRef idx="1">
-            <a:schemeClr val="lt1"/>
-          </a:fillRef>
-          <a:effectRef idx="0">
-            <a:schemeClr val="dk1"/>
-          </a:effectRef>
-          <a:fontRef idx="minor">
-            <a:schemeClr val="dk1"/>
-          </a:fontRef>
-        </p:style>
-        <p:txBody>
-          <a:bodyPr lIns="105683" tIns="52841" rIns="105683" bIns="52841" rtlCol="0" anchor="ctr"/>
-          <a:lstStyle/>
-          <a:p>
-            <a:r>
-              <a:rPr lang="es-ES" sz="900" i="1" dirty="0" smtClean="0"/>
-              <a:t> </a:t>
-            </a:r>
-          </a:p>
-          <a:p>
-            <a:pPr algn="ctr"/>
-            <a:r>
-              <a:rPr lang="es-ES" sz="900" b="1" i="1" dirty="0" err="1" smtClean="0"/>
-              <a:t>a</a:t>
-            </a:r>
-            <a:r>
-              <a:rPr lang="es-ES" sz="900" b="1" i="1" baseline="-25000" dirty="0" err="1" smtClean="0"/>
-              <a:t>n</a:t>
-            </a:r>
-            <a:r>
-              <a:rPr lang="es-ES" sz="900" i="1" dirty="0" smtClean="0"/>
-              <a:t> </a:t>
-            </a:r>
-            <a:r>
-              <a:rPr lang="es-ES" sz="900" dirty="0" smtClean="0"/>
-              <a:t> donde  </a:t>
-            </a:r>
-            <a:r>
-              <a:rPr lang="es-ES" sz="900" i="1" dirty="0" err="1" smtClean="0"/>
-              <a:t>a</a:t>
-            </a:r>
-            <a:r>
-              <a:rPr lang="es-ES" sz="900" i="1" baseline="-25000" dirty="0" err="1" smtClean="0"/>
-              <a:t>n</a:t>
-            </a:r>
-            <a:r>
-              <a:rPr lang="es-ES" sz="900" i="1" dirty="0" smtClean="0"/>
-              <a:t> ∈  P </a:t>
-            </a:r>
-            <a:r>
-              <a:rPr lang="es-ES" sz="900" dirty="0" smtClean="0"/>
-              <a:t>  </a:t>
-            </a:r>
-          </a:p>
-          <a:p>
-            <a:pPr algn="ctr"/>
-            <a:r>
-              <a:rPr lang="es-ES" sz="900" i="1" dirty="0" smtClean="0"/>
-              <a:t>ƒ : </a:t>
-            </a:r>
-            <a:r>
-              <a:rPr lang="es-ES" sz="900" dirty="0" smtClean="0"/>
-              <a:t>ℕ</a:t>
-            </a:r>
-            <a:r>
-              <a:rPr lang="es-ES" sz="900" i="1" dirty="0" smtClean="0"/>
-              <a:t> → P</a:t>
-            </a:r>
-            <a:endParaRPr lang="es-ES" sz="900" dirty="0" smtClean="0"/>
-          </a:p>
-          <a:p>
-            <a:pPr algn="ctr"/>
-            <a:endParaRPr lang="es-CO" sz="900" dirty="0">
-              <a:solidFill>
-                <a:schemeClr val="tx1"/>
-              </a:solidFill>
-              <a:cs typeface="Arial" pitchFamily="34" charset="0"/>
-            </a:endParaRPr>
-          </a:p>
-        </p:txBody>
-      </p:sp>
-      <p:cxnSp>
-        <p:nvCxnSpPr>
-          <p:cNvPr id="96" name="95 Conector recto"/>
-          <p:cNvCxnSpPr>
-            <a:stCxn id="149" idx="2"/>
-            <a:endCxn id="152" idx="0"/>
-          </p:cNvCxnSpPr>
-          <p:nvPr/>
-        </p:nvCxnSpPr>
-        <p:spPr>
-          <a:xfrm>
-            <a:off x="3559184" y="5584786"/>
-            <a:ext cx="13234" cy="145120"/>
-          </a:xfrm>
-          <a:prstGeom prst="line">
-            <a:avLst/>
-          </a:prstGeom>
-          <a:ln w="12700">
-            <a:solidFill>
-              <a:schemeClr val="tx1"/>
-            </a:solidFill>
-          </a:ln>
-        </p:spPr>
-        <p:style>
-          <a:lnRef idx="1">
-            <a:schemeClr val="accent1"/>
-          </a:lnRef>
-          <a:fillRef idx="0">
-            <a:schemeClr val="accent1"/>
-          </a:fillRef>
-          <a:effectRef idx="0">
-            <a:schemeClr val="accent1"/>
-          </a:effectRef>
-          <a:fontRef idx="minor">
-            <a:schemeClr val="tx1"/>
-          </a:fontRef>
-        </p:style>
-      </p:cxnSp>
-      <p:cxnSp>
-        <p:nvCxnSpPr>
-          <p:cNvPr id="104" name="103 Conector recto"/>
-          <p:cNvCxnSpPr>
-            <a:stCxn id="152" idx="2"/>
-            <a:endCxn id="113" idx="0"/>
-          </p:cNvCxnSpPr>
-          <p:nvPr/>
-        </p:nvCxnSpPr>
-        <p:spPr>
-          <a:xfrm>
-            <a:off x="3572418" y="6445445"/>
-            <a:ext cx="5823" cy="220244"/>
-          </a:xfrm>
-          <a:prstGeom prst="line">
-            <a:avLst/>
-          </a:prstGeom>
-          <a:ln w="12700">
-            <a:solidFill>
-              <a:schemeClr val="tx1"/>
-            </a:solidFill>
-          </a:ln>
-        </p:spPr>
-        <p:style>
-          <a:lnRef idx="1">
-            <a:schemeClr val="accent1"/>
-          </a:lnRef>
-          <a:fillRef idx="0">
-            <a:schemeClr val="accent1"/>
-          </a:fillRef>
-          <a:effectRef idx="0">
-            <a:schemeClr val="accent1"/>
-          </a:effectRef>
-          <a:fontRef idx="minor">
-            <a:schemeClr val="tx1"/>
-          </a:fontRef>
-        </p:style>
-      </p:cxnSp>
-      <p:sp>
-        <p:nvSpPr>
-          <p:cNvPr id="180" name="Rectángulo 33"/>
-          <p:cNvSpPr/>
-          <p:nvPr/>
-        </p:nvSpPr>
-        <p:spPr>
-          <a:xfrm>
-            <a:off x="4316124" y="5729920"/>
-            <a:ext cx="1260000" cy="715539"/>
-          </a:xfrm>
-          <a:prstGeom prst="rect">
-            <a:avLst/>
-          </a:prstGeom>
-          <a:solidFill>
-            <a:schemeClr val="bg1"/>
-          </a:solidFill>
-        </p:spPr>
-        <p:style>
-          <a:lnRef idx="2">
-            <a:schemeClr val="dk1"/>
-          </a:lnRef>
-          <a:fillRef idx="1">
-            <a:schemeClr val="lt1"/>
-          </a:fillRef>
-          <a:effectRef idx="0">
-            <a:schemeClr val="dk1"/>
-          </a:effectRef>
-          <a:fontRef idx="minor">
-            <a:schemeClr val="dk1"/>
-          </a:fontRef>
-        </p:style>
-        <p:txBody>
-          <a:bodyPr lIns="105683" tIns="52841" rIns="105683" bIns="52841" rtlCol="0" anchor="ctr"/>
-          <a:lstStyle/>
-          <a:p>
-            <a:pPr algn="ctr"/>
-            <a:r>
-              <a:rPr lang="es-CO" sz="900" b="1" i="1" dirty="0" err="1" smtClean="0">
-                <a:solidFill>
-                  <a:schemeClr val="tx1"/>
-                </a:solidFill>
-                <a:cs typeface="Arial" pitchFamily="34" charset="0"/>
-              </a:rPr>
-              <a:t>a</a:t>
-            </a:r>
-            <a:r>
-              <a:rPr lang="es-CO" sz="900" b="1" i="1" baseline="-25000" dirty="0" err="1" smtClean="0">
-                <a:solidFill>
-                  <a:schemeClr val="tx1"/>
-                </a:solidFill>
-                <a:cs typeface="Arial" pitchFamily="34" charset="0"/>
-              </a:rPr>
-              <a:t>n</a:t>
-            </a:r>
-            <a:r>
-              <a:rPr lang="es-CO" sz="900" baseline="-25000" dirty="0" smtClean="0">
-                <a:solidFill>
-                  <a:schemeClr val="tx1"/>
-                </a:solidFill>
-                <a:cs typeface="Arial" pitchFamily="34" charset="0"/>
-              </a:rPr>
-              <a:t>,</a:t>
-            </a:r>
-            <a:r>
-              <a:rPr lang="es-CO" sz="900" dirty="0" smtClean="0">
-                <a:solidFill>
-                  <a:schemeClr val="tx1"/>
-                </a:solidFill>
-                <a:cs typeface="Arial" pitchFamily="34" charset="0"/>
-              </a:rPr>
-              <a:t>, de longitud </a:t>
-            </a:r>
-            <a:r>
-              <a:rPr lang="es-CO" sz="900" i="1" dirty="0" smtClean="0">
-                <a:solidFill>
-                  <a:schemeClr val="tx1"/>
-                </a:solidFill>
-                <a:cs typeface="Arial" pitchFamily="34" charset="0"/>
-              </a:rPr>
-              <a:t>m , m</a:t>
-            </a:r>
-            <a:r>
-              <a:rPr lang="es-ES" sz="900" i="1" dirty="0" smtClean="0"/>
-              <a:t>⊆</a:t>
-            </a:r>
-            <a:r>
-              <a:rPr lang="es-CO" sz="900" dirty="0" smtClean="0">
-                <a:solidFill>
-                  <a:schemeClr val="tx1"/>
-                </a:solidFill>
-                <a:cs typeface="Arial" pitchFamily="34" charset="0"/>
-              </a:rPr>
-              <a:t> </a:t>
-            </a:r>
-            <a:r>
-              <a:rPr lang="es-ES" sz="900" dirty="0" smtClean="0"/>
-              <a:t>ℕ,   va  desde 1 hasta  </a:t>
-            </a:r>
-            <a:r>
-              <a:rPr lang="es-ES" sz="900" i="1" dirty="0" smtClean="0"/>
-              <a:t>m,</a:t>
-            </a:r>
-            <a:r>
-              <a:rPr lang="es-ES" sz="900" dirty="0" smtClean="0"/>
-              <a:t>  </a:t>
-            </a:r>
-            <a:r>
-              <a:rPr lang="es-ES" sz="900" i="1" dirty="0" err="1" smtClean="0"/>
-              <a:t>a</a:t>
-            </a:r>
-            <a:r>
-              <a:rPr lang="es-ES" sz="900" i="1" baseline="-25000" dirty="0" err="1" smtClean="0"/>
-              <a:t>n</a:t>
-            </a:r>
-            <a:r>
-              <a:rPr lang="es-ES" sz="900" i="1" dirty="0" smtClean="0"/>
-              <a:t> ∈  P</a:t>
-            </a:r>
-          </a:p>
-          <a:p>
-            <a:pPr algn="ctr"/>
-            <a:r>
-              <a:rPr lang="es-ES" sz="900" i="1" dirty="0" smtClean="0"/>
-              <a:t>ƒ : m → P </a:t>
-            </a:r>
-            <a:endParaRPr lang="es-ES" sz="900" dirty="0" smtClean="0"/>
-          </a:p>
-          <a:p>
-            <a:pPr algn="ctr"/>
-            <a:r>
-              <a:rPr lang="es-ES" sz="900" i="1" dirty="0" smtClean="0"/>
-              <a:t> </a:t>
-            </a:r>
-            <a:endParaRPr lang="es-CO" sz="900" dirty="0">
-              <a:solidFill>
-                <a:schemeClr val="tx1"/>
-              </a:solidFill>
-              <a:cs typeface="Arial" pitchFamily="34" charset="0"/>
-            </a:endParaRPr>
-          </a:p>
-        </p:txBody>
-      </p:sp>
       <p:cxnSp>
         <p:nvCxnSpPr>
           <p:cNvPr id="191" name="190 Conector recto"/>
@@ -3305,157 +2660,17 @@
       </p:cxnSp>
       <p:cxnSp>
         <p:nvCxnSpPr>
-          <p:cNvPr id="198" name="197 Conector recto"/>
-          <p:cNvCxnSpPr>
-            <a:stCxn id="207" idx="2"/>
-            <a:endCxn id="180" idx="0"/>
-          </p:cNvCxnSpPr>
-          <p:nvPr/>
-        </p:nvCxnSpPr>
-        <p:spPr>
-          <a:xfrm>
-            <a:off x="4942482" y="5610181"/>
-            <a:ext cx="3642" cy="119739"/>
-          </a:xfrm>
-          <a:prstGeom prst="line">
-            <a:avLst/>
-          </a:prstGeom>
-          <a:ln w="12700">
-            <a:solidFill>
-              <a:schemeClr val="tx1"/>
-            </a:solidFill>
-          </a:ln>
-        </p:spPr>
-        <p:style>
-          <a:lnRef idx="1">
-            <a:schemeClr val="accent1"/>
-          </a:lnRef>
-          <a:fillRef idx="0">
-            <a:schemeClr val="accent1"/>
-          </a:fillRef>
-          <a:effectRef idx="0">
-            <a:schemeClr val="accent1"/>
-          </a:effectRef>
-          <a:fontRef idx="minor">
-            <a:schemeClr val="tx1"/>
-          </a:fontRef>
-        </p:style>
-      </p:cxnSp>
-      <p:sp>
-        <p:nvSpPr>
-          <p:cNvPr id="207" name="Rectángulo 35"/>
-          <p:cNvSpPr/>
-          <p:nvPr/>
-        </p:nvSpPr>
-        <p:spPr>
-          <a:xfrm>
-            <a:off x="4394613" y="5388218"/>
-            <a:ext cx="1095738" cy="221963"/>
-          </a:xfrm>
-          <a:prstGeom prst="rect">
-            <a:avLst/>
-          </a:prstGeom>
-          <a:ln>
-            <a:noFill/>
-          </a:ln>
-        </p:spPr>
-        <p:style>
-          <a:lnRef idx="2">
-            <a:schemeClr val="dk1"/>
-          </a:lnRef>
-          <a:fillRef idx="1">
-            <a:schemeClr val="lt1"/>
-          </a:fillRef>
-          <a:effectRef idx="0">
-            <a:schemeClr val="dk1"/>
-          </a:effectRef>
-          <a:fontRef idx="minor">
-            <a:schemeClr val="dk1"/>
-          </a:fontRef>
-        </p:style>
-        <p:txBody>
-          <a:bodyPr lIns="105683" tIns="52841" rIns="105683" bIns="52841" rtlCol="0" anchor="ctr"/>
-          <a:lstStyle/>
-          <a:p>
-            <a:pPr algn="ctr"/>
-            <a:r>
-              <a:rPr lang="es-CO" sz="900" dirty="0">
-                <a:solidFill>
-                  <a:schemeClr val="tx1"/>
-                </a:solidFill>
-                <a:cs typeface="Arial" pitchFamily="34" charset="0"/>
-              </a:rPr>
-              <a:t>d</a:t>
-            </a:r>
-            <a:r>
-              <a:rPr lang="es-CO" sz="900" dirty="0" smtClean="0">
-                <a:solidFill>
-                  <a:schemeClr val="tx1"/>
-                </a:solidFill>
-                <a:cs typeface="Arial" pitchFamily="34" charset="0"/>
-              </a:rPr>
-              <a:t>efinida como  </a:t>
-            </a:r>
-            <a:endParaRPr lang="es-CO" sz="900" dirty="0">
-              <a:solidFill>
-                <a:schemeClr val="tx1"/>
-              </a:solidFill>
-              <a:cs typeface="Arial" pitchFamily="34" charset="0"/>
-            </a:endParaRPr>
-          </a:p>
-        </p:txBody>
-      </p:sp>
-      <p:cxnSp>
-        <p:nvCxnSpPr>
           <p:cNvPr id="210" name="209 Conector recto"/>
           <p:cNvCxnSpPr>
             <a:stCxn id="72" idx="2"/>
-            <a:endCxn id="207" idx="0"/>
-          </p:cNvCxnSpPr>
-          <p:nvPr/>
-        </p:nvCxnSpPr>
-        <p:spPr>
-          <a:xfrm>
-            <a:off x="4939151" y="5154736"/>
-            <a:ext cx="3331" cy="233482"/>
-          </a:xfrm>
-          <a:prstGeom prst="line">
-            <a:avLst/>
-          </a:prstGeom>
-          <a:ln w="12700">
-            <a:solidFill>
-              <a:schemeClr val="tx1"/>
-            </a:solidFill>
-          </a:ln>
-        </p:spPr>
-        <p:style>
-          <a:lnRef idx="1">
-            <a:schemeClr val="accent1"/>
-          </a:lnRef>
-          <a:fillRef idx="0">
-            <a:schemeClr val="accent1"/>
-          </a:fillRef>
-          <a:effectRef idx="0">
-            <a:schemeClr val="accent1"/>
-          </a:effectRef>
-          <a:fontRef idx="minor">
-            <a:schemeClr val="tx1"/>
-          </a:fontRef>
-        </p:style>
-      </p:cxnSp>
-      <p:cxnSp>
-        <p:nvCxnSpPr>
-          <p:cNvPr id="214" name="213 Conector recto"/>
-          <p:cNvCxnSpPr>
-            <a:stCxn id="180" idx="2"/>
             <a:endCxn id="131" idx="0"/>
           </p:cNvCxnSpPr>
           <p:nvPr/>
         </p:nvCxnSpPr>
         <p:spPr>
-          <a:xfrm flipH="1">
-            <a:off x="4942488" y="6445459"/>
-            <a:ext cx="3636" cy="212821"/>
+          <a:xfrm>
+            <a:off x="4939151" y="5154736"/>
+            <a:ext cx="3337" cy="103369"/>
           </a:xfrm>
           <a:prstGeom prst="line">
             <a:avLst/>
@@ -3606,7 +2821,7 @@
         </p:nvSpPr>
         <p:spPr>
           <a:xfrm>
-            <a:off x="204485" y="5303548"/>
+            <a:off x="214010" y="5265448"/>
             <a:ext cx="1095738" cy="221963"/>
           </a:xfrm>
           <a:prstGeom prst="rect">
@@ -3664,8 +2879,8 @@
         </p:nvCxnSpPr>
         <p:spPr>
           <a:xfrm flipH="1">
-            <a:off x="752354" y="5144451"/>
-            <a:ext cx="12505" cy="159097"/>
+            <a:off x="761879" y="5144451"/>
+            <a:ext cx="2980" cy="120997"/>
           </a:xfrm>
           <a:prstGeom prst="line">
             <a:avLst/>
@@ -3699,7 +2914,7 @@
         </p:nvSpPr>
         <p:spPr>
           <a:xfrm>
-            <a:off x="107013" y="5704499"/>
+            <a:off x="123825" y="5609249"/>
             <a:ext cx="1260000" cy="715539"/>
           </a:xfrm>
           <a:prstGeom prst="rect">
@@ -3740,8 +2955,13 @@
             </a:r>
             <a:r>
               <a:rPr lang="es-ES" sz="900" dirty="0" smtClean="0"/>
-              <a:t> representa el termino </a:t>
-            </a:r>
+              <a:t> </a:t>
+            </a:r>
+            <a:r>
+              <a:rPr lang="es-ES" sz="900" dirty="0" smtClean="0"/>
+              <a:t>termino </a:t>
+            </a:r>
+            <a:endParaRPr lang="es-ES" sz="900" dirty="0" smtClean="0"/>
           </a:p>
           <a:p>
             <a:pPr algn="ctr"/>
@@ -3755,8 +2975,17 @@
             </a:r>
             <a:r>
               <a:rPr lang="es-ES" sz="900" dirty="0" smtClean="0"/>
-              <a:t>: Posición en la sucesión   </a:t>
-            </a:r>
+              <a:t>: </a:t>
+            </a:r>
+            <a:r>
+              <a:rPr lang="es-ES" sz="900" dirty="0" smtClean="0"/>
+              <a:t>p</a:t>
+            </a:r>
+            <a:r>
+              <a:rPr lang="es-ES" sz="900" dirty="0" smtClean="0"/>
+              <a:t>osición   </a:t>
+            </a:r>
+            <a:endParaRPr lang="es-ES" sz="900" dirty="0" smtClean="0"/>
           </a:p>
           <a:p>
             <a:pPr algn="ctr"/>
@@ -3780,8 +3009,8 @@
         </p:nvCxnSpPr>
         <p:spPr>
           <a:xfrm flipH="1">
-            <a:off x="737013" y="5525511"/>
-            <a:ext cx="15341" cy="178988"/>
+            <a:off x="753825" y="5487411"/>
+            <a:ext cx="8054" cy="121838"/>
           </a:xfrm>
           <a:prstGeom prst="line">
             <a:avLst/>
@@ -3815,7 +3044,7 @@
         </p:nvSpPr>
         <p:spPr>
           <a:xfrm>
-            <a:off x="194967" y="6582071"/>
+            <a:off x="204492" y="6496346"/>
             <a:ext cx="1095738" cy="221963"/>
           </a:xfrm>
           <a:prstGeom prst="rect">
@@ -3872,9 +3101,9 @@
           <p:nvPr/>
         </p:nvCxnSpPr>
         <p:spPr>
-          <a:xfrm>
-            <a:off x="737013" y="6420038"/>
-            <a:ext cx="5823" cy="162033"/>
+          <a:xfrm flipH="1">
+            <a:off x="752361" y="6324788"/>
+            <a:ext cx="1464" cy="171558"/>
           </a:xfrm>
           <a:prstGeom prst="line">
             <a:avLst/>
@@ -3908,7 +3137,7 @@
         </p:nvSpPr>
         <p:spPr>
           <a:xfrm>
-            <a:off x="107142" y="7025367"/>
+            <a:off x="116667" y="6882492"/>
             <a:ext cx="1260000" cy="715539"/>
           </a:xfrm>
           <a:prstGeom prst="rect">
@@ -3944,7 +3173,25 @@
                 </a:solidFill>
                 <a:cs typeface="Arial" pitchFamily="34" charset="0"/>
               </a:rPr>
-              <a:t>numérico o no numéricas  </a:t>
+              <a:t>n</a:t>
+            </a:r>
+            <a:r>
+              <a:rPr lang="es-CO" sz="900" dirty="0" smtClean="0">
+                <a:solidFill>
+                  <a:schemeClr val="tx1"/>
+                </a:solidFill>
+                <a:cs typeface="Arial" pitchFamily="34" charset="0"/>
+              </a:rPr>
+              <a:t>umérica o </a:t>
+            </a:r>
+            <a:r>
+              <a:rPr lang="es-CO" sz="900" dirty="0" smtClean="0">
+                <a:solidFill>
+                  <a:schemeClr val="tx1"/>
+                </a:solidFill>
+                <a:cs typeface="Arial" pitchFamily="34" charset="0"/>
+              </a:rPr>
+              <a:t>no numéricas  </a:t>
             </a:r>
             <a:endParaRPr lang="es-CO" sz="900" dirty="0">
               <a:solidFill>
@@ -3966,8 +3213,8 @@
         </p:nvCxnSpPr>
         <p:spPr>
           <a:xfrm flipH="1">
-            <a:off x="737142" y="6804034"/>
-            <a:ext cx="5694" cy="221333"/>
+            <a:off x="746667" y="6718309"/>
+            <a:ext cx="5694" cy="164183"/>
           </a:xfrm>
           <a:prstGeom prst="line">
             <a:avLst/>
@@ -4001,8 +3248,8 @@
         </p:nvSpPr>
         <p:spPr>
           <a:xfrm>
-            <a:off x="107136" y="8320812"/>
-            <a:ext cx="1260000" cy="715539"/>
+            <a:off x="97611" y="8787537"/>
+            <a:ext cx="1260000" cy="413613"/>
           </a:xfrm>
           <a:prstGeom prst="rect">
             <a:avLst/>
@@ -4030,180 +3277,39 @@
           <a:lstStyle/>
           <a:p>
             <a:pPr algn="ctr"/>
-            <a:r>
-              <a:rPr lang="es-CO" sz="900" i="1" dirty="0" err="1" smtClean="0">
-                <a:solidFill>
-                  <a:schemeClr val="tx1"/>
-                </a:solidFill>
-                <a:cs typeface="Arial" pitchFamily="34" charset="0"/>
-              </a:rPr>
-              <a:t>a</a:t>
-            </a:r>
-            <a:r>
-              <a:rPr lang="es-CO" sz="900" i="1" baseline="-25000" dirty="0" err="1" smtClean="0">
-                <a:solidFill>
-                  <a:schemeClr val="tx1"/>
-                </a:solidFill>
-                <a:cs typeface="Arial" pitchFamily="34" charset="0"/>
-              </a:rPr>
-              <a:t>n</a:t>
-            </a:r>
-            <a:r>
-              <a:rPr lang="es-CO" sz="900" dirty="0" smtClean="0">
-                <a:solidFill>
-                  <a:schemeClr val="tx1"/>
-                </a:solidFill>
-                <a:cs typeface="Arial" pitchFamily="34" charset="0"/>
-              </a:rPr>
-              <a:t> = [0,-1,-2,-3,-4,-5….]         </a:t>
-            </a:r>
-            <a:r>
-              <a:rPr lang="es-CO" sz="900" i="1" dirty="0" smtClean="0">
-                <a:solidFill>
-                  <a:schemeClr val="tx1"/>
-                </a:solidFill>
-                <a:cs typeface="Arial" pitchFamily="34" charset="0"/>
-              </a:rPr>
-              <a:t>a</a:t>
-            </a:r>
-            <a:r>
-              <a:rPr lang="es-CO" sz="900" i="1" baseline="-25000" dirty="0" smtClean="0">
-                <a:solidFill>
-                  <a:schemeClr val="tx1"/>
-                </a:solidFill>
-                <a:cs typeface="Arial" pitchFamily="34" charset="0"/>
-              </a:rPr>
-              <a:t>6 </a:t>
-            </a:r>
-            <a:r>
-              <a:rPr lang="es-CO" sz="900" dirty="0" smtClean="0">
-                <a:solidFill>
-                  <a:schemeClr val="tx1"/>
-                </a:solidFill>
-                <a:cs typeface="Arial" pitchFamily="34" charset="0"/>
-              </a:rPr>
-              <a:t>=</a:t>
-            </a:r>
-            <a:r>
-              <a:rPr lang="es-CO" sz="900" i="1" dirty="0" smtClean="0">
-                <a:solidFill>
-                  <a:schemeClr val="tx1"/>
-                </a:solidFill>
-                <a:cs typeface="Arial" pitchFamily="34" charset="0"/>
-              </a:rPr>
-              <a:t> </a:t>
-            </a:r>
-            <a:r>
-              <a:rPr lang="es-CO" sz="900" dirty="0" smtClean="0">
-                <a:solidFill>
-                  <a:schemeClr val="tx1"/>
-                </a:solidFill>
-                <a:cs typeface="Arial" pitchFamily="34" charset="0"/>
-              </a:rPr>
-              <a:t>-5 </a:t>
-            </a:r>
-          </a:p>
-          <a:p>
-            <a:pPr algn="ctr"/>
-            <a:r>
-              <a:rPr lang="es-CO" sz="900" i="1" dirty="0" err="1" smtClean="0">
-                <a:solidFill>
-                  <a:schemeClr val="tx1"/>
-                </a:solidFill>
-                <a:cs typeface="Arial" pitchFamily="34" charset="0"/>
-              </a:rPr>
-              <a:t>a</a:t>
-            </a:r>
-            <a:r>
-              <a:rPr lang="es-CO" sz="900" i="1" baseline="-25000" dirty="0" err="1" smtClean="0">
-                <a:solidFill>
-                  <a:schemeClr val="tx1"/>
-                </a:solidFill>
-                <a:cs typeface="Arial" pitchFamily="34" charset="0"/>
-              </a:rPr>
-              <a:t>n</a:t>
-            </a:r>
-            <a:r>
-              <a:rPr lang="es-CO" sz="900" baseline="-25000" dirty="0" smtClean="0">
-                <a:solidFill>
-                  <a:schemeClr val="tx1"/>
-                </a:solidFill>
-                <a:cs typeface="Arial" pitchFamily="34" charset="0"/>
-              </a:rPr>
-              <a:t>  </a:t>
-            </a:r>
-            <a:r>
-              <a:rPr lang="es-CO" sz="900" dirty="0" smtClean="0">
-                <a:solidFill>
-                  <a:schemeClr val="tx1"/>
-                </a:solidFill>
-                <a:cs typeface="Arial" pitchFamily="34" charset="0"/>
-              </a:rPr>
-              <a:t>=[Juan, Pedro, maría]</a:t>
-            </a:r>
-            <a:r>
-              <a:rPr lang="es-CO" sz="900" i="1" dirty="0" smtClean="0">
-                <a:solidFill>
-                  <a:schemeClr val="tx1"/>
-                </a:solidFill>
-                <a:cs typeface="Arial" pitchFamily="34" charset="0"/>
-              </a:rPr>
-              <a:t>   </a:t>
-            </a:r>
-            <a:r>
-              <a:rPr lang="es-CO" sz="900" i="1" dirty="0">
-                <a:solidFill>
-                  <a:schemeClr val="tx1"/>
-                </a:solidFill>
-                <a:cs typeface="Arial" pitchFamily="34" charset="0"/>
-              </a:rPr>
-              <a:t> </a:t>
-            </a:r>
-            <a:r>
-              <a:rPr lang="es-CO" sz="900" i="1" dirty="0" smtClean="0">
-                <a:solidFill>
-                  <a:schemeClr val="tx1"/>
-                </a:solidFill>
-                <a:cs typeface="Arial" pitchFamily="34" charset="0"/>
-              </a:rPr>
-              <a:t>  a</a:t>
-            </a:r>
-            <a:r>
-              <a:rPr lang="es-CO" sz="900" i="1" baseline="-25000" dirty="0" smtClean="0">
-                <a:solidFill>
-                  <a:schemeClr val="tx1"/>
+            <a:endParaRPr lang="es-CO" sz="900" dirty="0" smtClean="0">
+              <a:solidFill>
+                <a:schemeClr val="tx1"/>
+              </a:solidFill>
+              <a:cs typeface="Arial" pitchFamily="34" charset="0"/>
+            </a:endParaRPr>
+          </a:p>
+          <a:p>
+            <a:pPr algn="ctr"/>
+            <a:endParaRPr lang="es-CO" sz="900" dirty="0" smtClean="0">
+              <a:solidFill>
+                <a:schemeClr val="tx1"/>
+              </a:solidFill>
+              <a:cs typeface="Arial" pitchFamily="34" charset="0"/>
+            </a:endParaRPr>
+          </a:p>
+          <a:p>
+            <a:pPr algn="ctr"/>
+            <a:r>
+              <a:rPr lang="es-CO" sz="900" dirty="0" smtClean="0">
+                <a:solidFill>
+                  <a:srgbClr val="FF0000"/>
                 </a:solidFill>
                 <a:cs typeface="Arial" pitchFamily="34" charset="0"/>
               </a:rPr>
               <a:t>3</a:t>
             </a:r>
-            <a:r>
-              <a:rPr lang="es-CO" sz="900" dirty="0" smtClean="0">
-                <a:solidFill>
-                  <a:schemeClr val="tx1"/>
-                </a:solidFill>
-                <a:cs typeface="Arial" pitchFamily="34" charset="0"/>
-              </a:rPr>
-              <a:t>=</a:t>
-            </a:r>
-            <a:r>
-              <a:rPr lang="es-CO" sz="900" i="1" dirty="0" smtClean="0">
-                <a:solidFill>
-                  <a:schemeClr val="tx1"/>
-                </a:solidFill>
-                <a:cs typeface="Arial" pitchFamily="34" charset="0"/>
-              </a:rPr>
-              <a:t> </a:t>
-            </a:r>
-            <a:r>
-              <a:rPr lang="es-CO" sz="900" dirty="0" smtClean="0">
-                <a:solidFill>
-                  <a:schemeClr val="tx1"/>
-                </a:solidFill>
-                <a:cs typeface="Arial" pitchFamily="34" charset="0"/>
-              </a:rPr>
-              <a:t> maría </a:t>
-            </a:r>
+            <a:endParaRPr lang="es-CO" sz="900" dirty="0" smtClean="0">
+              <a:solidFill>
+                <a:srgbClr val="FF0000"/>
+              </a:solidFill>
+              <a:cs typeface="Arial" pitchFamily="34" charset="0"/>
+            </a:endParaRPr>
           </a:p>
           <a:p>
             <a:pPr algn="ctr"/>
@@ -4221,14 +3327,14 @@
           <p:cNvPr id="248" name="247 Conector recto"/>
           <p:cNvCxnSpPr>
             <a:stCxn id="252" idx="2"/>
-            <a:endCxn id="247" idx="0"/>
+            <a:endCxn id="179" idx="0"/>
           </p:cNvCxnSpPr>
           <p:nvPr/>
         </p:nvCxnSpPr>
         <p:spPr>
-          <a:xfrm flipH="1">
-            <a:off x="737136" y="8167221"/>
-            <a:ext cx="5700" cy="153591"/>
+          <a:xfrm>
+            <a:off x="742836" y="7995771"/>
+            <a:ext cx="3825" cy="153591"/>
           </a:xfrm>
           <a:prstGeom prst="line">
             <a:avLst/>
@@ -4262,7 +3368,7 @@
         </p:nvSpPr>
         <p:spPr>
           <a:xfrm>
-            <a:off x="194967" y="7945258"/>
+            <a:off x="194967" y="7773808"/>
             <a:ext cx="1095738" cy="221963"/>
           </a:xfrm>
           <a:prstGeom prst="rect">
@@ -4319,9 +3425,9 @@
           <p:nvPr/>
         </p:nvCxnSpPr>
         <p:spPr>
-          <a:xfrm>
-            <a:off x="737142" y="7740906"/>
-            <a:ext cx="5694" cy="204352"/>
+          <a:xfrm flipH="1">
+            <a:off x="742836" y="7598031"/>
+            <a:ext cx="3831" cy="175777"/>
           </a:xfrm>
           <a:prstGeom prst="line">
             <a:avLst/>
@@ -4452,7 +3558,7 @@
         </p:nvSpPr>
         <p:spPr>
           <a:xfrm>
-            <a:off x="1599424" y="5345877"/>
+            <a:off x="1599424" y="5250627"/>
             <a:ext cx="1095738" cy="221963"/>
           </a:xfrm>
           <a:prstGeom prst="rect">
@@ -4507,7 +3613,7 @@
         </p:nvSpPr>
         <p:spPr>
           <a:xfrm>
-            <a:off x="1521002" y="5712960"/>
+            <a:off x="1521002" y="5617710"/>
             <a:ext cx="1260000" cy="715539"/>
           </a:xfrm>
           <a:prstGeom prst="rect">
@@ -4544,7 +3650,15 @@
             <a:pPr algn="ctr"/>
             <a:r>
               <a:rPr lang="es-ES" sz="900" dirty="0" smtClean="0"/>
-              <a:t>Los termino son números y siguen un patrón   </a:t>
+              <a:t>es numérica y  </a:t>
+            </a:r>
+            <a:r>
+              <a:rPr lang="es-ES" sz="900" dirty="0" smtClean="0"/>
+              <a:t>siguen </a:t>
+            </a:r>
+            <a:r>
+              <a:rPr lang="es-ES" sz="900" dirty="0" smtClean="0"/>
+              <a:t>un patrón   </a:t>
             </a:r>
           </a:p>
           <a:p>
@@ -4570,7 +3684,7 @@
         <p:spPr>
           <a:xfrm>
             <a:off x="2141756" y="5152916"/>
-            <a:ext cx="5537" cy="192961"/>
+            <a:ext cx="5537" cy="97711"/>
           </a:xfrm>
           <a:prstGeom prst="line">
             <a:avLst/>
@@ -4607,7 +3721,7 @@
         </p:nvCxnSpPr>
         <p:spPr>
           <a:xfrm>
-            <a:off x="2147293" y="5567840"/>
+            <a:off x="2147293" y="5472590"/>
             <a:ext cx="3709" cy="145120"/>
           </a:xfrm>
           <a:prstGeom prst="line">
@@ -4642,7 +3756,7 @@
         </p:nvSpPr>
         <p:spPr>
           <a:xfrm>
-            <a:off x="1618481" y="6632867"/>
+            <a:off x="1608956" y="6489992"/>
             <a:ext cx="1095738" cy="221963"/>
           </a:xfrm>
           <a:prstGeom prst="rect">
@@ -4697,7 +3811,7 @@
         </p:nvSpPr>
         <p:spPr>
           <a:xfrm>
-            <a:off x="1540181" y="7033828"/>
+            <a:off x="1530656" y="6890953"/>
             <a:ext cx="1260000" cy="715539"/>
           </a:xfrm>
           <a:prstGeom prst="rect">
@@ -4733,7 +3847,16 @@
                 </a:solidFill>
                 <a:cs typeface="Arial" pitchFamily="34" charset="0"/>
               </a:rPr>
-              <a:t>Establecer una  (formula)   que la determina </a:t>
+              <a:t>Establecer una  (formula)  </a:t>
+            </a:r>
+            <a:r>
+              <a:rPr lang="es-CO" sz="900" dirty="0" smtClean="0">
+                <a:solidFill>
+                  <a:schemeClr val="tx1"/>
+                </a:solidFill>
+                <a:cs typeface="Arial" pitchFamily="34" charset="0"/>
+              </a:rPr>
+              <a:t> </a:t>
             </a:r>
             <a:endParaRPr lang="es-CO" sz="900" dirty="0">
               <a:solidFill>
@@ -4755,8 +3878,8 @@
         </p:nvCxnSpPr>
         <p:spPr>
           <a:xfrm>
-            <a:off x="2151002" y="6428499"/>
-            <a:ext cx="15348" cy="204368"/>
+            <a:off x="2151002" y="6333249"/>
+            <a:ext cx="5823" cy="156743"/>
           </a:xfrm>
           <a:prstGeom prst="line">
             <a:avLst/>
@@ -4793,7 +3916,7 @@
         </p:nvCxnSpPr>
         <p:spPr>
           <a:xfrm>
-            <a:off x="2166350" y="6854830"/>
+            <a:off x="2156825" y="6711955"/>
             <a:ext cx="3831" cy="178998"/>
           </a:xfrm>
           <a:prstGeom prst="line">
@@ -4828,7 +3951,7 @@
         </p:nvSpPr>
         <p:spPr>
           <a:xfrm>
-            <a:off x="1628006" y="7902917"/>
+            <a:off x="1608956" y="7769567"/>
             <a:ext cx="1095738" cy="221963"/>
           </a:xfrm>
           <a:prstGeom prst="rect">
@@ -4867,157 +3990,6 @@
               <a:t>ejemplos </a:t>
             </a:r>
             <a:endParaRPr lang="es-CO" sz="900" dirty="0">
-              <a:solidFill>
-                <a:schemeClr val="tx1"/>
-              </a:solidFill>
-              <a:cs typeface="Arial" pitchFamily="34" charset="0"/>
-            </a:endParaRPr>
-          </a:p>
-        </p:txBody>
-      </p:sp>
-      <p:sp>
-        <p:nvSpPr>
-          <p:cNvPr id="157" name="Rectángulo 33"/>
-          <p:cNvSpPr/>
-          <p:nvPr/>
-        </p:nvSpPr>
-        <p:spPr>
-          <a:xfrm>
-            <a:off x="1549700" y="8329273"/>
-            <a:ext cx="1260000" cy="715539"/>
-          </a:xfrm>
-          <a:prstGeom prst="rect">
-            <a:avLst/>
-          </a:prstGeom>
-          <a:solidFill>
-            <a:schemeClr val="bg1"/>
-          </a:solidFill>
-        </p:spPr>
-        <p:style>
-          <a:lnRef idx="2">
-            <a:schemeClr val="dk1"/>
-          </a:lnRef>
-          <a:fillRef idx="1">
-            <a:schemeClr val="lt1"/>
-          </a:fillRef>
-          <a:effectRef idx="0">
-            <a:schemeClr val="dk1"/>
-          </a:effectRef>
-          <a:fontRef idx="minor">
-            <a:schemeClr val="dk1"/>
-          </a:fontRef>
-        </p:style>
-        <p:txBody>
-          <a:bodyPr lIns="105683" tIns="52841" rIns="105683" bIns="52841" rtlCol="0" anchor="ctr"/>
-          <a:lstStyle/>
-          <a:p>
-            <a:pPr algn="ctr"/>
-            <a:r>
-              <a:rPr lang="es-CO" sz="900" i="1" dirty="0" err="1" smtClean="0">
-                <a:solidFill>
-                  <a:schemeClr val="tx1"/>
-                </a:solidFill>
-                <a:cs typeface="Arial" pitchFamily="34" charset="0"/>
-              </a:rPr>
-              <a:t>a</a:t>
-            </a:r>
-            <a:r>
-              <a:rPr lang="es-CO" sz="900" i="1" baseline="-25000" dirty="0" err="1" smtClean="0">
-                <a:solidFill>
-                  <a:schemeClr val="tx1"/>
-                </a:solidFill>
-                <a:cs typeface="Arial" pitchFamily="34" charset="0"/>
-              </a:rPr>
-              <a:t>n</a:t>
-            </a:r>
-            <a:r>
-              <a:rPr lang="es-CO" sz="900" dirty="0" smtClean="0">
-                <a:solidFill>
-                  <a:schemeClr val="tx1"/>
-                </a:solidFill>
-                <a:cs typeface="Arial" pitchFamily="34" charset="0"/>
-              </a:rPr>
-              <a:t> = </a:t>
-            </a:r>
-            <a:r>
-              <a:rPr lang="es-ES" sz="900" i="1" dirty="0"/>
-              <a:t>[</a:t>
-            </a:r>
-            <a:r>
-              <a:rPr lang="es-ES" sz="900" i="1" dirty="0" smtClean="0"/>
-              <a:t>1,3,5,7,9,11..]</a:t>
-            </a:r>
-            <a:endParaRPr lang="es-CO" sz="900" dirty="0"/>
-          </a:p>
-          <a:p>
-            <a:pPr algn="ctr"/>
-            <a:r>
-              <a:rPr lang="es-CO" sz="900" i="1" dirty="0" err="1">
-                <a:solidFill>
-                  <a:schemeClr val="tx1"/>
-                </a:solidFill>
-                <a:cs typeface="Arial" pitchFamily="34" charset="0"/>
-              </a:rPr>
-              <a:t>a</a:t>
-            </a:r>
-            <a:r>
-              <a:rPr lang="es-CO" sz="900" i="1" baseline="-25000" dirty="0" err="1" smtClean="0">
-                <a:solidFill>
-                  <a:schemeClr val="tx1"/>
-                </a:solidFill>
-                <a:cs typeface="Arial" pitchFamily="34" charset="0"/>
-              </a:rPr>
-              <a:t>n</a:t>
-            </a:r>
-            <a:r>
-              <a:rPr lang="es-CO" sz="900" i="1" baseline="-25000" dirty="0" smtClean="0">
-                <a:solidFill>
-                  <a:schemeClr val="tx1"/>
-                </a:solidFill>
-                <a:cs typeface="Arial" pitchFamily="34" charset="0"/>
-              </a:rPr>
-              <a:t> </a:t>
-            </a:r>
-            <a:r>
-              <a:rPr lang="es-CO" sz="900" dirty="0">
-                <a:solidFill>
-                  <a:schemeClr val="tx1"/>
-                </a:solidFill>
-                <a:cs typeface="Arial" pitchFamily="34" charset="0"/>
-              </a:rPr>
-              <a:t>= </a:t>
-            </a:r>
-            <a:r>
-              <a:rPr lang="es-CO" sz="900" dirty="0" smtClean="0">
-                <a:solidFill>
-                  <a:schemeClr val="tx1"/>
-                </a:solidFill>
-                <a:cs typeface="Arial" pitchFamily="34" charset="0"/>
-              </a:rPr>
-              <a:t> </a:t>
-            </a:r>
-            <a:r>
-              <a:rPr lang="es-CO" sz="900" i="1" dirty="0" smtClean="0">
-                <a:solidFill>
-                  <a:schemeClr val="tx1"/>
-                </a:solidFill>
-                <a:cs typeface="Arial" pitchFamily="34" charset="0"/>
-              </a:rPr>
-              <a:t>2n-1</a:t>
-            </a:r>
-          </a:p>
-          <a:p>
-            <a:pPr algn="ctr"/>
-            <a:endParaRPr lang="es-CO" sz="900" dirty="0" smtClean="0">
-              <a:solidFill>
-                <a:schemeClr val="tx1"/>
-              </a:solidFill>
-              <a:cs typeface="Arial" pitchFamily="34" charset="0"/>
-            </a:endParaRPr>
-          </a:p>
-          <a:p>
-            <a:pPr algn="ctr"/>
-            <a:endParaRPr lang="es-CO" sz="900" baseline="-25000" dirty="0">
               <a:solidFill>
                 <a:schemeClr val="tx1"/>
               </a:solidFill>
@@ -5036,9 +4008,9 @@
           <p:nvPr/>
         </p:nvCxnSpPr>
         <p:spPr>
-          <a:xfrm>
-            <a:off x="2170181" y="7749367"/>
-            <a:ext cx="5694" cy="153550"/>
+          <a:xfrm flipH="1">
+            <a:off x="2156825" y="7606492"/>
+            <a:ext cx="3831" cy="163075"/>
           </a:xfrm>
           <a:prstGeom prst="line">
             <a:avLst/>
@@ -5069,14 +4041,14 @@
           <p:cNvPr id="160" name="159 Conector recto"/>
           <p:cNvCxnSpPr>
             <a:stCxn id="156" idx="2"/>
-            <a:endCxn id="157" idx="0"/>
+            <a:endCxn id="234" idx="0"/>
           </p:cNvCxnSpPr>
           <p:nvPr/>
         </p:nvCxnSpPr>
         <p:spPr>
           <a:xfrm>
-            <a:off x="2175875" y="8124880"/>
-            <a:ext cx="3825" cy="204393"/>
+            <a:off x="2156825" y="7991530"/>
+            <a:ext cx="9061" cy="119732"/>
           </a:xfrm>
           <a:prstGeom prst="line">
             <a:avLst/>
@@ -5176,7 +4148,7 @@
         </p:nvSpPr>
         <p:spPr>
           <a:xfrm>
-            <a:off x="5769209" y="5382816"/>
+            <a:off x="5769209" y="5239941"/>
             <a:ext cx="1095738" cy="221963"/>
           </a:xfrm>
           <a:prstGeom prst="rect">
@@ -5235,7 +4207,7 @@
         <p:spPr>
           <a:xfrm flipH="1">
             <a:off x="6317078" y="5148931"/>
-            <a:ext cx="384" cy="233885"/>
+            <a:ext cx="384" cy="91010"/>
           </a:xfrm>
           <a:prstGeom prst="line">
             <a:avLst/>
@@ -5269,7 +4241,7 @@
         </p:nvSpPr>
         <p:spPr>
           <a:xfrm>
-            <a:off x="5675151" y="5741770"/>
+            <a:off x="5675151" y="5627470"/>
             <a:ext cx="895445" cy="505619"/>
           </a:xfrm>
           <a:prstGeom prst="rect">
@@ -5324,7 +4296,7 @@
         </p:nvSpPr>
         <p:spPr>
           <a:xfrm>
-            <a:off x="6807681" y="5747581"/>
+            <a:off x="6807681" y="5623756"/>
             <a:ext cx="895445" cy="505619"/>
           </a:xfrm>
           <a:prstGeom prst="rect">
@@ -5360,7 +4332,16 @@
                 </a:solidFill>
                 <a:cs typeface="Arial" pitchFamily="34" charset="0"/>
               </a:rPr>
-              <a:t>Multiplicación </a:t>
+              <a:t>m</a:t>
+            </a:r>
+            <a:r>
+              <a:rPr lang="es-CO" sz="900" dirty="0" smtClean="0">
+                <a:solidFill>
+                  <a:schemeClr val="tx1"/>
+                </a:solidFill>
+                <a:cs typeface="Arial" pitchFamily="34" charset="0"/>
+              </a:rPr>
+              <a:t>ultiplicación </a:t>
             </a:r>
             <a:endParaRPr lang="es-CO" sz="900" dirty="0">
               <a:solidFill>
@@ -5382,8 +4363,8 @@
         </p:nvCxnSpPr>
         <p:spPr>
           <a:xfrm rot="5400000">
-            <a:off x="6151481" y="5576172"/>
-            <a:ext cx="136991" cy="194204"/>
+            <a:off x="6137193" y="5447585"/>
+            <a:ext cx="165566" cy="194204"/>
           </a:xfrm>
           <a:prstGeom prst="bentConnector3">
             <a:avLst>
@@ -5422,8 +4403,8 @@
         </p:nvCxnSpPr>
         <p:spPr>
           <a:xfrm rot="16200000" flipH="1">
-            <a:off x="6714840" y="5207017"/>
-            <a:ext cx="142802" cy="938326"/>
+            <a:off x="6705315" y="5073667"/>
+            <a:ext cx="161852" cy="938326"/>
           </a:xfrm>
           <a:prstGeom prst="bentConnector3">
             <a:avLst>
@@ -5499,7 +4480,7 @@
         </p:nvSpPr>
         <p:spPr>
           <a:xfrm>
-            <a:off x="5743575" y="6431816"/>
+            <a:off x="5743575" y="6279416"/>
             <a:ext cx="756432" cy="276977"/>
           </a:xfrm>
           <a:prstGeom prst="rect">
@@ -5569,8 +4550,8 @@
         </p:nvCxnSpPr>
         <p:spPr>
           <a:xfrm flipH="1">
-            <a:off x="6121791" y="6247389"/>
-            <a:ext cx="1083" cy="184427"/>
+            <a:off x="6121791" y="6133089"/>
+            <a:ext cx="1083" cy="146327"/>
           </a:xfrm>
           <a:prstGeom prst="line">
             <a:avLst/>
@@ -5604,7 +4585,7 @@
         </p:nvSpPr>
         <p:spPr>
           <a:xfrm>
-            <a:off x="5622198" y="6881612"/>
+            <a:off x="5622198" y="6653012"/>
             <a:ext cx="992109" cy="598952"/>
           </a:xfrm>
           <a:prstGeom prst="rect">
@@ -5640,7 +4621,34 @@
                 </a:solidFill>
                 <a:cs typeface="Arial" pitchFamily="34" charset="0"/>
               </a:rPr>
-              <a:t>Componente a componente  de acuerdo a su posición     </a:t>
+              <a:t>c</a:t>
+            </a:r>
+            <a:r>
+              <a:rPr lang="es-CO" sz="900" dirty="0" smtClean="0">
+                <a:solidFill>
+                  <a:schemeClr val="tx1"/>
+                </a:solidFill>
+                <a:cs typeface="Arial" pitchFamily="34" charset="0"/>
+              </a:rPr>
+              <a:t>omponente </a:t>
+            </a:r>
+            <a:r>
+              <a:rPr lang="es-CO" sz="900" dirty="0" smtClean="0">
+                <a:solidFill>
+                  <a:schemeClr val="tx1"/>
+                </a:solidFill>
+                <a:cs typeface="Arial" pitchFamily="34" charset="0"/>
+              </a:rPr>
+              <a:t>a </a:t>
+            </a:r>
+            <a:r>
+              <a:rPr lang="es-CO" sz="900" dirty="0" smtClean="0">
+                <a:solidFill>
+                  <a:schemeClr val="tx1"/>
+                </a:solidFill>
+                <a:cs typeface="Arial" pitchFamily="34" charset="0"/>
+              </a:rPr>
+              <a:t>componente </a:t>
             </a:r>
             <a:endParaRPr lang="es-CO" sz="900" dirty="0">
               <a:solidFill>
@@ -5659,7 +4667,7 @@
         </p:nvSpPr>
         <p:spPr>
           <a:xfrm>
-            <a:off x="5695950" y="7639355"/>
+            <a:off x="5695950" y="7382180"/>
             <a:ext cx="851682" cy="110981"/>
           </a:xfrm>
           <a:prstGeom prst="rect">
@@ -5689,22 +4697,13 @@
           <a:p>
             <a:pPr algn="ctr"/>
             <a:r>
-              <a:rPr lang="es-CO" sz="900" dirty="0">
-                <a:solidFill>
-                  <a:schemeClr val="tx1"/>
-                </a:solidFill>
-                <a:cs typeface="Arial" pitchFamily="34" charset="0"/>
-              </a:rPr>
-              <a:t>e</a:t>
-            </a:r>
-            <a:r>
-              <a:rPr lang="es-CO" sz="900" dirty="0" smtClean="0">
-                <a:solidFill>
-                  <a:schemeClr val="tx1"/>
-                </a:solidFill>
-                <a:cs typeface="Arial" pitchFamily="34" charset="0"/>
-              </a:rPr>
-              <a:t>jemplos   </a:t>
+              <a:rPr lang="es-CO" sz="900" dirty="0" smtClean="0">
+                <a:solidFill>
+                  <a:schemeClr val="tx1"/>
+                </a:solidFill>
+                <a:cs typeface="Arial" pitchFamily="34" charset="0"/>
+              </a:rPr>
+              <a:t>ejemplo   </a:t>
             </a:r>
             <a:endParaRPr lang="es-CO" sz="900" dirty="0">
               <a:solidFill>
@@ -5726,8 +4725,8 @@
         </p:nvCxnSpPr>
         <p:spPr>
           <a:xfrm flipH="1">
-            <a:off x="6118253" y="6708793"/>
-            <a:ext cx="3538" cy="172819"/>
+            <a:off x="6118253" y="6556393"/>
+            <a:ext cx="3538" cy="96619"/>
           </a:xfrm>
           <a:prstGeom prst="line">
             <a:avLst/>
@@ -5764,8 +4763,8 @@
         </p:nvCxnSpPr>
         <p:spPr>
           <a:xfrm>
-            <a:off x="6118253" y="7480564"/>
-            <a:ext cx="3538" cy="158791"/>
+            <a:off x="6118253" y="7251964"/>
+            <a:ext cx="3538" cy="130216"/>
           </a:xfrm>
           <a:prstGeom prst="line">
             <a:avLst/>
@@ -5791,253 +4790,19 @@
           </a:fontRef>
         </p:style>
       </p:cxnSp>
-      <p:sp>
-        <p:nvSpPr>
-          <p:cNvPr id="200" name="Rectángulo 33"/>
-          <p:cNvSpPr/>
-          <p:nvPr/>
-        </p:nvSpPr>
-        <p:spPr>
-          <a:xfrm>
-            <a:off x="5622198" y="7976987"/>
-            <a:ext cx="1016405" cy="505619"/>
-          </a:xfrm>
-          <a:prstGeom prst="rect">
-            <a:avLst/>
-          </a:prstGeom>
-          <a:solidFill>
-            <a:schemeClr val="bg1"/>
-          </a:solidFill>
-        </p:spPr>
-        <p:style>
-          <a:lnRef idx="2">
-            <a:schemeClr val="dk1"/>
-          </a:lnRef>
-          <a:fillRef idx="1">
-            <a:schemeClr val="lt1"/>
-          </a:fillRef>
-          <a:effectRef idx="0">
-            <a:schemeClr val="dk1"/>
-          </a:effectRef>
-          <a:fontRef idx="minor">
-            <a:schemeClr val="dk1"/>
-          </a:fontRef>
-        </p:style>
-        <p:txBody>
-          <a:bodyPr lIns="105683" tIns="52841" rIns="105683" bIns="52841" rtlCol="0" anchor="ctr"/>
-          <a:lstStyle/>
-          <a:p>
-            <a:pPr algn="ctr"/>
-            <a:r>
-              <a:rPr lang="es-CO" sz="900" i="1" dirty="0" err="1">
-                <a:solidFill>
-                  <a:schemeClr val="tx1"/>
-                </a:solidFill>
-                <a:cs typeface="Arial" pitchFamily="34" charset="0"/>
-              </a:rPr>
-              <a:t>a</a:t>
-            </a:r>
-            <a:r>
-              <a:rPr lang="es-CO" sz="900" i="1" baseline="-25000" dirty="0" err="1">
-                <a:solidFill>
-                  <a:schemeClr val="tx1"/>
-                </a:solidFill>
-                <a:cs typeface="Arial" pitchFamily="34" charset="0"/>
-              </a:rPr>
-              <a:t>n</a:t>
-            </a:r>
-            <a:r>
-              <a:rPr lang="es-CO" sz="900" dirty="0">
-                <a:solidFill>
-                  <a:schemeClr val="tx1"/>
-                </a:solidFill>
-                <a:cs typeface="Arial" pitchFamily="34" charset="0"/>
-              </a:rPr>
-              <a:t> = [</a:t>
-            </a:r>
-            <a:r>
-              <a:rPr lang="es-CO" sz="900" dirty="0" smtClean="0">
-                <a:solidFill>
-                  <a:schemeClr val="tx1"/>
-                </a:solidFill>
-                <a:cs typeface="Arial" pitchFamily="34" charset="0"/>
-              </a:rPr>
-              <a:t>2,4,6…]  </a:t>
-            </a:r>
-            <a:endParaRPr lang="es-CO" sz="900" dirty="0">
-              <a:solidFill>
-                <a:schemeClr val="tx1"/>
-              </a:solidFill>
-              <a:cs typeface="Arial" pitchFamily="34" charset="0"/>
-            </a:endParaRPr>
-          </a:p>
-          <a:p>
-            <a:pPr algn="ctr"/>
-            <a:r>
-              <a:rPr lang="es-CO" sz="900" i="1" dirty="0" err="1" smtClean="0">
-                <a:solidFill>
-                  <a:schemeClr val="tx1"/>
-                </a:solidFill>
-                <a:cs typeface="Arial" pitchFamily="34" charset="0"/>
-              </a:rPr>
-              <a:t>b</a:t>
-            </a:r>
-            <a:r>
-              <a:rPr lang="es-CO" sz="900" i="1" baseline="-25000" dirty="0" err="1" smtClean="0">
-                <a:solidFill>
-                  <a:schemeClr val="tx1"/>
-                </a:solidFill>
-                <a:cs typeface="Arial" pitchFamily="34" charset="0"/>
-              </a:rPr>
-              <a:t>n</a:t>
-            </a:r>
-            <a:r>
-              <a:rPr lang="es-CO" sz="900" dirty="0" smtClean="0">
-                <a:solidFill>
-                  <a:schemeClr val="tx1"/>
-                </a:solidFill>
-                <a:cs typeface="Arial" pitchFamily="34" charset="0"/>
-              </a:rPr>
-              <a:t> </a:t>
-            </a:r>
-            <a:r>
-              <a:rPr lang="es-CO" sz="900" dirty="0">
-                <a:solidFill>
-                  <a:schemeClr val="tx1"/>
-                </a:solidFill>
-                <a:cs typeface="Arial" pitchFamily="34" charset="0"/>
-              </a:rPr>
-              <a:t>= </a:t>
-            </a:r>
-            <a:r>
-              <a:rPr lang="es-CO" sz="900" dirty="0" smtClean="0">
-                <a:solidFill>
-                  <a:schemeClr val="tx1"/>
-                </a:solidFill>
-                <a:cs typeface="Arial" pitchFamily="34" charset="0"/>
-              </a:rPr>
-              <a:t>[1,3,5…]  </a:t>
-            </a:r>
-            <a:endParaRPr lang="es-CO" sz="900" dirty="0">
-              <a:solidFill>
-                <a:schemeClr val="tx1"/>
-              </a:solidFill>
-              <a:cs typeface="Arial" pitchFamily="34" charset="0"/>
-            </a:endParaRPr>
-          </a:p>
-          <a:p>
-            <a:r>
-              <a:rPr lang="es-CO" sz="900" i="1" dirty="0" err="1">
-                <a:solidFill>
-                  <a:schemeClr val="tx1"/>
-                </a:solidFill>
-                <a:cs typeface="Arial" pitchFamily="34" charset="0"/>
-              </a:rPr>
-              <a:t>a</a:t>
-            </a:r>
-            <a:r>
-              <a:rPr lang="es-CO" sz="900" i="1" baseline="-25000" dirty="0" err="1" smtClean="0">
-                <a:solidFill>
-                  <a:schemeClr val="tx1"/>
-                </a:solidFill>
-                <a:cs typeface="Arial" pitchFamily="34" charset="0"/>
-              </a:rPr>
-              <a:t>n</a:t>
-            </a:r>
-            <a:r>
-              <a:rPr lang="es-CO" sz="900" i="1" baseline="-25000" dirty="0" smtClean="0">
-                <a:solidFill>
-                  <a:schemeClr val="tx1"/>
-                </a:solidFill>
-                <a:cs typeface="Arial" pitchFamily="34" charset="0"/>
-              </a:rPr>
-              <a:t>+</a:t>
-            </a:r>
-            <a:r>
-              <a:rPr lang="es-CO" sz="900" i="1" dirty="0">
-                <a:solidFill>
-                  <a:schemeClr val="tx1"/>
-                </a:solidFill>
-                <a:cs typeface="Arial" pitchFamily="34" charset="0"/>
-              </a:rPr>
-              <a:t> </a:t>
-            </a:r>
-            <a:r>
-              <a:rPr lang="es-CO" sz="900" i="1" dirty="0" err="1" smtClean="0">
-                <a:solidFill>
-                  <a:schemeClr val="tx1"/>
-                </a:solidFill>
-                <a:cs typeface="Arial" pitchFamily="34" charset="0"/>
-              </a:rPr>
-              <a:t>b</a:t>
-            </a:r>
-            <a:r>
-              <a:rPr lang="es-CO" sz="900" i="1" baseline="-25000" dirty="0" err="1" smtClean="0">
-                <a:solidFill>
-                  <a:schemeClr val="tx1"/>
-                </a:solidFill>
-                <a:cs typeface="Arial" pitchFamily="34" charset="0"/>
-              </a:rPr>
-              <a:t>n</a:t>
-            </a:r>
-            <a:r>
-              <a:rPr lang="es-CO" sz="900" i="1" baseline="-25000" dirty="0">
-                <a:solidFill>
-                  <a:schemeClr val="tx1"/>
-                </a:solidFill>
-                <a:cs typeface="Arial" pitchFamily="34" charset="0"/>
-              </a:rPr>
-              <a:t> </a:t>
-            </a:r>
-            <a:r>
-              <a:rPr lang="es-CO" sz="900" dirty="0" smtClean="0">
-                <a:solidFill>
-                  <a:schemeClr val="tx1"/>
-                </a:solidFill>
-                <a:cs typeface="Arial" pitchFamily="34" charset="0"/>
-              </a:rPr>
-              <a:t>=</a:t>
-            </a:r>
-            <a:r>
-              <a:rPr lang="es-CO" sz="900" dirty="0">
-                <a:solidFill>
-                  <a:schemeClr val="tx1"/>
-                </a:solidFill>
-                <a:cs typeface="Arial" pitchFamily="34" charset="0"/>
-              </a:rPr>
-              <a:t> </a:t>
-            </a:r>
-            <a:r>
-              <a:rPr lang="es-CO" sz="900" dirty="0" smtClean="0">
-                <a:solidFill>
-                  <a:schemeClr val="tx1"/>
-                </a:solidFill>
-                <a:cs typeface="Arial" pitchFamily="34" charset="0"/>
-              </a:rPr>
-              <a:t>[3,7,11…] </a:t>
-            </a:r>
-            <a:endParaRPr lang="es-CO" sz="900" dirty="0">
-              <a:solidFill>
-                <a:schemeClr val="tx1"/>
-              </a:solidFill>
-              <a:cs typeface="Arial" pitchFamily="34" charset="0"/>
-            </a:endParaRPr>
-          </a:p>
-        </p:txBody>
-      </p:sp>
       <p:cxnSp>
         <p:nvCxnSpPr>
           <p:cNvPr id="201" name="200 Conector recto"/>
           <p:cNvCxnSpPr>
             <a:stCxn id="196" idx="2"/>
-            <a:endCxn id="200" idx="0"/>
+            <a:endCxn id="303" idx="0"/>
           </p:cNvCxnSpPr>
           <p:nvPr/>
         </p:nvCxnSpPr>
         <p:spPr>
           <a:xfrm>
-            <a:off x="6121791" y="7750336"/>
-            <a:ext cx="8610" cy="226651"/>
+            <a:off x="6121791" y="7493161"/>
+            <a:ext cx="1224" cy="159976"/>
           </a:xfrm>
           <a:prstGeom prst="line">
             <a:avLst/>
@@ -6065,230 +4830,13 @@
       </p:cxnSp>
       <p:sp>
         <p:nvSpPr>
-          <p:cNvPr id="202" name="Rectángulo 33"/>
-          <p:cNvSpPr/>
-          <p:nvPr/>
-        </p:nvSpPr>
-        <p:spPr>
-          <a:xfrm>
-            <a:off x="5631723" y="8615162"/>
-            <a:ext cx="1016405" cy="505619"/>
-          </a:xfrm>
-          <a:prstGeom prst="rect">
-            <a:avLst/>
-          </a:prstGeom>
-          <a:solidFill>
-            <a:schemeClr val="bg1"/>
-          </a:solidFill>
-        </p:spPr>
-        <p:style>
-          <a:lnRef idx="2">
-            <a:schemeClr val="dk1"/>
-          </a:lnRef>
-          <a:fillRef idx="1">
-            <a:schemeClr val="lt1"/>
-          </a:fillRef>
-          <a:effectRef idx="0">
-            <a:schemeClr val="dk1"/>
-          </a:effectRef>
-          <a:fontRef idx="minor">
-            <a:schemeClr val="dk1"/>
-          </a:fontRef>
-        </p:style>
-        <p:txBody>
-          <a:bodyPr lIns="105683" tIns="52841" rIns="105683" bIns="52841" rtlCol="0" anchor="ctr"/>
-          <a:lstStyle/>
-          <a:p>
-            <a:pPr algn="ctr"/>
-            <a:r>
-              <a:rPr lang="es-CO" sz="900" i="1" dirty="0" err="1">
-                <a:solidFill>
-                  <a:schemeClr val="tx1"/>
-                </a:solidFill>
-                <a:cs typeface="Arial" pitchFamily="34" charset="0"/>
-              </a:rPr>
-              <a:t>a</a:t>
-            </a:r>
-            <a:r>
-              <a:rPr lang="es-CO" sz="900" i="1" baseline="-25000" dirty="0" err="1">
-                <a:solidFill>
-                  <a:schemeClr val="tx1"/>
-                </a:solidFill>
-                <a:cs typeface="Arial" pitchFamily="34" charset="0"/>
-              </a:rPr>
-              <a:t>n</a:t>
-            </a:r>
-            <a:r>
-              <a:rPr lang="es-CO" sz="900" dirty="0">
-                <a:solidFill>
-                  <a:schemeClr val="tx1"/>
-                </a:solidFill>
-                <a:cs typeface="Arial" pitchFamily="34" charset="0"/>
-              </a:rPr>
-              <a:t> = </a:t>
-            </a:r>
-            <a:r>
-              <a:rPr lang="es-CO" sz="900" dirty="0" smtClean="0">
-                <a:solidFill>
-                  <a:schemeClr val="tx1"/>
-                </a:solidFill>
-                <a:cs typeface="Arial" pitchFamily="34" charset="0"/>
-              </a:rPr>
-              <a:t>2n  </a:t>
-            </a:r>
-            <a:endParaRPr lang="es-CO" sz="900" dirty="0">
-              <a:solidFill>
-                <a:schemeClr val="tx1"/>
-              </a:solidFill>
-              <a:cs typeface="Arial" pitchFamily="34" charset="0"/>
-            </a:endParaRPr>
-          </a:p>
-          <a:p>
-            <a:pPr algn="ctr"/>
-            <a:r>
-              <a:rPr lang="es-CO" sz="900" i="1" dirty="0" err="1" smtClean="0">
-                <a:solidFill>
-                  <a:schemeClr val="tx1"/>
-                </a:solidFill>
-                <a:cs typeface="Arial" pitchFamily="34" charset="0"/>
-              </a:rPr>
-              <a:t>b</a:t>
-            </a:r>
-            <a:r>
-              <a:rPr lang="es-CO" sz="900" i="1" baseline="-25000" dirty="0" err="1" smtClean="0">
-                <a:solidFill>
-                  <a:schemeClr val="tx1"/>
-                </a:solidFill>
-                <a:cs typeface="Arial" pitchFamily="34" charset="0"/>
-              </a:rPr>
-              <a:t>n</a:t>
-            </a:r>
-            <a:r>
-              <a:rPr lang="es-CO" sz="900" dirty="0" smtClean="0">
-                <a:solidFill>
-                  <a:schemeClr val="tx1"/>
-                </a:solidFill>
-                <a:cs typeface="Arial" pitchFamily="34" charset="0"/>
-              </a:rPr>
-              <a:t> </a:t>
-            </a:r>
-            <a:r>
-              <a:rPr lang="es-CO" sz="900" dirty="0">
-                <a:solidFill>
-                  <a:schemeClr val="tx1"/>
-                </a:solidFill>
-                <a:cs typeface="Arial" pitchFamily="34" charset="0"/>
-              </a:rPr>
-              <a:t>= </a:t>
-            </a:r>
-            <a:r>
-              <a:rPr lang="es-CO" sz="900" dirty="0" smtClean="0">
-                <a:solidFill>
-                  <a:schemeClr val="tx1"/>
-                </a:solidFill>
-                <a:cs typeface="Arial" pitchFamily="34" charset="0"/>
-              </a:rPr>
-              <a:t>2n-1  </a:t>
-            </a:r>
-            <a:endParaRPr lang="es-CO" sz="900" dirty="0">
-              <a:solidFill>
-                <a:schemeClr val="tx1"/>
-              </a:solidFill>
-              <a:cs typeface="Arial" pitchFamily="34" charset="0"/>
-            </a:endParaRPr>
-          </a:p>
-          <a:p>
-            <a:pPr algn="ctr"/>
-            <a:r>
-              <a:rPr lang="es-CO" sz="900" i="1" dirty="0" err="1">
-                <a:solidFill>
-                  <a:schemeClr val="tx1"/>
-                </a:solidFill>
-                <a:cs typeface="Arial" pitchFamily="34" charset="0"/>
-              </a:rPr>
-              <a:t>a</a:t>
-            </a:r>
-            <a:r>
-              <a:rPr lang="es-CO" sz="900" i="1" baseline="-25000" dirty="0" err="1" smtClean="0">
-                <a:solidFill>
-                  <a:schemeClr val="tx1"/>
-                </a:solidFill>
-                <a:cs typeface="Arial" pitchFamily="34" charset="0"/>
-              </a:rPr>
-              <a:t>n</a:t>
-            </a:r>
-            <a:r>
-              <a:rPr lang="es-CO" sz="900" i="1" baseline="-25000" dirty="0" smtClean="0">
-                <a:solidFill>
-                  <a:schemeClr val="tx1"/>
-                </a:solidFill>
-                <a:cs typeface="Arial" pitchFamily="34" charset="0"/>
-              </a:rPr>
-              <a:t>+</a:t>
-            </a:r>
-            <a:r>
-              <a:rPr lang="es-CO" sz="900" i="1" dirty="0">
-                <a:solidFill>
-                  <a:schemeClr val="tx1"/>
-                </a:solidFill>
-                <a:cs typeface="Arial" pitchFamily="34" charset="0"/>
-              </a:rPr>
-              <a:t> </a:t>
-            </a:r>
-            <a:r>
-              <a:rPr lang="es-CO" sz="900" i="1" dirty="0" err="1" smtClean="0">
-                <a:solidFill>
-                  <a:schemeClr val="tx1"/>
-                </a:solidFill>
-                <a:cs typeface="Arial" pitchFamily="34" charset="0"/>
-              </a:rPr>
-              <a:t>b</a:t>
-            </a:r>
-            <a:r>
-              <a:rPr lang="es-CO" sz="900" i="1" baseline="-25000" dirty="0" err="1" smtClean="0">
-                <a:solidFill>
-                  <a:schemeClr val="tx1"/>
-                </a:solidFill>
-                <a:cs typeface="Arial" pitchFamily="34" charset="0"/>
-              </a:rPr>
-              <a:t>n</a:t>
-            </a:r>
-            <a:r>
-              <a:rPr lang="es-CO" sz="900" i="1" baseline="-25000" dirty="0">
-                <a:solidFill>
-                  <a:schemeClr val="tx1"/>
-                </a:solidFill>
-                <a:cs typeface="Arial" pitchFamily="34" charset="0"/>
-              </a:rPr>
-              <a:t> </a:t>
-            </a:r>
-            <a:r>
-              <a:rPr lang="es-CO" sz="900" dirty="0" smtClean="0">
-                <a:solidFill>
-                  <a:schemeClr val="tx1"/>
-                </a:solidFill>
-                <a:cs typeface="Arial" pitchFamily="34" charset="0"/>
-              </a:rPr>
-              <a:t>= 4n-1</a:t>
-            </a:r>
-            <a:endParaRPr lang="es-CO" sz="900" dirty="0">
-              <a:solidFill>
-                <a:schemeClr val="tx1"/>
-              </a:solidFill>
-              <a:cs typeface="Arial" pitchFamily="34" charset="0"/>
-            </a:endParaRPr>
-          </a:p>
-        </p:txBody>
-      </p:sp>
-      <p:sp>
-        <p:nvSpPr>
           <p:cNvPr id="204" name="Rectángulo 35"/>
           <p:cNvSpPr/>
           <p:nvPr/>
         </p:nvSpPr>
         <p:spPr>
           <a:xfrm>
-            <a:off x="6709194" y="6460391"/>
+            <a:off x="6709194" y="6260366"/>
             <a:ext cx="1095738" cy="276977"/>
           </a:xfrm>
           <a:prstGeom prst="rect">
@@ -6351,15 +4899,15 @@
         <p:nvCxnSpPr>
           <p:cNvPr id="205" name="204 Conector recto"/>
           <p:cNvCxnSpPr>
-            <a:stCxn id="200" idx="2"/>
-            <a:endCxn id="202" idx="0"/>
+            <a:stCxn id="303" idx="2"/>
+            <a:endCxn id="309" idx="0"/>
           </p:cNvCxnSpPr>
           <p:nvPr/>
         </p:nvCxnSpPr>
         <p:spPr>
-          <a:xfrm>
-            <a:off x="6130401" y="8482606"/>
-            <a:ext cx="9525" cy="132556"/>
+          <a:xfrm flipH="1">
+            <a:off x="6119225" y="8225034"/>
+            <a:ext cx="3790" cy="144608"/>
           </a:xfrm>
           <a:prstGeom prst="line">
             <a:avLst/>
@@ -6396,8 +4944,8 @@
         </p:nvCxnSpPr>
         <p:spPr>
           <a:xfrm>
-            <a:off x="7255404" y="6253200"/>
-            <a:ext cx="1659" cy="207191"/>
+            <a:off x="7255404" y="6129375"/>
+            <a:ext cx="1659" cy="130991"/>
           </a:xfrm>
           <a:prstGeom prst="line">
             <a:avLst/>
@@ -6431,7 +4979,7 @@
         </p:nvSpPr>
         <p:spPr>
           <a:xfrm>
-            <a:off x="6765198" y="6929237"/>
+            <a:off x="6765198" y="6653012"/>
             <a:ext cx="992109" cy="598952"/>
           </a:xfrm>
           <a:prstGeom prst="rect">
@@ -6467,7 +5015,25 @@
                 </a:solidFill>
                 <a:cs typeface="Arial" pitchFamily="34" charset="0"/>
               </a:rPr>
-              <a:t>Componente a componente  de acuerdo a su posición     </a:t>
+              <a:t>componente </a:t>
+            </a:r>
+            <a:r>
+              <a:rPr lang="es-CO" sz="900" dirty="0" smtClean="0">
+                <a:solidFill>
+                  <a:schemeClr val="tx1"/>
+                </a:solidFill>
+                <a:cs typeface="Arial" pitchFamily="34" charset="0"/>
+              </a:rPr>
+              <a:t>a componente  </a:t>
+            </a:r>
+            <a:r>
+              <a:rPr lang="es-CO" sz="900" dirty="0" smtClean="0">
+                <a:solidFill>
+                  <a:schemeClr val="tx1"/>
+                </a:solidFill>
+                <a:cs typeface="Arial" pitchFamily="34" charset="0"/>
+              </a:rPr>
+              <a:t> </a:t>
             </a:r>
             <a:endParaRPr lang="es-CO" sz="900" dirty="0">
               <a:solidFill>
@@ -6486,7 +5052,7 @@
         </p:nvSpPr>
         <p:spPr>
           <a:xfrm>
-            <a:off x="6838950" y="7677455"/>
+            <a:off x="6838950" y="7372655"/>
             <a:ext cx="851682" cy="110981"/>
           </a:xfrm>
           <a:prstGeom prst="rect">
@@ -6553,8 +5119,8 @@
         </p:nvCxnSpPr>
         <p:spPr>
           <a:xfrm>
-            <a:off x="7261253" y="7528189"/>
-            <a:ext cx="3538" cy="149266"/>
+            <a:off x="7261253" y="7251964"/>
+            <a:ext cx="3538" cy="120691"/>
           </a:xfrm>
           <a:prstGeom prst="line">
             <a:avLst/>
@@ -6588,7 +5154,7 @@
         </p:nvSpPr>
         <p:spPr>
           <a:xfrm>
-            <a:off x="6765198" y="7967462"/>
+            <a:off x="6755673" y="7653137"/>
             <a:ext cx="1039734" cy="571897"/>
           </a:xfrm>
           <a:prstGeom prst="rect">
@@ -6616,188 +5182,42 @@
           <a:bodyPr lIns="105683" tIns="52841" rIns="105683" bIns="52841" rtlCol="0" anchor="ctr"/>
           <a:lstStyle/>
           <a:p>
-            <a:r>
-              <a:rPr lang="es-CO" sz="900" i="1" dirty="0" err="1">
-                <a:solidFill>
-                  <a:schemeClr val="tx1"/>
-                </a:solidFill>
-                <a:cs typeface="Arial" pitchFamily="34" charset="0"/>
-              </a:rPr>
-              <a:t>a</a:t>
-            </a:r>
-            <a:r>
-              <a:rPr lang="es-CO" sz="900" i="1" baseline="-25000" dirty="0" err="1">
-                <a:solidFill>
-                  <a:schemeClr val="tx1"/>
-                </a:solidFill>
-                <a:cs typeface="Arial" pitchFamily="34" charset="0"/>
-              </a:rPr>
-              <a:t>n</a:t>
-            </a:r>
-            <a:r>
-              <a:rPr lang="es-CO" sz="900" dirty="0">
-                <a:solidFill>
-                  <a:schemeClr val="tx1"/>
-                </a:solidFill>
-                <a:cs typeface="Arial" pitchFamily="34" charset="0"/>
-              </a:rPr>
-              <a:t> = [</a:t>
-            </a:r>
-            <a:r>
-              <a:rPr lang="es-CO" sz="900" dirty="0" smtClean="0">
-                <a:solidFill>
-                  <a:schemeClr val="tx1"/>
-                </a:solidFill>
-                <a:cs typeface="Arial" pitchFamily="34" charset="0"/>
-              </a:rPr>
-              <a:t>2,4,6…]  </a:t>
+            <a:endParaRPr lang="es-CO" sz="900" dirty="0" smtClean="0">
+              <a:solidFill>
+                <a:schemeClr val="tx1"/>
+              </a:solidFill>
+              <a:cs typeface="Arial" pitchFamily="34" charset="0"/>
+            </a:endParaRPr>
+          </a:p>
+          <a:p>
+            <a:endParaRPr lang="es-CO" sz="900" dirty="0" smtClean="0">
+              <a:solidFill>
+                <a:schemeClr val="tx1"/>
+              </a:solidFill>
+              <a:cs typeface="Arial" pitchFamily="34" charset="0"/>
+            </a:endParaRPr>
+          </a:p>
+          <a:p>
+            <a:endParaRPr lang="es-CO" sz="900" dirty="0" smtClean="0">
+              <a:solidFill>
+                <a:schemeClr val="tx1"/>
+              </a:solidFill>
+              <a:cs typeface="Arial" pitchFamily="34" charset="0"/>
+            </a:endParaRPr>
+          </a:p>
+          <a:p>
+            <a:r>
+              <a:rPr lang="es-CO" sz="900" dirty="0" smtClean="0">
+                <a:solidFill>
+                  <a:srgbClr val="FF0000"/>
+                </a:solidFill>
+                <a:cs typeface="Arial" pitchFamily="34" charset="0"/>
+              </a:rPr>
+              <a:t>10</a:t>
             </a:r>
             <a:endParaRPr lang="es-CO" sz="900" dirty="0">
               <a:solidFill>
-                <a:schemeClr val="tx1"/>
-              </a:solidFill>
-              <a:cs typeface="Arial" pitchFamily="34" charset="0"/>
-            </a:endParaRPr>
-          </a:p>
-          <a:p>
-            <a:r>
-              <a:rPr lang="es-CO" sz="900" i="1" dirty="0" err="1" smtClean="0">
-                <a:solidFill>
-                  <a:schemeClr val="tx1"/>
-                </a:solidFill>
-                <a:cs typeface="Arial" pitchFamily="34" charset="0"/>
-              </a:rPr>
-              <a:t>b</a:t>
-            </a:r>
-            <a:r>
-              <a:rPr lang="es-CO" sz="900" i="1" baseline="-25000" dirty="0" err="1" smtClean="0">
-                <a:solidFill>
-                  <a:schemeClr val="tx1"/>
-                </a:solidFill>
-                <a:cs typeface="Arial" pitchFamily="34" charset="0"/>
-              </a:rPr>
-              <a:t>n</a:t>
-            </a:r>
-            <a:r>
-              <a:rPr lang="es-CO" sz="900" dirty="0" smtClean="0">
-                <a:solidFill>
-                  <a:schemeClr val="tx1"/>
-                </a:solidFill>
-                <a:cs typeface="Arial" pitchFamily="34" charset="0"/>
-              </a:rPr>
-              <a:t> </a:t>
-            </a:r>
-            <a:r>
-              <a:rPr lang="es-CO" sz="900" dirty="0">
-                <a:solidFill>
-                  <a:schemeClr val="tx1"/>
-                </a:solidFill>
-                <a:cs typeface="Arial" pitchFamily="34" charset="0"/>
-              </a:rPr>
-              <a:t>= </a:t>
-            </a:r>
-            <a:r>
-              <a:rPr lang="es-CO" sz="900" dirty="0" smtClean="0">
-                <a:solidFill>
-                  <a:schemeClr val="tx1"/>
-                </a:solidFill>
-                <a:cs typeface="Arial" pitchFamily="34" charset="0"/>
-              </a:rPr>
-              <a:t>[1,3,5…]     </a:t>
-            </a:r>
-            <a:r>
-              <a:rPr lang="es-CO" sz="900" i="1" dirty="0" err="1" smtClean="0">
-                <a:solidFill>
-                  <a:schemeClr val="tx1"/>
-                </a:solidFill>
-                <a:cs typeface="Arial" pitchFamily="34" charset="0"/>
-              </a:rPr>
-              <a:t>a</a:t>
-            </a:r>
-            <a:r>
-              <a:rPr lang="es-CO" sz="900" i="1" baseline="-25000" dirty="0" err="1" smtClean="0">
-                <a:solidFill>
-                  <a:schemeClr val="tx1"/>
-                </a:solidFill>
-                <a:cs typeface="Arial" pitchFamily="34" charset="0"/>
-              </a:rPr>
-              <a:t>n</a:t>
-            </a:r>
-            <a:r>
-              <a:rPr lang="es-CO" sz="900" i="1" baseline="-25000" dirty="0">
-                <a:solidFill>
-                  <a:schemeClr val="tx1"/>
-                </a:solidFill>
-                <a:cs typeface="Arial" pitchFamily="34" charset="0"/>
-              </a:rPr>
-              <a:t>.</a:t>
-            </a:r>
-            <a:r>
-              <a:rPr lang="es-CO" sz="900" i="1" dirty="0" smtClean="0">
-                <a:solidFill>
-                  <a:schemeClr val="tx1"/>
-                </a:solidFill>
-                <a:cs typeface="Arial" pitchFamily="34" charset="0"/>
-              </a:rPr>
-              <a:t> </a:t>
-            </a:r>
-            <a:r>
-              <a:rPr lang="es-CO" sz="900" i="1" dirty="0" err="1" smtClean="0">
-                <a:solidFill>
-                  <a:schemeClr val="tx1"/>
-                </a:solidFill>
-                <a:cs typeface="Arial" pitchFamily="34" charset="0"/>
-              </a:rPr>
-              <a:t>b</a:t>
-            </a:r>
-            <a:r>
-              <a:rPr lang="es-CO" sz="900" i="1" baseline="-25000" dirty="0" err="1" smtClean="0">
-                <a:solidFill>
-                  <a:schemeClr val="tx1"/>
-                </a:solidFill>
-                <a:cs typeface="Arial" pitchFamily="34" charset="0"/>
-              </a:rPr>
-              <a:t>n</a:t>
-            </a:r>
-            <a:r>
-              <a:rPr lang="es-CO" sz="900" i="1" baseline="-25000" dirty="0">
-                <a:solidFill>
-                  <a:schemeClr val="tx1"/>
-                </a:solidFill>
-                <a:cs typeface="Arial" pitchFamily="34" charset="0"/>
-              </a:rPr>
-              <a:t> </a:t>
-            </a:r>
-            <a:r>
-              <a:rPr lang="es-CO" sz="900" dirty="0" smtClean="0">
-                <a:solidFill>
-                  <a:schemeClr val="tx1"/>
-                </a:solidFill>
-                <a:cs typeface="Arial" pitchFamily="34" charset="0"/>
-              </a:rPr>
-              <a:t>=</a:t>
-            </a:r>
-            <a:r>
-              <a:rPr lang="es-CO" sz="900" dirty="0">
-                <a:solidFill>
-                  <a:schemeClr val="tx1"/>
-                </a:solidFill>
-                <a:cs typeface="Arial" pitchFamily="34" charset="0"/>
-              </a:rPr>
-              <a:t> </a:t>
-            </a:r>
-            <a:r>
-              <a:rPr lang="es-CO" sz="900" dirty="0" smtClean="0">
-                <a:solidFill>
-                  <a:schemeClr val="tx1"/>
-                </a:solidFill>
-                <a:cs typeface="Arial" pitchFamily="34" charset="0"/>
-              </a:rPr>
-              <a:t>2,12,30…] </a:t>
-            </a:r>
-            <a:endParaRPr lang="es-CO" sz="900" dirty="0">
-              <a:solidFill>
-                <a:schemeClr val="tx1"/>
+                <a:srgbClr val="FF0000"/>
               </a:solidFill>
               <a:cs typeface="Arial" pitchFamily="34" charset="0"/>
             </a:endParaRPr>
@@ -6815,8 +5235,8 @@
         </p:nvCxnSpPr>
         <p:spPr>
           <a:xfrm>
-            <a:off x="7264791" y="7788436"/>
-            <a:ext cx="20274" cy="179026"/>
+            <a:off x="7264791" y="7483636"/>
+            <a:ext cx="10749" cy="169501"/>
           </a:xfrm>
           <a:prstGeom prst="line">
             <a:avLst/>
@@ -6842,227 +5262,19 @@
           </a:fontRef>
         </p:style>
       </p:cxnSp>
-      <p:sp>
-        <p:nvSpPr>
-          <p:cNvPr id="216" name="Rectángulo 33"/>
-          <p:cNvSpPr/>
-          <p:nvPr/>
-        </p:nvSpPr>
-        <p:spPr>
-          <a:xfrm>
-            <a:off x="6774723" y="8605637"/>
-            <a:ext cx="1016405" cy="505619"/>
-          </a:xfrm>
-          <a:prstGeom prst="rect">
-            <a:avLst/>
-          </a:prstGeom>
-          <a:solidFill>
-            <a:schemeClr val="bg1"/>
-          </a:solidFill>
-        </p:spPr>
-        <p:style>
-          <a:lnRef idx="2">
-            <a:schemeClr val="dk1"/>
-          </a:lnRef>
-          <a:fillRef idx="1">
-            <a:schemeClr val="lt1"/>
-          </a:fillRef>
-          <a:effectRef idx="0">
-            <a:schemeClr val="dk1"/>
-          </a:effectRef>
-          <a:fontRef idx="minor">
-            <a:schemeClr val="dk1"/>
-          </a:fontRef>
-        </p:style>
-        <p:txBody>
-          <a:bodyPr lIns="105683" tIns="52841" rIns="105683" bIns="52841" rtlCol="0" anchor="ctr"/>
-          <a:lstStyle/>
-          <a:p>
-            <a:pPr algn="ctr"/>
-            <a:r>
-              <a:rPr lang="es-CO" sz="900" i="1" dirty="0" err="1">
-                <a:solidFill>
-                  <a:schemeClr val="tx1"/>
-                </a:solidFill>
-                <a:cs typeface="Arial" pitchFamily="34" charset="0"/>
-              </a:rPr>
-              <a:t>a</a:t>
-            </a:r>
-            <a:r>
-              <a:rPr lang="es-CO" sz="900" i="1" baseline="-25000" dirty="0" err="1">
-                <a:solidFill>
-                  <a:schemeClr val="tx1"/>
-                </a:solidFill>
-                <a:cs typeface="Arial" pitchFamily="34" charset="0"/>
-              </a:rPr>
-              <a:t>n</a:t>
-            </a:r>
-            <a:r>
-              <a:rPr lang="es-CO" sz="900" dirty="0">
-                <a:solidFill>
-                  <a:schemeClr val="tx1"/>
-                </a:solidFill>
-                <a:cs typeface="Arial" pitchFamily="34" charset="0"/>
-              </a:rPr>
-              <a:t> = </a:t>
-            </a:r>
-            <a:r>
-              <a:rPr lang="es-CO" sz="900" dirty="0" smtClean="0">
-                <a:solidFill>
-                  <a:schemeClr val="tx1"/>
-                </a:solidFill>
-                <a:cs typeface="Arial" pitchFamily="34" charset="0"/>
-              </a:rPr>
-              <a:t>2n  </a:t>
-            </a:r>
-            <a:endParaRPr lang="es-CO" sz="900" dirty="0">
-              <a:solidFill>
-                <a:schemeClr val="tx1"/>
-              </a:solidFill>
-              <a:cs typeface="Arial" pitchFamily="34" charset="0"/>
-            </a:endParaRPr>
-          </a:p>
-          <a:p>
-            <a:pPr algn="ctr"/>
-            <a:r>
-              <a:rPr lang="es-CO" sz="900" i="1" dirty="0" err="1" smtClean="0">
-                <a:solidFill>
-                  <a:schemeClr val="tx1"/>
-                </a:solidFill>
-                <a:cs typeface="Arial" pitchFamily="34" charset="0"/>
-              </a:rPr>
-              <a:t>b</a:t>
-            </a:r>
-            <a:r>
-              <a:rPr lang="es-CO" sz="900" i="1" baseline="-25000" dirty="0" err="1" smtClean="0">
-                <a:solidFill>
-                  <a:schemeClr val="tx1"/>
-                </a:solidFill>
-                <a:cs typeface="Arial" pitchFamily="34" charset="0"/>
-              </a:rPr>
-              <a:t>n</a:t>
-            </a:r>
-            <a:r>
-              <a:rPr lang="es-CO" sz="900" dirty="0" smtClean="0">
-                <a:solidFill>
-                  <a:schemeClr val="tx1"/>
-                </a:solidFill>
-                <a:cs typeface="Arial" pitchFamily="34" charset="0"/>
-              </a:rPr>
-              <a:t> </a:t>
-            </a:r>
-            <a:r>
-              <a:rPr lang="es-CO" sz="900" dirty="0">
-                <a:solidFill>
-                  <a:schemeClr val="tx1"/>
-                </a:solidFill>
-                <a:cs typeface="Arial" pitchFamily="34" charset="0"/>
-              </a:rPr>
-              <a:t>= </a:t>
-            </a:r>
-            <a:r>
-              <a:rPr lang="es-CO" sz="900" dirty="0" smtClean="0">
-                <a:solidFill>
-                  <a:schemeClr val="tx1"/>
-                </a:solidFill>
-                <a:cs typeface="Arial" pitchFamily="34" charset="0"/>
-              </a:rPr>
-              <a:t>2n-1  </a:t>
-            </a:r>
-            <a:endParaRPr lang="es-CO" sz="900" dirty="0">
-              <a:solidFill>
-                <a:schemeClr val="tx1"/>
-              </a:solidFill>
-              <a:cs typeface="Arial" pitchFamily="34" charset="0"/>
-            </a:endParaRPr>
-          </a:p>
-          <a:p>
-            <a:pPr algn="ctr"/>
-            <a:r>
-              <a:rPr lang="es-CO" sz="900" i="1" dirty="0">
-                <a:solidFill>
-                  <a:schemeClr val="tx1"/>
-                </a:solidFill>
-                <a:cs typeface="Arial" pitchFamily="34" charset="0"/>
-              </a:rPr>
-              <a:t>a</a:t>
-            </a:r>
-            <a:r>
-              <a:rPr lang="es-CO" sz="900" i="1" baseline="-25000" dirty="0" smtClean="0">
-                <a:solidFill>
-                  <a:schemeClr val="tx1"/>
-                </a:solidFill>
-                <a:cs typeface="Arial" pitchFamily="34" charset="0"/>
-              </a:rPr>
-              <a:t>n.</a:t>
-            </a:r>
-            <a:r>
-              <a:rPr lang="es-CO" sz="900" i="1" dirty="0" smtClean="0">
-                <a:solidFill>
-                  <a:schemeClr val="tx1"/>
-                </a:solidFill>
-                <a:cs typeface="Arial" pitchFamily="34" charset="0"/>
-              </a:rPr>
-              <a:t>b</a:t>
-            </a:r>
-            <a:r>
-              <a:rPr lang="es-CO" sz="900" i="1" baseline="-25000" dirty="0" smtClean="0">
-                <a:solidFill>
-                  <a:schemeClr val="tx1"/>
-                </a:solidFill>
-                <a:cs typeface="Arial" pitchFamily="34" charset="0"/>
-              </a:rPr>
-              <a:t>n </a:t>
-            </a:r>
-            <a:r>
-              <a:rPr lang="es-CO" sz="900" dirty="0" smtClean="0">
-                <a:solidFill>
-                  <a:schemeClr val="tx1"/>
-                </a:solidFill>
-                <a:cs typeface="Arial" pitchFamily="34" charset="0"/>
-              </a:rPr>
-              <a:t>= 4n</a:t>
-            </a:r>
-            <a:r>
-              <a:rPr lang="es-CO" sz="900" baseline="30000" dirty="0" smtClean="0">
-                <a:solidFill>
-                  <a:schemeClr val="tx1"/>
-                </a:solidFill>
-                <a:cs typeface="Arial" pitchFamily="34" charset="0"/>
-              </a:rPr>
-              <a:t>2</a:t>
-            </a:r>
-            <a:r>
-              <a:rPr lang="es-CO" sz="900" dirty="0" smtClean="0">
-                <a:solidFill>
-                  <a:schemeClr val="tx1"/>
-                </a:solidFill>
-                <a:cs typeface="Arial" pitchFamily="34" charset="0"/>
-              </a:rPr>
-              <a:t>-2n</a:t>
-            </a:r>
-            <a:endParaRPr lang="es-CO" sz="900" dirty="0">
-              <a:solidFill>
-                <a:schemeClr val="tx1"/>
-              </a:solidFill>
-              <a:cs typeface="Arial" pitchFamily="34" charset="0"/>
-            </a:endParaRPr>
-          </a:p>
-        </p:txBody>
-      </p:sp>
       <p:cxnSp>
         <p:nvCxnSpPr>
           <p:cNvPr id="217" name="216 Conector recto"/>
           <p:cNvCxnSpPr>
             <a:stCxn id="213" idx="2"/>
-            <a:endCxn id="216" idx="0"/>
+            <a:endCxn id="317" idx="0"/>
           </p:cNvCxnSpPr>
           <p:nvPr/>
         </p:nvCxnSpPr>
         <p:spPr>
           <a:xfrm flipH="1">
-            <a:off x="7282926" y="8539359"/>
-            <a:ext cx="2139" cy="66278"/>
+            <a:off x="7271750" y="8225034"/>
+            <a:ext cx="3790" cy="144608"/>
           </a:xfrm>
           <a:prstGeom prst="line">
             <a:avLst/>
@@ -7099,8 +5311,8 @@
         </p:nvCxnSpPr>
         <p:spPr>
           <a:xfrm>
-            <a:off x="7257063" y="6737368"/>
-            <a:ext cx="4190" cy="191869"/>
+            <a:off x="7257063" y="6537343"/>
+            <a:ext cx="4190" cy="115669"/>
           </a:xfrm>
           <a:prstGeom prst="line">
             <a:avLst/>
@@ -7426,7 +5638,16 @@
                 </a:solidFill>
                 <a:cs typeface="Arial" pitchFamily="34" charset="0"/>
               </a:rPr>
-              <a:t>Cuando   </a:t>
+              <a:t>c</a:t>
+            </a:r>
+            <a:r>
+              <a:rPr lang="es-CO" sz="900" dirty="0" smtClean="0">
+                <a:solidFill>
+                  <a:schemeClr val="tx1"/>
+                </a:solidFill>
+                <a:cs typeface="Arial" pitchFamily="34" charset="0"/>
+              </a:rPr>
+              <a:t>uando   </a:t>
             </a:r>
             <a:endParaRPr lang="es-CO" sz="900" dirty="0">
               <a:solidFill>
@@ -7645,7 +5866,16 @@
                 </a:solidFill>
                 <a:cs typeface="Arial" pitchFamily="34" charset="0"/>
               </a:rPr>
-              <a:t>Cuando   </a:t>
+              <a:t>c</a:t>
+            </a:r>
+            <a:r>
+              <a:rPr lang="es-CO" sz="900" dirty="0" smtClean="0">
+                <a:solidFill>
+                  <a:schemeClr val="tx1"/>
+                </a:solidFill>
+                <a:cs typeface="Arial" pitchFamily="34" charset="0"/>
+              </a:rPr>
+              <a:t>uando   </a:t>
             </a:r>
             <a:endParaRPr lang="es-CO" sz="900" dirty="0">
               <a:solidFill>
@@ -7750,7 +5980,16 @@
                 </a:solidFill>
                 <a:cs typeface="Arial" pitchFamily="34" charset="0"/>
               </a:rPr>
-              <a:t> por  que </a:t>
+              <a:t> por </a:t>
+            </a:r>
+            <a:r>
+              <a:rPr lang="es-CO" sz="900" dirty="0" smtClean="0">
+                <a:solidFill>
+                  <a:schemeClr val="tx1"/>
+                </a:solidFill>
+                <a:cs typeface="Arial" pitchFamily="34" charset="0"/>
+              </a:rPr>
+              <a:t> </a:t>
             </a:r>
             <a:endParaRPr lang="es-CO" sz="900" dirty="0">
               <a:solidFill>
@@ -7843,7 +6082,16 @@
                 </a:solidFill>
                 <a:cs typeface="Arial" pitchFamily="34" charset="0"/>
               </a:rPr>
-              <a:t>Existe el  termino general </a:t>
+              <a:t>el  </a:t>
+            </a:r>
+            <a:r>
+              <a:rPr lang="es-CO" sz="900" dirty="0" smtClean="0">
+                <a:solidFill>
+                  <a:schemeClr val="tx1"/>
+                </a:solidFill>
+                <a:cs typeface="Arial" pitchFamily="34" charset="0"/>
+              </a:rPr>
+              <a:t>termino general </a:t>
             </a:r>
             <a:endParaRPr lang="es-CO" sz="900" dirty="0">
               <a:solidFill>
@@ -7938,7 +6186,16 @@
                 </a:solidFill>
                 <a:cs typeface="Arial" pitchFamily="34" charset="0"/>
               </a:rPr>
-              <a:t>Se pueden sumar </a:t>
+              <a:t> </a:t>
+            </a:r>
+            <a:r>
+              <a:rPr lang="es-CO" sz="900" dirty="0" smtClean="0">
+                <a:solidFill>
+                  <a:schemeClr val="tx1"/>
+                </a:solidFill>
+                <a:cs typeface="Arial" pitchFamily="34" charset="0"/>
+              </a:rPr>
+              <a:t>sumar </a:t>
             </a:r>
             <a:r>
               <a:rPr lang="es-CO" sz="900" i="1" dirty="0" smtClean="0">
@@ -8020,7 +6277,7 @@
                 </a:solidFill>
                 <a:cs typeface="Arial" pitchFamily="34" charset="0"/>
               </a:rPr>
-              <a:t>I</a:t>
+              <a:t>i</a:t>
             </a:r>
             <a:r>
               <a:rPr lang="es-CO" sz="900" dirty="0" smtClean="0">
@@ -8038,7 +6295,25 @@
                 </a:solidFill>
                 <a:cs typeface="Arial" pitchFamily="34" charset="0"/>
               </a:rPr>
-              <a:t> k </a:t>
+              <a:t> </a:t>
+            </a:r>
+            <a:r>
+              <a:rPr lang="es-CO" sz="900" i="1" dirty="0" smtClean="0">
+                <a:solidFill>
+                  <a:schemeClr val="tx1"/>
+                </a:solidFill>
+                <a:cs typeface="Arial" pitchFamily="34" charset="0"/>
+              </a:rPr>
+              <a:t>k</a:t>
+            </a:r>
+            <a:r>
+              <a:rPr lang="es-CO" sz="900" i="1" dirty="0" smtClean="0">
+                <a:solidFill>
+                  <a:schemeClr val="tx1"/>
+                </a:solidFill>
+                <a:cs typeface="Arial" pitchFamily="34" charset="0"/>
+              </a:rPr>
+              <a:t> </a:t>
             </a:r>
             <a:r>
               <a:rPr lang="es-CO" sz="900" dirty="0" smtClean="0">
@@ -8102,7 +6377,16 @@
                 </a:solidFill>
                 <a:cs typeface="Arial" pitchFamily="34" charset="0"/>
               </a:rPr>
-              <a:t>Existe el  termino general </a:t>
+              <a:t> </a:t>
+            </a:r>
+            <a:r>
+              <a:rPr lang="es-CO" sz="900" dirty="0" smtClean="0">
+                <a:solidFill>
+                  <a:schemeClr val="tx1"/>
+                </a:solidFill>
+                <a:cs typeface="Arial" pitchFamily="34" charset="0"/>
+              </a:rPr>
+              <a:t>el  termino general </a:t>
             </a:r>
             <a:endParaRPr lang="es-CO" sz="900" dirty="0">
               <a:solidFill>
@@ -8157,25 +6441,7 @@
                 </a:solidFill>
                 <a:cs typeface="Arial" pitchFamily="34" charset="0"/>
               </a:rPr>
-              <a:t>Se </a:t>
-            </a:r>
-            <a:r>
-              <a:rPr lang="es-CO" sz="900" dirty="0" smtClean="0">
-                <a:solidFill>
-                  <a:schemeClr val="tx1"/>
-                </a:solidFill>
-                <a:cs typeface="Arial" pitchFamily="34" charset="0"/>
-              </a:rPr>
-              <a:t>pueden (</a:t>
-            </a:r>
-            <a:r>
-              <a:rPr lang="es-CO" sz="900" dirty="0" smtClean="0">
-                <a:solidFill>
-                  <a:schemeClr val="tx1"/>
-                </a:solidFill>
-                <a:cs typeface="Arial" pitchFamily="34" charset="0"/>
-              </a:rPr>
-              <a:t>+ o .) </a:t>
+              <a:t> </a:t>
             </a:r>
             <a:r>
               <a:rPr lang="es-CO" sz="900" i="1" dirty="0" smtClean="0">
@@ -8193,16 +6459,16 @@
                 </a:solidFill>
                 <a:cs typeface="Arial" pitchFamily="34" charset="0"/>
               </a:rPr>
-              <a:t> </a:t>
-            </a:r>
-            <a:r>
-              <a:rPr lang="es-CO" sz="900" dirty="0" smtClean="0">
-                <a:solidFill>
-                  <a:schemeClr val="tx1"/>
-                </a:solidFill>
-                <a:cs typeface="Arial" pitchFamily="34" charset="0"/>
-              </a:rPr>
-              <a:t>términos  consecutivos  </a:t>
+              <a:t> términos  </a:t>
+            </a:r>
+            <a:r>
+              <a:rPr lang="es-CO" sz="900" dirty="0" smtClean="0">
+                <a:solidFill>
+                  <a:schemeClr val="tx1"/>
+                </a:solidFill>
+                <a:cs typeface="Arial" pitchFamily="34" charset="0"/>
+              </a:rPr>
+              <a:t>consecutivos se suman y  se multiplican   </a:t>
             </a:r>
             <a:endParaRPr lang="es-CO" sz="900" dirty="0">
               <a:solidFill>
@@ -8349,7 +6615,16 @@
                 </a:solidFill>
                 <a:cs typeface="Arial" pitchFamily="34" charset="0"/>
               </a:rPr>
-              <a:t> por  que </a:t>
+              <a:t> por  </a:t>
+            </a:r>
+            <a:r>
+              <a:rPr lang="es-CO" sz="900" dirty="0" smtClean="0">
+                <a:solidFill>
+                  <a:schemeClr val="tx1"/>
+                </a:solidFill>
+                <a:cs typeface="Arial" pitchFamily="34" charset="0"/>
+              </a:rPr>
+              <a:t> </a:t>
             </a:r>
             <a:endParaRPr lang="es-CO" sz="900" dirty="0">
               <a:solidFill>
@@ -8442,7 +6717,7 @@
                 </a:solidFill>
                 <a:cs typeface="Arial" pitchFamily="34" charset="0"/>
               </a:rPr>
-              <a:t>Interpolar</a:t>
+              <a:t>interpolar</a:t>
             </a:r>
             <a:r>
               <a:rPr lang="es-CO" sz="900" i="1" dirty="0" smtClean="0">
@@ -8451,7 +6726,16 @@
                 </a:solidFill>
                 <a:cs typeface="Arial" pitchFamily="34" charset="0"/>
               </a:rPr>
-              <a:t> k </a:t>
+              <a:t> </a:t>
+            </a:r>
+            <a:r>
+              <a:rPr lang="es-CO" sz="900" i="1" dirty="0" smtClean="0">
+                <a:solidFill>
+                  <a:schemeClr val="tx1"/>
+                </a:solidFill>
+                <a:cs typeface="Arial" pitchFamily="34" charset="0"/>
+              </a:rPr>
+              <a:t>k </a:t>
             </a:r>
             <a:r>
               <a:rPr lang="es-CO" sz="900" dirty="0" smtClean="0">
@@ -8515,16 +6799,16 @@
                 </a:solidFill>
                 <a:cs typeface="Arial" pitchFamily="34" charset="0"/>
               </a:rPr>
-              <a:t>De la forma </a:t>
-            </a:r>
-            <a:r>
-              <a:rPr lang="es-CO" sz="900" dirty="0" smtClean="0">
-                <a:solidFill>
-                  <a:schemeClr val="tx1"/>
-                </a:solidFill>
-                <a:cs typeface="Arial" pitchFamily="34" charset="0"/>
-              </a:rPr>
-              <a:t>   </a:t>
+              <a:t>definido como </a:t>
+            </a:r>
+            <a:r>
+              <a:rPr lang="es-CO" sz="900" dirty="0" smtClean="0">
+                <a:solidFill>
+                  <a:schemeClr val="tx1"/>
+                </a:solidFill>
+                <a:cs typeface="Arial" pitchFamily="34" charset="0"/>
+              </a:rPr>
+              <a:t>    </a:t>
             </a:r>
             <a:endParaRPr lang="es-CO" sz="900" dirty="0">
               <a:solidFill>
@@ -8611,24 +6895,8 @@
           <a:p>
             <a:pPr algn="ctr"/>
             <a:r>
-              <a:rPr lang="es-CO" sz="900" i="1" dirty="0" err="1" smtClean="0"/>
-              <a:t>a</a:t>
-            </a:r>
-            <a:r>
-              <a:rPr lang="es-CO" sz="900" i="1" baseline="-25000" dirty="0" err="1" smtClean="0"/>
-              <a:t>n</a:t>
-            </a:r>
-            <a:r>
               <a:rPr lang="es-CO" sz="900" i="1" dirty="0" smtClean="0"/>
-              <a:t> = a</a:t>
-            </a:r>
-            <a:r>
-              <a:rPr lang="es-CO" sz="900" i="1" baseline="-25000" dirty="0" smtClean="0"/>
-              <a:t>1</a:t>
-            </a:r>
-            <a:r>
-              <a:rPr lang="es-CO" sz="900" i="1" dirty="0" smtClean="0"/>
-              <a:t>+(n-1).d </a:t>
+              <a:t> </a:t>
             </a:r>
             <a:r>
               <a:rPr lang="es-CO" sz="900" dirty="0" smtClean="0"/>
@@ -8643,9 +6911,30 @@
               </a:rPr>
               <a:t> </a:t>
             </a:r>
+          </a:p>
+          <a:p>
+            <a:pPr algn="ctr"/>
+            <a:endParaRPr lang="es-CO" sz="900" dirty="0" smtClean="0">
+              <a:solidFill>
+                <a:schemeClr val="tx1"/>
+              </a:solidFill>
+              <a:cs typeface="Arial" pitchFamily="34" charset="0"/>
+            </a:endParaRPr>
+          </a:p>
+          <a:p>
+            <a:pPr algn="ctr"/>
+            <a:r>
+              <a:rPr lang="es-CO" sz="900" dirty="0" smtClean="0">
+                <a:solidFill>
+                  <a:srgbClr val="FF0000"/>
+                </a:solidFill>
+                <a:cs typeface="Arial" pitchFamily="34" charset="0"/>
+              </a:rPr>
+              <a:t>12</a:t>
+            </a:r>
             <a:endParaRPr lang="es-CO" sz="900" dirty="0">
               <a:solidFill>
-                <a:schemeClr val="tx1"/>
+                <a:srgbClr val="FF0000"/>
               </a:solidFill>
               <a:cs typeface="Arial" pitchFamily="34" charset="0"/>
             </a:endParaRPr>
@@ -8734,16 +7023,25 @@
                 </a:solidFill>
                 <a:cs typeface="Arial" pitchFamily="34" charset="0"/>
               </a:rPr>
-              <a:t>Utilizando la formula   </a:t>
-            </a:r>
-            <a:r>
-              <a:rPr lang="es-CO" sz="900" dirty="0" smtClean="0">
-                <a:solidFill>
-                  <a:schemeClr val="tx1"/>
-                </a:solidFill>
-                <a:cs typeface="Arial" pitchFamily="34" charset="0"/>
-              </a:rPr>
-              <a:t>   </a:t>
+              <a:t>u</a:t>
+            </a:r>
+            <a:r>
+              <a:rPr lang="es-CO" sz="900" dirty="0" smtClean="0">
+                <a:solidFill>
+                  <a:schemeClr val="tx1"/>
+                </a:solidFill>
+                <a:cs typeface="Arial" pitchFamily="34" charset="0"/>
+              </a:rPr>
+              <a:t>tilizando </a:t>
+            </a:r>
+            <a:r>
+              <a:rPr lang="es-CO" sz="900" dirty="0" smtClean="0">
+                <a:solidFill>
+                  <a:schemeClr val="tx1"/>
+                </a:solidFill>
+                <a:cs typeface="Arial" pitchFamily="34" charset="0"/>
+              </a:rPr>
+              <a:t>la formula      </a:t>
             </a:r>
             <a:endParaRPr lang="es-CO" sz="900" dirty="0">
               <a:solidFill>
@@ -8829,9 +7127,36 @@
           <a:lstStyle/>
           <a:p>
             <a:pPr algn="ctr"/>
+            <a:endParaRPr lang="es-CO" sz="900" dirty="0" smtClean="0">
+              <a:solidFill>
+                <a:schemeClr val="tx1"/>
+              </a:solidFill>
+              <a:cs typeface="Arial" pitchFamily="34" charset="0"/>
+            </a:endParaRPr>
+          </a:p>
+          <a:p>
+            <a:pPr algn="ctr"/>
+            <a:endParaRPr lang="es-CO" sz="900" dirty="0" smtClean="0">
+              <a:solidFill>
+                <a:schemeClr val="tx1"/>
+              </a:solidFill>
+              <a:cs typeface="Arial" pitchFamily="34" charset="0"/>
+            </a:endParaRPr>
+          </a:p>
+          <a:p>
+            <a:pPr algn="ctr"/>
+            <a:r>
+              <a:rPr lang="es-CO" sz="900" dirty="0" smtClean="0">
+                <a:solidFill>
+                  <a:srgbClr val="FF0000"/>
+                </a:solidFill>
+                <a:cs typeface="Arial" pitchFamily="34" charset="0"/>
+              </a:rPr>
+              <a:t>13</a:t>
+            </a:r>
             <a:endParaRPr lang="es-CO" sz="900" dirty="0">
               <a:solidFill>
-                <a:schemeClr val="tx1"/>
+                <a:srgbClr val="FF0000"/>
               </a:solidFill>
               <a:cs typeface="Arial" pitchFamily="34" charset="0"/>
             </a:endParaRPr>
@@ -8893,7 +7218,7 @@
         </p:blipFill>
         <p:spPr bwMode="auto">
           <a:xfrm>
-            <a:off x="8859838" y="8398445"/>
+            <a:off x="8859838" y="8303195"/>
             <a:ext cx="827087" cy="242318"/>
           </a:xfrm>
           <a:prstGeom prst="rect">
@@ -8953,16 +7278,25 @@
                 </a:solidFill>
                 <a:cs typeface="Arial" pitchFamily="34" charset="0"/>
               </a:rPr>
-              <a:t>Utilizando la formula   </a:t>
-            </a:r>
-            <a:r>
-              <a:rPr lang="es-CO" sz="900" dirty="0" smtClean="0">
-                <a:solidFill>
-                  <a:schemeClr val="tx1"/>
-                </a:solidFill>
-                <a:cs typeface="Arial" pitchFamily="34" charset="0"/>
-              </a:rPr>
-              <a:t>   </a:t>
+              <a:t>u</a:t>
+            </a:r>
+            <a:r>
+              <a:rPr lang="es-CO" sz="900" dirty="0" smtClean="0">
+                <a:solidFill>
+                  <a:schemeClr val="tx1"/>
+                </a:solidFill>
+                <a:cs typeface="Arial" pitchFamily="34" charset="0"/>
+              </a:rPr>
+              <a:t>tilizando </a:t>
+            </a:r>
+            <a:r>
+              <a:rPr lang="es-CO" sz="900" dirty="0" smtClean="0">
+                <a:solidFill>
+                  <a:schemeClr val="tx1"/>
+                </a:solidFill>
+                <a:cs typeface="Arial" pitchFamily="34" charset="0"/>
+              </a:rPr>
+              <a:t>la formula      </a:t>
             </a:r>
             <a:endParaRPr lang="es-CO" sz="900" dirty="0">
               <a:solidFill>
@@ -9048,9 +7382,36 @@
           <a:lstStyle/>
           <a:p>
             <a:pPr algn="ctr"/>
+            <a:endParaRPr lang="es-CO" sz="900" dirty="0" smtClean="0">
+              <a:solidFill>
+                <a:schemeClr val="tx1"/>
+              </a:solidFill>
+              <a:cs typeface="Arial" pitchFamily="34" charset="0"/>
+            </a:endParaRPr>
+          </a:p>
+          <a:p>
+            <a:pPr algn="ctr"/>
+            <a:endParaRPr lang="es-CO" sz="900" dirty="0" smtClean="0">
+              <a:solidFill>
+                <a:schemeClr val="tx1"/>
+              </a:solidFill>
+              <a:cs typeface="Arial" pitchFamily="34" charset="0"/>
+            </a:endParaRPr>
+          </a:p>
+          <a:p>
+            <a:pPr algn="ctr"/>
+            <a:r>
+              <a:rPr lang="es-CO" sz="900" dirty="0" smtClean="0">
+                <a:solidFill>
+                  <a:srgbClr val="FF0000"/>
+                </a:solidFill>
+                <a:cs typeface="Arial" pitchFamily="34" charset="0"/>
+              </a:rPr>
+              <a:t>14</a:t>
+            </a:r>
             <a:endParaRPr lang="es-CO" sz="900" dirty="0">
               <a:solidFill>
-                <a:schemeClr val="tx1"/>
+                <a:srgbClr val="FF0000"/>
               </a:solidFill>
               <a:cs typeface="Arial" pitchFamily="34" charset="0"/>
             </a:endParaRPr>
@@ -9095,9 +7456,508 @@
           </a:fontRef>
         </p:style>
       </p:cxnSp>
+      <p:sp>
+        <p:nvSpPr>
+          <p:cNvPr id="181" name="Rectángulo 35"/>
+          <p:cNvSpPr/>
+          <p:nvPr/>
+        </p:nvSpPr>
+        <p:spPr>
+          <a:xfrm>
+            <a:off x="10848975" y="7793891"/>
+            <a:ext cx="756432" cy="276977"/>
+          </a:xfrm>
+          <a:prstGeom prst="rect">
+            <a:avLst/>
+          </a:prstGeom>
+          <a:ln>
+            <a:noFill/>
+          </a:ln>
+        </p:spPr>
+        <p:style>
+          <a:lnRef idx="2">
+            <a:schemeClr val="dk1"/>
+          </a:lnRef>
+          <a:fillRef idx="1">
+            <a:schemeClr val="lt1"/>
+          </a:fillRef>
+          <a:effectRef idx="0">
+            <a:schemeClr val="dk1"/>
+          </a:effectRef>
+          <a:fontRef idx="minor">
+            <a:schemeClr val="dk1"/>
+          </a:fontRef>
+        </p:style>
+        <p:txBody>
+          <a:bodyPr lIns="105683" tIns="52841" rIns="105683" bIns="52841" rtlCol="0" anchor="ctr"/>
+          <a:lstStyle/>
+          <a:p>
+            <a:pPr algn="ctr"/>
+            <a:r>
+              <a:rPr lang="es-CO" sz="900" dirty="0" smtClean="0">
+                <a:solidFill>
+                  <a:schemeClr val="tx1"/>
+                </a:solidFill>
+                <a:cs typeface="Arial" pitchFamily="34" charset="0"/>
+              </a:rPr>
+              <a:t>d</a:t>
+            </a:r>
+            <a:r>
+              <a:rPr lang="es-CO" sz="900" dirty="0" smtClean="0">
+                <a:solidFill>
+                  <a:schemeClr val="tx1"/>
+                </a:solidFill>
+                <a:cs typeface="Arial" pitchFamily="34" charset="0"/>
+              </a:rPr>
+              <a:t>efinido como     </a:t>
+            </a:r>
+            <a:endParaRPr lang="es-CO" sz="900" dirty="0">
+              <a:solidFill>
+                <a:schemeClr val="tx1"/>
+              </a:solidFill>
+              <a:cs typeface="Arial" pitchFamily="34" charset="0"/>
+            </a:endParaRPr>
+          </a:p>
+        </p:txBody>
+      </p:sp>
+      <p:sp>
+        <p:nvSpPr>
+          <p:cNvPr id="183" name="Rectángulo 33"/>
+          <p:cNvSpPr/>
+          <p:nvPr/>
+        </p:nvSpPr>
+        <p:spPr>
+          <a:xfrm>
+            <a:off x="10779701" y="8256903"/>
+            <a:ext cx="895445" cy="505619"/>
+          </a:xfrm>
+          <a:prstGeom prst="rect">
+            <a:avLst/>
+          </a:prstGeom>
+          <a:solidFill>
+            <a:schemeClr val="bg1"/>
+          </a:solidFill>
+        </p:spPr>
+        <p:style>
+          <a:lnRef idx="2">
+            <a:schemeClr val="dk1"/>
+          </a:lnRef>
+          <a:fillRef idx="1">
+            <a:schemeClr val="lt1"/>
+          </a:fillRef>
+          <a:effectRef idx="0">
+            <a:schemeClr val="dk1"/>
+          </a:effectRef>
+          <a:fontRef idx="minor">
+            <a:schemeClr val="dk1"/>
+          </a:fontRef>
+        </p:style>
+        <p:txBody>
+          <a:bodyPr lIns="105683" tIns="52841" rIns="105683" bIns="52841" rtlCol="0" anchor="ctr"/>
+          <a:lstStyle/>
+          <a:p>
+            <a:pPr algn="ctr"/>
+            <a:endParaRPr lang="es-CO" sz="900" dirty="0" smtClean="0">
+              <a:solidFill>
+                <a:srgbClr val="FF0000"/>
+              </a:solidFill>
+              <a:cs typeface="Arial" pitchFamily="34" charset="0"/>
+            </a:endParaRPr>
+          </a:p>
+          <a:p>
+            <a:pPr algn="ctr"/>
+            <a:endParaRPr lang="es-CO" sz="900" dirty="0" smtClean="0">
+              <a:solidFill>
+                <a:srgbClr val="FF0000"/>
+              </a:solidFill>
+              <a:cs typeface="Arial" pitchFamily="34" charset="0"/>
+            </a:endParaRPr>
+          </a:p>
+          <a:p>
+            <a:pPr algn="ctr"/>
+            <a:r>
+              <a:rPr lang="es-CO" sz="900" dirty="0" smtClean="0">
+                <a:solidFill>
+                  <a:srgbClr val="FF0000"/>
+                </a:solidFill>
+                <a:cs typeface="Arial" pitchFamily="34" charset="0"/>
+              </a:rPr>
+              <a:t>15</a:t>
+            </a:r>
+            <a:endParaRPr lang="es-CO" sz="900" dirty="0">
+              <a:solidFill>
+                <a:srgbClr val="FF0000"/>
+              </a:solidFill>
+              <a:cs typeface="Arial" pitchFamily="34" charset="0"/>
+            </a:endParaRPr>
+          </a:p>
+        </p:txBody>
+      </p:sp>
+      <p:cxnSp>
+        <p:nvCxnSpPr>
+          <p:cNvPr id="184" name="183 Conector recto"/>
+          <p:cNvCxnSpPr>
+            <a:stCxn id="181" idx="2"/>
+            <a:endCxn id="183" idx="0"/>
+          </p:cNvCxnSpPr>
+          <p:nvPr/>
+        </p:nvCxnSpPr>
+        <p:spPr>
+          <a:xfrm>
+            <a:off x="11227191" y="8070868"/>
+            <a:ext cx="233" cy="186035"/>
+          </a:xfrm>
+          <a:prstGeom prst="line">
+            <a:avLst/>
+          </a:prstGeom>
+          <a:ln w="12700">
+            <a:solidFill>
+              <a:schemeClr val="tx1"/>
+            </a:solidFill>
+          </a:ln>
+        </p:spPr>
+        <p:style>
+          <a:lnRef idx="1">
+            <a:schemeClr val="accent1"/>
+          </a:lnRef>
+          <a:fillRef idx="0">
+            <a:schemeClr val="accent1"/>
+          </a:fillRef>
+          <a:effectRef idx="0">
+            <a:schemeClr val="accent1"/>
+          </a:effectRef>
+          <a:fontRef idx="minor">
+            <a:schemeClr val="tx1"/>
+          </a:fontRef>
+        </p:style>
+      </p:cxnSp>
+      <p:cxnSp>
+        <p:nvCxnSpPr>
+          <p:cNvPr id="187" name="186 Conector recto"/>
+          <p:cNvCxnSpPr>
+            <a:stCxn id="272" idx="2"/>
+            <a:endCxn id="181" idx="0"/>
+          </p:cNvCxnSpPr>
+          <p:nvPr/>
+        </p:nvCxnSpPr>
+        <p:spPr>
+          <a:xfrm>
+            <a:off x="11217899" y="7629047"/>
+            <a:ext cx="9292" cy="164844"/>
+          </a:xfrm>
+          <a:prstGeom prst="line">
+            <a:avLst/>
+          </a:prstGeom>
+          <a:ln w="12700">
+            <a:solidFill>
+              <a:schemeClr val="tx1"/>
+            </a:solidFill>
+          </a:ln>
+        </p:spPr>
+        <p:style>
+          <a:lnRef idx="1">
+            <a:schemeClr val="accent1"/>
+          </a:lnRef>
+          <a:fillRef idx="0">
+            <a:schemeClr val="accent1"/>
+          </a:fillRef>
+          <a:effectRef idx="0">
+            <a:schemeClr val="accent1"/>
+          </a:effectRef>
+          <a:fontRef idx="minor">
+            <a:schemeClr val="tx1"/>
+          </a:fontRef>
+        </p:style>
+      </p:cxnSp>
+      <p:sp>
+        <p:nvSpPr>
+          <p:cNvPr id="192" name="Rectángulo 33"/>
+          <p:cNvSpPr/>
+          <p:nvPr/>
+        </p:nvSpPr>
+        <p:spPr>
+          <a:xfrm>
+            <a:off x="11751251" y="8237853"/>
+            <a:ext cx="895445" cy="991872"/>
+          </a:xfrm>
+          <a:prstGeom prst="rect">
+            <a:avLst/>
+          </a:prstGeom>
+          <a:solidFill>
+            <a:schemeClr val="bg1"/>
+          </a:solidFill>
+        </p:spPr>
+        <p:style>
+          <a:lnRef idx="2">
+            <a:schemeClr val="dk1"/>
+          </a:lnRef>
+          <a:fillRef idx="1">
+            <a:schemeClr val="lt1"/>
+          </a:fillRef>
+          <a:effectRef idx="0">
+            <a:schemeClr val="dk1"/>
+          </a:effectRef>
+          <a:fontRef idx="minor">
+            <a:schemeClr val="dk1"/>
+          </a:fontRef>
+        </p:style>
+        <p:txBody>
+          <a:bodyPr lIns="105683" tIns="52841" rIns="105683" bIns="52841" rtlCol="0" anchor="ctr"/>
+          <a:lstStyle/>
+          <a:p>
+            <a:endParaRPr lang="es-CO" sz="900" dirty="0" smtClean="0">
+              <a:solidFill>
+                <a:schemeClr val="tx1"/>
+              </a:solidFill>
+              <a:cs typeface="Arial" pitchFamily="34" charset="0"/>
+            </a:endParaRPr>
+          </a:p>
+          <a:p>
+            <a:r>
+              <a:rPr lang="es-CO" sz="900" dirty="0" smtClean="0">
+                <a:solidFill>
+                  <a:schemeClr val="tx1"/>
+                </a:solidFill>
+                <a:cs typeface="Arial" pitchFamily="34" charset="0"/>
+              </a:rPr>
+              <a:t>sumar:</a:t>
+            </a:r>
+            <a:r>
+              <a:rPr lang="es-CO" sz="900" dirty="0" smtClean="0">
+                <a:solidFill>
+                  <a:srgbClr val="FF0000"/>
+                </a:solidFill>
+                <a:cs typeface="Arial" pitchFamily="34" charset="0"/>
+              </a:rPr>
+              <a:t>16</a:t>
+            </a:r>
+            <a:endParaRPr lang="es-CO" sz="900" dirty="0" smtClean="0">
+              <a:solidFill>
+                <a:srgbClr val="FF0000"/>
+              </a:solidFill>
+              <a:cs typeface="Arial" pitchFamily="34" charset="0"/>
+            </a:endParaRPr>
+          </a:p>
+          <a:p>
+            <a:endParaRPr lang="es-CO" sz="900" dirty="0" smtClean="0">
+              <a:solidFill>
+                <a:schemeClr val="tx1"/>
+              </a:solidFill>
+              <a:cs typeface="Arial" pitchFamily="34" charset="0"/>
+            </a:endParaRPr>
+          </a:p>
+          <a:p>
+            <a:endParaRPr lang="es-CO" sz="900" dirty="0" smtClean="0">
+              <a:solidFill>
+                <a:schemeClr val="tx1"/>
+              </a:solidFill>
+              <a:cs typeface="Arial" pitchFamily="34" charset="0"/>
+            </a:endParaRPr>
+          </a:p>
+          <a:p>
+            <a:r>
+              <a:rPr lang="es-CO" sz="900" dirty="0" smtClean="0">
+                <a:solidFill>
+                  <a:schemeClr val="tx1"/>
+                </a:solidFill>
+                <a:cs typeface="Arial" pitchFamily="34" charset="0"/>
+              </a:rPr>
+              <a:t>m</a:t>
+            </a:r>
+            <a:r>
+              <a:rPr lang="es-CO" sz="900" dirty="0" smtClean="0">
+                <a:solidFill>
+                  <a:schemeClr val="tx1"/>
+                </a:solidFill>
+                <a:cs typeface="Arial" pitchFamily="34" charset="0"/>
+              </a:rPr>
+              <a:t>ultiplicar: </a:t>
+            </a:r>
+            <a:r>
+              <a:rPr lang="es-CO" sz="900" dirty="0" smtClean="0">
+                <a:solidFill>
+                  <a:srgbClr val="FF0000"/>
+                </a:solidFill>
+                <a:cs typeface="Arial" pitchFamily="34" charset="0"/>
+              </a:rPr>
+              <a:t>17</a:t>
+            </a:r>
+            <a:endParaRPr lang="es-CO" sz="900" dirty="0" smtClean="0">
+              <a:solidFill>
+                <a:srgbClr val="FF0000"/>
+              </a:solidFill>
+              <a:cs typeface="Arial" pitchFamily="34" charset="0"/>
+            </a:endParaRPr>
+          </a:p>
+          <a:p>
+            <a:endParaRPr lang="es-CO" sz="900" dirty="0" smtClean="0">
+              <a:solidFill>
+                <a:schemeClr val="tx1"/>
+              </a:solidFill>
+              <a:cs typeface="Arial" pitchFamily="34" charset="0"/>
+            </a:endParaRPr>
+          </a:p>
+          <a:p>
+            <a:endParaRPr lang="es-CO" sz="900" dirty="0" smtClean="0">
+              <a:solidFill>
+                <a:schemeClr val="tx1"/>
+              </a:solidFill>
+              <a:cs typeface="Arial" pitchFamily="34" charset="0"/>
+            </a:endParaRPr>
+          </a:p>
+          <a:p>
+            <a:endParaRPr lang="es-CO" sz="900" dirty="0">
+              <a:solidFill>
+                <a:schemeClr val="tx1"/>
+              </a:solidFill>
+              <a:cs typeface="Arial" pitchFamily="34" charset="0"/>
+            </a:endParaRPr>
+          </a:p>
+        </p:txBody>
+      </p:sp>
+      <p:cxnSp>
+        <p:nvCxnSpPr>
+          <p:cNvPr id="203" name="202 Conector recto"/>
+          <p:cNvCxnSpPr>
+            <a:stCxn id="220" idx="2"/>
+            <a:endCxn id="192" idx="0"/>
+          </p:cNvCxnSpPr>
+          <p:nvPr/>
+        </p:nvCxnSpPr>
+        <p:spPr>
+          <a:xfrm>
+            <a:off x="12189216" y="8032768"/>
+            <a:ext cx="9758" cy="205085"/>
+          </a:xfrm>
+          <a:prstGeom prst="line">
+            <a:avLst/>
+          </a:prstGeom>
+          <a:ln w="12700">
+            <a:solidFill>
+              <a:schemeClr val="tx1"/>
+            </a:solidFill>
+          </a:ln>
+        </p:spPr>
+        <p:style>
+          <a:lnRef idx="1">
+            <a:schemeClr val="accent1"/>
+          </a:lnRef>
+          <a:fillRef idx="0">
+            <a:schemeClr val="accent1"/>
+          </a:fillRef>
+          <a:effectRef idx="0">
+            <a:schemeClr val="accent1"/>
+          </a:effectRef>
+          <a:fontRef idx="minor">
+            <a:schemeClr val="tx1"/>
+          </a:fontRef>
+        </p:style>
+      </p:cxnSp>
+      <p:sp>
+        <p:nvSpPr>
+          <p:cNvPr id="220" name="Rectángulo 35"/>
+          <p:cNvSpPr/>
+          <p:nvPr/>
+        </p:nvSpPr>
+        <p:spPr>
+          <a:xfrm>
+            <a:off x="11763375" y="7755791"/>
+            <a:ext cx="851682" cy="276977"/>
+          </a:xfrm>
+          <a:prstGeom prst="rect">
+            <a:avLst/>
+          </a:prstGeom>
+          <a:ln>
+            <a:noFill/>
+          </a:ln>
+        </p:spPr>
+        <p:style>
+          <a:lnRef idx="2">
+            <a:schemeClr val="dk1"/>
+          </a:lnRef>
+          <a:fillRef idx="1">
+            <a:schemeClr val="lt1"/>
+          </a:fillRef>
+          <a:effectRef idx="0">
+            <a:schemeClr val="dk1"/>
+          </a:effectRef>
+          <a:fontRef idx="minor">
+            <a:schemeClr val="dk1"/>
+          </a:fontRef>
+        </p:style>
+        <p:txBody>
+          <a:bodyPr lIns="105683" tIns="52841" rIns="105683" bIns="52841" rtlCol="0" anchor="ctr"/>
+          <a:lstStyle/>
+          <a:p>
+            <a:pPr algn="ctr"/>
+            <a:r>
+              <a:rPr lang="es-CO" sz="900" dirty="0" smtClean="0">
+                <a:solidFill>
+                  <a:schemeClr val="tx1"/>
+                </a:solidFill>
+                <a:cs typeface="Arial" pitchFamily="34" charset="0"/>
+              </a:rPr>
+              <a:t>utilizando </a:t>
+            </a:r>
+            <a:r>
+              <a:rPr lang="es-CO" sz="900" dirty="0" smtClean="0">
+                <a:solidFill>
+                  <a:schemeClr val="tx1"/>
+                </a:solidFill>
+                <a:cs typeface="Arial" pitchFamily="34" charset="0"/>
+              </a:rPr>
+              <a:t>las formulas      </a:t>
+            </a:r>
+            <a:endParaRPr lang="es-CO" sz="900" dirty="0">
+              <a:solidFill>
+                <a:schemeClr val="tx1"/>
+              </a:solidFill>
+              <a:cs typeface="Arial" pitchFamily="34" charset="0"/>
+            </a:endParaRPr>
+          </a:p>
+        </p:txBody>
+      </p:sp>
+      <p:cxnSp>
+        <p:nvCxnSpPr>
+          <p:cNvPr id="223" name="222 Conector recto"/>
+          <p:cNvCxnSpPr>
+            <a:stCxn id="273" idx="2"/>
+            <a:endCxn id="220" idx="0"/>
+          </p:cNvCxnSpPr>
+          <p:nvPr/>
+        </p:nvCxnSpPr>
+        <p:spPr>
+          <a:xfrm flipH="1">
+            <a:off x="12189216" y="7629047"/>
+            <a:ext cx="233" cy="126744"/>
+          </a:xfrm>
+          <a:prstGeom prst="line">
+            <a:avLst/>
+          </a:prstGeom>
+          <a:ln w="12700">
+            <a:solidFill>
+              <a:schemeClr val="tx1"/>
+            </a:solidFill>
+          </a:ln>
+        </p:spPr>
+        <p:style>
+          <a:lnRef idx="1">
+            <a:schemeClr val="accent1"/>
+          </a:lnRef>
+          <a:fillRef idx="0">
+            <a:schemeClr val="accent1"/>
+          </a:fillRef>
+          <a:effectRef idx="0">
+            <a:schemeClr val="accent1"/>
+          </a:effectRef>
+          <a:fontRef idx="minor">
+            <a:schemeClr val="tx1"/>
+          </a:fontRef>
+        </p:style>
+      </p:cxnSp>
       <p:pic>
         <p:nvPicPr>
-          <p:cNvPr id="1028" name="Picture 4" descr="https://latex.codecogs.com/gif.latex?%5Cdpi%7B300%7D%20%5Cfn_jvn%20d%3D%5Cfrac%7Ba_%7Bn%7D-a_%7B1%7D%7D%7Bn&amp;plus;1%7D"/>
+          <p:cNvPr id="1029" name="Picture 5"/>
           <p:cNvPicPr>
             <a:picLocks noChangeAspect="1" noChangeArrowheads="1"/>
           </p:cNvPicPr>
@@ -9112,169 +7972,40 @@
         </p:blipFill>
         <p:spPr bwMode="auto">
           <a:xfrm>
-            <a:off x="9909176" y="8386763"/>
-            <a:ext cx="701674" cy="247650"/>
+            <a:off x="11791950" y="8429625"/>
+            <a:ext cx="793629" cy="245233"/>
           </a:xfrm>
           <a:prstGeom prst="rect">
             <a:avLst/>
           </a:prstGeom>
           <a:noFill/>
+          <a:ln w="9525">
+            <a:noFill/>
+            <a:miter lim="800000"/>
+            <a:headEnd/>
+            <a:tailEnd/>
+          </a:ln>
+          <a:effectLst/>
         </p:spPr>
       </p:pic>
-      <p:sp>
-        <p:nvSpPr>
-          <p:cNvPr id="181" name="Rectángulo 35"/>
-          <p:cNvSpPr/>
-          <p:nvPr/>
-        </p:nvSpPr>
-        <p:spPr>
-          <a:xfrm>
-            <a:off x="10839450" y="7841516"/>
-            <a:ext cx="756432" cy="276977"/>
-          </a:xfrm>
-          <a:prstGeom prst="rect">
-            <a:avLst/>
-          </a:prstGeom>
-          <a:ln>
-            <a:noFill/>
-          </a:ln>
-        </p:spPr>
-        <p:style>
-          <a:lnRef idx="2">
-            <a:schemeClr val="dk1"/>
-          </a:lnRef>
-          <a:fillRef idx="1">
-            <a:schemeClr val="lt1"/>
-          </a:fillRef>
-          <a:effectRef idx="0">
-            <a:schemeClr val="dk1"/>
-          </a:effectRef>
-          <a:fontRef idx="minor">
-            <a:schemeClr val="dk1"/>
-          </a:fontRef>
-        </p:style>
-        <p:txBody>
-          <a:bodyPr lIns="105683" tIns="52841" rIns="105683" bIns="52841" rtlCol="0" anchor="ctr"/>
-          <a:lstStyle/>
-          <a:p>
-            <a:pPr algn="ctr"/>
-            <a:r>
-              <a:rPr lang="es-CO" sz="900" dirty="0" smtClean="0">
-                <a:solidFill>
-                  <a:schemeClr val="tx1"/>
-                </a:solidFill>
-                <a:cs typeface="Arial" pitchFamily="34" charset="0"/>
-              </a:rPr>
-              <a:t>De la forma </a:t>
-            </a:r>
-            <a:r>
-              <a:rPr lang="es-CO" sz="900" dirty="0" smtClean="0">
-                <a:solidFill>
-                  <a:schemeClr val="tx1"/>
-                </a:solidFill>
-                <a:cs typeface="Arial" pitchFamily="34" charset="0"/>
-              </a:rPr>
-              <a:t>   </a:t>
-            </a:r>
-            <a:endParaRPr lang="es-CO" sz="900" dirty="0">
-              <a:solidFill>
-                <a:schemeClr val="tx1"/>
-              </a:solidFill>
-              <a:cs typeface="Arial" pitchFamily="34" charset="0"/>
-            </a:endParaRPr>
-          </a:p>
-        </p:txBody>
-      </p:sp>
-      <p:sp>
-        <p:nvSpPr>
-          <p:cNvPr id="183" name="Rectángulo 33"/>
-          <p:cNvSpPr/>
-          <p:nvPr/>
-        </p:nvSpPr>
-        <p:spPr>
-          <a:xfrm>
-            <a:off x="10779701" y="8256903"/>
-            <a:ext cx="895445" cy="505619"/>
-          </a:xfrm>
-          <a:prstGeom prst="rect">
-            <a:avLst/>
-          </a:prstGeom>
-          <a:solidFill>
-            <a:schemeClr val="bg1"/>
-          </a:solidFill>
-        </p:spPr>
-        <p:style>
-          <a:lnRef idx="2">
-            <a:schemeClr val="dk1"/>
-          </a:lnRef>
-          <a:fillRef idx="1">
-            <a:schemeClr val="lt1"/>
-          </a:fillRef>
-          <a:effectRef idx="0">
-            <a:schemeClr val="dk1"/>
-          </a:effectRef>
-          <a:fontRef idx="minor">
-            <a:schemeClr val="dk1"/>
-          </a:fontRef>
-        </p:style>
-        <p:txBody>
-          <a:bodyPr lIns="105683" tIns="52841" rIns="105683" bIns="52841" rtlCol="0" anchor="ctr"/>
-          <a:lstStyle/>
-          <a:p>
-            <a:pPr algn="ctr"/>
-            <a:r>
-              <a:rPr lang="es-CO" sz="900" i="1" dirty="0" smtClean="0"/>
-              <a:t> </a:t>
-            </a:r>
-            <a:r>
-              <a:rPr lang="es-CO" sz="900" i="1" dirty="0" err="1" smtClean="0"/>
-              <a:t>a</a:t>
-            </a:r>
-            <a:r>
-              <a:rPr lang="es-CO" sz="900" i="1" baseline="-25000" dirty="0" err="1" smtClean="0"/>
-              <a:t>n</a:t>
-            </a:r>
-            <a:r>
-              <a:rPr lang="es-CO" sz="900" i="1" dirty="0" smtClean="0"/>
-              <a:t> = a</a:t>
-            </a:r>
-            <a:r>
-              <a:rPr lang="es-CO" sz="900" i="1" baseline="-25000" dirty="0" smtClean="0"/>
-              <a:t>1</a:t>
-            </a:r>
-            <a:r>
-              <a:rPr lang="es-CO" sz="900" i="1" dirty="0" smtClean="0"/>
-              <a:t>.r</a:t>
-            </a:r>
-            <a:r>
-              <a:rPr lang="es-CO" sz="900" i="1" baseline="30000" dirty="0" smtClean="0"/>
-              <a:t>n-1</a:t>
-            </a:r>
-            <a:endParaRPr lang="es-CO" sz="900" dirty="0">
-              <a:solidFill>
-                <a:schemeClr val="tx1"/>
-              </a:solidFill>
-              <a:cs typeface="Arial" pitchFamily="34" charset="0"/>
-            </a:endParaRPr>
-          </a:p>
-        </p:txBody>
-      </p:sp>
       <p:cxnSp>
         <p:nvCxnSpPr>
-          <p:cNvPr id="184" name="183 Conector recto"/>
+          <p:cNvPr id="228" name="160 Conector angular"/>
           <p:cNvCxnSpPr>
-            <a:stCxn id="181" idx="2"/>
-            <a:endCxn id="183" idx="0"/>
+            <a:stCxn id="280" idx="2"/>
+            <a:endCxn id="272" idx="0"/>
           </p:cNvCxnSpPr>
           <p:nvPr/>
         </p:nvCxnSpPr>
         <p:spPr>
-          <a:xfrm>
-            <a:off x="11217666" y="8118493"/>
-            <a:ext cx="9758" cy="138410"/>
-          </a:xfrm>
-          <a:prstGeom prst="line">
-            <a:avLst/>
+          <a:xfrm rot="5400000">
+            <a:off x="11367646" y="6733752"/>
+            <a:ext cx="239930" cy="539423"/>
+          </a:xfrm>
+          <a:prstGeom prst="bentConnector3">
+            <a:avLst>
+              <a:gd name="adj1" fmla="val 50000"/>
+            </a:avLst>
           </a:prstGeom>
           <a:ln w="12700">
             <a:solidFill>
@@ -9299,20 +8030,22 @@
       </p:cxnSp>
       <p:cxnSp>
         <p:nvCxnSpPr>
-          <p:cNvPr id="187" name="186 Conector recto"/>
+          <p:cNvPr id="233" name="160 Conector angular"/>
           <p:cNvCxnSpPr>
-            <a:stCxn id="272" idx="2"/>
-            <a:endCxn id="181" idx="0"/>
+            <a:stCxn id="280" idx="2"/>
+            <a:endCxn id="273" idx="0"/>
           </p:cNvCxnSpPr>
           <p:nvPr/>
         </p:nvCxnSpPr>
         <p:spPr>
-          <a:xfrm flipH="1">
-            <a:off x="11217666" y="7629047"/>
-            <a:ext cx="233" cy="212469"/>
-          </a:xfrm>
-          <a:prstGeom prst="line">
-            <a:avLst/>
+          <a:xfrm rot="16200000" flipH="1">
+            <a:off x="11853420" y="6787399"/>
+            <a:ext cx="239930" cy="432127"/>
+          </a:xfrm>
+          <a:prstGeom prst="bentConnector3">
+            <a:avLst>
+              <a:gd name="adj1" fmla="val 50000"/>
+            </a:avLst>
           </a:prstGeom>
           <a:ln w="12700">
             <a:solidFill>
@@ -9335,256 +8068,9 @@
           </a:fontRef>
         </p:style>
       </p:cxnSp>
-      <p:sp>
-        <p:nvSpPr>
-          <p:cNvPr id="192" name="Rectángulo 33"/>
-          <p:cNvSpPr/>
-          <p:nvPr/>
-        </p:nvSpPr>
-        <p:spPr>
-          <a:xfrm>
-            <a:off x="11751251" y="8237853"/>
-            <a:ext cx="895445" cy="991872"/>
-          </a:xfrm>
-          <a:prstGeom prst="rect">
-            <a:avLst/>
-          </a:prstGeom>
-          <a:solidFill>
-            <a:schemeClr val="bg1"/>
-          </a:solidFill>
-        </p:spPr>
-        <p:style>
-          <a:lnRef idx="2">
-            <a:schemeClr val="dk1"/>
-          </a:lnRef>
-          <a:fillRef idx="1">
-            <a:schemeClr val="lt1"/>
-          </a:fillRef>
-          <a:effectRef idx="0">
-            <a:schemeClr val="dk1"/>
-          </a:effectRef>
-          <a:fontRef idx="minor">
-            <a:schemeClr val="dk1"/>
-          </a:fontRef>
-        </p:style>
-        <p:txBody>
-          <a:bodyPr lIns="105683" tIns="52841" rIns="105683" bIns="52841" rtlCol="0" anchor="ctr"/>
-          <a:lstStyle/>
-          <a:p>
-            <a:endParaRPr lang="es-CO" sz="900" dirty="0" smtClean="0">
-              <a:solidFill>
-                <a:schemeClr val="tx1"/>
-              </a:solidFill>
-              <a:cs typeface="Arial" pitchFamily="34" charset="0"/>
-            </a:endParaRPr>
-          </a:p>
-          <a:p>
-            <a:r>
-              <a:rPr lang="es-CO" sz="900" dirty="0" smtClean="0">
-                <a:solidFill>
-                  <a:schemeClr val="tx1"/>
-                </a:solidFill>
-                <a:cs typeface="Arial" pitchFamily="34" charset="0"/>
-              </a:rPr>
-              <a:t>Sumar:</a:t>
-            </a:r>
-          </a:p>
-          <a:p>
-            <a:endParaRPr lang="es-CO" sz="900" dirty="0" smtClean="0">
-              <a:solidFill>
-                <a:schemeClr val="tx1"/>
-              </a:solidFill>
-              <a:cs typeface="Arial" pitchFamily="34" charset="0"/>
-            </a:endParaRPr>
-          </a:p>
-          <a:p>
-            <a:endParaRPr lang="es-CO" sz="900" dirty="0" smtClean="0">
-              <a:solidFill>
-                <a:schemeClr val="tx1"/>
-              </a:solidFill>
-              <a:cs typeface="Arial" pitchFamily="34" charset="0"/>
-            </a:endParaRPr>
-          </a:p>
-          <a:p>
-            <a:r>
-              <a:rPr lang="es-CO" sz="900" dirty="0" smtClean="0">
-                <a:solidFill>
-                  <a:schemeClr val="tx1"/>
-                </a:solidFill>
-                <a:cs typeface="Arial" pitchFamily="34" charset="0"/>
-              </a:rPr>
-              <a:t>Multiplicar:</a:t>
-            </a:r>
-          </a:p>
-          <a:p>
-            <a:endParaRPr lang="es-CO" sz="900" dirty="0" smtClean="0">
-              <a:solidFill>
-                <a:schemeClr val="tx1"/>
-              </a:solidFill>
-              <a:cs typeface="Arial" pitchFamily="34" charset="0"/>
-            </a:endParaRPr>
-          </a:p>
-          <a:p>
-            <a:endParaRPr lang="es-CO" sz="900" dirty="0" smtClean="0">
-              <a:solidFill>
-                <a:schemeClr val="tx1"/>
-              </a:solidFill>
-              <a:cs typeface="Arial" pitchFamily="34" charset="0"/>
-            </a:endParaRPr>
-          </a:p>
-          <a:p>
-            <a:endParaRPr lang="es-CO" sz="900" dirty="0">
-              <a:solidFill>
-                <a:schemeClr val="tx1"/>
-              </a:solidFill>
-              <a:cs typeface="Arial" pitchFamily="34" charset="0"/>
-            </a:endParaRPr>
-          </a:p>
-        </p:txBody>
-      </p:sp>
-      <p:cxnSp>
-        <p:nvCxnSpPr>
-          <p:cNvPr id="203" name="202 Conector recto"/>
-          <p:cNvCxnSpPr>
-            <a:stCxn id="220" idx="2"/>
-            <a:endCxn id="192" idx="0"/>
-          </p:cNvCxnSpPr>
-          <p:nvPr/>
-        </p:nvCxnSpPr>
-        <p:spPr>
-          <a:xfrm>
-            <a:off x="12189216" y="8032768"/>
-            <a:ext cx="9758" cy="205085"/>
-          </a:xfrm>
-          <a:prstGeom prst="line">
-            <a:avLst/>
-          </a:prstGeom>
-          <a:ln w="12700">
-            <a:solidFill>
-              <a:schemeClr val="tx1"/>
-            </a:solidFill>
-          </a:ln>
-        </p:spPr>
-        <p:style>
-          <a:lnRef idx="1">
-            <a:schemeClr val="accent1"/>
-          </a:lnRef>
-          <a:fillRef idx="0">
-            <a:schemeClr val="accent1"/>
-          </a:fillRef>
-          <a:effectRef idx="0">
-            <a:schemeClr val="accent1"/>
-          </a:effectRef>
-          <a:fontRef idx="minor">
-            <a:schemeClr val="tx1"/>
-          </a:fontRef>
-        </p:style>
-      </p:cxnSp>
-      <p:sp>
-        <p:nvSpPr>
-          <p:cNvPr id="220" name="Rectángulo 35"/>
-          <p:cNvSpPr/>
-          <p:nvPr/>
-        </p:nvSpPr>
-        <p:spPr>
-          <a:xfrm>
-            <a:off x="11763375" y="7755791"/>
-            <a:ext cx="851682" cy="276977"/>
-          </a:xfrm>
-          <a:prstGeom prst="rect">
-            <a:avLst/>
-          </a:prstGeom>
-          <a:ln>
-            <a:noFill/>
-          </a:ln>
-        </p:spPr>
-        <p:style>
-          <a:lnRef idx="2">
-            <a:schemeClr val="dk1"/>
-          </a:lnRef>
-          <a:fillRef idx="1">
-            <a:schemeClr val="lt1"/>
-          </a:fillRef>
-          <a:effectRef idx="0">
-            <a:schemeClr val="dk1"/>
-          </a:effectRef>
-          <a:fontRef idx="minor">
-            <a:schemeClr val="dk1"/>
-          </a:fontRef>
-        </p:style>
-        <p:txBody>
-          <a:bodyPr lIns="105683" tIns="52841" rIns="105683" bIns="52841" rtlCol="0" anchor="ctr"/>
-          <a:lstStyle/>
-          <a:p>
-            <a:pPr algn="ctr"/>
-            <a:r>
-              <a:rPr lang="es-CO" sz="900" dirty="0" smtClean="0">
-                <a:solidFill>
-                  <a:schemeClr val="tx1"/>
-                </a:solidFill>
-                <a:cs typeface="Arial" pitchFamily="34" charset="0"/>
-              </a:rPr>
-              <a:t>Utilizando las formulas   </a:t>
-            </a:r>
-            <a:r>
-              <a:rPr lang="es-CO" sz="900" dirty="0" smtClean="0">
-                <a:solidFill>
-                  <a:schemeClr val="tx1"/>
-                </a:solidFill>
-                <a:cs typeface="Arial" pitchFamily="34" charset="0"/>
-              </a:rPr>
-              <a:t>   </a:t>
-            </a:r>
-            <a:endParaRPr lang="es-CO" sz="900" dirty="0">
-              <a:solidFill>
-                <a:schemeClr val="tx1"/>
-              </a:solidFill>
-              <a:cs typeface="Arial" pitchFamily="34" charset="0"/>
-            </a:endParaRPr>
-          </a:p>
-        </p:txBody>
-      </p:sp>
-      <p:cxnSp>
-        <p:nvCxnSpPr>
-          <p:cNvPr id="223" name="222 Conector recto"/>
-          <p:cNvCxnSpPr>
-            <a:stCxn id="273" idx="2"/>
-            <a:endCxn id="220" idx="0"/>
-          </p:cNvCxnSpPr>
-          <p:nvPr/>
-        </p:nvCxnSpPr>
-        <p:spPr>
-          <a:xfrm flipH="1">
-            <a:off x="12189216" y="7629047"/>
-            <a:ext cx="233" cy="126744"/>
-          </a:xfrm>
-          <a:prstGeom prst="line">
-            <a:avLst/>
-          </a:prstGeom>
-          <a:ln w="12700">
-            <a:solidFill>
-              <a:schemeClr val="tx1"/>
-            </a:solidFill>
-          </a:ln>
-        </p:spPr>
-        <p:style>
-          <a:lnRef idx="1">
-            <a:schemeClr val="accent1"/>
-          </a:lnRef>
-          <a:fillRef idx="0">
-            <a:schemeClr val="accent1"/>
-          </a:fillRef>
-          <a:effectRef idx="0">
-            <a:schemeClr val="accent1"/>
-          </a:effectRef>
-          <a:fontRef idx="minor">
-            <a:schemeClr val="tx1"/>
-          </a:fontRef>
-        </p:style>
-      </p:cxnSp>
       <p:pic>
         <p:nvPicPr>
-          <p:cNvPr id="1029" name="Picture 5"/>
+          <p:cNvPr id="1030" name="Picture 6"/>
           <p:cNvPicPr>
             <a:picLocks noChangeAspect="1" noChangeArrowheads="1"/>
           </p:cNvPicPr>
@@ -9599,8 +8085,8 @@
         </p:blipFill>
         <p:spPr bwMode="auto">
           <a:xfrm>
-            <a:off x="11791950" y="8429625"/>
-            <a:ext cx="793629" cy="245233"/>
+            <a:off x="11793538" y="8953500"/>
+            <a:ext cx="833218" cy="125412"/>
           </a:xfrm>
           <a:prstGeom prst="rect">
             <a:avLst/>
@@ -9617,17 +8103,17 @@
       </p:pic>
       <p:cxnSp>
         <p:nvCxnSpPr>
-          <p:cNvPr id="228" name="160 Conector angular"/>
+          <p:cNvPr id="249" name="160 Conector angular"/>
           <p:cNvCxnSpPr>
             <a:stCxn id="280" idx="2"/>
-            <a:endCxn id="272" idx="0"/>
+            <a:endCxn id="288" idx="0"/>
           </p:cNvCxnSpPr>
           <p:nvPr/>
         </p:nvCxnSpPr>
         <p:spPr>
-          <a:xfrm rot="5400000">
-            <a:off x="11367646" y="6733752"/>
-            <a:ext cx="239930" cy="539423"/>
+          <a:xfrm rot="16200000" flipH="1">
+            <a:off x="12342035" y="6298785"/>
+            <a:ext cx="239930" cy="1409356"/>
           </a:xfrm>
           <a:prstGeom prst="bentConnector3">
             <a:avLst>
@@ -9657,22 +8143,20 @@
       </p:cxnSp>
       <p:cxnSp>
         <p:nvCxnSpPr>
-          <p:cNvPr id="233" name="160 Conector angular"/>
+          <p:cNvPr id="253" name="252 Conector recto"/>
           <p:cNvCxnSpPr>
-            <a:stCxn id="280" idx="2"/>
-            <a:endCxn id="273" idx="0"/>
+            <a:stCxn id="288" idx="2"/>
+            <a:endCxn id="269" idx="0"/>
           </p:cNvCxnSpPr>
           <p:nvPr/>
         </p:nvCxnSpPr>
         <p:spPr>
-          <a:xfrm rot="16200000" flipH="1">
-            <a:off x="11853420" y="6787399"/>
-            <a:ext cx="239930" cy="432127"/>
-          </a:xfrm>
-          <a:prstGeom prst="bentConnector3">
-            <a:avLst>
-              <a:gd name="adj1" fmla="val 50000"/>
-            </a:avLst>
+          <a:xfrm>
+            <a:off x="13166678" y="7629047"/>
+            <a:ext cx="3613" cy="174369"/>
+          </a:xfrm>
+          <a:prstGeom prst="line">
+            <a:avLst/>
           </a:prstGeom>
           <a:ln w="12700">
             <a:solidFill>
@@ -9695,9 +8179,184 @@
           </a:fontRef>
         </p:style>
       </p:cxnSp>
+      <p:sp>
+        <p:nvSpPr>
+          <p:cNvPr id="269" name="Rectángulo 35"/>
+          <p:cNvSpPr/>
+          <p:nvPr/>
+        </p:nvSpPr>
+        <p:spPr>
+          <a:xfrm>
+            <a:off x="12792075" y="7803416"/>
+            <a:ext cx="756432" cy="276977"/>
+          </a:xfrm>
+          <a:prstGeom prst="rect">
+            <a:avLst/>
+          </a:prstGeom>
+          <a:ln>
+            <a:noFill/>
+          </a:ln>
+        </p:spPr>
+        <p:style>
+          <a:lnRef idx="2">
+            <a:schemeClr val="dk1"/>
+          </a:lnRef>
+          <a:fillRef idx="1">
+            <a:schemeClr val="lt1"/>
+          </a:fillRef>
+          <a:effectRef idx="0">
+            <a:schemeClr val="dk1"/>
+          </a:effectRef>
+          <a:fontRef idx="minor">
+            <a:schemeClr val="dk1"/>
+          </a:fontRef>
+        </p:style>
+        <p:txBody>
+          <a:bodyPr lIns="105683" tIns="52841" rIns="105683" bIns="52841" rtlCol="0" anchor="ctr"/>
+          <a:lstStyle/>
+          <a:p>
+            <a:pPr algn="ctr"/>
+            <a:r>
+              <a:rPr lang="es-CO" sz="900" dirty="0" smtClean="0">
+                <a:solidFill>
+                  <a:schemeClr val="tx1"/>
+                </a:solidFill>
+                <a:cs typeface="Arial" pitchFamily="34" charset="0"/>
+              </a:rPr>
+              <a:t>utilizando </a:t>
+            </a:r>
+            <a:r>
+              <a:rPr lang="es-CO" sz="900" dirty="0" smtClean="0">
+                <a:solidFill>
+                  <a:schemeClr val="tx1"/>
+                </a:solidFill>
+                <a:cs typeface="Arial" pitchFamily="34" charset="0"/>
+              </a:rPr>
+              <a:t>la formula      </a:t>
+            </a:r>
+            <a:endParaRPr lang="es-CO" sz="900" dirty="0">
+              <a:solidFill>
+                <a:schemeClr val="tx1"/>
+              </a:solidFill>
+              <a:cs typeface="Arial" pitchFamily="34" charset="0"/>
+            </a:endParaRPr>
+          </a:p>
+        </p:txBody>
+      </p:sp>
+      <p:cxnSp>
+        <p:nvCxnSpPr>
+          <p:cNvPr id="276" name="275 Conector recto"/>
+          <p:cNvCxnSpPr>
+            <a:stCxn id="269" idx="2"/>
+            <a:endCxn id="281" idx="0"/>
+          </p:cNvCxnSpPr>
+          <p:nvPr/>
+        </p:nvCxnSpPr>
+        <p:spPr>
+          <a:xfrm>
+            <a:off x="13170291" y="8080393"/>
+            <a:ext cx="5912" cy="243185"/>
+          </a:xfrm>
+          <a:prstGeom prst="line">
+            <a:avLst/>
+          </a:prstGeom>
+          <a:ln w="12700">
+            <a:solidFill>
+              <a:schemeClr val="tx1"/>
+            </a:solidFill>
+          </a:ln>
+        </p:spPr>
+        <p:style>
+          <a:lnRef idx="1">
+            <a:schemeClr val="accent1"/>
+          </a:lnRef>
+          <a:fillRef idx="0">
+            <a:schemeClr val="accent1"/>
+          </a:fillRef>
+          <a:effectRef idx="0">
+            <a:schemeClr val="accent1"/>
+          </a:effectRef>
+          <a:fontRef idx="minor">
+            <a:schemeClr val="tx1"/>
+          </a:fontRef>
+        </p:style>
+      </p:cxnSp>
+      <p:sp>
+        <p:nvSpPr>
+          <p:cNvPr id="281" name="Rectángulo 33"/>
+          <p:cNvSpPr/>
+          <p:nvPr/>
+        </p:nvSpPr>
+        <p:spPr>
+          <a:xfrm>
+            <a:off x="12728480" y="8323578"/>
+            <a:ext cx="895445" cy="505619"/>
+          </a:xfrm>
+          <a:prstGeom prst="rect">
+            <a:avLst/>
+          </a:prstGeom>
+          <a:solidFill>
+            <a:schemeClr val="bg1"/>
+          </a:solidFill>
+        </p:spPr>
+        <p:style>
+          <a:lnRef idx="2">
+            <a:schemeClr val="dk1"/>
+          </a:lnRef>
+          <a:fillRef idx="1">
+            <a:schemeClr val="lt1"/>
+          </a:fillRef>
+          <a:effectRef idx="0">
+            <a:schemeClr val="dk1"/>
+          </a:effectRef>
+          <a:fontRef idx="minor">
+            <a:schemeClr val="dk1"/>
+          </a:fontRef>
+        </p:style>
+        <p:txBody>
+          <a:bodyPr lIns="105683" tIns="52841" rIns="105683" bIns="52841" rtlCol="0" anchor="ctr"/>
+          <a:lstStyle/>
+          <a:p>
+            <a:pPr algn="ctr"/>
+            <a:endParaRPr lang="es-CO" sz="900" dirty="0" smtClean="0">
+              <a:solidFill>
+                <a:srgbClr val="FF0000"/>
+              </a:solidFill>
+              <a:cs typeface="Arial" pitchFamily="34" charset="0"/>
+            </a:endParaRPr>
+          </a:p>
+          <a:p>
+            <a:pPr algn="ctr"/>
+            <a:endParaRPr lang="es-CO" sz="900" dirty="0" smtClean="0">
+              <a:solidFill>
+                <a:srgbClr val="FF0000"/>
+              </a:solidFill>
+              <a:cs typeface="Arial" pitchFamily="34" charset="0"/>
+            </a:endParaRPr>
+          </a:p>
+          <a:p>
+            <a:pPr algn="ctr"/>
+            <a:r>
+              <a:rPr lang="es-CO" sz="900" dirty="0" smtClean="0">
+                <a:solidFill>
+                  <a:srgbClr val="FF0000"/>
+                </a:solidFill>
+                <a:cs typeface="Arial" pitchFamily="34" charset="0"/>
+              </a:rPr>
+              <a:t>18</a:t>
+            </a:r>
+            <a:endParaRPr lang="es-CO" sz="900" dirty="0">
+              <a:solidFill>
+                <a:srgbClr val="FF0000"/>
+              </a:solidFill>
+              <a:cs typeface="Arial" pitchFamily="34" charset="0"/>
+            </a:endParaRPr>
+          </a:p>
+        </p:txBody>
+      </p:sp>
       <p:pic>
         <p:nvPicPr>
-          <p:cNvPr id="1030" name="Picture 6"/>
+          <p:cNvPr id="1031" name="Picture 7"/>
           <p:cNvPicPr>
             <a:picLocks noChangeAspect="1" noChangeArrowheads="1"/>
           </p:cNvPicPr>
@@ -9712,8 +8371,8 @@
         </p:blipFill>
         <p:spPr bwMode="auto">
           <a:xfrm>
-            <a:off x="11793538" y="8953500"/>
-            <a:ext cx="833218" cy="125412"/>
+            <a:off x="12841289" y="8336618"/>
+            <a:ext cx="567816" cy="312082"/>
           </a:xfrm>
           <a:prstGeom prst="rect">
             <a:avLst/>
@@ -9728,235 +8387,9 @@
           <a:effectLst/>
         </p:spPr>
       </p:pic>
-      <p:cxnSp>
-        <p:nvCxnSpPr>
-          <p:cNvPr id="249" name="160 Conector angular"/>
-          <p:cNvCxnSpPr>
-            <a:stCxn id="280" idx="2"/>
-            <a:endCxn id="288" idx="0"/>
-          </p:cNvCxnSpPr>
-          <p:nvPr/>
-        </p:nvCxnSpPr>
-        <p:spPr>
-          <a:xfrm rot="16200000" flipH="1">
-            <a:off x="12342035" y="6298785"/>
-            <a:ext cx="239930" cy="1409356"/>
-          </a:xfrm>
-          <a:prstGeom prst="bentConnector3">
-            <a:avLst>
-              <a:gd name="adj1" fmla="val 50000"/>
-            </a:avLst>
-          </a:prstGeom>
-          <a:ln w="12700">
-            <a:solidFill>
-              <a:schemeClr val="tx1"/>
-            </a:solidFill>
-          </a:ln>
-        </p:spPr>
-        <p:style>
-          <a:lnRef idx="1">
-            <a:schemeClr val="accent1"/>
-          </a:lnRef>
-          <a:fillRef idx="0">
-            <a:schemeClr val="accent1"/>
-          </a:fillRef>
-          <a:effectRef idx="0">
-            <a:schemeClr val="accent1"/>
-          </a:effectRef>
-          <a:fontRef idx="minor">
-            <a:schemeClr val="tx1"/>
-          </a:fontRef>
-        </p:style>
-      </p:cxnSp>
-      <p:cxnSp>
-        <p:nvCxnSpPr>
-          <p:cNvPr id="253" name="252 Conector recto"/>
-          <p:cNvCxnSpPr>
-            <a:stCxn id="288" idx="2"/>
-            <a:endCxn id="269" idx="0"/>
-          </p:cNvCxnSpPr>
-          <p:nvPr/>
-        </p:nvCxnSpPr>
-        <p:spPr>
-          <a:xfrm>
-            <a:off x="13166678" y="7629047"/>
-            <a:ext cx="3613" cy="174369"/>
-          </a:xfrm>
-          <a:prstGeom prst="line">
-            <a:avLst/>
-          </a:prstGeom>
-          <a:ln w="12700">
-            <a:solidFill>
-              <a:schemeClr val="tx1"/>
-            </a:solidFill>
-          </a:ln>
-        </p:spPr>
-        <p:style>
-          <a:lnRef idx="1">
-            <a:schemeClr val="accent1"/>
-          </a:lnRef>
-          <a:fillRef idx="0">
-            <a:schemeClr val="accent1"/>
-          </a:fillRef>
-          <a:effectRef idx="0">
-            <a:schemeClr val="accent1"/>
-          </a:effectRef>
-          <a:fontRef idx="minor">
-            <a:schemeClr val="tx1"/>
-          </a:fontRef>
-        </p:style>
-      </p:cxnSp>
-      <p:sp>
-        <p:nvSpPr>
-          <p:cNvPr id="269" name="Rectángulo 35"/>
-          <p:cNvSpPr/>
-          <p:nvPr/>
-        </p:nvSpPr>
-        <p:spPr>
-          <a:xfrm>
-            <a:off x="12792075" y="7803416"/>
-            <a:ext cx="756432" cy="276977"/>
-          </a:xfrm>
-          <a:prstGeom prst="rect">
-            <a:avLst/>
-          </a:prstGeom>
-          <a:ln>
-            <a:noFill/>
-          </a:ln>
-        </p:spPr>
-        <p:style>
-          <a:lnRef idx="2">
-            <a:schemeClr val="dk1"/>
-          </a:lnRef>
-          <a:fillRef idx="1">
-            <a:schemeClr val="lt1"/>
-          </a:fillRef>
-          <a:effectRef idx="0">
-            <a:schemeClr val="dk1"/>
-          </a:effectRef>
-          <a:fontRef idx="minor">
-            <a:schemeClr val="dk1"/>
-          </a:fontRef>
-        </p:style>
-        <p:txBody>
-          <a:bodyPr lIns="105683" tIns="52841" rIns="105683" bIns="52841" rtlCol="0" anchor="ctr"/>
-          <a:lstStyle/>
-          <a:p>
-            <a:pPr algn="ctr"/>
-            <a:r>
-              <a:rPr lang="es-CO" sz="900" dirty="0" smtClean="0">
-                <a:solidFill>
-                  <a:schemeClr val="tx1"/>
-                </a:solidFill>
-                <a:cs typeface="Arial" pitchFamily="34" charset="0"/>
-              </a:rPr>
-              <a:t>Utilizando la formula   </a:t>
-            </a:r>
-            <a:r>
-              <a:rPr lang="es-CO" sz="900" dirty="0" smtClean="0">
-                <a:solidFill>
-                  <a:schemeClr val="tx1"/>
-                </a:solidFill>
-                <a:cs typeface="Arial" pitchFamily="34" charset="0"/>
-              </a:rPr>
-              <a:t>   </a:t>
-            </a:r>
-            <a:endParaRPr lang="es-CO" sz="900" dirty="0">
-              <a:solidFill>
-                <a:schemeClr val="tx1"/>
-              </a:solidFill>
-              <a:cs typeface="Arial" pitchFamily="34" charset="0"/>
-            </a:endParaRPr>
-          </a:p>
-        </p:txBody>
-      </p:sp>
-      <p:cxnSp>
-        <p:nvCxnSpPr>
-          <p:cNvPr id="276" name="275 Conector recto"/>
-          <p:cNvCxnSpPr>
-            <a:stCxn id="269" idx="2"/>
-            <a:endCxn id="281" idx="0"/>
-          </p:cNvCxnSpPr>
-          <p:nvPr/>
-        </p:nvCxnSpPr>
-        <p:spPr>
-          <a:xfrm>
-            <a:off x="13170291" y="8080393"/>
-            <a:ext cx="5912" cy="243185"/>
-          </a:xfrm>
-          <a:prstGeom prst="line">
-            <a:avLst/>
-          </a:prstGeom>
-          <a:ln w="12700">
-            <a:solidFill>
-              <a:schemeClr val="tx1"/>
-            </a:solidFill>
-          </a:ln>
-        </p:spPr>
-        <p:style>
-          <a:lnRef idx="1">
-            <a:schemeClr val="accent1"/>
-          </a:lnRef>
-          <a:fillRef idx="0">
-            <a:schemeClr val="accent1"/>
-          </a:fillRef>
-          <a:effectRef idx="0">
-            <a:schemeClr val="accent1"/>
-          </a:effectRef>
-          <a:fontRef idx="minor">
-            <a:schemeClr val="tx1"/>
-          </a:fontRef>
-        </p:style>
-      </p:cxnSp>
-      <p:sp>
-        <p:nvSpPr>
-          <p:cNvPr id="281" name="Rectángulo 33"/>
-          <p:cNvSpPr/>
-          <p:nvPr/>
-        </p:nvSpPr>
-        <p:spPr>
-          <a:xfrm>
-            <a:off x="12728480" y="8323578"/>
-            <a:ext cx="895445" cy="505619"/>
-          </a:xfrm>
-          <a:prstGeom prst="rect">
-            <a:avLst/>
-          </a:prstGeom>
-          <a:solidFill>
-            <a:schemeClr val="bg1"/>
-          </a:solidFill>
-        </p:spPr>
-        <p:style>
-          <a:lnRef idx="2">
-            <a:schemeClr val="dk1"/>
-          </a:lnRef>
-          <a:fillRef idx="1">
-            <a:schemeClr val="lt1"/>
-          </a:fillRef>
-          <a:effectRef idx="0">
-            <a:schemeClr val="dk1"/>
-          </a:effectRef>
-          <a:fontRef idx="minor">
-            <a:schemeClr val="dk1"/>
-          </a:fontRef>
-        </p:style>
-        <p:txBody>
-          <a:bodyPr lIns="105683" tIns="52841" rIns="105683" bIns="52841" rtlCol="0" anchor="ctr"/>
-          <a:lstStyle/>
-          <a:p>
-            <a:pPr algn="ctr"/>
-            <a:endParaRPr lang="es-CO" sz="900" dirty="0">
-              <a:solidFill>
-                <a:schemeClr val="tx1"/>
-              </a:solidFill>
-              <a:cs typeface="Arial" pitchFamily="34" charset="0"/>
-            </a:endParaRPr>
-          </a:p>
-        </p:txBody>
-      </p:sp>
       <p:pic>
         <p:nvPicPr>
-          <p:cNvPr id="1031" name="Picture 7"/>
+          <p:cNvPr id="2" name="Picture 2"/>
           <p:cNvPicPr>
             <a:picLocks noChangeAspect="1" noChangeArrowheads="1"/>
           </p:cNvPicPr>
@@ -9971,8 +8404,1711 @@
         </p:blipFill>
         <p:spPr bwMode="auto">
           <a:xfrm>
-            <a:off x="12841289" y="8374718"/>
-            <a:ext cx="674686" cy="370820"/>
+            <a:off x="668338" y="4836688"/>
+            <a:ext cx="265112" cy="194100"/>
+          </a:xfrm>
+          <a:prstGeom prst="rect">
+            <a:avLst/>
+          </a:prstGeom>
+          <a:noFill/>
+          <a:ln w="9525">
+            <a:noFill/>
+            <a:miter lim="800000"/>
+            <a:headEnd/>
+            <a:tailEnd/>
+          </a:ln>
+          <a:effectLst/>
+        </p:spPr>
+      </p:pic>
+      <p:sp>
+        <p:nvSpPr>
+          <p:cNvPr id="179" name="Rectángulo 33"/>
+          <p:cNvSpPr/>
+          <p:nvPr/>
+        </p:nvSpPr>
+        <p:spPr>
+          <a:xfrm>
+            <a:off x="116661" y="8149362"/>
+            <a:ext cx="1260000" cy="461238"/>
+          </a:xfrm>
+          <a:prstGeom prst="rect">
+            <a:avLst/>
+          </a:prstGeom>
+          <a:solidFill>
+            <a:schemeClr val="bg1"/>
+          </a:solidFill>
+        </p:spPr>
+        <p:style>
+          <a:lnRef idx="2">
+            <a:schemeClr val="dk1"/>
+          </a:lnRef>
+          <a:fillRef idx="1">
+            <a:schemeClr val="lt1"/>
+          </a:fillRef>
+          <a:effectRef idx="0">
+            <a:schemeClr val="dk1"/>
+          </a:effectRef>
+          <a:fontRef idx="minor">
+            <a:schemeClr val="dk1"/>
+          </a:fontRef>
+        </p:style>
+        <p:txBody>
+          <a:bodyPr lIns="105683" tIns="52841" rIns="105683" bIns="52841" rtlCol="0" anchor="ctr"/>
+          <a:lstStyle/>
+          <a:p>
+            <a:pPr algn="ctr"/>
+            <a:endParaRPr lang="es-CO" sz="900" i="1" dirty="0" smtClean="0">
+              <a:solidFill>
+                <a:schemeClr val="tx1"/>
+              </a:solidFill>
+              <a:cs typeface="Arial" pitchFamily="34" charset="0"/>
+            </a:endParaRPr>
+          </a:p>
+          <a:p>
+            <a:pPr algn="ctr"/>
+            <a:endParaRPr lang="es-CO" sz="900" i="1" dirty="0" smtClean="0">
+              <a:solidFill>
+                <a:schemeClr val="tx1"/>
+              </a:solidFill>
+              <a:cs typeface="Arial" pitchFamily="34" charset="0"/>
+            </a:endParaRPr>
+          </a:p>
+          <a:p>
+            <a:pPr algn="ctr"/>
+            <a:endParaRPr lang="es-CO" sz="900" i="1" dirty="0" smtClean="0">
+              <a:solidFill>
+                <a:schemeClr val="tx1"/>
+              </a:solidFill>
+              <a:cs typeface="Arial" pitchFamily="34" charset="0"/>
+            </a:endParaRPr>
+          </a:p>
+          <a:p>
+            <a:pPr algn="ctr"/>
+            <a:r>
+              <a:rPr lang="es-CO" sz="900" dirty="0" smtClean="0">
+                <a:solidFill>
+                  <a:schemeClr val="tx1"/>
+                </a:solidFill>
+                <a:cs typeface="Arial" pitchFamily="34" charset="0"/>
+              </a:rPr>
+              <a:t>  </a:t>
+            </a:r>
+            <a:r>
+              <a:rPr lang="es-CO" sz="900" dirty="0" smtClean="0">
+                <a:solidFill>
+                  <a:srgbClr val="FF0000"/>
+                </a:solidFill>
+                <a:cs typeface="Arial" pitchFamily="34" charset="0"/>
+              </a:rPr>
+              <a:t>2</a:t>
+            </a:r>
+            <a:endParaRPr lang="es-CO" sz="900" dirty="0" smtClean="0">
+              <a:solidFill>
+                <a:srgbClr val="FF0000"/>
+              </a:solidFill>
+              <a:cs typeface="Arial" pitchFamily="34" charset="0"/>
+            </a:endParaRPr>
+          </a:p>
+          <a:p>
+            <a:pPr algn="ctr"/>
+            <a:endParaRPr lang="es-CO" sz="900" baseline="-25000" dirty="0">
+              <a:solidFill>
+                <a:schemeClr val="tx1"/>
+              </a:solidFill>
+              <a:cs typeface="Arial" pitchFamily="34" charset="0"/>
+            </a:endParaRPr>
+          </a:p>
+        </p:txBody>
+      </p:sp>
+      <p:cxnSp>
+        <p:nvCxnSpPr>
+          <p:cNvPr id="212" name="211 Conector recto"/>
+          <p:cNvCxnSpPr>
+            <a:stCxn id="179" idx="2"/>
+            <a:endCxn id="247" idx="0"/>
+          </p:cNvCxnSpPr>
+          <p:nvPr/>
+        </p:nvCxnSpPr>
+        <p:spPr>
+          <a:xfrm flipH="1">
+            <a:off x="727611" y="8610600"/>
+            <a:ext cx="19050" cy="176937"/>
+          </a:xfrm>
+          <a:prstGeom prst="line">
+            <a:avLst/>
+          </a:prstGeom>
+          <a:ln w="12700">
+            <a:solidFill>
+              <a:schemeClr val="tx1"/>
+            </a:solidFill>
+          </a:ln>
+        </p:spPr>
+        <p:style>
+          <a:lnRef idx="1">
+            <a:schemeClr val="accent1"/>
+          </a:lnRef>
+          <a:fillRef idx="0">
+            <a:schemeClr val="accent1"/>
+          </a:fillRef>
+          <a:effectRef idx="0">
+            <a:schemeClr val="accent1"/>
+          </a:effectRef>
+          <a:fontRef idx="minor">
+            <a:schemeClr val="tx1"/>
+          </a:fontRef>
+        </p:style>
+      </p:cxnSp>
+      <p:sp>
+        <p:nvSpPr>
+          <p:cNvPr id="234" name="Rectángulo 33"/>
+          <p:cNvSpPr/>
+          <p:nvPr/>
+        </p:nvSpPr>
+        <p:spPr>
+          <a:xfrm>
+            <a:off x="1535886" y="8111262"/>
+            <a:ext cx="1260000" cy="356463"/>
+          </a:xfrm>
+          <a:prstGeom prst="rect">
+            <a:avLst/>
+          </a:prstGeom>
+          <a:solidFill>
+            <a:schemeClr val="bg1"/>
+          </a:solidFill>
+        </p:spPr>
+        <p:style>
+          <a:lnRef idx="2">
+            <a:schemeClr val="dk1"/>
+          </a:lnRef>
+          <a:fillRef idx="1">
+            <a:schemeClr val="lt1"/>
+          </a:fillRef>
+          <a:effectRef idx="0">
+            <a:schemeClr val="dk1"/>
+          </a:effectRef>
+          <a:fontRef idx="minor">
+            <a:schemeClr val="dk1"/>
+          </a:fontRef>
+        </p:style>
+        <p:txBody>
+          <a:bodyPr lIns="105683" tIns="52841" rIns="105683" bIns="52841" rtlCol="0" anchor="ctr"/>
+          <a:lstStyle/>
+          <a:p>
+            <a:pPr algn="ctr"/>
+            <a:endParaRPr lang="es-CO" sz="1000" i="1" dirty="0" smtClean="0">
+              <a:solidFill>
+                <a:srgbClr val="FF0000"/>
+              </a:solidFill>
+              <a:cs typeface="Arial" pitchFamily="34" charset="0"/>
+            </a:endParaRPr>
+          </a:p>
+          <a:p>
+            <a:pPr algn="ctr"/>
+            <a:endParaRPr lang="es-CO" sz="1000" dirty="0" smtClean="0">
+              <a:solidFill>
+                <a:srgbClr val="FF0000"/>
+              </a:solidFill>
+              <a:cs typeface="Arial" pitchFamily="34" charset="0"/>
+            </a:endParaRPr>
+          </a:p>
+          <a:p>
+            <a:pPr algn="ctr"/>
+            <a:r>
+              <a:rPr lang="es-CO" sz="1000" dirty="0" smtClean="0">
+                <a:solidFill>
+                  <a:srgbClr val="FF0000"/>
+                </a:solidFill>
+                <a:cs typeface="Arial" pitchFamily="34" charset="0"/>
+              </a:rPr>
+              <a:t>4</a:t>
+            </a:r>
+          </a:p>
+          <a:p>
+            <a:pPr algn="ctr"/>
+            <a:endParaRPr lang="es-CO" sz="1000" baseline="-25000" dirty="0">
+              <a:solidFill>
+                <a:srgbClr val="FF0000"/>
+              </a:solidFill>
+              <a:cs typeface="Arial" pitchFamily="34" charset="0"/>
+            </a:endParaRPr>
+          </a:p>
+        </p:txBody>
+      </p:sp>
+      <p:sp>
+        <p:nvSpPr>
+          <p:cNvPr id="235" name="Rectángulo 33"/>
+          <p:cNvSpPr/>
+          <p:nvPr/>
+        </p:nvSpPr>
+        <p:spPr>
+          <a:xfrm>
+            <a:off x="1535886" y="8930412"/>
+            <a:ext cx="1260000" cy="356463"/>
+          </a:xfrm>
+          <a:prstGeom prst="rect">
+            <a:avLst/>
+          </a:prstGeom>
+          <a:solidFill>
+            <a:schemeClr val="bg1"/>
+          </a:solidFill>
+        </p:spPr>
+        <p:style>
+          <a:lnRef idx="2">
+            <a:schemeClr val="dk1"/>
+          </a:lnRef>
+          <a:fillRef idx="1">
+            <a:schemeClr val="lt1"/>
+          </a:fillRef>
+          <a:effectRef idx="0">
+            <a:schemeClr val="dk1"/>
+          </a:effectRef>
+          <a:fontRef idx="minor">
+            <a:schemeClr val="dk1"/>
+          </a:fontRef>
+        </p:style>
+        <p:txBody>
+          <a:bodyPr lIns="105683" tIns="52841" rIns="105683" bIns="52841" rtlCol="0" anchor="ctr"/>
+          <a:lstStyle/>
+          <a:p>
+            <a:pPr algn="ctr"/>
+            <a:endParaRPr lang="es-CO" sz="900" i="1" dirty="0" smtClean="0">
+              <a:solidFill>
+                <a:schemeClr val="tx1"/>
+              </a:solidFill>
+              <a:cs typeface="Arial" pitchFamily="34" charset="0"/>
+            </a:endParaRPr>
+          </a:p>
+          <a:p>
+            <a:pPr algn="ctr"/>
+            <a:r>
+              <a:rPr lang="es-CO" sz="900" dirty="0" smtClean="0">
+                <a:solidFill>
+                  <a:srgbClr val="FF0000"/>
+                </a:solidFill>
+                <a:cs typeface="Arial" pitchFamily="34" charset="0"/>
+              </a:rPr>
+              <a:t>5</a:t>
+            </a:r>
+            <a:endParaRPr lang="es-CO" sz="900" dirty="0">
+              <a:solidFill>
+                <a:srgbClr val="FF0000"/>
+              </a:solidFill>
+              <a:cs typeface="Arial" pitchFamily="34" charset="0"/>
+            </a:endParaRPr>
+          </a:p>
+        </p:txBody>
+      </p:sp>
+      <p:pic>
+        <p:nvPicPr>
+          <p:cNvPr id="245" name="Picture 3"/>
+          <p:cNvPicPr>
+            <a:picLocks noChangeAspect="1" noChangeArrowheads="1"/>
+          </p:cNvPicPr>
+          <p:nvPr/>
+        </p:nvPicPr>
+        <p:blipFill>
+          <a:blip r:embed="rId8" cstate="print"/>
+          <a:srcRect/>
+          <a:stretch>
+            <a:fillRect/>
+          </a:stretch>
+        </p:blipFill>
+        <p:spPr bwMode="auto">
+          <a:xfrm>
+            <a:off x="1630364" y="8233057"/>
+            <a:ext cx="1089432" cy="120368"/>
+          </a:xfrm>
+          <a:prstGeom prst="rect">
+            <a:avLst/>
+          </a:prstGeom>
+          <a:noFill/>
+          <a:ln w="9525">
+            <a:noFill/>
+            <a:miter lim="800000"/>
+            <a:headEnd/>
+            <a:tailEnd/>
+          </a:ln>
+          <a:effectLst/>
+        </p:spPr>
+      </p:pic>
+      <p:sp>
+        <p:nvSpPr>
+          <p:cNvPr id="246" name="Rectángulo 35"/>
+          <p:cNvSpPr/>
+          <p:nvPr/>
+        </p:nvSpPr>
+        <p:spPr>
+          <a:xfrm>
+            <a:off x="1618481" y="8588717"/>
+            <a:ext cx="1095738" cy="221963"/>
+          </a:xfrm>
+          <a:prstGeom prst="rect">
+            <a:avLst/>
+          </a:prstGeom>
+          <a:ln>
+            <a:noFill/>
+          </a:ln>
+        </p:spPr>
+        <p:style>
+          <a:lnRef idx="2">
+            <a:schemeClr val="dk1"/>
+          </a:lnRef>
+          <a:fillRef idx="1">
+            <a:schemeClr val="lt1"/>
+          </a:fillRef>
+          <a:effectRef idx="0">
+            <a:schemeClr val="dk1"/>
+          </a:effectRef>
+          <a:fontRef idx="minor">
+            <a:schemeClr val="dk1"/>
+          </a:fontRef>
+        </p:style>
+        <p:txBody>
+          <a:bodyPr lIns="105683" tIns="52841" rIns="105683" bIns="52841" rtlCol="0" anchor="ctr"/>
+          <a:lstStyle/>
+          <a:p>
+            <a:pPr algn="ctr"/>
+            <a:r>
+              <a:rPr lang="es-CO" sz="900" dirty="0" smtClean="0">
+                <a:solidFill>
+                  <a:schemeClr val="tx1"/>
+                </a:solidFill>
+                <a:cs typeface="Arial" pitchFamily="34" charset="0"/>
+              </a:rPr>
+              <a:t>s</a:t>
+            </a:r>
+            <a:r>
+              <a:rPr lang="es-CO" sz="900" dirty="0" smtClean="0">
+                <a:solidFill>
+                  <a:schemeClr val="tx1"/>
+                </a:solidFill>
+                <a:cs typeface="Arial" pitchFamily="34" charset="0"/>
+              </a:rPr>
+              <a:t>u formula  </a:t>
+            </a:r>
+            <a:r>
+              <a:rPr lang="es-CO" sz="900" dirty="0" smtClean="0">
+                <a:solidFill>
+                  <a:schemeClr val="tx1"/>
+                </a:solidFill>
+                <a:cs typeface="Arial" pitchFamily="34" charset="0"/>
+              </a:rPr>
+              <a:t> </a:t>
+            </a:r>
+            <a:endParaRPr lang="es-CO" sz="900" dirty="0">
+              <a:solidFill>
+                <a:schemeClr val="tx1"/>
+              </a:solidFill>
+              <a:cs typeface="Arial" pitchFamily="34" charset="0"/>
+            </a:endParaRPr>
+          </a:p>
+        </p:txBody>
+      </p:sp>
+      <p:cxnSp>
+        <p:nvCxnSpPr>
+          <p:cNvPr id="250" name="249 Conector recto"/>
+          <p:cNvCxnSpPr>
+            <a:stCxn id="234" idx="2"/>
+            <a:endCxn id="246" idx="0"/>
+          </p:cNvCxnSpPr>
+          <p:nvPr/>
+        </p:nvCxnSpPr>
+        <p:spPr>
+          <a:xfrm>
+            <a:off x="2165886" y="8467725"/>
+            <a:ext cx="464" cy="120992"/>
+          </a:xfrm>
+          <a:prstGeom prst="line">
+            <a:avLst/>
+          </a:prstGeom>
+          <a:ln w="12700">
+            <a:solidFill>
+              <a:schemeClr val="tx1"/>
+            </a:solidFill>
+          </a:ln>
+        </p:spPr>
+        <p:style>
+          <a:lnRef idx="1">
+            <a:schemeClr val="accent1"/>
+          </a:lnRef>
+          <a:fillRef idx="0">
+            <a:schemeClr val="accent1"/>
+          </a:fillRef>
+          <a:effectRef idx="0">
+            <a:schemeClr val="accent1"/>
+          </a:effectRef>
+          <a:fontRef idx="minor">
+            <a:schemeClr val="tx1"/>
+          </a:fontRef>
+        </p:style>
+      </p:cxnSp>
+      <p:pic>
+        <p:nvPicPr>
+          <p:cNvPr id="4" name="Picture 4"/>
+          <p:cNvPicPr>
+            <a:picLocks noChangeAspect="1" noChangeArrowheads="1"/>
+          </p:cNvPicPr>
+          <p:nvPr/>
+        </p:nvPicPr>
+        <p:blipFill>
+          <a:blip r:embed="rId9" cstate="print"/>
+          <a:srcRect/>
+          <a:stretch>
+            <a:fillRect/>
+          </a:stretch>
+        </p:blipFill>
+        <p:spPr bwMode="auto">
+          <a:xfrm>
+            <a:off x="1685926" y="8991600"/>
+            <a:ext cx="945062" cy="153988"/>
+          </a:xfrm>
+          <a:prstGeom prst="rect">
+            <a:avLst/>
+          </a:prstGeom>
+          <a:noFill/>
+          <a:ln w="9525">
+            <a:noFill/>
+            <a:miter lim="800000"/>
+            <a:headEnd/>
+            <a:tailEnd/>
+          </a:ln>
+          <a:effectLst/>
+        </p:spPr>
+      </p:pic>
+      <p:cxnSp>
+        <p:nvCxnSpPr>
+          <p:cNvPr id="255" name="254 Conector recto"/>
+          <p:cNvCxnSpPr>
+            <a:stCxn id="246" idx="2"/>
+            <a:endCxn id="235" idx="0"/>
+          </p:cNvCxnSpPr>
+          <p:nvPr/>
+        </p:nvCxnSpPr>
+        <p:spPr>
+          <a:xfrm flipH="1">
+            <a:off x="2165886" y="8810680"/>
+            <a:ext cx="464" cy="119732"/>
+          </a:xfrm>
+          <a:prstGeom prst="line">
+            <a:avLst/>
+          </a:prstGeom>
+          <a:ln w="12700">
+            <a:solidFill>
+              <a:schemeClr val="tx1"/>
+            </a:solidFill>
+          </a:ln>
+        </p:spPr>
+        <p:style>
+          <a:lnRef idx="1">
+            <a:schemeClr val="accent1"/>
+          </a:lnRef>
+          <a:fillRef idx="0">
+            <a:schemeClr val="accent1"/>
+          </a:fillRef>
+          <a:effectRef idx="0">
+            <a:schemeClr val="accent1"/>
+          </a:effectRef>
+          <a:fontRef idx="minor">
+            <a:schemeClr val="tx1"/>
+          </a:fontRef>
+        </p:style>
+      </p:cxnSp>
+      <p:sp>
+        <p:nvSpPr>
+          <p:cNvPr id="279" name="Rectángulo 33"/>
+          <p:cNvSpPr/>
+          <p:nvPr/>
+        </p:nvSpPr>
+        <p:spPr>
+          <a:xfrm>
+            <a:off x="2936061" y="6977787"/>
+            <a:ext cx="1260000" cy="356463"/>
+          </a:xfrm>
+          <a:prstGeom prst="rect">
+            <a:avLst/>
+          </a:prstGeom>
+          <a:solidFill>
+            <a:schemeClr val="bg1"/>
+          </a:solidFill>
+        </p:spPr>
+        <p:style>
+          <a:lnRef idx="2">
+            <a:schemeClr val="dk1"/>
+          </a:lnRef>
+          <a:fillRef idx="1">
+            <a:schemeClr val="lt1"/>
+          </a:fillRef>
+          <a:effectRef idx="0">
+            <a:schemeClr val="dk1"/>
+          </a:effectRef>
+          <a:fontRef idx="minor">
+            <a:schemeClr val="dk1"/>
+          </a:fontRef>
+        </p:style>
+        <p:txBody>
+          <a:bodyPr lIns="105683" tIns="52841" rIns="105683" bIns="52841" rtlCol="0" anchor="ctr"/>
+          <a:lstStyle/>
+          <a:p>
+            <a:pPr algn="ctr"/>
+            <a:endParaRPr lang="es-CO" sz="900" i="1" dirty="0" smtClean="0">
+              <a:solidFill>
+                <a:schemeClr val="tx1"/>
+              </a:solidFill>
+              <a:cs typeface="Arial" pitchFamily="34" charset="0"/>
+            </a:endParaRPr>
+          </a:p>
+          <a:p>
+            <a:pPr algn="ctr"/>
+            <a:r>
+              <a:rPr lang="es-CO" sz="900" dirty="0" smtClean="0">
+                <a:solidFill>
+                  <a:srgbClr val="FF0000"/>
+                </a:solidFill>
+                <a:cs typeface="Arial" pitchFamily="34" charset="0"/>
+              </a:rPr>
+              <a:t>6</a:t>
+            </a:r>
+            <a:endParaRPr lang="es-CO" sz="900" dirty="0">
+              <a:solidFill>
+                <a:srgbClr val="FF0000"/>
+              </a:solidFill>
+              <a:cs typeface="Arial" pitchFamily="34" charset="0"/>
+            </a:endParaRPr>
+          </a:p>
+        </p:txBody>
+      </p:sp>
+      <p:sp>
+        <p:nvSpPr>
+          <p:cNvPr id="283" name="Rectángulo 33"/>
+          <p:cNvSpPr/>
+          <p:nvPr/>
+        </p:nvSpPr>
+        <p:spPr>
+          <a:xfrm>
+            <a:off x="4317186" y="6968262"/>
+            <a:ext cx="1260000" cy="356463"/>
+          </a:xfrm>
+          <a:prstGeom prst="rect">
+            <a:avLst/>
+          </a:prstGeom>
+          <a:solidFill>
+            <a:schemeClr val="bg1"/>
+          </a:solidFill>
+        </p:spPr>
+        <p:style>
+          <a:lnRef idx="2">
+            <a:schemeClr val="dk1"/>
+          </a:lnRef>
+          <a:fillRef idx="1">
+            <a:schemeClr val="lt1"/>
+          </a:fillRef>
+          <a:effectRef idx="0">
+            <a:schemeClr val="dk1"/>
+          </a:effectRef>
+          <a:fontRef idx="minor">
+            <a:schemeClr val="dk1"/>
+          </a:fontRef>
+        </p:style>
+        <p:txBody>
+          <a:bodyPr lIns="105683" tIns="52841" rIns="105683" bIns="52841" rtlCol="0" anchor="ctr"/>
+          <a:lstStyle/>
+          <a:p>
+            <a:pPr algn="ctr"/>
+            <a:endParaRPr lang="es-CO" sz="900" i="1" dirty="0" smtClean="0">
+              <a:solidFill>
+                <a:srgbClr val="FF0000"/>
+              </a:solidFill>
+              <a:cs typeface="Arial" pitchFamily="34" charset="0"/>
+            </a:endParaRPr>
+          </a:p>
+          <a:p>
+            <a:pPr algn="ctr"/>
+            <a:r>
+              <a:rPr lang="es-CO" sz="900" dirty="0" smtClean="0">
+                <a:solidFill>
+                  <a:srgbClr val="FF0000"/>
+                </a:solidFill>
+                <a:cs typeface="Arial" pitchFamily="34" charset="0"/>
+              </a:rPr>
+              <a:t>7</a:t>
+            </a:r>
+            <a:endParaRPr lang="es-CO" sz="900" dirty="0">
+              <a:solidFill>
+                <a:srgbClr val="FF0000"/>
+              </a:solidFill>
+              <a:cs typeface="Arial" pitchFamily="34" charset="0"/>
+            </a:endParaRPr>
+          </a:p>
+        </p:txBody>
+      </p:sp>
+      <p:sp>
+        <p:nvSpPr>
+          <p:cNvPr id="286" name="Rectángulo 35"/>
+          <p:cNvSpPr/>
+          <p:nvPr/>
+        </p:nvSpPr>
+        <p:spPr>
+          <a:xfrm>
+            <a:off x="3018656" y="6509042"/>
+            <a:ext cx="1095738" cy="263233"/>
+          </a:xfrm>
+          <a:prstGeom prst="rect">
+            <a:avLst/>
+          </a:prstGeom>
+          <a:ln>
+            <a:noFill/>
+          </a:ln>
+        </p:spPr>
+        <p:style>
+          <a:lnRef idx="2">
+            <a:schemeClr val="dk1"/>
+          </a:lnRef>
+          <a:fillRef idx="1">
+            <a:schemeClr val="lt1"/>
+          </a:fillRef>
+          <a:effectRef idx="0">
+            <a:schemeClr val="dk1"/>
+          </a:effectRef>
+          <a:fontRef idx="minor">
+            <a:schemeClr val="dk1"/>
+          </a:fontRef>
+        </p:style>
+        <p:txBody>
+          <a:bodyPr lIns="105683" tIns="52841" rIns="105683" bIns="52841" rtlCol="0" anchor="ctr"/>
+          <a:lstStyle/>
+          <a:p>
+            <a:pPr algn="ctr"/>
+            <a:r>
+              <a:rPr lang="es-CO" sz="900" dirty="0" smtClean="0">
+                <a:solidFill>
+                  <a:schemeClr val="tx1"/>
+                </a:solidFill>
+                <a:cs typeface="Arial" pitchFamily="34" charset="0"/>
+              </a:rPr>
+              <a:t>r</a:t>
+            </a:r>
+            <a:r>
+              <a:rPr lang="es-CO" sz="900" dirty="0" smtClean="0">
+                <a:solidFill>
+                  <a:schemeClr val="tx1"/>
+                </a:solidFill>
+                <a:cs typeface="Arial" pitchFamily="34" charset="0"/>
+              </a:rPr>
+              <a:t>epresentado  como  </a:t>
+            </a:r>
+            <a:r>
+              <a:rPr lang="es-CO" sz="900" dirty="0" smtClean="0">
+                <a:solidFill>
+                  <a:schemeClr val="tx1"/>
+                </a:solidFill>
+                <a:cs typeface="Arial" pitchFamily="34" charset="0"/>
+              </a:rPr>
+              <a:t>     </a:t>
+            </a:r>
+            <a:endParaRPr lang="es-CO" sz="900" dirty="0">
+              <a:solidFill>
+                <a:schemeClr val="tx1"/>
+              </a:solidFill>
+              <a:cs typeface="Arial" pitchFamily="34" charset="0"/>
+            </a:endParaRPr>
+          </a:p>
+        </p:txBody>
+      </p:sp>
+      <p:pic>
+        <p:nvPicPr>
+          <p:cNvPr id="5" name="Picture 5"/>
+          <p:cNvPicPr>
+            <a:picLocks noChangeAspect="1" noChangeArrowheads="1"/>
+          </p:cNvPicPr>
+          <p:nvPr/>
+        </p:nvPicPr>
+        <p:blipFill>
+          <a:blip r:embed="rId10" cstate="print"/>
+          <a:srcRect/>
+          <a:stretch>
+            <a:fillRect/>
+          </a:stretch>
+        </p:blipFill>
+        <p:spPr bwMode="auto">
+          <a:xfrm>
+            <a:off x="2992438" y="7096125"/>
+            <a:ext cx="1224370" cy="125413"/>
+          </a:xfrm>
+          <a:prstGeom prst="rect">
+            <a:avLst/>
+          </a:prstGeom>
+          <a:noFill/>
+          <a:ln w="9525">
+            <a:noFill/>
+            <a:miter lim="800000"/>
+            <a:headEnd/>
+            <a:tailEnd/>
+          </a:ln>
+          <a:effectLst/>
+        </p:spPr>
+      </p:pic>
+      <p:cxnSp>
+        <p:nvCxnSpPr>
+          <p:cNvPr id="292" name="291 Conector recto"/>
+          <p:cNvCxnSpPr>
+            <a:stCxn id="117" idx="2"/>
+            <a:endCxn id="286" idx="0"/>
+          </p:cNvCxnSpPr>
+          <p:nvPr/>
+        </p:nvCxnSpPr>
+        <p:spPr>
+          <a:xfrm>
+            <a:off x="3562909" y="6338614"/>
+            <a:ext cx="3616" cy="170428"/>
+          </a:xfrm>
+          <a:prstGeom prst="line">
+            <a:avLst/>
+          </a:prstGeom>
+          <a:ln w="12700">
+            <a:solidFill>
+              <a:schemeClr val="tx1"/>
+            </a:solidFill>
+          </a:ln>
+        </p:spPr>
+        <p:style>
+          <a:lnRef idx="1">
+            <a:schemeClr val="accent1"/>
+          </a:lnRef>
+          <a:fillRef idx="0">
+            <a:schemeClr val="accent1"/>
+          </a:fillRef>
+          <a:effectRef idx="0">
+            <a:schemeClr val="accent1"/>
+          </a:effectRef>
+          <a:fontRef idx="minor">
+            <a:schemeClr val="tx1"/>
+          </a:fontRef>
+        </p:style>
+      </p:cxnSp>
+      <p:sp>
+        <p:nvSpPr>
+          <p:cNvPr id="295" name="Rectángulo 35"/>
+          <p:cNvSpPr/>
+          <p:nvPr/>
+        </p:nvSpPr>
+        <p:spPr>
+          <a:xfrm>
+            <a:off x="4399781" y="6489992"/>
+            <a:ext cx="1095738" cy="263233"/>
+          </a:xfrm>
+          <a:prstGeom prst="rect">
+            <a:avLst/>
+          </a:prstGeom>
+          <a:ln>
+            <a:noFill/>
+          </a:ln>
+        </p:spPr>
+        <p:style>
+          <a:lnRef idx="2">
+            <a:schemeClr val="dk1"/>
+          </a:lnRef>
+          <a:fillRef idx="1">
+            <a:schemeClr val="lt1"/>
+          </a:fillRef>
+          <a:effectRef idx="0">
+            <a:schemeClr val="dk1"/>
+          </a:effectRef>
+          <a:fontRef idx="minor">
+            <a:schemeClr val="dk1"/>
+          </a:fontRef>
+        </p:style>
+        <p:txBody>
+          <a:bodyPr lIns="105683" tIns="52841" rIns="105683" bIns="52841" rtlCol="0" anchor="ctr"/>
+          <a:lstStyle/>
+          <a:p>
+            <a:pPr algn="ctr"/>
+            <a:r>
+              <a:rPr lang="es-CO" sz="900" dirty="0" smtClean="0">
+                <a:solidFill>
+                  <a:schemeClr val="tx1"/>
+                </a:solidFill>
+                <a:cs typeface="Arial" pitchFamily="34" charset="0"/>
+              </a:rPr>
+              <a:t>r</a:t>
+            </a:r>
+            <a:r>
+              <a:rPr lang="es-CO" sz="900" dirty="0" smtClean="0">
+                <a:solidFill>
+                  <a:schemeClr val="tx1"/>
+                </a:solidFill>
+                <a:cs typeface="Arial" pitchFamily="34" charset="0"/>
+              </a:rPr>
+              <a:t>epresentado  como  </a:t>
+            </a:r>
+            <a:r>
+              <a:rPr lang="es-CO" sz="900" dirty="0" smtClean="0">
+                <a:solidFill>
+                  <a:schemeClr val="tx1"/>
+                </a:solidFill>
+                <a:cs typeface="Arial" pitchFamily="34" charset="0"/>
+              </a:rPr>
+              <a:t>     </a:t>
+            </a:r>
+            <a:endParaRPr lang="es-CO" sz="900" dirty="0">
+              <a:solidFill>
+                <a:schemeClr val="tx1"/>
+              </a:solidFill>
+              <a:cs typeface="Arial" pitchFamily="34" charset="0"/>
+            </a:endParaRPr>
+          </a:p>
+        </p:txBody>
+      </p:sp>
+      <p:cxnSp>
+        <p:nvCxnSpPr>
+          <p:cNvPr id="296" name="295 Conector recto"/>
+          <p:cNvCxnSpPr>
+            <a:stCxn id="145" idx="2"/>
+            <a:endCxn id="295" idx="0"/>
+          </p:cNvCxnSpPr>
+          <p:nvPr/>
+        </p:nvCxnSpPr>
+        <p:spPr>
+          <a:xfrm flipH="1">
+            <a:off x="4947650" y="6337067"/>
+            <a:ext cx="2978" cy="152925"/>
+          </a:xfrm>
+          <a:prstGeom prst="line">
+            <a:avLst/>
+          </a:prstGeom>
+          <a:ln w="12700">
+            <a:solidFill>
+              <a:schemeClr val="tx1"/>
+            </a:solidFill>
+          </a:ln>
+        </p:spPr>
+        <p:style>
+          <a:lnRef idx="1">
+            <a:schemeClr val="accent1"/>
+          </a:lnRef>
+          <a:fillRef idx="0">
+            <a:schemeClr val="accent1"/>
+          </a:fillRef>
+          <a:effectRef idx="0">
+            <a:schemeClr val="accent1"/>
+          </a:effectRef>
+          <a:fontRef idx="minor">
+            <a:schemeClr val="tx1"/>
+          </a:fontRef>
+        </p:style>
+      </p:cxnSp>
+      <p:cxnSp>
+        <p:nvCxnSpPr>
+          <p:cNvPr id="299" name="298 Conector recto"/>
+          <p:cNvCxnSpPr>
+            <a:stCxn id="295" idx="2"/>
+            <a:endCxn id="283" idx="0"/>
+          </p:cNvCxnSpPr>
+          <p:nvPr/>
+        </p:nvCxnSpPr>
+        <p:spPr>
+          <a:xfrm flipH="1">
+            <a:off x="4947186" y="6753225"/>
+            <a:ext cx="464" cy="215037"/>
+          </a:xfrm>
+          <a:prstGeom prst="line">
+            <a:avLst/>
+          </a:prstGeom>
+          <a:ln w="12700">
+            <a:solidFill>
+              <a:schemeClr val="tx1"/>
+            </a:solidFill>
+          </a:ln>
+        </p:spPr>
+        <p:style>
+          <a:lnRef idx="1">
+            <a:schemeClr val="accent1"/>
+          </a:lnRef>
+          <a:fillRef idx="0">
+            <a:schemeClr val="accent1"/>
+          </a:fillRef>
+          <a:effectRef idx="0">
+            <a:schemeClr val="accent1"/>
+          </a:effectRef>
+          <a:fontRef idx="minor">
+            <a:schemeClr val="tx1"/>
+          </a:fontRef>
+        </p:style>
+      </p:cxnSp>
+      <p:pic>
+        <p:nvPicPr>
+          <p:cNvPr id="6" name="Picture 6"/>
+          <p:cNvPicPr>
+            <a:picLocks noChangeAspect="1" noChangeArrowheads="1"/>
+          </p:cNvPicPr>
+          <p:nvPr/>
+        </p:nvPicPr>
+        <p:blipFill>
+          <a:blip r:embed="rId11" cstate="print"/>
+          <a:srcRect/>
+          <a:stretch>
+            <a:fillRect/>
+          </a:stretch>
+        </p:blipFill>
+        <p:spPr bwMode="auto">
+          <a:xfrm>
+            <a:off x="4362449" y="7086601"/>
+            <a:ext cx="1188311" cy="96838"/>
+          </a:xfrm>
+          <a:prstGeom prst="rect">
+            <a:avLst/>
+          </a:prstGeom>
+          <a:noFill/>
+          <a:ln w="9525">
+            <a:noFill/>
+            <a:miter lim="800000"/>
+            <a:headEnd/>
+            <a:tailEnd/>
+          </a:ln>
+          <a:effectLst/>
+        </p:spPr>
+      </p:pic>
+      <p:pic>
+        <p:nvPicPr>
+          <p:cNvPr id="1032" name="Picture 8"/>
+          <p:cNvPicPr>
+            <a:picLocks noChangeAspect="1" noChangeArrowheads="1"/>
+          </p:cNvPicPr>
+          <p:nvPr/>
+        </p:nvPicPr>
+        <p:blipFill>
+          <a:blip r:embed="rId12" cstate="print"/>
+          <a:srcRect/>
+          <a:stretch>
+            <a:fillRect/>
+          </a:stretch>
+        </p:blipFill>
+        <p:spPr bwMode="auto">
+          <a:xfrm>
+            <a:off x="6773862" y="7688263"/>
+            <a:ext cx="1028035" cy="360361"/>
+          </a:xfrm>
+          <a:prstGeom prst="rect">
+            <a:avLst/>
+          </a:prstGeom>
+          <a:noFill/>
+          <a:ln w="9525">
+            <a:noFill/>
+            <a:miter lim="800000"/>
+            <a:headEnd/>
+            <a:tailEnd/>
+          </a:ln>
+          <a:effectLst/>
+        </p:spPr>
+      </p:pic>
+      <p:sp>
+        <p:nvSpPr>
+          <p:cNvPr id="303" name="Rectángulo 33"/>
+          <p:cNvSpPr/>
+          <p:nvPr/>
+        </p:nvSpPr>
+        <p:spPr>
+          <a:xfrm>
+            <a:off x="5603148" y="7653137"/>
+            <a:ext cx="1039734" cy="571897"/>
+          </a:xfrm>
+          <a:prstGeom prst="rect">
+            <a:avLst/>
+          </a:prstGeom>
+          <a:solidFill>
+            <a:schemeClr val="bg1"/>
+          </a:solidFill>
+        </p:spPr>
+        <p:style>
+          <a:lnRef idx="2">
+            <a:schemeClr val="dk1"/>
+          </a:lnRef>
+          <a:fillRef idx="1">
+            <a:schemeClr val="lt1"/>
+          </a:fillRef>
+          <a:effectRef idx="0">
+            <a:schemeClr val="dk1"/>
+          </a:effectRef>
+          <a:fontRef idx="minor">
+            <a:schemeClr val="dk1"/>
+          </a:fontRef>
+        </p:style>
+        <p:txBody>
+          <a:bodyPr lIns="105683" tIns="52841" rIns="105683" bIns="52841" rtlCol="0" anchor="ctr"/>
+          <a:lstStyle/>
+          <a:p>
+            <a:r>
+              <a:rPr lang="es-CO" sz="900" dirty="0" smtClean="0">
+                <a:solidFill>
+                  <a:schemeClr val="tx1"/>
+                </a:solidFill>
+                <a:cs typeface="Arial" pitchFamily="34" charset="0"/>
+              </a:rPr>
+              <a:t>                                                           </a:t>
+            </a:r>
+          </a:p>
+          <a:p>
+            <a:endParaRPr lang="es-CO" sz="900" dirty="0" smtClean="0">
+              <a:solidFill>
+                <a:schemeClr val="tx1"/>
+              </a:solidFill>
+              <a:cs typeface="Arial" pitchFamily="34" charset="0"/>
+            </a:endParaRPr>
+          </a:p>
+          <a:p>
+            <a:endParaRPr lang="es-CO" sz="900" dirty="0" smtClean="0">
+              <a:solidFill>
+                <a:schemeClr val="tx1"/>
+              </a:solidFill>
+              <a:cs typeface="Arial" pitchFamily="34" charset="0"/>
+            </a:endParaRPr>
+          </a:p>
+          <a:p>
+            <a:r>
+              <a:rPr lang="es-CO" sz="900" dirty="0" smtClean="0">
+                <a:solidFill>
+                  <a:srgbClr val="FF0000"/>
+                </a:solidFill>
+                <a:cs typeface="Arial" pitchFamily="34" charset="0"/>
+              </a:rPr>
+              <a:t>8</a:t>
+            </a:r>
+            <a:endParaRPr lang="es-CO" sz="900" dirty="0">
+              <a:solidFill>
+                <a:srgbClr val="FF0000"/>
+              </a:solidFill>
+              <a:cs typeface="Arial" pitchFamily="34" charset="0"/>
+            </a:endParaRPr>
+          </a:p>
+        </p:txBody>
+      </p:sp>
+      <p:pic>
+        <p:nvPicPr>
+          <p:cNvPr id="305" name="Picture 7"/>
+          <p:cNvPicPr>
+            <a:picLocks noChangeAspect="1" noChangeArrowheads="1"/>
+          </p:cNvPicPr>
+          <p:nvPr/>
+        </p:nvPicPr>
+        <p:blipFill>
+          <a:blip r:embed="rId13" cstate="print"/>
+          <a:srcRect/>
+          <a:stretch>
+            <a:fillRect/>
+          </a:stretch>
+        </p:blipFill>
+        <p:spPr bwMode="auto">
+          <a:xfrm>
+            <a:off x="5610066" y="7772399"/>
+            <a:ext cx="1032233" cy="352426"/>
+          </a:xfrm>
+          <a:prstGeom prst="rect">
+            <a:avLst/>
+          </a:prstGeom>
+          <a:noFill/>
+          <a:ln w="9525">
+            <a:noFill/>
+            <a:miter lim="800000"/>
+            <a:headEnd/>
+            <a:tailEnd/>
+          </a:ln>
+          <a:effectLst/>
+        </p:spPr>
+      </p:pic>
+      <p:sp>
+        <p:nvSpPr>
+          <p:cNvPr id="306" name="Rectángulo 33"/>
+          <p:cNvSpPr/>
+          <p:nvPr/>
+        </p:nvSpPr>
+        <p:spPr>
+          <a:xfrm>
+            <a:off x="5603148" y="8713391"/>
+            <a:ext cx="1039734" cy="571897"/>
+          </a:xfrm>
+          <a:prstGeom prst="rect">
+            <a:avLst/>
+          </a:prstGeom>
+          <a:solidFill>
+            <a:schemeClr val="bg1"/>
+          </a:solidFill>
+        </p:spPr>
+        <p:style>
+          <a:lnRef idx="2">
+            <a:schemeClr val="dk1"/>
+          </a:lnRef>
+          <a:fillRef idx="1">
+            <a:schemeClr val="lt1"/>
+          </a:fillRef>
+          <a:effectRef idx="0">
+            <a:schemeClr val="dk1"/>
+          </a:effectRef>
+          <a:fontRef idx="minor">
+            <a:schemeClr val="dk1"/>
+          </a:fontRef>
+        </p:style>
+        <p:txBody>
+          <a:bodyPr lIns="105683" tIns="52841" rIns="105683" bIns="52841" rtlCol="0" anchor="ctr"/>
+          <a:lstStyle/>
+          <a:p>
+            <a:endParaRPr lang="es-CO" sz="900" dirty="0" smtClean="0">
+              <a:solidFill>
+                <a:schemeClr val="tx1"/>
+              </a:solidFill>
+              <a:cs typeface="Arial" pitchFamily="34" charset="0"/>
+            </a:endParaRPr>
+          </a:p>
+          <a:p>
+            <a:endParaRPr lang="es-CO" sz="900" dirty="0" smtClean="0">
+              <a:solidFill>
+                <a:schemeClr val="tx1"/>
+              </a:solidFill>
+              <a:cs typeface="Arial" pitchFamily="34" charset="0"/>
+            </a:endParaRPr>
+          </a:p>
+          <a:p>
+            <a:endParaRPr lang="es-CO" sz="900" dirty="0" smtClean="0">
+              <a:solidFill>
+                <a:schemeClr val="tx1"/>
+              </a:solidFill>
+              <a:cs typeface="Arial" pitchFamily="34" charset="0"/>
+            </a:endParaRPr>
+          </a:p>
+          <a:p>
+            <a:r>
+              <a:rPr lang="es-CO" sz="900" dirty="0" smtClean="0">
+                <a:solidFill>
+                  <a:srgbClr val="FF0000"/>
+                </a:solidFill>
+                <a:cs typeface="Arial" pitchFamily="34" charset="0"/>
+              </a:rPr>
+              <a:t>9</a:t>
+            </a:r>
+            <a:endParaRPr lang="es-CO" sz="900" dirty="0">
+              <a:solidFill>
+                <a:srgbClr val="FF0000"/>
+              </a:solidFill>
+              <a:cs typeface="Arial" pitchFamily="34" charset="0"/>
+            </a:endParaRPr>
+          </a:p>
+        </p:txBody>
+      </p:sp>
+      <p:pic>
+        <p:nvPicPr>
+          <p:cNvPr id="307" name="Picture 9"/>
+          <p:cNvPicPr>
+            <a:picLocks noChangeAspect="1" noChangeArrowheads="1"/>
+          </p:cNvPicPr>
+          <p:nvPr/>
+        </p:nvPicPr>
+        <p:blipFill>
+          <a:blip r:embed="rId14" cstate="print"/>
+          <a:srcRect/>
+          <a:stretch>
+            <a:fillRect/>
+          </a:stretch>
+        </p:blipFill>
+        <p:spPr bwMode="auto">
+          <a:xfrm>
+            <a:off x="5659438" y="8748337"/>
+            <a:ext cx="912811" cy="387129"/>
+          </a:xfrm>
+          <a:prstGeom prst="rect">
+            <a:avLst/>
+          </a:prstGeom>
+          <a:noFill/>
+          <a:ln w="9525">
+            <a:noFill/>
+            <a:miter lim="800000"/>
+            <a:headEnd/>
+            <a:tailEnd/>
+          </a:ln>
+          <a:effectLst/>
+        </p:spPr>
+      </p:pic>
+      <p:sp>
+        <p:nvSpPr>
+          <p:cNvPr id="309" name="Rectángulo 35"/>
+          <p:cNvSpPr/>
+          <p:nvPr/>
+        </p:nvSpPr>
+        <p:spPr>
+          <a:xfrm>
+            <a:off x="5571356" y="8369642"/>
+            <a:ext cx="1095738" cy="221963"/>
+          </a:xfrm>
+          <a:prstGeom prst="rect">
+            <a:avLst/>
+          </a:prstGeom>
+          <a:ln>
+            <a:noFill/>
+          </a:ln>
+        </p:spPr>
+        <p:style>
+          <a:lnRef idx="2">
+            <a:schemeClr val="dk1"/>
+          </a:lnRef>
+          <a:fillRef idx="1">
+            <a:schemeClr val="lt1"/>
+          </a:fillRef>
+          <a:effectRef idx="0">
+            <a:schemeClr val="dk1"/>
+          </a:effectRef>
+          <a:fontRef idx="minor">
+            <a:schemeClr val="dk1"/>
+          </a:fontRef>
+        </p:style>
+        <p:txBody>
+          <a:bodyPr lIns="105683" tIns="52841" rIns="105683" bIns="52841" rtlCol="0" anchor="ctr"/>
+          <a:lstStyle/>
+          <a:p>
+            <a:pPr algn="ctr"/>
+            <a:r>
+              <a:rPr lang="es-CO" sz="900" dirty="0" smtClean="0">
+                <a:solidFill>
+                  <a:schemeClr val="tx1"/>
+                </a:solidFill>
+                <a:cs typeface="Arial" pitchFamily="34" charset="0"/>
+              </a:rPr>
+              <a:t>c</a:t>
+            </a:r>
+            <a:r>
+              <a:rPr lang="es-CO" sz="900" dirty="0" smtClean="0">
+                <a:solidFill>
+                  <a:schemeClr val="tx1"/>
+                </a:solidFill>
+                <a:cs typeface="Arial" pitchFamily="34" charset="0"/>
+              </a:rPr>
+              <a:t>on las formulas </a:t>
+            </a:r>
+            <a:r>
+              <a:rPr lang="es-CO" sz="900" dirty="0" smtClean="0">
+                <a:solidFill>
+                  <a:schemeClr val="tx1"/>
+                </a:solidFill>
+                <a:cs typeface="Arial" pitchFamily="34" charset="0"/>
+              </a:rPr>
+              <a:t> </a:t>
+            </a:r>
+            <a:endParaRPr lang="es-CO" sz="900" dirty="0">
+              <a:solidFill>
+                <a:schemeClr val="tx1"/>
+              </a:solidFill>
+              <a:cs typeface="Arial" pitchFamily="34" charset="0"/>
+            </a:endParaRPr>
+          </a:p>
+        </p:txBody>
+      </p:sp>
+      <p:cxnSp>
+        <p:nvCxnSpPr>
+          <p:cNvPr id="314" name="313 Conector recto"/>
+          <p:cNvCxnSpPr>
+            <a:stCxn id="309" idx="2"/>
+            <a:endCxn id="306" idx="0"/>
+          </p:cNvCxnSpPr>
+          <p:nvPr/>
+        </p:nvCxnSpPr>
+        <p:spPr>
+          <a:xfrm>
+            <a:off x="6119225" y="8591605"/>
+            <a:ext cx="3790" cy="121786"/>
+          </a:xfrm>
+          <a:prstGeom prst="line">
+            <a:avLst/>
+          </a:prstGeom>
+          <a:ln w="12700">
+            <a:solidFill>
+              <a:schemeClr val="tx1"/>
+            </a:solidFill>
+          </a:ln>
+        </p:spPr>
+        <p:style>
+          <a:lnRef idx="1">
+            <a:schemeClr val="accent1"/>
+          </a:lnRef>
+          <a:fillRef idx="0">
+            <a:schemeClr val="accent1"/>
+          </a:fillRef>
+          <a:effectRef idx="0">
+            <a:schemeClr val="accent1"/>
+          </a:effectRef>
+          <a:fontRef idx="minor">
+            <a:schemeClr val="tx1"/>
+          </a:fontRef>
+        </p:style>
+      </p:cxnSp>
+      <p:sp>
+        <p:nvSpPr>
+          <p:cNvPr id="317" name="Rectángulo 35"/>
+          <p:cNvSpPr/>
+          <p:nvPr/>
+        </p:nvSpPr>
+        <p:spPr>
+          <a:xfrm>
+            <a:off x="6723881" y="8369642"/>
+            <a:ext cx="1095738" cy="221963"/>
+          </a:xfrm>
+          <a:prstGeom prst="rect">
+            <a:avLst/>
+          </a:prstGeom>
+          <a:ln>
+            <a:noFill/>
+          </a:ln>
+        </p:spPr>
+        <p:style>
+          <a:lnRef idx="2">
+            <a:schemeClr val="dk1"/>
+          </a:lnRef>
+          <a:fillRef idx="1">
+            <a:schemeClr val="lt1"/>
+          </a:fillRef>
+          <a:effectRef idx="0">
+            <a:schemeClr val="dk1"/>
+          </a:effectRef>
+          <a:fontRef idx="minor">
+            <a:schemeClr val="dk1"/>
+          </a:fontRef>
+        </p:style>
+        <p:txBody>
+          <a:bodyPr lIns="105683" tIns="52841" rIns="105683" bIns="52841" rtlCol="0" anchor="ctr"/>
+          <a:lstStyle/>
+          <a:p>
+            <a:pPr algn="ctr"/>
+            <a:r>
+              <a:rPr lang="es-CO" sz="900" dirty="0" smtClean="0">
+                <a:solidFill>
+                  <a:schemeClr val="tx1"/>
+                </a:solidFill>
+                <a:cs typeface="Arial" pitchFamily="34" charset="0"/>
+              </a:rPr>
+              <a:t>c</a:t>
+            </a:r>
+            <a:r>
+              <a:rPr lang="es-CO" sz="900" dirty="0" smtClean="0">
+                <a:solidFill>
+                  <a:schemeClr val="tx1"/>
+                </a:solidFill>
+                <a:cs typeface="Arial" pitchFamily="34" charset="0"/>
+              </a:rPr>
+              <a:t>on las formulas </a:t>
+            </a:r>
+            <a:r>
+              <a:rPr lang="es-CO" sz="900" dirty="0" smtClean="0">
+                <a:solidFill>
+                  <a:schemeClr val="tx1"/>
+                </a:solidFill>
+                <a:cs typeface="Arial" pitchFamily="34" charset="0"/>
+              </a:rPr>
+              <a:t> </a:t>
+            </a:r>
+            <a:endParaRPr lang="es-CO" sz="900" dirty="0">
+              <a:solidFill>
+                <a:schemeClr val="tx1"/>
+              </a:solidFill>
+              <a:cs typeface="Arial" pitchFamily="34" charset="0"/>
+            </a:endParaRPr>
+          </a:p>
+        </p:txBody>
+      </p:sp>
+      <p:sp>
+        <p:nvSpPr>
+          <p:cNvPr id="319" name="Rectángulo 33"/>
+          <p:cNvSpPr/>
+          <p:nvPr/>
+        </p:nvSpPr>
+        <p:spPr>
+          <a:xfrm>
+            <a:off x="6755673" y="8713391"/>
+            <a:ext cx="1039734" cy="571897"/>
+          </a:xfrm>
+          <a:prstGeom prst="rect">
+            <a:avLst/>
+          </a:prstGeom>
+          <a:solidFill>
+            <a:schemeClr val="bg1"/>
+          </a:solidFill>
+        </p:spPr>
+        <p:style>
+          <a:lnRef idx="2">
+            <a:schemeClr val="dk1"/>
+          </a:lnRef>
+          <a:fillRef idx="1">
+            <a:schemeClr val="lt1"/>
+          </a:fillRef>
+          <a:effectRef idx="0">
+            <a:schemeClr val="dk1"/>
+          </a:effectRef>
+          <a:fontRef idx="minor">
+            <a:schemeClr val="dk1"/>
+          </a:fontRef>
+        </p:style>
+        <p:txBody>
+          <a:bodyPr lIns="105683" tIns="52841" rIns="105683" bIns="52841" rtlCol="0" anchor="ctr"/>
+          <a:lstStyle/>
+          <a:p>
+            <a:endParaRPr lang="es-CO" sz="900" dirty="0" smtClean="0">
+              <a:solidFill>
+                <a:schemeClr val="tx1"/>
+              </a:solidFill>
+              <a:cs typeface="Arial" pitchFamily="34" charset="0"/>
+            </a:endParaRPr>
+          </a:p>
+          <a:p>
+            <a:endParaRPr lang="es-CO" sz="900" dirty="0" smtClean="0">
+              <a:solidFill>
+                <a:schemeClr val="tx1"/>
+              </a:solidFill>
+              <a:cs typeface="Arial" pitchFamily="34" charset="0"/>
+            </a:endParaRPr>
+          </a:p>
+          <a:p>
+            <a:endParaRPr lang="es-CO" sz="900" dirty="0" smtClean="0">
+              <a:solidFill>
+                <a:schemeClr val="tx1"/>
+              </a:solidFill>
+              <a:cs typeface="Arial" pitchFamily="34" charset="0"/>
+            </a:endParaRPr>
+          </a:p>
+          <a:p>
+            <a:r>
+              <a:rPr lang="es-CO" sz="900" dirty="0" smtClean="0">
+                <a:solidFill>
+                  <a:srgbClr val="FF0000"/>
+                </a:solidFill>
+                <a:cs typeface="Arial" pitchFamily="34" charset="0"/>
+              </a:rPr>
+              <a:t>11</a:t>
+            </a:r>
+            <a:endParaRPr lang="es-CO" sz="900" dirty="0">
+              <a:solidFill>
+                <a:srgbClr val="FF0000"/>
+              </a:solidFill>
+              <a:cs typeface="Arial" pitchFamily="34" charset="0"/>
+            </a:endParaRPr>
+          </a:p>
+        </p:txBody>
+      </p:sp>
+      <p:cxnSp>
+        <p:nvCxnSpPr>
+          <p:cNvPr id="320" name="319 Conector recto"/>
+          <p:cNvCxnSpPr>
+            <a:stCxn id="317" idx="2"/>
+            <a:endCxn id="319" idx="0"/>
+          </p:cNvCxnSpPr>
+          <p:nvPr/>
+        </p:nvCxnSpPr>
+        <p:spPr>
+          <a:xfrm>
+            <a:off x="7271750" y="8591605"/>
+            <a:ext cx="3790" cy="121786"/>
+          </a:xfrm>
+          <a:prstGeom prst="line">
+            <a:avLst/>
+          </a:prstGeom>
+          <a:ln w="12700">
+            <a:solidFill>
+              <a:schemeClr val="tx1"/>
+            </a:solidFill>
+          </a:ln>
+        </p:spPr>
+        <p:style>
+          <a:lnRef idx="1">
+            <a:schemeClr val="accent1"/>
+          </a:lnRef>
+          <a:fillRef idx="0">
+            <a:schemeClr val="accent1"/>
+          </a:fillRef>
+          <a:effectRef idx="0">
+            <a:schemeClr val="accent1"/>
+          </a:effectRef>
+          <a:fontRef idx="minor">
+            <a:schemeClr val="tx1"/>
+          </a:fontRef>
+        </p:style>
+      </p:cxnSp>
+      <p:pic>
+        <p:nvPicPr>
+          <p:cNvPr id="324" name="Picture 10"/>
+          <p:cNvPicPr>
+            <a:picLocks noChangeAspect="1" noChangeArrowheads="1"/>
+          </p:cNvPicPr>
+          <p:nvPr/>
+        </p:nvPicPr>
+        <p:blipFill>
+          <a:blip r:embed="rId15" cstate="print"/>
+          <a:srcRect/>
+          <a:stretch>
+            <a:fillRect/>
+          </a:stretch>
+        </p:blipFill>
+        <p:spPr bwMode="auto">
+          <a:xfrm>
+            <a:off x="6802438" y="8735304"/>
+            <a:ext cx="947454" cy="389646"/>
+          </a:xfrm>
+          <a:prstGeom prst="rect">
+            <a:avLst/>
+          </a:prstGeom>
+          <a:noFill/>
+          <a:ln w="9525">
+            <a:noFill/>
+            <a:miter lim="800000"/>
+            <a:headEnd/>
+            <a:tailEnd/>
+          </a:ln>
+          <a:effectLst/>
+        </p:spPr>
+      </p:pic>
+      <p:pic>
+        <p:nvPicPr>
+          <p:cNvPr id="1035" name="Picture 11"/>
+          <p:cNvPicPr>
+            <a:picLocks noChangeAspect="1" noChangeArrowheads="1"/>
+          </p:cNvPicPr>
+          <p:nvPr/>
+        </p:nvPicPr>
+        <p:blipFill>
+          <a:blip r:embed="rId16" cstate="print"/>
+          <a:srcRect/>
+          <a:stretch>
+            <a:fillRect/>
+          </a:stretch>
+        </p:blipFill>
+        <p:spPr bwMode="auto">
+          <a:xfrm>
+            <a:off x="7870820" y="8372474"/>
+            <a:ext cx="835030" cy="87313"/>
+          </a:xfrm>
+          <a:prstGeom prst="rect">
+            <a:avLst/>
+          </a:prstGeom>
+          <a:noFill/>
+          <a:ln w="9525">
+            <a:noFill/>
+            <a:miter lim="800000"/>
+            <a:headEnd/>
+            <a:tailEnd/>
+          </a:ln>
+          <a:effectLst/>
+        </p:spPr>
+      </p:pic>
+      <p:pic>
+        <p:nvPicPr>
+          <p:cNvPr id="1036" name="Picture 12"/>
+          <p:cNvPicPr>
+            <a:picLocks noChangeAspect="1" noChangeArrowheads="1"/>
+          </p:cNvPicPr>
+          <p:nvPr/>
+        </p:nvPicPr>
+        <p:blipFill>
+          <a:blip r:embed="rId17" cstate="print"/>
+          <a:srcRect/>
+          <a:stretch>
+            <a:fillRect/>
+          </a:stretch>
+        </p:blipFill>
+        <p:spPr bwMode="auto">
+          <a:xfrm>
+            <a:off x="9907588" y="8267699"/>
+            <a:ext cx="684211" cy="318602"/>
+          </a:xfrm>
+          <a:prstGeom prst="rect">
+            <a:avLst/>
+          </a:prstGeom>
+          <a:noFill/>
+          <a:ln w="9525">
+            <a:noFill/>
+            <a:miter lim="800000"/>
+            <a:headEnd/>
+            <a:tailEnd/>
+          </a:ln>
+          <a:effectLst/>
+        </p:spPr>
+      </p:pic>
+      <p:pic>
+        <p:nvPicPr>
+          <p:cNvPr id="1037" name="Picture 13"/>
+          <p:cNvPicPr>
+            <a:picLocks noChangeAspect="1" noChangeArrowheads="1"/>
+          </p:cNvPicPr>
+          <p:nvPr/>
+        </p:nvPicPr>
+        <p:blipFill>
+          <a:blip r:embed="rId18" cstate="print"/>
+          <a:srcRect/>
+          <a:stretch>
+            <a:fillRect/>
+          </a:stretch>
+        </p:blipFill>
+        <p:spPr bwMode="auto">
+          <a:xfrm>
+            <a:off x="10850563" y="8331370"/>
+            <a:ext cx="769397" cy="145879"/>
+          </a:xfrm>
+          <a:prstGeom prst="rect">
+            <a:avLst/>
+          </a:prstGeom>
+          <a:noFill/>
+          <a:ln w="9525">
+            <a:noFill/>
+            <a:miter lim="800000"/>
+            <a:headEnd/>
+            <a:tailEnd/>
+          </a:ln>
+          <a:effectLst/>
+        </p:spPr>
+      </p:pic>
+      <p:pic>
+        <p:nvPicPr>
+          <p:cNvPr id="1038" name="Picture 14"/>
+          <p:cNvPicPr>
+            <a:picLocks noChangeAspect="1" noChangeArrowheads="1"/>
+          </p:cNvPicPr>
+          <p:nvPr/>
+        </p:nvPicPr>
+        <p:blipFill>
+          <a:blip r:embed="rId19" cstate="print"/>
+          <a:srcRect/>
+          <a:stretch>
+            <a:fillRect/>
+          </a:stretch>
+        </p:blipFill>
+        <p:spPr bwMode="auto">
+          <a:xfrm>
+            <a:off x="173038" y="8821249"/>
+            <a:ext cx="1157219" cy="217976"/>
+          </a:xfrm>
+          <a:prstGeom prst="rect">
+            <a:avLst/>
+          </a:prstGeom>
+          <a:noFill/>
+          <a:ln w="9525">
+            <a:noFill/>
+            <a:miter lim="800000"/>
+            <a:headEnd/>
+            <a:tailEnd/>
+          </a:ln>
+          <a:effectLst/>
+        </p:spPr>
+      </p:pic>
+      <p:pic>
+        <p:nvPicPr>
+          <p:cNvPr id="1039" name="Picture 15"/>
+          <p:cNvPicPr>
+            <a:picLocks noChangeAspect="1" noChangeArrowheads="1"/>
+          </p:cNvPicPr>
+          <p:nvPr/>
+        </p:nvPicPr>
+        <p:blipFill>
+          <a:blip r:embed="rId20" cstate="print"/>
+          <a:srcRect/>
+          <a:stretch>
+            <a:fillRect/>
+          </a:stretch>
+        </p:blipFill>
+        <p:spPr bwMode="auto">
+          <a:xfrm>
+            <a:off x="115887" y="8212139"/>
+            <a:ext cx="1271281" cy="198436"/>
           </a:xfrm>
           <a:prstGeom prst="rect">
             <a:avLst/>

--- a/fuentes/contenidos/grado09/guion08/MapaConceptual_MA_09_08_CO.pptx
+++ b/fuentes/contenidos/grado09/guion08/MapaConceptual_MA_09_08_CO.pptx
@@ -106,7 +106,18 @@
   </p:defaultTextStyle>
   <p:extLst>
     <p:ext uri="{EFAFB233-063F-42B5-8137-9DF3F51BA10A}">
-      <p15:sldGuideLst xmlns:p15="http://schemas.microsoft.com/office/powerpoint/2012/main" xmlns=""/>
+      <p15:sldGuideLst xmlns:p15="http://schemas.microsoft.com/office/powerpoint/2012/main">
+        <p15:guide id="1" orient="horz" pos="2949">
+          <p15:clr>
+            <a:srgbClr val="A4A3A4"/>
+          </p15:clr>
+        </p15:guide>
+        <p15:guide id="2" pos="4309">
+          <p15:clr>
+            <a:srgbClr val="A4A3A4"/>
+          </p15:clr>
+        </p15:guide>
+      </p15:sldGuideLst>
     </p:ext>
   </p:extLst>
 </p:presentation>
@@ -132,20 +143,13 @@
     </p:spTree>
     <p:extLst>
       <p:ext uri="{BB962C8B-B14F-4D97-AF65-F5344CB8AC3E}">
-        <p14:creationId xmlns:p14="http://schemas.microsoft.com/office/powerpoint/2010/main" xmlns="" val="2000257042"/>
+        <p14:creationId xmlns:p14="http://schemas.microsoft.com/office/powerpoint/2010/main" val="2000257042"/>
       </p:ext>
     </p:extLst>
   </p:cSld>
   <p:clrMapOvr>
     <a:masterClrMapping/>
   </p:clrMapOvr>
-  <p:timing>
-    <p:tnLst>
-      <p:par>
-        <p:cTn id="1" dur="indefinite" restart="never" nodeType="tmRoot"/>
-      </p:par>
-    </p:tnLst>
-  </p:timing>
 </p:sldLayout>
 </file>
 
@@ -169,20 +173,13 @@
     </p:spTree>
     <p:extLst>
       <p:ext uri="{BB962C8B-B14F-4D97-AF65-F5344CB8AC3E}">
-        <p14:creationId xmlns:p14="http://schemas.microsoft.com/office/powerpoint/2010/main" xmlns="" val="1333581381"/>
+        <p14:creationId xmlns:p14="http://schemas.microsoft.com/office/powerpoint/2010/main" val="1333581381"/>
       </p:ext>
     </p:extLst>
   </p:cSld>
   <p:clrMapOvr>
     <a:masterClrMapping/>
   </p:clrMapOvr>
-  <p:timing>
-    <p:tnLst>
-      <p:par>
-        <p:cTn id="1" dur="indefinite" restart="never" nodeType="tmRoot"/>
-      </p:par>
-    </p:tnLst>
-  </p:timing>
 </p:sldLayout>
 </file>
 
@@ -206,20 +203,13 @@
     </p:spTree>
     <p:extLst>
       <p:ext uri="{BB962C8B-B14F-4D97-AF65-F5344CB8AC3E}">
-        <p14:creationId xmlns:p14="http://schemas.microsoft.com/office/powerpoint/2010/main" xmlns="" val="1891644360"/>
+        <p14:creationId xmlns:p14="http://schemas.microsoft.com/office/powerpoint/2010/main" val="1891644360"/>
       </p:ext>
     </p:extLst>
   </p:cSld>
   <p:clrMapOvr>
     <a:masterClrMapping/>
   </p:clrMapOvr>
-  <p:timing>
-    <p:tnLst>
-      <p:par>
-        <p:cTn id="1" dur="indefinite" restart="never" nodeType="tmRoot"/>
-      </p:par>
-    </p:tnLst>
-  </p:timing>
 </p:sldLayout>
 </file>
 
@@ -243,20 +233,13 @@
     </p:spTree>
     <p:extLst>
       <p:ext uri="{BB962C8B-B14F-4D97-AF65-F5344CB8AC3E}">
-        <p14:creationId xmlns:p14="http://schemas.microsoft.com/office/powerpoint/2010/main" xmlns="" val="3239374206"/>
+        <p14:creationId xmlns:p14="http://schemas.microsoft.com/office/powerpoint/2010/main" val="3239374206"/>
       </p:ext>
     </p:extLst>
   </p:cSld>
   <p:clrMapOvr>
     <a:masterClrMapping/>
   </p:clrMapOvr>
-  <p:timing>
-    <p:tnLst>
-      <p:par>
-        <p:cTn id="1" dur="indefinite" restart="never" nodeType="tmRoot"/>
-      </p:par>
-    </p:tnLst>
-  </p:timing>
 </p:sldLayout>
 </file>
 
@@ -280,20 +263,13 @@
     </p:spTree>
     <p:extLst>
       <p:ext uri="{BB962C8B-B14F-4D97-AF65-F5344CB8AC3E}">
-        <p14:creationId xmlns:p14="http://schemas.microsoft.com/office/powerpoint/2010/main" xmlns="" val="307310304"/>
+        <p14:creationId xmlns:p14="http://schemas.microsoft.com/office/powerpoint/2010/main" val="307310304"/>
       </p:ext>
     </p:extLst>
   </p:cSld>
   <p:clrMapOvr>
     <a:masterClrMapping/>
   </p:clrMapOvr>
-  <p:timing>
-    <p:tnLst>
-      <p:par>
-        <p:cTn id="1" dur="indefinite" restart="never" nodeType="tmRoot"/>
-      </p:par>
-    </p:tnLst>
-  </p:timing>
 </p:sldLayout>
 </file>
 
@@ -317,20 +293,13 @@
     </p:spTree>
     <p:extLst>
       <p:ext uri="{BB962C8B-B14F-4D97-AF65-F5344CB8AC3E}">
-        <p14:creationId xmlns:p14="http://schemas.microsoft.com/office/powerpoint/2010/main" xmlns="" val="3978690955"/>
+        <p14:creationId xmlns:p14="http://schemas.microsoft.com/office/powerpoint/2010/main" val="3978690955"/>
       </p:ext>
     </p:extLst>
   </p:cSld>
   <p:clrMapOvr>
     <a:masterClrMapping/>
   </p:clrMapOvr>
-  <p:timing>
-    <p:tnLst>
-      <p:par>
-        <p:cTn id="1" dur="indefinite" restart="never" nodeType="tmRoot"/>
-      </p:par>
-    </p:tnLst>
-  </p:timing>
 </p:sldLayout>
 </file>
 
@@ -354,20 +323,13 @@
     </p:spTree>
     <p:extLst>
       <p:ext uri="{BB962C8B-B14F-4D97-AF65-F5344CB8AC3E}">
-        <p14:creationId xmlns:p14="http://schemas.microsoft.com/office/powerpoint/2010/main" xmlns="" val="2351846119"/>
+        <p14:creationId xmlns:p14="http://schemas.microsoft.com/office/powerpoint/2010/main" val="2351846119"/>
       </p:ext>
     </p:extLst>
   </p:cSld>
   <p:clrMapOvr>
     <a:masterClrMapping/>
   </p:clrMapOvr>
-  <p:timing>
-    <p:tnLst>
-      <p:par>
-        <p:cTn id="1" dur="indefinite" restart="never" nodeType="tmRoot"/>
-      </p:par>
-    </p:tnLst>
-  </p:timing>
 </p:sldLayout>
 </file>
 
@@ -391,20 +353,13 @@
     </p:spTree>
     <p:extLst>
       <p:ext uri="{BB962C8B-B14F-4D97-AF65-F5344CB8AC3E}">
-        <p14:creationId xmlns:p14="http://schemas.microsoft.com/office/powerpoint/2010/main" xmlns="" val="3469546082"/>
+        <p14:creationId xmlns:p14="http://schemas.microsoft.com/office/powerpoint/2010/main" val="3469546082"/>
       </p:ext>
     </p:extLst>
   </p:cSld>
   <p:clrMapOvr>
     <a:masterClrMapping/>
   </p:clrMapOvr>
-  <p:timing>
-    <p:tnLst>
-      <p:par>
-        <p:cTn id="1" dur="indefinite" restart="never" nodeType="tmRoot"/>
-      </p:par>
-    </p:tnLst>
-  </p:timing>
 </p:sldLayout>
 </file>
 
@@ -451,7 +406,7 @@
             <a:fld id="{5001C876-01F7-4317-94B9-1AE222133113}" type="datetimeFigureOut">
               <a:rPr lang="es-ES" smtClean="0"/>
               <a:pPr/>
-              <a:t>28/12/2015</a:t>
+              <a:t>16/02/2016</a:t>
             </a:fld>
             <a:endParaRPr lang="es-ES"/>
           </a:p>
@@ -519,20 +474,13 @@
     </p:spTree>
     <p:extLst>
       <p:ext uri="{BB962C8B-B14F-4D97-AF65-F5344CB8AC3E}">
-        <p14:creationId xmlns:p14="http://schemas.microsoft.com/office/powerpoint/2010/main" xmlns="" val="1897143918"/>
+        <p14:creationId xmlns:p14="http://schemas.microsoft.com/office/powerpoint/2010/main" val="1897143918"/>
       </p:ext>
     </p:extLst>
   </p:cSld>
   <p:clrMapOvr>
     <a:masterClrMapping/>
   </p:clrMapOvr>
-  <p:timing>
-    <p:tnLst>
-      <p:par>
-        <p:cTn id="1" dur="indefinite" restart="never" nodeType="tmRoot"/>
-      </p:par>
-    </p:tnLst>
-  </p:timing>
 </p:sldLayout>
 </file>
 
@@ -556,20 +504,13 @@
     </p:spTree>
     <p:extLst>
       <p:ext uri="{BB962C8B-B14F-4D97-AF65-F5344CB8AC3E}">
-        <p14:creationId xmlns:p14="http://schemas.microsoft.com/office/powerpoint/2010/main" xmlns="" val="1289426299"/>
+        <p14:creationId xmlns:p14="http://schemas.microsoft.com/office/powerpoint/2010/main" val="1289426299"/>
       </p:ext>
     </p:extLst>
   </p:cSld>
   <p:clrMapOvr>
     <a:masterClrMapping/>
   </p:clrMapOvr>
-  <p:timing>
-    <p:tnLst>
-      <p:par>
-        <p:cTn id="1" dur="indefinite" restart="never" nodeType="tmRoot"/>
-      </p:par>
-    </p:tnLst>
-  </p:timing>
 </p:sldLayout>
 </file>
 
@@ -593,20 +534,13 @@
     </p:spTree>
     <p:extLst>
       <p:ext uri="{BB962C8B-B14F-4D97-AF65-F5344CB8AC3E}">
-        <p14:creationId xmlns:p14="http://schemas.microsoft.com/office/powerpoint/2010/main" xmlns="" val="382388284"/>
+        <p14:creationId xmlns:p14="http://schemas.microsoft.com/office/powerpoint/2010/main" val="382388284"/>
       </p:ext>
     </p:extLst>
   </p:cSld>
   <p:clrMapOvr>
     <a:masterClrMapping/>
   </p:clrMapOvr>
-  <p:timing>
-    <p:tnLst>
-      <p:par>
-        <p:cTn id="1" dur="indefinite" restart="never" nodeType="tmRoot"/>
-      </p:par>
-    </p:tnLst>
-  </p:timing>
 </p:sldLayout>
 </file>
 
@@ -660,7 +594,14 @@
                 <a:latin typeface="Arial" panose="020B0604020202020204" pitchFamily="34" charset="0"/>
                 <a:cs typeface="Arial" panose="020B0604020202020204" pitchFamily="34" charset="0"/>
               </a:rPr>
-              <a:t>© Editorial Planeta Colombiana S.A., 2015.</a:t>
+              <a:t>© Editorial Planeta Colombiana S.A., </a:t>
+            </a:r>
+            <a:r>
+              <a:rPr lang="es-ES" sz="1400" dirty="0" smtClean="0">
+                <a:latin typeface="Arial" panose="020B0604020202020204" pitchFamily="34" charset="0"/>
+                <a:cs typeface="Arial" panose="020B0604020202020204" pitchFamily="34" charset="0"/>
+              </a:rPr>
+              <a:t>2016.</a:t>
             </a:r>
             <a:endParaRPr lang="es-ES" sz="1400" dirty="0">
               <a:latin typeface="Arial" panose="020B0604020202020204" pitchFamily="34" charset="0"/>
@@ -681,7 +622,7 @@
           <a:blip r:embed="rId13" cstate="print">
             <a:extLst>
               <a:ext uri="{28A0092B-C50C-407E-A947-70E740481C1C}">
-                <a14:useLocalDpi xmlns:a14="http://schemas.microsoft.com/office/drawing/2010/main" xmlns="" val="0"/>
+                <a14:useLocalDpi xmlns:a14="http://schemas.microsoft.com/office/drawing/2010/main" val="0"/>
               </a:ext>
             </a:extLst>
           </a:blip>
@@ -702,7 +643,7 @@
     </p:spTree>
     <p:extLst>
       <p:ext uri="{BB962C8B-B14F-4D97-AF65-F5344CB8AC3E}">
-        <p14:creationId xmlns:p14="http://schemas.microsoft.com/office/powerpoint/2010/main" xmlns="" val="1541031311"/>
+        <p14:creationId xmlns:p14="http://schemas.microsoft.com/office/powerpoint/2010/main" val="1541031311"/>
       </p:ext>
     </p:extLst>
   </p:cSld>
@@ -720,13 +661,6 @@
     <p:sldLayoutId id="2147483670" r:id="rId10"/>
     <p:sldLayoutId id="2147483671" r:id="rId11"/>
   </p:sldLayoutIdLst>
-  <p:timing>
-    <p:tnLst>
-      <p:par>
-        <p:cTn id="1" dur="indefinite" restart="never" nodeType="tmRoot"/>
-      </p:par>
-    </p:tnLst>
-  </p:timing>
   <p:txStyles>
     <p:titleStyle>
       <a:lvl1pPr algn="l" defTabSz="1056822" rtl="0" eaLnBrk="1" latinLnBrk="0" hangingPunct="1">
@@ -1087,7 +1021,7 @@
         </p:nvSpPr>
         <p:spPr>
           <a:xfrm>
-            <a:off x="2709865" y="1281967"/>
+            <a:off x="2804455" y="1281967"/>
             <a:ext cx="1473211" cy="779671"/>
           </a:xfrm>
           <a:prstGeom prst="rect">
@@ -1142,7 +1076,7 @@
         </p:nvSpPr>
         <p:spPr>
           <a:xfrm>
-            <a:off x="2905268" y="2243384"/>
+            <a:off x="2999858" y="2243384"/>
             <a:ext cx="1095738" cy="272078"/>
           </a:xfrm>
           <a:prstGeom prst="rect">
@@ -1200,7 +1134,7 @@
         </p:nvCxnSpPr>
         <p:spPr>
           <a:xfrm>
-            <a:off x="3446471" y="2061638"/>
+            <a:off x="3541061" y="2061638"/>
             <a:ext cx="6666" cy="181746"/>
           </a:xfrm>
           <a:prstGeom prst="straightConnector1">
@@ -1236,7 +1170,7 @@
         </p:nvSpPr>
         <p:spPr>
           <a:xfrm>
-            <a:off x="2614586" y="2625692"/>
+            <a:off x="2709176" y="2625692"/>
             <a:ext cx="1678709" cy="1044706"/>
           </a:xfrm>
           <a:prstGeom prst="rect">
@@ -1273,7 +1207,15 @@
                   <a:schemeClr val="bg1"/>
                 </a:solidFill>
               </a:rPr>
-              <a:t>Términos organizados </a:t>
+              <a:t>términos </a:t>
+            </a:r>
+            <a:r>
+              <a:rPr lang="es-ES" sz="1050" dirty="0" smtClean="0">
+                <a:solidFill>
+                  <a:schemeClr val="bg1"/>
+                </a:solidFill>
+              </a:rPr>
+              <a:t>organizados </a:t>
             </a:r>
             <a:r>
               <a:rPr lang="es-ES" sz="1050" dirty="0">
@@ -1328,7 +1270,7 @@
         </p:nvCxnSpPr>
         <p:spPr>
           <a:xfrm>
-            <a:off x="3453137" y="2515462"/>
+            <a:off x="3547727" y="2515462"/>
             <a:ext cx="804" cy="110230"/>
           </a:xfrm>
           <a:prstGeom prst="straightConnector1">
@@ -1364,7 +1306,7 @@
         </p:nvSpPr>
         <p:spPr>
           <a:xfrm>
-            <a:off x="9202428" y="1287777"/>
+            <a:off x="9842508" y="1287777"/>
             <a:ext cx="1513100" cy="757993"/>
           </a:xfrm>
           <a:prstGeom prst="rect">
@@ -1422,8 +1364,8 @@
         </p:nvCxnSpPr>
         <p:spPr>
           <a:xfrm rot="5400000">
-            <a:off x="5012624" y="-530545"/>
-            <a:ext cx="246360" cy="3378665"/>
+            <a:off x="5059919" y="-483250"/>
+            <a:ext cx="246360" cy="3284075"/>
           </a:xfrm>
           <a:prstGeom prst="bentConnector3">
             <a:avLst>
@@ -1462,8 +1404,8 @@
         </p:nvCxnSpPr>
         <p:spPr>
           <a:xfrm rot="16200000" flipH="1">
-            <a:off x="8265972" y="-405229"/>
-            <a:ext cx="252170" cy="3133842"/>
+            <a:off x="8586012" y="-725269"/>
+            <a:ext cx="252170" cy="3773922"/>
           </a:xfrm>
           <a:prstGeom prst="bentConnector3">
             <a:avLst>
@@ -1537,7 +1479,16 @@
                 </a:solidFill>
                 <a:cs typeface="Arial" pitchFamily="34" charset="0"/>
               </a:rPr>
-              <a:t> pueden ser Infinitas  </a:t>
+              <a:t> pueden ser </a:t>
+            </a:r>
+            <a:r>
+              <a:rPr lang="es-CO" sz="900" dirty="0" smtClean="0">
+                <a:solidFill>
+                  <a:schemeClr val="tx1"/>
+                </a:solidFill>
+                <a:cs typeface="Arial" pitchFamily="34" charset="0"/>
+              </a:rPr>
+              <a:t>infinitas  </a:t>
             </a:r>
             <a:endParaRPr lang="es-CO" sz="900" b="1" dirty="0">
               <a:solidFill>
@@ -1558,9 +1509,9 @@
           <p:nvPr/>
         </p:nvCxnSpPr>
         <p:spPr>
-          <a:xfrm rot="16200000" flipH="1">
-            <a:off x="3342192" y="4341145"/>
-            <a:ext cx="326283" cy="94364"/>
+          <a:xfrm rot="5400000">
+            <a:off x="3389487" y="4388214"/>
+            <a:ext cx="326283" cy="226"/>
           </a:xfrm>
           <a:prstGeom prst="bentConnector3">
             <a:avLst>
@@ -1599,8 +1550,8 @@
         </p:nvCxnSpPr>
         <p:spPr>
           <a:xfrm rot="16200000" flipH="1">
-            <a:off x="4035121" y="3648216"/>
-            <a:ext cx="327061" cy="1481000"/>
+            <a:off x="4082416" y="3695511"/>
+            <a:ext cx="327061" cy="1386410"/>
           </a:xfrm>
           <a:prstGeom prst="bentConnector3">
             <a:avLst>
@@ -1727,34 +1678,7 @@
                 </a:solidFill>
                 <a:cs typeface="Arial" pitchFamily="34" charset="0"/>
               </a:rPr>
-              <a:t>c</a:t>
-            </a:r>
-            <a:r>
-              <a:rPr lang="es-CO" sz="900" dirty="0" smtClean="0">
-                <a:solidFill>
-                  <a:schemeClr val="tx1"/>
-                </a:solidFill>
-                <a:cs typeface="Arial" pitchFamily="34" charset="0"/>
-              </a:rPr>
-              <a:t>onjunto </a:t>
-            </a:r>
-            <a:r>
-              <a:rPr lang="es-CO" sz="900" dirty="0" smtClean="0">
-                <a:solidFill>
-                  <a:schemeClr val="tx1"/>
-                </a:solidFill>
-                <a:cs typeface="Arial" pitchFamily="34" charset="0"/>
-              </a:rPr>
-              <a:t>números pares                             </a:t>
-            </a:r>
-            <a:r>
-              <a:rPr lang="es-CO" sz="900" dirty="0" smtClean="0">
-                <a:solidFill>
-                  <a:schemeClr val="tx1"/>
-                </a:solidFill>
-                <a:cs typeface="Arial" pitchFamily="34" charset="0"/>
-              </a:rPr>
-              <a:t> </a:t>
+              <a:t>conjunto números pares                              </a:t>
             </a:r>
             <a:endParaRPr lang="es-CO" sz="900" dirty="0">
               <a:solidFill>
@@ -1811,7 +1735,7 @@
         </p:nvSpPr>
         <p:spPr>
           <a:xfrm>
-            <a:off x="9415904" y="2134131"/>
+            <a:off x="10055984" y="2134131"/>
             <a:ext cx="1095738" cy="359339"/>
           </a:xfrm>
           <a:prstGeom prst="rect">
@@ -1869,7 +1793,7 @@
         </p:nvCxnSpPr>
         <p:spPr>
           <a:xfrm>
-            <a:off x="9958978" y="2045770"/>
+            <a:off x="10599058" y="2045770"/>
             <a:ext cx="4795" cy="88361"/>
           </a:xfrm>
           <a:prstGeom prst="line">
@@ -1907,7 +1831,7 @@
         </p:nvCxnSpPr>
         <p:spPr>
           <a:xfrm flipH="1" flipV="1">
-            <a:off x="9963773" y="2493470"/>
+            <a:off x="10603853" y="2493470"/>
             <a:ext cx="439" cy="111257"/>
           </a:xfrm>
           <a:prstGeom prst="line">
@@ -1989,16 +1913,7 @@
                 </a:solidFill>
                 <a:cs typeface="Arial" pitchFamily="34" charset="0"/>
               </a:rPr>
-              <a:t>ueden ser </a:t>
-            </a:r>
-            <a:r>
-              <a:rPr lang="es-CO" sz="900" dirty="0" smtClean="0">
-                <a:solidFill>
-                  <a:schemeClr val="tx1"/>
-                </a:solidFill>
-                <a:cs typeface="Arial" pitchFamily="34" charset="0"/>
-              </a:rPr>
-              <a:t> finitas   </a:t>
+              <a:t>ueden ser  finitas   </a:t>
             </a:r>
             <a:endParaRPr lang="es-CO" sz="900" b="1" dirty="0">
               <a:solidFill>
@@ -2058,7 +1973,7 @@
         </p:nvCxnSpPr>
         <p:spPr>
           <a:xfrm flipH="1">
-            <a:off x="8526070" y="5500004"/>
+            <a:off x="9257590" y="5500004"/>
             <a:ext cx="808" cy="147301"/>
           </a:xfrm>
           <a:prstGeom prst="line">
@@ -2093,7 +2008,7 @@
         </p:nvSpPr>
         <p:spPr>
           <a:xfrm>
-            <a:off x="9021402" y="2604727"/>
+            <a:off x="9661482" y="2604727"/>
             <a:ext cx="1885619" cy="1044706"/>
           </a:xfrm>
           <a:prstGeom prst="rect">
@@ -2152,7 +2067,7 @@
         </p:nvCxnSpPr>
         <p:spPr>
           <a:xfrm>
-            <a:off x="11762663" y="5104888"/>
+            <a:off x="12202683" y="5104888"/>
             <a:ext cx="2715" cy="239645"/>
           </a:xfrm>
           <a:prstGeom prst="line">
@@ -2190,8 +2105,8 @@
         </p:nvCxnSpPr>
         <p:spPr>
           <a:xfrm rot="5400000">
-            <a:off x="1953117" y="3036928"/>
-            <a:ext cx="316776" cy="2693292"/>
+            <a:off x="2000412" y="2989633"/>
+            <a:ext cx="316776" cy="2787882"/>
           </a:xfrm>
           <a:prstGeom prst="bentConnector3">
             <a:avLst>
@@ -2230,8 +2145,8 @@
         </p:nvCxnSpPr>
         <p:spPr>
           <a:xfrm rot="5400000">
-            <a:off x="9049867" y="3578793"/>
-            <a:ext cx="385710" cy="1462306"/>
+            <a:off x="9735667" y="3624513"/>
+            <a:ext cx="385710" cy="1370866"/>
           </a:xfrm>
           <a:prstGeom prst="bentConnector3">
             <a:avLst>
@@ -2333,9 +2248,9 @@
           <p:nvPr/>
         </p:nvCxnSpPr>
         <p:spPr>
-          <a:xfrm>
-            <a:off x="4942488" y="5480068"/>
-            <a:ext cx="8140" cy="141460"/>
+          <a:xfrm flipH="1">
+            <a:off x="4939602" y="5480068"/>
+            <a:ext cx="2886" cy="141460"/>
           </a:xfrm>
           <a:prstGeom prst="line">
             <a:avLst/>
@@ -2369,8 +2284,8 @@
         </p:nvSpPr>
         <p:spPr>
           <a:xfrm>
-            <a:off x="4320628" y="5621528"/>
-            <a:ext cx="1260000" cy="715539"/>
+            <a:off x="4344816" y="5621528"/>
+            <a:ext cx="1189572" cy="715539"/>
           </a:xfrm>
           <a:prstGeom prst="rect">
             <a:avLst/>
@@ -2405,25 +2320,7 @@
                 </a:solidFill>
                 <a:cs typeface="Arial" pitchFamily="34" charset="0"/>
               </a:rPr>
-              <a:t>o</a:t>
-            </a:r>
-            <a:r>
-              <a:rPr lang="es-CO" sz="900" dirty="0" smtClean="0">
-                <a:solidFill>
-                  <a:schemeClr val="tx1"/>
-                </a:solidFill>
-                <a:cs typeface="Arial" pitchFamily="34" charset="0"/>
-              </a:rPr>
-              <a:t>rden </a:t>
-            </a:r>
-            <a:r>
-              <a:rPr lang="es-CO" sz="900" dirty="0" smtClean="0">
-                <a:solidFill>
-                  <a:schemeClr val="tx1"/>
-                </a:solidFill>
-                <a:cs typeface="Arial" pitchFamily="34" charset="0"/>
-              </a:rPr>
-              <a:t>de llegada  en la fila del banco </a:t>
+              <a:t>orden de llegada  en la fila del banco </a:t>
             </a:r>
           </a:p>
           <a:p>
@@ -2445,7 +2342,7 @@
         </p:nvSpPr>
         <p:spPr>
           <a:xfrm>
-            <a:off x="2862622" y="3840922"/>
+            <a:off x="2957212" y="3840922"/>
             <a:ext cx="1191057" cy="384264"/>
           </a:xfrm>
           <a:prstGeom prst="rect">
@@ -2481,7 +2378,16 @@
                 </a:solidFill>
                 <a:cs typeface="Arial" pitchFamily="34" charset="0"/>
               </a:rPr>
-              <a:t>Se  caracterizan</a:t>
+              <a:t>se  </a:t>
+            </a:r>
+            <a:r>
+              <a:rPr lang="es-CO" sz="900" dirty="0" smtClean="0">
+                <a:solidFill>
+                  <a:schemeClr val="tx1"/>
+                </a:solidFill>
+                <a:cs typeface="Arial" pitchFamily="34" charset="0"/>
+              </a:rPr>
+              <a:t>caracterizan</a:t>
             </a:r>
           </a:p>
           <a:p>
@@ -2550,29 +2456,20 @@
                 </a:solidFill>
                 <a:cs typeface="Arial" pitchFamily="34" charset="0"/>
               </a:rPr>
-              <a:t>se denota como : </a:t>
+              <a:t>se denota como </a:t>
             </a:r>
             <a:r>
               <a:rPr lang="es-CO" sz="900" dirty="0" smtClean="0">
                 <a:solidFill>
-                  <a:srgbClr val="FF0000"/>
+                  <a:schemeClr val="tx1"/>
                 </a:solidFill>
                 <a:cs typeface="Arial" pitchFamily="34" charset="0"/>
               </a:rPr>
-              <a:t>1</a:t>
-            </a:r>
-          </a:p>
-          <a:p>
-            <a:pPr algn="ctr"/>
-            <a:r>
-              <a:rPr lang="es-CO" sz="900" dirty="0" smtClean="0">
-                <a:solidFill>
-                  <a:schemeClr val="tx1"/>
-                </a:solidFill>
-                <a:cs typeface="Arial" pitchFamily="34" charset="0"/>
-              </a:rPr>
-              <a:t>    </a:t>
-            </a:r>
+              <a:t>:</a:t>
+            </a:r>
+          </a:p>
+          <a:p>
+            <a:pPr algn="ctr"/>
             <a:endParaRPr lang="es-CO" sz="900" b="1" dirty="0">
               <a:solidFill>
                 <a:schemeClr val="tx1"/>
@@ -2631,7 +2528,7 @@
         </p:nvCxnSpPr>
         <p:spPr>
           <a:xfrm>
-            <a:off x="3453941" y="3670398"/>
+            <a:off x="3548531" y="3670398"/>
             <a:ext cx="4210" cy="170524"/>
           </a:xfrm>
           <a:prstGeom prst="line">
@@ -2735,86 +2632,6 @@
       </p:pic>
       <p:sp>
         <p:nvSpPr>
-          <p:cNvPr id="3" name="Rectangle 3"/>
-          <p:cNvSpPr>
-            <a:spLocks noChangeArrowheads="1"/>
-          </p:cNvSpPr>
-          <p:nvPr/>
-        </p:nvSpPr>
-        <p:spPr bwMode="auto">
-          <a:xfrm>
-            <a:off x="0" y="638175"/>
-            <a:ext cx="13681075" cy="457200"/>
-          </a:xfrm>
-          <a:prstGeom prst="rect">
-            <a:avLst/>
-          </a:prstGeom>
-          <a:noFill/>
-          <a:ln w="9525">
-            <a:noFill/>
-            <a:miter lim="800000"/>
-            <a:headEnd/>
-            <a:tailEnd/>
-          </a:ln>
-          <a:effectLst/>
-        </p:spPr>
-        <p:txBody>
-          <a:bodyPr vert="horz" wrap="none" lIns="91440" tIns="45720" rIns="91440" bIns="45720" numCol="1" anchor="ctr" anchorCtr="0" compatLnSpc="1">
-            <a:prstTxWarp prst="textNoShape">
-              <a:avLst/>
-            </a:prstTxWarp>
-            <a:spAutoFit/>
-          </a:bodyPr>
-          <a:lstStyle/>
-          <a:p>
-            <a:pPr marL="0" marR="0" lvl="0" indent="0" algn="just" defTabSz="914400" rtl="0" eaLnBrk="1" fontAlgn="base" latinLnBrk="0" hangingPunct="1">
-              <a:lnSpc>
-                <a:spcPct val="100000"/>
-              </a:lnSpc>
-              <a:spcBef>
-                <a:spcPct val="0"/>
-              </a:spcBef>
-              <a:spcAft>
-                <a:spcPct val="0"/>
-              </a:spcAft>
-              <a:buClrTx/>
-              <a:buSzTx/>
-              <a:buFontTx/>
-              <a:buNone/>
-              <a:tabLst>
-                <a:tab pos="5395913" algn="r"/>
-              </a:tabLst>
-            </a:pPr>
-            <a:r>
-              <a:rPr kumimoji="0" lang="es-ES" sz="1200" b="0" i="1" u="none" strike="noStrike" cap="none" normalizeH="0" baseline="0" smtClean="0">
-                <a:ln>
-                  <a:noFill/>
-                </a:ln>
-                <a:solidFill>
-                  <a:schemeClr val="tx1"/>
-                </a:solidFill>
-                <a:effectLst/>
-                <a:latin typeface="Cambria" pitchFamily="18" charset="0"/>
-                <a:ea typeface="Times New Roman" pitchFamily="18" charset="0"/>
-                <a:cs typeface="Cambria Math" pitchFamily="18" charset="0"/>
-              </a:rPr>
-              <a:t>⊆</a:t>
-            </a:r>
-            <a:endParaRPr kumimoji="0" lang="es-ES" sz="1800" b="0" i="0" u="none" strike="noStrike" cap="none" normalizeH="0" baseline="0" smtClean="0">
-              <a:ln>
-                <a:noFill/>
-              </a:ln>
-              <a:solidFill>
-                <a:schemeClr val="tx1"/>
-              </a:solidFill>
-              <a:effectLst/>
-              <a:latin typeface="Arial" pitchFamily="34" charset="0"/>
-            </a:endParaRPr>
-          </a:p>
-        </p:txBody>
-      </p:sp>
-      <p:sp>
-        <p:nvSpPr>
           <p:cNvPr id="222" name="Rectángulo 35"/>
           <p:cNvSpPr/>
           <p:nvPr/>
@@ -2955,19 +2772,18 @@
             </a:r>
             <a:r>
               <a:rPr lang="es-ES" sz="900" dirty="0" smtClean="0"/>
-              <a:t> </a:t>
+              <a:t> termino </a:t>
+            </a:r>
+          </a:p>
+          <a:p>
+            <a:pPr algn="ctr"/>
+            <a:r>
+              <a:rPr lang="es-ES" sz="900" dirty="0"/>
+              <a:t>s</a:t>
             </a:r>
             <a:r>
               <a:rPr lang="es-ES" sz="900" dirty="0" smtClean="0"/>
-              <a:t>termino </a:t>
-            </a:r>
-            <a:endParaRPr lang="es-ES" sz="900" dirty="0" smtClean="0"/>
-          </a:p>
-          <a:p>
-            <a:pPr algn="ctr"/>
-            <a:r>
-              <a:rPr lang="es-ES" sz="900" dirty="0" smtClean="0"/>
-              <a:t>Sub </a:t>
+              <a:t>ub </a:t>
             </a:r>
             <a:r>
               <a:rPr lang="es-ES" sz="900" i="1" dirty="0" smtClean="0"/>
@@ -2975,17 +2791,8 @@
             </a:r>
             <a:r>
               <a:rPr lang="es-ES" sz="900" dirty="0" smtClean="0"/>
-              <a:t>: </a:t>
-            </a:r>
-            <a:r>
-              <a:rPr lang="es-ES" sz="900" dirty="0" smtClean="0"/>
-              <a:t>p</a:t>
-            </a:r>
-            <a:r>
-              <a:rPr lang="es-ES" sz="900" dirty="0" smtClean="0"/>
-              <a:t>osición   </a:t>
-            </a:r>
-            <a:endParaRPr lang="es-ES" sz="900" dirty="0" smtClean="0"/>
+              <a:t>: posición   </a:t>
+            </a:r>
           </a:p>
           <a:p>
             <a:pPr algn="ctr"/>
@@ -3080,7 +2887,16 @@
                 </a:solidFill>
                 <a:cs typeface="Arial" pitchFamily="34" charset="0"/>
               </a:rPr>
-              <a:t>Pueden ser    </a:t>
+              <a:t>pueden </a:t>
+            </a:r>
+            <a:r>
+              <a:rPr lang="es-CO" sz="900" dirty="0" smtClean="0">
+                <a:solidFill>
+                  <a:schemeClr val="tx1"/>
+                </a:solidFill>
+                <a:cs typeface="Arial" pitchFamily="34" charset="0"/>
+              </a:rPr>
+              <a:t>ser    </a:t>
             </a:r>
             <a:endParaRPr lang="es-CO" sz="900" dirty="0">
               <a:solidFill>
@@ -3173,25 +2989,7 @@
                 </a:solidFill>
                 <a:cs typeface="Arial" pitchFamily="34" charset="0"/>
               </a:rPr>
-              <a:t>n</a:t>
-            </a:r>
-            <a:r>
-              <a:rPr lang="es-CO" sz="900" dirty="0" smtClean="0">
-                <a:solidFill>
-                  <a:schemeClr val="tx1"/>
-                </a:solidFill>
-                <a:cs typeface="Arial" pitchFamily="34" charset="0"/>
-              </a:rPr>
-              <a:t>umérica o </a:t>
-            </a:r>
-            <a:r>
-              <a:rPr lang="es-CO" sz="900" dirty="0" smtClean="0">
-                <a:solidFill>
-                  <a:schemeClr val="tx1"/>
-                </a:solidFill>
-                <a:cs typeface="Arial" pitchFamily="34" charset="0"/>
-              </a:rPr>
-              <a:t>no numéricas  </a:t>
+              <a:t>numérica o no numéricas  </a:t>
             </a:r>
             <a:endParaRPr lang="es-CO" sz="900" dirty="0">
               <a:solidFill>
@@ -3295,24 +3093,6 @@
           </a:p>
           <a:p>
             <a:pPr algn="ctr"/>
-            <a:r>
-              <a:rPr lang="es-CO" sz="900" dirty="0" smtClean="0">
-                <a:solidFill>
-                  <a:srgbClr val="FF0000"/>
-                </a:solidFill>
-                <a:cs typeface="Arial" pitchFamily="34" charset="0"/>
-              </a:rPr>
-              <a:t>3</a:t>
-            </a:r>
-            <a:endParaRPr lang="es-CO" sz="900" dirty="0" smtClean="0">
-              <a:solidFill>
-                <a:srgbClr val="FF0000"/>
-              </a:solidFill>
-              <a:cs typeface="Arial" pitchFamily="34" charset="0"/>
-            </a:endParaRPr>
-          </a:p>
-          <a:p>
-            <a:pPr algn="ctr"/>
             <a:endParaRPr lang="es-CO" sz="900" baseline="-25000" dirty="0">
               <a:solidFill>
                 <a:schemeClr val="tx1"/>
@@ -3499,7 +3279,16 @@
                 </a:solidFill>
                 <a:cs typeface="Arial" pitchFamily="34" charset="0"/>
               </a:rPr>
-              <a:t>Termino general </a:t>
+              <a:t>termino </a:t>
+            </a:r>
+            <a:r>
+              <a:rPr lang="es-CO" sz="900" dirty="0" smtClean="0">
+                <a:solidFill>
+                  <a:schemeClr val="tx1"/>
+                </a:solidFill>
+                <a:cs typeface="Arial" pitchFamily="34" charset="0"/>
+              </a:rPr>
+              <a:t>general </a:t>
             </a:r>
             <a:endParaRPr lang="es-CO" sz="900" b="1" dirty="0">
               <a:solidFill>
@@ -3521,8 +3310,8 @@
         </p:nvCxnSpPr>
         <p:spPr>
           <a:xfrm rot="5400000">
-            <a:off x="2637334" y="3729609"/>
-            <a:ext cx="325241" cy="1316395"/>
+            <a:off x="2684629" y="3682314"/>
+            <a:ext cx="325241" cy="1410985"/>
           </a:xfrm>
           <a:prstGeom prst="bentConnector3">
             <a:avLst>
@@ -3594,7 +3383,7 @@
                 </a:solidFill>
                 <a:cs typeface="Arial" pitchFamily="34" charset="0"/>
               </a:rPr>
-              <a:t>Cuando    </a:t>
+              <a:t>cuando    </a:t>
             </a:r>
             <a:endParaRPr lang="es-CO" sz="900" dirty="0">
               <a:solidFill>
@@ -3650,15 +3439,7 @@
             <a:pPr algn="ctr"/>
             <a:r>
               <a:rPr lang="es-ES" sz="900" dirty="0" smtClean="0"/>
-              <a:t>es numérica y  </a:t>
-            </a:r>
-            <a:r>
-              <a:rPr lang="es-ES" sz="900" dirty="0" smtClean="0"/>
-              <a:t>siguen </a:t>
-            </a:r>
-            <a:r>
-              <a:rPr lang="es-ES" sz="900" dirty="0" smtClean="0"/>
-              <a:t>un patrón   </a:t>
+              <a:t>es numérica y  siguen un patrón   </a:t>
             </a:r>
           </a:p>
           <a:p>
@@ -3792,7 +3573,16 @@
                 </a:solidFill>
                 <a:cs typeface="Arial" pitchFamily="34" charset="0"/>
               </a:rPr>
-              <a:t>Es posible     </a:t>
+              <a:t>es </a:t>
+            </a:r>
+            <a:r>
+              <a:rPr lang="es-CO" sz="900" dirty="0" smtClean="0">
+                <a:solidFill>
+                  <a:schemeClr val="tx1"/>
+                </a:solidFill>
+                <a:cs typeface="Arial" pitchFamily="34" charset="0"/>
+              </a:rPr>
+              <a:t>posible     </a:t>
             </a:r>
             <a:endParaRPr lang="es-CO" sz="900" dirty="0">
               <a:solidFill>
@@ -3847,16 +3637,7 @@
                 </a:solidFill>
                 <a:cs typeface="Arial" pitchFamily="34" charset="0"/>
               </a:rPr>
-              <a:t>Establecer una  (formula)  </a:t>
-            </a:r>
-            <a:r>
-              <a:rPr lang="es-CO" sz="900" dirty="0" smtClean="0">
-                <a:solidFill>
-                  <a:schemeClr val="tx1"/>
-                </a:solidFill>
-                <a:cs typeface="Arial" pitchFamily="34" charset="0"/>
-              </a:rPr>
-              <a:t> </a:t>
+              <a:t>Establecer una  (formula)   </a:t>
             </a:r>
             <a:endParaRPr lang="es-CO" sz="900" dirty="0">
               <a:solidFill>
@@ -4082,7 +3863,7 @@
         </p:nvSpPr>
         <p:spPr>
           <a:xfrm>
-            <a:off x="5718569" y="4546442"/>
+            <a:off x="6084329" y="4546442"/>
             <a:ext cx="1197786" cy="602489"/>
           </a:xfrm>
           <a:prstGeom prst="rect">
@@ -4148,7 +3929,7 @@
         </p:nvSpPr>
         <p:spPr>
           <a:xfrm>
-            <a:off x="5769209" y="5239941"/>
+            <a:off x="6134969" y="5239941"/>
             <a:ext cx="1095738" cy="221963"/>
           </a:xfrm>
           <a:prstGeom prst="rect">
@@ -4206,7 +3987,7 @@
         </p:nvCxnSpPr>
         <p:spPr>
           <a:xfrm flipH="1">
-            <a:off x="6317078" y="5148931"/>
+            <a:off x="6682838" y="5148931"/>
             <a:ext cx="384" cy="91010"/>
           </a:xfrm>
           <a:prstGeom prst="line">
@@ -4332,16 +4113,7 @@
                 </a:solidFill>
                 <a:cs typeface="Arial" pitchFamily="34" charset="0"/>
               </a:rPr>
-              <a:t>m</a:t>
-            </a:r>
-            <a:r>
-              <a:rPr lang="es-CO" sz="900" dirty="0" smtClean="0">
-                <a:solidFill>
-                  <a:schemeClr val="tx1"/>
-                </a:solidFill>
-                <a:cs typeface="Arial" pitchFamily="34" charset="0"/>
-              </a:rPr>
-              <a:t>ultiplicación </a:t>
+              <a:t>multiplicación </a:t>
             </a:r>
             <a:endParaRPr lang="es-CO" sz="900" dirty="0">
               <a:solidFill>
@@ -4363,8 +4135,8 @@
         </p:nvCxnSpPr>
         <p:spPr>
           <a:xfrm rot="5400000">
-            <a:off x="6137193" y="5447585"/>
-            <a:ext cx="165566" cy="194204"/>
+            <a:off x="6320073" y="5264705"/>
+            <a:ext cx="165566" cy="559964"/>
           </a:xfrm>
           <a:prstGeom prst="bentConnector3">
             <a:avLst>
@@ -4403,8 +4175,8 @@
         </p:nvCxnSpPr>
         <p:spPr>
           <a:xfrm rot="16200000" flipH="1">
-            <a:off x="6705315" y="5073667"/>
-            <a:ext cx="161852" cy="938326"/>
+            <a:off x="6888195" y="5256547"/>
+            <a:ext cx="161852" cy="572566"/>
           </a:xfrm>
           <a:prstGeom prst="bentConnector3">
             <a:avLst>
@@ -4443,8 +4215,8 @@
         </p:nvCxnSpPr>
         <p:spPr>
           <a:xfrm rot="16200000" flipV="1">
-            <a:off x="4727179" y="2956158"/>
-            <a:ext cx="321256" cy="2859311"/>
+            <a:off x="4957354" y="2820573"/>
+            <a:ext cx="321256" cy="3130481"/>
           </a:xfrm>
           <a:prstGeom prst="bentConnector3">
             <a:avLst>
@@ -4516,7 +4288,16 @@
                 </a:solidFill>
                 <a:cs typeface="Arial" pitchFamily="34" charset="0"/>
               </a:rPr>
-              <a:t>Que se </a:t>
+              <a:t>que </a:t>
+            </a:r>
+            <a:r>
+              <a:rPr lang="es-CO" sz="900" dirty="0" smtClean="0">
+                <a:solidFill>
+                  <a:schemeClr val="tx1"/>
+                </a:solidFill>
+                <a:cs typeface="Arial" pitchFamily="34" charset="0"/>
+              </a:rPr>
+              <a:t>se </a:t>
             </a:r>
           </a:p>
           <a:p>
@@ -4621,34 +4402,7 @@
                 </a:solidFill>
                 <a:cs typeface="Arial" pitchFamily="34" charset="0"/>
               </a:rPr>
-              <a:t>c</a:t>
-            </a:r>
-            <a:r>
-              <a:rPr lang="es-CO" sz="900" dirty="0" smtClean="0">
-                <a:solidFill>
-                  <a:schemeClr val="tx1"/>
-                </a:solidFill>
-                <a:cs typeface="Arial" pitchFamily="34" charset="0"/>
-              </a:rPr>
-              <a:t>omponente </a:t>
-            </a:r>
-            <a:r>
-              <a:rPr lang="es-CO" sz="900" dirty="0" smtClean="0">
-                <a:solidFill>
-                  <a:schemeClr val="tx1"/>
-                </a:solidFill>
-                <a:cs typeface="Arial" pitchFamily="34" charset="0"/>
-              </a:rPr>
-              <a:t>a </a:t>
-            </a:r>
-            <a:r>
-              <a:rPr lang="es-CO" sz="900" dirty="0" smtClean="0">
-                <a:solidFill>
-                  <a:schemeClr val="tx1"/>
-                </a:solidFill>
-                <a:cs typeface="Arial" pitchFamily="34" charset="0"/>
-              </a:rPr>
-              <a:t>componente </a:t>
+              <a:t>componente a componente </a:t>
             </a:r>
             <a:endParaRPr lang="es-CO" sz="900" dirty="0">
               <a:solidFill>
@@ -4872,7 +4626,16 @@
                 </a:solidFill>
                 <a:cs typeface="Arial" pitchFamily="34" charset="0"/>
               </a:rPr>
-              <a:t>Que se </a:t>
+              <a:t>que </a:t>
+            </a:r>
+            <a:r>
+              <a:rPr lang="es-CO" sz="900" dirty="0" smtClean="0">
+                <a:solidFill>
+                  <a:schemeClr val="tx1"/>
+                </a:solidFill>
+                <a:cs typeface="Arial" pitchFamily="34" charset="0"/>
+              </a:rPr>
+              <a:t>se </a:t>
             </a:r>
           </a:p>
           <a:p>
@@ -5015,25 +4778,7 @@
                 </a:solidFill>
                 <a:cs typeface="Arial" pitchFamily="34" charset="0"/>
               </a:rPr>
-              <a:t>componente </a:t>
-            </a:r>
-            <a:r>
-              <a:rPr lang="es-CO" sz="900" dirty="0" smtClean="0">
-                <a:solidFill>
-                  <a:schemeClr val="tx1"/>
-                </a:solidFill>
-                <a:cs typeface="Arial" pitchFamily="34" charset="0"/>
-              </a:rPr>
-              <a:t>a componente  </a:t>
-            </a:r>
-            <a:r>
-              <a:rPr lang="es-CO" sz="900" dirty="0" smtClean="0">
-                <a:solidFill>
-                  <a:schemeClr val="tx1"/>
-                </a:solidFill>
-                <a:cs typeface="Arial" pitchFamily="34" charset="0"/>
-              </a:rPr>
-              <a:t> </a:t>
+              <a:t>componente a componente   </a:t>
             </a:r>
             <a:endParaRPr lang="es-CO" sz="900" dirty="0">
               <a:solidFill>
@@ -5205,23 +4950,6 @@
               <a:cs typeface="Arial" pitchFamily="34" charset="0"/>
             </a:endParaRPr>
           </a:p>
-          <a:p>
-            <a:r>
-              <a:rPr lang="es-CO" sz="900" dirty="0" smtClean="0">
-                <a:solidFill>
-                  <a:srgbClr val="FF0000"/>
-                </a:solidFill>
-                <a:cs typeface="Arial" pitchFamily="34" charset="0"/>
-              </a:rPr>
-              <a:t>10</a:t>
-            </a:r>
-            <a:endParaRPr lang="es-CO" sz="900" dirty="0">
-              <a:solidFill>
-                <a:srgbClr val="FF0000"/>
-              </a:solidFill>
-              <a:cs typeface="Arial" pitchFamily="34" charset="0"/>
-            </a:endParaRPr>
-          </a:p>
         </p:txBody>
       </p:sp>
       <p:cxnSp>
@@ -5346,7 +5074,7 @@
         </p:nvSpPr>
         <p:spPr>
           <a:xfrm>
-            <a:off x="9426006" y="3895128"/>
+            <a:off x="10066086" y="3895128"/>
             <a:ext cx="1095738" cy="221963"/>
           </a:xfrm>
           <a:prstGeom prst="rect">
@@ -5382,7 +5110,16 @@
                 </a:solidFill>
                 <a:cs typeface="Arial" pitchFamily="34" charset="0"/>
               </a:rPr>
-              <a:t>Se dividen  en  </a:t>
+              <a:t>se </a:t>
+            </a:r>
+            <a:r>
+              <a:rPr lang="es-CO" sz="900" dirty="0" smtClean="0">
+                <a:solidFill>
+                  <a:schemeClr val="tx1"/>
+                </a:solidFill>
+                <a:cs typeface="Arial" pitchFamily="34" charset="0"/>
+              </a:rPr>
+              <a:t>dividen  en  </a:t>
             </a:r>
             <a:endParaRPr lang="es-CO" sz="900" dirty="0">
               <a:solidFill>
@@ -5404,7 +5141,7 @@
         </p:nvCxnSpPr>
         <p:spPr>
           <a:xfrm>
-            <a:off x="9964212" y="3649433"/>
+            <a:off x="10604292" y="3649433"/>
             <a:ext cx="9663" cy="245695"/>
           </a:xfrm>
           <a:prstGeom prst="line">
@@ -5439,7 +5176,7 @@
         </p:nvSpPr>
         <p:spPr>
           <a:xfrm>
-            <a:off x="7912676" y="4502801"/>
+            <a:off x="8644196" y="4502801"/>
             <a:ext cx="1197786" cy="602489"/>
           </a:xfrm>
           <a:prstGeom prst="rect">
@@ -5505,7 +5242,7 @@
         </p:nvSpPr>
         <p:spPr>
           <a:xfrm>
-            <a:off x="11163770" y="4502399"/>
+            <a:off x="11603790" y="4502399"/>
             <a:ext cx="1197786" cy="602489"/>
           </a:xfrm>
           <a:prstGeom prst="rect">
@@ -5543,7 +5280,16 @@
                 </a:solidFill>
                 <a:cs typeface="Arial" pitchFamily="34" charset="0"/>
               </a:rPr>
-              <a:t>Progresiones geométricas  </a:t>
+              <a:t>progresiones </a:t>
+            </a:r>
+            <a:r>
+              <a:rPr lang="es-CO" sz="900" dirty="0" smtClean="0">
+                <a:solidFill>
+                  <a:schemeClr val="tx1"/>
+                </a:solidFill>
+                <a:cs typeface="Arial" pitchFamily="34" charset="0"/>
+              </a:rPr>
+              <a:t>geométricas  </a:t>
             </a:r>
             <a:endParaRPr lang="es-CO" sz="900" b="1" dirty="0">
               <a:solidFill>
@@ -5565,8 +5311,8 @@
         </p:nvCxnSpPr>
         <p:spPr>
           <a:xfrm rot="16200000" flipH="1">
-            <a:off x="10675615" y="3415351"/>
-            <a:ext cx="385308" cy="1788788"/>
+            <a:off x="11215665" y="3515381"/>
+            <a:ext cx="385308" cy="1588728"/>
           </a:xfrm>
           <a:prstGeom prst="bentConnector3">
             <a:avLst>
@@ -5602,7 +5348,7 @@
         </p:nvSpPr>
         <p:spPr>
           <a:xfrm>
-            <a:off x="7979009" y="5278041"/>
+            <a:off x="8710529" y="5278041"/>
             <a:ext cx="1095738" cy="221963"/>
           </a:xfrm>
           <a:prstGeom prst="rect">
@@ -5638,16 +5384,7 @@
                 </a:solidFill>
                 <a:cs typeface="Arial" pitchFamily="34" charset="0"/>
               </a:rPr>
-              <a:t>c</a:t>
-            </a:r>
-            <a:r>
-              <a:rPr lang="es-CO" sz="900" dirty="0" smtClean="0">
-                <a:solidFill>
-                  <a:schemeClr val="tx1"/>
-                </a:solidFill>
-                <a:cs typeface="Arial" pitchFamily="34" charset="0"/>
-              </a:rPr>
-              <a:t>uando   </a:t>
+              <a:t>cuando   </a:t>
             </a:r>
             <a:endParaRPr lang="es-CO" sz="900" dirty="0">
               <a:solidFill>
@@ -5666,7 +5403,7 @@
         </p:nvSpPr>
         <p:spPr>
           <a:xfrm>
-            <a:off x="7896070" y="5647305"/>
+            <a:off x="8627590" y="5647305"/>
             <a:ext cx="1260000" cy="715539"/>
           </a:xfrm>
           <a:prstGeom prst="rect">
@@ -5729,7 +5466,7 @@
         </p:nvSpPr>
         <p:spPr>
           <a:xfrm>
-            <a:off x="11134628" y="5669410"/>
+            <a:off x="11574648" y="5669410"/>
             <a:ext cx="1260000" cy="715539"/>
           </a:xfrm>
           <a:prstGeom prst="rect">
@@ -5795,7 +5532,7 @@
         </p:nvCxnSpPr>
         <p:spPr>
           <a:xfrm>
-            <a:off x="8511569" y="5105290"/>
+            <a:off x="9243089" y="5105290"/>
             <a:ext cx="15309" cy="172751"/>
           </a:xfrm>
           <a:prstGeom prst="line">
@@ -5830,7 +5567,7 @@
         </p:nvSpPr>
         <p:spPr>
           <a:xfrm>
-            <a:off x="11217509" y="5344533"/>
+            <a:off x="11657529" y="5344533"/>
             <a:ext cx="1095738" cy="221963"/>
           </a:xfrm>
           <a:prstGeom prst="rect">
@@ -5866,16 +5603,7 @@
                 </a:solidFill>
                 <a:cs typeface="Arial" pitchFamily="34" charset="0"/>
               </a:rPr>
-              <a:t>c</a:t>
-            </a:r>
-            <a:r>
-              <a:rPr lang="es-CO" sz="900" dirty="0" smtClean="0">
-                <a:solidFill>
-                  <a:schemeClr val="tx1"/>
-                </a:solidFill>
-                <a:cs typeface="Arial" pitchFamily="34" charset="0"/>
-              </a:rPr>
-              <a:t>uando   </a:t>
+              <a:t>cuando   </a:t>
             </a:r>
             <a:endParaRPr lang="es-CO" sz="900" dirty="0">
               <a:solidFill>
@@ -5897,7 +5625,7 @@
         </p:nvCxnSpPr>
         <p:spPr>
           <a:xfrm flipH="1">
-            <a:off x="11764628" y="5566496"/>
+            <a:off x="12204648" y="5566496"/>
             <a:ext cx="750" cy="102914"/>
           </a:xfrm>
           <a:prstGeom prst="line">
@@ -5932,7 +5660,7 @@
         </p:nvSpPr>
         <p:spPr>
           <a:xfrm>
-            <a:off x="7932818" y="6518284"/>
+            <a:off x="8664338" y="6518284"/>
             <a:ext cx="1191057" cy="384264"/>
           </a:xfrm>
           <a:prstGeom prst="rect">
@@ -5968,11 +5696,8 @@
                 </a:solidFill>
                 <a:cs typeface="Arial" pitchFamily="34" charset="0"/>
               </a:rPr>
-              <a:t>Se  caracterizan</a:t>
-            </a:r>
-          </a:p>
-          <a:p>
-            <a:pPr algn="ctr"/>
+              <a:t>se  </a:t>
+            </a:r>
             <a:r>
               <a:rPr lang="es-CO" sz="900" dirty="0" smtClean="0">
                 <a:solidFill>
@@ -5980,8 +5705,11 @@
                 </a:solidFill>
                 <a:cs typeface="Arial" pitchFamily="34" charset="0"/>
               </a:rPr>
-              <a:t> por </a:t>
-            </a:r>
+              <a:t>caracterizan</a:t>
+            </a:r>
+          </a:p>
+          <a:p>
+            <a:pPr algn="ctr"/>
             <a:r>
               <a:rPr lang="es-CO" sz="900" dirty="0" smtClean="0">
                 <a:solidFill>
@@ -5989,7 +5717,7 @@
                 </a:solidFill>
                 <a:cs typeface="Arial" pitchFamily="34" charset="0"/>
               </a:rPr>
-              <a:t> </a:t>
+              <a:t> por  </a:t>
             </a:r>
             <a:endParaRPr lang="es-CO" sz="900" dirty="0">
               <a:solidFill>
@@ -6011,7 +5739,7 @@
         </p:nvCxnSpPr>
         <p:spPr>
           <a:xfrm flipH="1" flipV="1">
-            <a:off x="8526070" y="6362844"/>
+            <a:off x="9257590" y="6362844"/>
             <a:ext cx="2277" cy="155440"/>
           </a:xfrm>
           <a:prstGeom prst="line">
@@ -6082,16 +5810,7 @@
                 </a:solidFill>
                 <a:cs typeface="Arial" pitchFamily="34" charset="0"/>
               </a:rPr>
-              <a:t>el  </a:t>
-            </a:r>
-            <a:r>
-              <a:rPr lang="es-CO" sz="900" dirty="0" smtClean="0">
-                <a:solidFill>
-                  <a:schemeClr val="tx1"/>
-                </a:solidFill>
-                <a:cs typeface="Arial" pitchFamily="34" charset="0"/>
-              </a:rPr>
-              <a:t>termino general </a:t>
+              <a:t>el  termino general </a:t>
             </a:r>
             <a:endParaRPr lang="es-CO" sz="900" dirty="0">
               <a:solidFill>
@@ -6113,8 +5832,8 @@
         </p:nvCxnSpPr>
         <p:spPr>
           <a:xfrm rot="5400000">
-            <a:off x="8276783" y="6909964"/>
-            <a:ext cx="258980" cy="244148"/>
+            <a:off x="8642543" y="6544204"/>
+            <a:ext cx="258980" cy="975668"/>
           </a:xfrm>
           <a:prstGeom prst="bentConnector3">
             <a:avLst>
@@ -6186,16 +5905,7 @@
                 </a:solidFill>
                 <a:cs typeface="Arial" pitchFamily="34" charset="0"/>
               </a:rPr>
-              <a:t> </a:t>
-            </a:r>
-            <a:r>
-              <a:rPr lang="es-CO" sz="900" dirty="0" smtClean="0">
-                <a:solidFill>
-                  <a:schemeClr val="tx1"/>
-                </a:solidFill>
-                <a:cs typeface="Arial" pitchFamily="34" charset="0"/>
-              </a:rPr>
-              <a:t>sumar </a:t>
+              <a:t> sumar </a:t>
             </a:r>
             <a:r>
               <a:rPr lang="es-CO" sz="900" i="1" dirty="0" smtClean="0">
@@ -6295,25 +6005,7 @@
                 </a:solidFill>
                 <a:cs typeface="Arial" pitchFamily="34" charset="0"/>
               </a:rPr>
-              <a:t> </a:t>
-            </a:r>
-            <a:r>
-              <a:rPr lang="es-CO" sz="900" i="1" dirty="0" smtClean="0">
-                <a:solidFill>
-                  <a:schemeClr val="tx1"/>
-                </a:solidFill>
-                <a:cs typeface="Arial" pitchFamily="34" charset="0"/>
-              </a:rPr>
-              <a:t>k</a:t>
-            </a:r>
-            <a:r>
-              <a:rPr lang="es-CO" sz="900" i="1" dirty="0" smtClean="0">
-                <a:solidFill>
-                  <a:schemeClr val="tx1"/>
-                </a:solidFill>
-                <a:cs typeface="Arial" pitchFamily="34" charset="0"/>
-              </a:rPr>
-              <a:t> </a:t>
+              <a:t> k </a:t>
             </a:r>
             <a:r>
               <a:rPr lang="es-CO" sz="900" dirty="0" smtClean="0">
@@ -6377,16 +6069,7 @@
                 </a:solidFill>
                 <a:cs typeface="Arial" pitchFamily="34" charset="0"/>
               </a:rPr>
-              <a:t> </a:t>
-            </a:r>
-            <a:r>
-              <a:rPr lang="es-CO" sz="900" dirty="0" smtClean="0">
-                <a:solidFill>
-                  <a:schemeClr val="tx1"/>
-                </a:solidFill>
-                <a:cs typeface="Arial" pitchFamily="34" charset="0"/>
-              </a:rPr>
-              <a:t>el  termino general </a:t>
+              <a:t> el  termino general </a:t>
             </a:r>
             <a:endParaRPr lang="es-CO" sz="900" dirty="0">
               <a:solidFill>
@@ -6459,16 +6142,7 @@
                 </a:solidFill>
                 <a:cs typeface="Arial" pitchFamily="34" charset="0"/>
               </a:rPr>
-              <a:t> términos  </a:t>
-            </a:r>
-            <a:r>
-              <a:rPr lang="es-CO" sz="900" dirty="0" smtClean="0">
-                <a:solidFill>
-                  <a:schemeClr val="tx1"/>
-                </a:solidFill>
-                <a:cs typeface="Arial" pitchFamily="34" charset="0"/>
-              </a:rPr>
-              <a:t>consecutivos se suman y  se multiplican   </a:t>
+              <a:t> términos  consecutivos se suman y  se multiplican   </a:t>
             </a:r>
             <a:endParaRPr lang="es-CO" sz="900" dirty="0">
               <a:solidFill>
@@ -6490,8 +6164,8 @@
         </p:nvCxnSpPr>
         <p:spPr>
           <a:xfrm rot="16200000" flipH="1">
-            <a:off x="8767320" y="6663574"/>
-            <a:ext cx="258980" cy="736927"/>
+            <a:off x="9133080" y="7029334"/>
+            <a:ext cx="258980" cy="5407"/>
           </a:xfrm>
           <a:prstGeom prst="bentConnector3">
             <a:avLst>
@@ -6530,8 +6204,8 @@
         </p:nvCxnSpPr>
         <p:spPr>
           <a:xfrm rot="16200000" flipH="1">
-            <a:off x="9257905" y="6172989"/>
-            <a:ext cx="258980" cy="1718097"/>
+            <a:off x="9623665" y="6538749"/>
+            <a:ext cx="258980" cy="986577"/>
           </a:xfrm>
           <a:prstGeom prst="bentConnector3">
             <a:avLst>
@@ -6567,7 +6241,7 @@
         </p:nvSpPr>
         <p:spPr>
           <a:xfrm>
-            <a:off x="11161793" y="6499234"/>
+            <a:off x="11601813" y="6499234"/>
             <a:ext cx="1191057" cy="384264"/>
           </a:xfrm>
           <a:prstGeom prst="rect">
@@ -6603,11 +6277,8 @@
                 </a:solidFill>
                 <a:cs typeface="Arial" pitchFamily="34" charset="0"/>
               </a:rPr>
-              <a:t>Se  caracterizan</a:t>
-            </a:r>
-          </a:p>
-          <a:p>
-            <a:pPr algn="ctr"/>
+              <a:t>se  </a:t>
+            </a:r>
             <a:r>
               <a:rPr lang="es-CO" sz="900" dirty="0" smtClean="0">
                 <a:solidFill>
@@ -6615,8 +6286,11 @@
                 </a:solidFill>
                 <a:cs typeface="Arial" pitchFamily="34" charset="0"/>
               </a:rPr>
-              <a:t> por  </a:t>
-            </a:r>
+              <a:t>caracterizan</a:t>
+            </a:r>
+          </a:p>
+          <a:p>
+            <a:pPr algn="ctr"/>
             <a:r>
               <a:rPr lang="es-CO" sz="900" dirty="0" smtClean="0">
                 <a:solidFill>
@@ -6624,7 +6298,7 @@
                 </a:solidFill>
                 <a:cs typeface="Arial" pitchFamily="34" charset="0"/>
               </a:rPr>
-              <a:t> </a:t>
+              <a:t> por   </a:t>
             </a:r>
             <a:endParaRPr lang="es-CO" sz="900" dirty="0">
               <a:solidFill>
@@ -6646,7 +6320,7 @@
         </p:nvCxnSpPr>
         <p:spPr>
           <a:xfrm flipV="1">
-            <a:off x="11757322" y="6384949"/>
+            <a:off x="12197342" y="6384949"/>
             <a:ext cx="7306" cy="114285"/>
           </a:xfrm>
           <a:prstGeom prst="line">
@@ -6726,16 +6400,7 @@
                 </a:solidFill>
                 <a:cs typeface="Arial" pitchFamily="34" charset="0"/>
               </a:rPr>
-              <a:t> </a:t>
-            </a:r>
-            <a:r>
-              <a:rPr lang="es-CO" sz="900" i="1" dirty="0" smtClean="0">
-                <a:solidFill>
-                  <a:schemeClr val="tx1"/>
-                </a:solidFill>
-                <a:cs typeface="Arial" pitchFamily="34" charset="0"/>
-              </a:rPr>
-              <a:t>k </a:t>
+              <a:t> k </a:t>
             </a:r>
             <a:r>
               <a:rPr lang="es-CO" sz="900" dirty="0" smtClean="0">
@@ -6799,16 +6464,7 @@
                 </a:solidFill>
                 <a:cs typeface="Arial" pitchFamily="34" charset="0"/>
               </a:rPr>
-              <a:t>definido como </a:t>
-            </a:r>
-            <a:r>
-              <a:rPr lang="es-CO" sz="900" dirty="0" smtClean="0">
-                <a:solidFill>
-                  <a:schemeClr val="tx1"/>
-                </a:solidFill>
-                <a:cs typeface="Arial" pitchFamily="34" charset="0"/>
-              </a:rPr>
-              <a:t>    </a:t>
+              <a:t>definido como     </a:t>
             </a:r>
             <a:endParaRPr lang="es-CO" sz="900" dirty="0">
               <a:solidFill>
@@ -6921,24 +6577,6 @@
               <a:cs typeface="Arial" pitchFamily="34" charset="0"/>
             </a:endParaRPr>
           </a:p>
-          <a:p>
-            <a:pPr algn="ctr"/>
-            <a:r>
-              <a:rPr lang="es-CO" sz="900" dirty="0" smtClean="0">
-                <a:solidFill>
-                  <a:srgbClr val="FF0000"/>
-                </a:solidFill>
-                <a:cs typeface="Arial" pitchFamily="34" charset="0"/>
-              </a:rPr>
-              <a:t>12</a:t>
-            </a:r>
-            <a:endParaRPr lang="es-CO" sz="900" dirty="0">
-              <a:solidFill>
-                <a:srgbClr val="FF0000"/>
-              </a:solidFill>
-              <a:cs typeface="Arial" pitchFamily="34" charset="0"/>
-            </a:endParaRPr>
-          </a:p>
         </p:txBody>
       </p:sp>
       <p:cxnSp>
@@ -7023,25 +6661,7 @@
                 </a:solidFill>
                 <a:cs typeface="Arial" pitchFamily="34" charset="0"/>
               </a:rPr>
-              <a:t>u</a:t>
-            </a:r>
-            <a:r>
-              <a:rPr lang="es-CO" sz="900" dirty="0" smtClean="0">
-                <a:solidFill>
-                  <a:schemeClr val="tx1"/>
-                </a:solidFill>
-                <a:cs typeface="Arial" pitchFamily="34" charset="0"/>
-              </a:rPr>
-              <a:t>tilizando </a:t>
-            </a:r>
-            <a:r>
-              <a:rPr lang="es-CO" sz="900" dirty="0" smtClean="0">
-                <a:solidFill>
-                  <a:schemeClr val="tx1"/>
-                </a:solidFill>
-                <a:cs typeface="Arial" pitchFamily="34" charset="0"/>
-              </a:rPr>
-              <a:t>la formula      </a:t>
+              <a:t>utilizando la formula      </a:t>
             </a:r>
             <a:endParaRPr lang="es-CO" sz="900" dirty="0">
               <a:solidFill>
@@ -7143,24 +6763,6 @@
               <a:cs typeface="Arial" pitchFamily="34" charset="0"/>
             </a:endParaRPr>
           </a:p>
-          <a:p>
-            <a:pPr algn="ctr"/>
-            <a:r>
-              <a:rPr lang="es-CO" sz="900" dirty="0" smtClean="0">
-                <a:solidFill>
-                  <a:srgbClr val="FF0000"/>
-                </a:solidFill>
-                <a:cs typeface="Arial" pitchFamily="34" charset="0"/>
-              </a:rPr>
-              <a:t>13</a:t>
-            </a:r>
-            <a:endParaRPr lang="es-CO" sz="900" dirty="0">
-              <a:solidFill>
-                <a:srgbClr val="FF0000"/>
-              </a:solidFill>
-              <a:cs typeface="Arial" pitchFamily="34" charset="0"/>
-            </a:endParaRPr>
-          </a:p>
         </p:txBody>
       </p:sp>
       <p:cxnSp>
@@ -7278,25 +6880,7 @@
                 </a:solidFill>
                 <a:cs typeface="Arial" pitchFamily="34" charset="0"/>
               </a:rPr>
-              <a:t>u</a:t>
-            </a:r>
-            <a:r>
-              <a:rPr lang="es-CO" sz="900" dirty="0" smtClean="0">
-                <a:solidFill>
-                  <a:schemeClr val="tx1"/>
-                </a:solidFill>
-                <a:cs typeface="Arial" pitchFamily="34" charset="0"/>
-              </a:rPr>
-              <a:t>tilizando </a:t>
-            </a:r>
-            <a:r>
-              <a:rPr lang="es-CO" sz="900" dirty="0" smtClean="0">
-                <a:solidFill>
-                  <a:schemeClr val="tx1"/>
-                </a:solidFill>
-                <a:cs typeface="Arial" pitchFamily="34" charset="0"/>
-              </a:rPr>
-              <a:t>la formula      </a:t>
+              <a:t>utilizando la formula      </a:t>
             </a:r>
             <a:endParaRPr lang="es-CO" sz="900" dirty="0">
               <a:solidFill>
@@ -7398,24 +6982,6 @@
               <a:cs typeface="Arial" pitchFamily="34" charset="0"/>
             </a:endParaRPr>
           </a:p>
-          <a:p>
-            <a:pPr algn="ctr"/>
-            <a:r>
-              <a:rPr lang="es-CO" sz="900" dirty="0" smtClean="0">
-                <a:solidFill>
-                  <a:srgbClr val="FF0000"/>
-                </a:solidFill>
-                <a:cs typeface="Arial" pitchFamily="34" charset="0"/>
-              </a:rPr>
-              <a:t>14</a:t>
-            </a:r>
-            <a:endParaRPr lang="es-CO" sz="900" dirty="0">
-              <a:solidFill>
-                <a:srgbClr val="FF0000"/>
-              </a:solidFill>
-              <a:cs typeface="Arial" pitchFamily="34" charset="0"/>
-            </a:endParaRPr>
-          </a:p>
         </p:txBody>
       </p:sp>
       <p:cxnSp>
@@ -7500,16 +7066,7 @@
                 </a:solidFill>
                 <a:cs typeface="Arial" pitchFamily="34" charset="0"/>
               </a:rPr>
-              <a:t>d</a:t>
-            </a:r>
-            <a:r>
-              <a:rPr lang="es-CO" sz="900" dirty="0" smtClean="0">
-                <a:solidFill>
-                  <a:schemeClr val="tx1"/>
-                </a:solidFill>
-                <a:cs typeface="Arial" pitchFamily="34" charset="0"/>
-              </a:rPr>
-              <a:t>efinido como     </a:t>
+              <a:t>definido como     </a:t>
             </a:r>
             <a:endParaRPr lang="es-CO" sz="900" dirty="0">
               <a:solidFill>
@@ -7567,24 +7124,6 @@
           <a:p>
             <a:pPr algn="ctr"/>
             <a:endParaRPr lang="es-CO" sz="900" dirty="0" smtClean="0">
-              <a:solidFill>
-                <a:srgbClr val="FF0000"/>
-              </a:solidFill>
-              <a:cs typeface="Arial" pitchFamily="34" charset="0"/>
-            </a:endParaRPr>
-          </a:p>
-          <a:p>
-            <a:pPr algn="ctr"/>
-            <a:r>
-              <a:rPr lang="es-CO" sz="900" dirty="0" smtClean="0">
-                <a:solidFill>
-                  <a:srgbClr val="FF0000"/>
-                </a:solidFill>
-                <a:cs typeface="Arial" pitchFamily="34" charset="0"/>
-              </a:rPr>
-              <a:t>15</a:t>
-            </a:r>
-            <a:endParaRPr lang="es-CO" sz="900" dirty="0">
               <a:solidFill>
                 <a:srgbClr val="FF0000"/>
               </a:solidFill>
@@ -7722,65 +7261,38 @@
               </a:rPr>
               <a:t>sumar:</a:t>
             </a:r>
+            <a:endParaRPr lang="es-CO" sz="900" dirty="0" smtClean="0">
+              <a:solidFill>
+                <a:srgbClr val="FF0000"/>
+              </a:solidFill>
+              <a:cs typeface="Arial" pitchFamily="34" charset="0"/>
+            </a:endParaRPr>
+          </a:p>
+          <a:p>
+            <a:endParaRPr lang="es-CO" sz="900" dirty="0" smtClean="0">
+              <a:solidFill>
+                <a:schemeClr val="tx1"/>
+              </a:solidFill>
+              <a:cs typeface="Arial" pitchFamily="34" charset="0"/>
+            </a:endParaRPr>
+          </a:p>
+          <a:p>
+            <a:endParaRPr lang="es-CO" sz="900" dirty="0" smtClean="0">
+              <a:solidFill>
+                <a:schemeClr val="tx1"/>
+              </a:solidFill>
+              <a:cs typeface="Arial" pitchFamily="34" charset="0"/>
+            </a:endParaRPr>
+          </a:p>
+          <a:p>
             <a:r>
               <a:rPr lang="es-CO" sz="900" dirty="0" smtClean="0">
                 <a:solidFill>
-                  <a:srgbClr val="FF0000"/>
+                  <a:schemeClr val="tx1"/>
                 </a:solidFill>
                 <a:cs typeface="Arial" pitchFamily="34" charset="0"/>
               </a:rPr>
-              <a:t>16</a:t>
-            </a:r>
-            <a:endParaRPr lang="es-CO" sz="900" dirty="0" smtClean="0">
-              <a:solidFill>
-                <a:srgbClr val="FF0000"/>
-              </a:solidFill>
-              <a:cs typeface="Arial" pitchFamily="34" charset="0"/>
-            </a:endParaRPr>
-          </a:p>
-          <a:p>
-            <a:endParaRPr lang="es-CO" sz="900" dirty="0" smtClean="0">
-              <a:solidFill>
-                <a:schemeClr val="tx1"/>
-              </a:solidFill>
-              <a:cs typeface="Arial" pitchFamily="34" charset="0"/>
-            </a:endParaRPr>
-          </a:p>
-          <a:p>
-            <a:endParaRPr lang="es-CO" sz="900" dirty="0" smtClean="0">
-              <a:solidFill>
-                <a:schemeClr val="tx1"/>
-              </a:solidFill>
-              <a:cs typeface="Arial" pitchFamily="34" charset="0"/>
-            </a:endParaRPr>
-          </a:p>
-          <a:p>
-            <a:r>
-              <a:rPr lang="es-CO" sz="900" dirty="0" smtClean="0">
-                <a:solidFill>
-                  <a:schemeClr val="tx1"/>
-                </a:solidFill>
-                <a:cs typeface="Arial" pitchFamily="34" charset="0"/>
-              </a:rPr>
-              <a:t>m</a:t>
-            </a:r>
-            <a:r>
-              <a:rPr lang="es-CO" sz="900" dirty="0" smtClean="0">
-                <a:solidFill>
-                  <a:schemeClr val="tx1"/>
-                </a:solidFill>
-                <a:cs typeface="Arial" pitchFamily="34" charset="0"/>
-              </a:rPr>
-              <a:t>ultiplicar: </a:t>
-            </a:r>
-            <a:r>
-              <a:rPr lang="es-CO" sz="900" dirty="0" smtClean="0">
-                <a:solidFill>
-                  <a:srgbClr val="FF0000"/>
-                </a:solidFill>
-                <a:cs typeface="Arial" pitchFamily="34" charset="0"/>
-              </a:rPr>
-              <a:t>17</a:t>
+              <a:t>multiplicar: </a:t>
             </a:r>
             <a:endParaRPr lang="es-CO" sz="900" dirty="0" smtClean="0">
               <a:solidFill>
@@ -7897,16 +7409,7 @@
                 </a:solidFill>
                 <a:cs typeface="Arial" pitchFamily="34" charset="0"/>
               </a:rPr>
-              <a:t>utilizando </a:t>
-            </a:r>
-            <a:r>
-              <a:rPr lang="es-CO" sz="900" dirty="0" smtClean="0">
-                <a:solidFill>
-                  <a:schemeClr val="tx1"/>
-                </a:solidFill>
-                <a:cs typeface="Arial" pitchFamily="34" charset="0"/>
-              </a:rPr>
-              <a:t>las formulas      </a:t>
+              <a:t>utilizando las formulas      </a:t>
             </a:r>
             <a:endParaRPr lang="es-CO" sz="900" dirty="0">
               <a:solidFill>
@@ -7999,8 +7502,8 @@
         </p:nvCxnSpPr>
         <p:spPr>
           <a:xfrm rot="5400000">
-            <a:off x="11367646" y="6733752"/>
-            <a:ext cx="239930" cy="539423"/>
+            <a:off x="11587656" y="6513742"/>
+            <a:ext cx="239930" cy="979443"/>
           </a:xfrm>
           <a:prstGeom prst="bentConnector3">
             <a:avLst>
@@ -8038,9 +7541,9 @@
           <p:nvPr/>
         </p:nvCxnSpPr>
         <p:spPr>
-          <a:xfrm rot="16200000" flipH="1">
-            <a:off x="11853420" y="6787399"/>
-            <a:ext cx="239930" cy="432127"/>
+          <a:xfrm rot="5400000">
+            <a:off x="12073431" y="6999517"/>
+            <a:ext cx="239930" cy="7893"/>
           </a:xfrm>
           <a:prstGeom prst="bentConnector3">
             <a:avLst>
@@ -8112,8 +7615,8 @@
         </p:nvCxnSpPr>
         <p:spPr>
           <a:xfrm rot="16200000" flipH="1">
-            <a:off x="12342035" y="6298785"/>
-            <a:ext cx="239930" cy="1409356"/>
+            <a:off x="12562045" y="6518795"/>
+            <a:ext cx="239930" cy="969336"/>
           </a:xfrm>
           <a:prstGeom prst="bentConnector3">
             <a:avLst>
@@ -8223,16 +7726,7 @@
                 </a:solidFill>
                 <a:cs typeface="Arial" pitchFamily="34" charset="0"/>
               </a:rPr>
-              <a:t>utilizando </a:t>
-            </a:r>
-            <a:r>
-              <a:rPr lang="es-CO" sz="900" dirty="0" smtClean="0">
-                <a:solidFill>
-                  <a:schemeClr val="tx1"/>
-                </a:solidFill>
-                <a:cs typeface="Arial" pitchFamily="34" charset="0"/>
-              </a:rPr>
-              <a:t>la formula      </a:t>
+              <a:t>utilizando la formula      </a:t>
             </a:r>
             <a:endParaRPr lang="es-CO" sz="900" dirty="0">
               <a:solidFill>
@@ -8334,24 +7828,6 @@
               <a:cs typeface="Arial" pitchFamily="34" charset="0"/>
             </a:endParaRPr>
           </a:p>
-          <a:p>
-            <a:pPr algn="ctr"/>
-            <a:r>
-              <a:rPr lang="es-CO" sz="900" dirty="0" smtClean="0">
-                <a:solidFill>
-                  <a:srgbClr val="FF0000"/>
-                </a:solidFill>
-                <a:cs typeface="Arial" pitchFamily="34" charset="0"/>
-              </a:rPr>
-              <a:t>18</a:t>
-            </a:r>
-            <a:endParaRPr lang="es-CO" sz="900" dirty="0">
-              <a:solidFill>
-                <a:srgbClr val="FF0000"/>
-              </a:solidFill>
-              <a:cs typeface="Arial" pitchFamily="34" charset="0"/>
-            </a:endParaRPr>
-          </a:p>
         </p:txBody>
       </p:sp>
       <p:pic>
@@ -8371,7 +7847,7 @@
         </p:blipFill>
         <p:spPr bwMode="auto">
           <a:xfrm>
-            <a:off x="12841289" y="8336618"/>
+            <a:off x="12841289" y="8354906"/>
             <a:ext cx="567816" cy="312082"/>
           </a:xfrm>
           <a:prstGeom prst="rect">
@@ -8493,15 +7969,6 @@
               </a:rPr>
               <a:t>  </a:t>
             </a:r>
-            <a:r>
-              <a:rPr lang="es-CO" sz="900" dirty="0" smtClean="0">
-                <a:solidFill>
-                  <a:srgbClr val="FF0000"/>
-                </a:solidFill>
-                <a:cs typeface="Arial" pitchFamily="34" charset="0"/>
-              </a:rPr>
-              <a:t>2</a:t>
-            </a:r>
             <a:endParaRPr lang="es-CO" sz="900" dirty="0" smtClean="0">
               <a:solidFill>
                 <a:srgbClr val="FF0000"/>
@@ -8613,18 +8080,6 @@
           </a:p>
           <a:p>
             <a:pPr algn="ctr"/>
-            <a:r>
-              <a:rPr lang="es-CO" sz="1000" dirty="0" smtClean="0">
-                <a:solidFill>
-                  <a:srgbClr val="FF0000"/>
-                </a:solidFill>
-                <a:cs typeface="Arial" pitchFamily="34" charset="0"/>
-              </a:rPr>
-              <a:t>4</a:t>
-            </a:r>
-          </a:p>
-          <a:p>
-            <a:pPr algn="ctr"/>
             <a:endParaRPr lang="es-CO" sz="1000" baseline="-25000" dirty="0">
               <a:solidFill>
                 <a:srgbClr val="FF0000"/>
@@ -8674,24 +8129,6 @@
             <a:endParaRPr lang="es-CO" sz="900" i="1" dirty="0" smtClean="0">
               <a:solidFill>
                 <a:schemeClr val="tx1"/>
-              </a:solidFill>
-              <a:cs typeface="Arial" pitchFamily="34" charset="0"/>
-            </a:endParaRPr>
-          </a:p>
-          <a:p>
-            <a:pPr algn="ctr"/>
-            <a:r>
-              <a:rPr lang="es-CO" sz="900" dirty="0" smtClean="0">
-                <a:solidFill>
-                  <a:srgbClr val="FF0000"/>
-                </a:solidFill>
-                <a:cs typeface="Arial" pitchFamily="34" charset="0"/>
-              </a:rPr>
-              <a:t>5</a:t>
-            </a:r>
-            <a:endParaRPr lang="es-CO" sz="900" dirty="0">
-              <a:solidFill>
-                <a:srgbClr val="FF0000"/>
               </a:solidFill>
               <a:cs typeface="Arial" pitchFamily="34" charset="0"/>
             </a:endParaRPr>
@@ -8775,25 +8212,7 @@
                 </a:solidFill>
                 <a:cs typeface="Arial" pitchFamily="34" charset="0"/>
               </a:rPr>
-              <a:t>s</a:t>
-            </a:r>
-            <a:r>
-              <a:rPr lang="es-CO" sz="900" dirty="0" smtClean="0">
-                <a:solidFill>
-                  <a:schemeClr val="tx1"/>
-                </a:solidFill>
-                <a:cs typeface="Arial" pitchFamily="34" charset="0"/>
-              </a:rPr>
-              <a:t>u formula  </a:t>
-            </a:r>
-            <a:r>
-              <a:rPr lang="es-CO" sz="900" dirty="0" smtClean="0">
-                <a:solidFill>
-                  <a:schemeClr val="tx1"/>
-                </a:solidFill>
-                <a:cs typeface="Arial" pitchFamily="34" charset="0"/>
-              </a:rPr>
-              <a:t> </a:t>
+              <a:t>su formula   </a:t>
             </a:r>
             <a:endParaRPr lang="es-CO" sz="900" dirty="0">
               <a:solidFill>
@@ -8957,24 +8376,6 @@
               <a:cs typeface="Arial" pitchFamily="34" charset="0"/>
             </a:endParaRPr>
           </a:p>
-          <a:p>
-            <a:pPr algn="ctr"/>
-            <a:r>
-              <a:rPr lang="es-CO" sz="900" dirty="0" smtClean="0">
-                <a:solidFill>
-                  <a:srgbClr val="FF0000"/>
-                </a:solidFill>
-                <a:cs typeface="Arial" pitchFamily="34" charset="0"/>
-              </a:rPr>
-              <a:t>6</a:t>
-            </a:r>
-            <a:endParaRPr lang="es-CO" sz="900" dirty="0">
-              <a:solidFill>
-                <a:srgbClr val="FF0000"/>
-              </a:solidFill>
-              <a:cs typeface="Arial" pitchFamily="34" charset="0"/>
-            </a:endParaRPr>
-          </a:p>
         </p:txBody>
       </p:sp>
       <p:sp>
@@ -9021,24 +8422,6 @@
               <a:cs typeface="Arial" pitchFamily="34" charset="0"/>
             </a:endParaRPr>
           </a:p>
-          <a:p>
-            <a:pPr algn="ctr"/>
-            <a:r>
-              <a:rPr lang="es-CO" sz="900" dirty="0" smtClean="0">
-                <a:solidFill>
-                  <a:srgbClr val="FF0000"/>
-                </a:solidFill>
-                <a:cs typeface="Arial" pitchFamily="34" charset="0"/>
-              </a:rPr>
-              <a:t>7</a:t>
-            </a:r>
-            <a:endParaRPr lang="es-CO" sz="900" dirty="0">
-              <a:solidFill>
-                <a:srgbClr val="FF0000"/>
-              </a:solidFill>
-              <a:cs typeface="Arial" pitchFamily="34" charset="0"/>
-            </a:endParaRPr>
-          </a:p>
         </p:txBody>
       </p:sp>
       <p:sp>
@@ -9085,25 +8468,7 @@
                 </a:solidFill>
                 <a:cs typeface="Arial" pitchFamily="34" charset="0"/>
               </a:rPr>
-              <a:t>r</a:t>
-            </a:r>
-            <a:r>
-              <a:rPr lang="es-CO" sz="900" dirty="0" smtClean="0">
-                <a:solidFill>
-                  <a:schemeClr val="tx1"/>
-                </a:solidFill>
-                <a:cs typeface="Arial" pitchFamily="34" charset="0"/>
-              </a:rPr>
-              <a:t>epresentado  como  </a:t>
-            </a:r>
-            <a:r>
-              <a:rPr lang="es-CO" sz="900" dirty="0" smtClean="0">
-                <a:solidFill>
-                  <a:schemeClr val="tx1"/>
-                </a:solidFill>
-                <a:cs typeface="Arial" pitchFamily="34" charset="0"/>
-              </a:rPr>
-              <a:t>     </a:t>
+              <a:t>representado  como       </a:t>
             </a:r>
             <a:endParaRPr lang="es-CO" sz="900" dirty="0">
               <a:solidFill>
@@ -9229,25 +8594,7 @@
                 </a:solidFill>
                 <a:cs typeface="Arial" pitchFamily="34" charset="0"/>
               </a:rPr>
-              <a:t>r</a:t>
-            </a:r>
-            <a:r>
-              <a:rPr lang="es-CO" sz="900" dirty="0" smtClean="0">
-                <a:solidFill>
-                  <a:schemeClr val="tx1"/>
-                </a:solidFill>
-                <a:cs typeface="Arial" pitchFamily="34" charset="0"/>
-              </a:rPr>
-              <a:t>epresentado  como  </a:t>
-            </a:r>
-            <a:r>
-              <a:rPr lang="es-CO" sz="900" dirty="0" smtClean="0">
-                <a:solidFill>
-                  <a:schemeClr val="tx1"/>
-                </a:solidFill>
-                <a:cs typeface="Arial" pitchFamily="34" charset="0"/>
-              </a:rPr>
-              <a:t>     </a:t>
+              <a:t>representado  como       </a:t>
             </a:r>
             <a:endParaRPr lang="es-CO" sz="900" dirty="0">
               <a:solidFill>
@@ -9268,9 +8615,9 @@
           <p:nvPr/>
         </p:nvCxnSpPr>
         <p:spPr>
-          <a:xfrm flipH="1">
-            <a:off x="4947650" y="6337067"/>
-            <a:ext cx="2978" cy="152925"/>
+          <a:xfrm>
+            <a:off x="4939602" y="6337067"/>
+            <a:ext cx="8048" cy="152925"/>
           </a:xfrm>
           <a:prstGeom prst="line">
             <a:avLst/>
@@ -9462,23 +8809,6 @@
               <a:cs typeface="Arial" pitchFamily="34" charset="0"/>
             </a:endParaRPr>
           </a:p>
-          <a:p>
-            <a:r>
-              <a:rPr lang="es-CO" sz="900" dirty="0" smtClean="0">
-                <a:solidFill>
-                  <a:srgbClr val="FF0000"/>
-                </a:solidFill>
-                <a:cs typeface="Arial" pitchFamily="34" charset="0"/>
-              </a:rPr>
-              <a:t>8</a:t>
-            </a:r>
-            <a:endParaRPr lang="es-CO" sz="900" dirty="0">
-              <a:solidFill>
-                <a:srgbClr val="FF0000"/>
-              </a:solidFill>
-              <a:cs typeface="Arial" pitchFamily="34" charset="0"/>
-            </a:endParaRPr>
-          </a:p>
         </p:txBody>
       </p:sp>
       <p:pic>
@@ -9573,23 +8903,6 @@
               <a:cs typeface="Arial" pitchFamily="34" charset="0"/>
             </a:endParaRPr>
           </a:p>
-          <a:p>
-            <a:r>
-              <a:rPr lang="es-CO" sz="900" dirty="0" smtClean="0">
-                <a:solidFill>
-                  <a:srgbClr val="FF0000"/>
-                </a:solidFill>
-                <a:cs typeface="Arial" pitchFamily="34" charset="0"/>
-              </a:rPr>
-              <a:t>9</a:t>
-            </a:r>
-            <a:endParaRPr lang="es-CO" sz="900" dirty="0">
-              <a:solidFill>
-                <a:srgbClr val="FF0000"/>
-              </a:solidFill>
-              <a:cs typeface="Arial" pitchFamily="34" charset="0"/>
-            </a:endParaRPr>
-          </a:p>
         </p:txBody>
       </p:sp>
       <p:pic>
@@ -9669,25 +8982,7 @@
                 </a:solidFill>
                 <a:cs typeface="Arial" pitchFamily="34" charset="0"/>
               </a:rPr>
-              <a:t>c</a:t>
-            </a:r>
-            <a:r>
-              <a:rPr lang="es-CO" sz="900" dirty="0" smtClean="0">
-                <a:solidFill>
-                  <a:schemeClr val="tx1"/>
-                </a:solidFill>
-                <a:cs typeface="Arial" pitchFamily="34" charset="0"/>
-              </a:rPr>
-              <a:t>on las formulas </a:t>
-            </a:r>
-            <a:r>
-              <a:rPr lang="es-CO" sz="900" dirty="0" smtClean="0">
-                <a:solidFill>
-                  <a:schemeClr val="tx1"/>
-                </a:solidFill>
-                <a:cs typeface="Arial" pitchFamily="34" charset="0"/>
-              </a:rPr>
-              <a:t> </a:t>
+              <a:t>con las formulas  </a:t>
             </a:r>
             <a:endParaRPr lang="es-CO" sz="900" dirty="0">
               <a:solidFill>
@@ -9780,25 +9075,7 @@
                 </a:solidFill>
                 <a:cs typeface="Arial" pitchFamily="34" charset="0"/>
               </a:rPr>
-              <a:t>c</a:t>
-            </a:r>
-            <a:r>
-              <a:rPr lang="es-CO" sz="900" dirty="0" smtClean="0">
-                <a:solidFill>
-                  <a:schemeClr val="tx1"/>
-                </a:solidFill>
-                <a:cs typeface="Arial" pitchFamily="34" charset="0"/>
-              </a:rPr>
-              <a:t>on las formulas </a:t>
-            </a:r>
-            <a:r>
-              <a:rPr lang="es-CO" sz="900" dirty="0" smtClean="0">
-                <a:solidFill>
-                  <a:schemeClr val="tx1"/>
-                </a:solidFill>
-                <a:cs typeface="Arial" pitchFamily="34" charset="0"/>
-              </a:rPr>
-              <a:t> </a:t>
+              <a:t>con las formulas  </a:t>
             </a:r>
             <a:endParaRPr lang="es-CO" sz="900" dirty="0">
               <a:solidFill>
@@ -9864,23 +9141,6 @@
             <a:endParaRPr lang="es-CO" sz="900" dirty="0" smtClean="0">
               <a:solidFill>
                 <a:schemeClr val="tx1"/>
-              </a:solidFill>
-              <a:cs typeface="Arial" pitchFamily="34" charset="0"/>
-            </a:endParaRPr>
-          </a:p>
-          <a:p>
-            <a:r>
-              <a:rPr lang="es-CO" sz="900" dirty="0" smtClean="0">
-                <a:solidFill>
-                  <a:srgbClr val="FF0000"/>
-                </a:solidFill>
-                <a:cs typeface="Arial" pitchFamily="34" charset="0"/>
-              </a:rPr>
-              <a:t>11</a:t>
-            </a:r>
-            <a:endParaRPr lang="es-CO" sz="900" dirty="0">
-              <a:solidFill>
-                <a:srgbClr val="FF0000"/>
               </a:solidFill>
               <a:cs typeface="Arial" pitchFamily="34" charset="0"/>
             </a:endParaRPr>
@@ -10126,20 +9386,13 @@
     </p:spTree>
     <p:extLst>
       <p:ext uri="{BB962C8B-B14F-4D97-AF65-F5344CB8AC3E}">
-        <p14:creationId xmlns:p14="http://schemas.microsoft.com/office/powerpoint/2010/main" xmlns="" val="1910700679"/>
+        <p14:creationId xmlns:p14="http://schemas.microsoft.com/office/powerpoint/2010/main" val="1910700679"/>
       </p:ext>
     </p:extLst>
   </p:cSld>
   <p:clrMapOvr>
     <a:masterClrMapping/>
   </p:clrMapOvr>
-  <p:timing>
-    <p:tnLst>
-      <p:par>
-        <p:cTn id="1" dur="indefinite" restart="never" nodeType="tmRoot"/>
-      </p:par>
-    </p:tnLst>
-  </p:timing>
 </p:sld>
 </file>
 
@@ -10398,7 +9651,7 @@
   <a:extraClrSchemeLst/>
   <a:extLst>
     <a:ext uri="{05A4C25C-085E-4340-85A3-A5531E510DB2}">
-      <thm15:themeFamily xmlns:thm15="http://schemas.microsoft.com/office/thememl/2012/main" xmlns="" name="Office Theme" id="{62F939B6-93AF-4DB8-9C6B-D6C7DFDC589F}" vid="{4A3C46E8-61CC-4603-A589-7422A47A8E4A}"/>
+      <thm15:themeFamily xmlns:thm15="http://schemas.microsoft.com/office/thememl/2012/main" name="Office Theme" id="{62F939B6-93AF-4DB8-9C6B-D6C7DFDC589F}" vid="{4A3C46E8-61CC-4603-A589-7422A47A8E4A}"/>
     </a:ext>
   </a:extLst>
 </a:theme>

--- a/fuentes/contenidos/grado09/guion08/MapaConceptual_MA_09_08_CO.pptx
+++ b/fuentes/contenidos/grado09/guion08/MapaConceptual_MA_09_08_CO.pptx
@@ -406,7 +406,7 @@
             <a:fld id="{5001C876-01F7-4317-94B9-1AE222133113}" type="datetimeFigureOut">
               <a:rPr lang="es-ES" smtClean="0"/>
               <a:pPr/>
-              <a:t>16/02/2016</a:t>
+              <a:t>26/02/2016</a:t>
             </a:fld>
             <a:endParaRPr lang="es-ES"/>
           </a:p>
@@ -594,14 +594,7 @@
                 <a:latin typeface="Arial" panose="020B0604020202020204" pitchFamily="34" charset="0"/>
                 <a:cs typeface="Arial" panose="020B0604020202020204" pitchFamily="34" charset="0"/>
               </a:rPr>
-              <a:t>© Editorial Planeta Colombiana S.A., </a:t>
-            </a:r>
-            <a:r>
-              <a:rPr lang="es-ES" sz="1400" dirty="0" smtClean="0">
-                <a:latin typeface="Arial" panose="020B0604020202020204" pitchFamily="34" charset="0"/>
-                <a:cs typeface="Arial" panose="020B0604020202020204" pitchFamily="34" charset="0"/>
-              </a:rPr>
-              <a:t>2016.</a:t>
+              <a:t>© Editorial Planeta Colombiana S.A., 2016.</a:t>
             </a:r>
             <a:endParaRPr lang="es-ES" sz="1400" dirty="0">
               <a:latin typeface="Arial" panose="020B0604020202020204" pitchFamily="34" charset="0"/>
@@ -1207,15 +1200,7 @@
                   <a:schemeClr val="bg1"/>
                 </a:solidFill>
               </a:rPr>
-              <a:t>términos </a:t>
-            </a:r>
-            <a:r>
-              <a:rPr lang="es-ES" sz="1050" dirty="0" smtClean="0">
-                <a:solidFill>
-                  <a:schemeClr val="bg1"/>
-                </a:solidFill>
-              </a:rPr>
-              <a:t>organizados </a:t>
+              <a:t>términos organizados </a:t>
             </a:r>
             <a:r>
               <a:rPr lang="es-ES" sz="1050" dirty="0">
@@ -1479,16 +1464,7 @@
                 </a:solidFill>
                 <a:cs typeface="Arial" pitchFamily="34" charset="0"/>
               </a:rPr>
-              <a:t> pueden ser </a:t>
-            </a:r>
-            <a:r>
-              <a:rPr lang="es-CO" sz="900" dirty="0" smtClean="0">
-                <a:solidFill>
-                  <a:schemeClr val="tx1"/>
-                </a:solidFill>
-                <a:cs typeface="Arial" pitchFamily="34" charset="0"/>
-              </a:rPr>
-              <a:t>infinitas  </a:t>
+              <a:t> pueden ser infinitas  </a:t>
             </a:r>
             <a:endParaRPr lang="es-CO" sz="900" b="1" dirty="0">
               <a:solidFill>
@@ -2212,22 +2188,13 @@
           <a:p>
             <a:pPr algn="ctr"/>
             <a:r>
-              <a:rPr lang="es-CO" sz="900" dirty="0">
-                <a:solidFill>
-                  <a:schemeClr val="tx1"/>
-                </a:solidFill>
-                <a:cs typeface="Arial" pitchFamily="34" charset="0"/>
-              </a:rPr>
-              <a:t>e</a:t>
-            </a:r>
-            <a:r>
               <a:rPr lang="es-CO" sz="900" dirty="0" smtClean="0">
                 <a:solidFill>
                   <a:schemeClr val="tx1"/>
                 </a:solidFill>
                 <a:cs typeface="Arial" pitchFamily="34" charset="0"/>
               </a:rPr>
-              <a:t>jemplos   </a:t>
+              <a:t>ejemplo   </a:t>
             </a:r>
             <a:endParaRPr lang="es-CO" sz="900" dirty="0">
               <a:solidFill>
@@ -2378,16 +2345,7 @@
                 </a:solidFill>
                 <a:cs typeface="Arial" pitchFamily="34" charset="0"/>
               </a:rPr>
-              <a:t>se  </a:t>
-            </a:r>
-            <a:r>
-              <a:rPr lang="es-CO" sz="900" dirty="0" smtClean="0">
-                <a:solidFill>
-                  <a:schemeClr val="tx1"/>
-                </a:solidFill>
-                <a:cs typeface="Arial" pitchFamily="34" charset="0"/>
-              </a:rPr>
-              <a:t>caracterizan</a:t>
+              <a:t>se  caracterizan</a:t>
             </a:r>
           </a:p>
           <a:p>
@@ -2456,16 +2414,7 @@
                 </a:solidFill>
                 <a:cs typeface="Arial" pitchFamily="34" charset="0"/>
               </a:rPr>
-              <a:t>se denota como </a:t>
-            </a:r>
-            <a:r>
-              <a:rPr lang="es-CO" sz="900" dirty="0" smtClean="0">
-                <a:solidFill>
-                  <a:schemeClr val="tx1"/>
-                </a:solidFill>
-                <a:cs typeface="Arial" pitchFamily="34" charset="0"/>
-              </a:rPr>
-              <a:t>:</a:t>
+              <a:t>se denota como :</a:t>
             </a:r>
           </a:p>
           <a:p>
@@ -2887,16 +2836,7 @@
                 </a:solidFill>
                 <a:cs typeface="Arial" pitchFamily="34" charset="0"/>
               </a:rPr>
-              <a:t>pueden </a:t>
-            </a:r>
-            <a:r>
-              <a:rPr lang="es-CO" sz="900" dirty="0" smtClean="0">
-                <a:solidFill>
-                  <a:schemeClr val="tx1"/>
-                </a:solidFill>
-                <a:cs typeface="Arial" pitchFamily="34" charset="0"/>
-              </a:rPr>
-              <a:t>ser    </a:t>
+              <a:t>pueden ser    </a:t>
             </a:r>
             <a:endParaRPr lang="es-CO" sz="900" dirty="0">
               <a:solidFill>
@@ -3279,16 +3219,7 @@
                 </a:solidFill>
                 <a:cs typeface="Arial" pitchFamily="34" charset="0"/>
               </a:rPr>
-              <a:t>termino </a:t>
-            </a:r>
-            <a:r>
-              <a:rPr lang="es-CO" sz="900" dirty="0" smtClean="0">
-                <a:solidFill>
-                  <a:schemeClr val="tx1"/>
-                </a:solidFill>
-                <a:cs typeface="Arial" pitchFamily="34" charset="0"/>
-              </a:rPr>
-              <a:t>general </a:t>
+              <a:t>termino general </a:t>
             </a:r>
             <a:endParaRPr lang="es-CO" sz="900" b="1" dirty="0">
               <a:solidFill>
@@ -3573,16 +3504,7 @@
                 </a:solidFill>
                 <a:cs typeface="Arial" pitchFamily="34" charset="0"/>
               </a:rPr>
-              <a:t>es </a:t>
-            </a:r>
-            <a:r>
-              <a:rPr lang="es-CO" sz="900" dirty="0" smtClean="0">
-                <a:solidFill>
-                  <a:schemeClr val="tx1"/>
-                </a:solidFill>
-                <a:cs typeface="Arial" pitchFamily="34" charset="0"/>
-              </a:rPr>
-              <a:t>posible     </a:t>
+              <a:t>es posible     </a:t>
             </a:r>
             <a:endParaRPr lang="es-CO" sz="900" dirty="0">
               <a:solidFill>
@@ -4288,16 +4210,7 @@
                 </a:solidFill>
                 <a:cs typeface="Arial" pitchFamily="34" charset="0"/>
               </a:rPr>
-              <a:t>que </a:t>
-            </a:r>
-            <a:r>
-              <a:rPr lang="es-CO" sz="900" dirty="0" smtClean="0">
-                <a:solidFill>
-                  <a:schemeClr val="tx1"/>
-                </a:solidFill>
-                <a:cs typeface="Arial" pitchFamily="34" charset="0"/>
-              </a:rPr>
-              <a:t>se </a:t>
+              <a:t>que se </a:t>
             </a:r>
           </a:p>
           <a:p>
@@ -4626,16 +4539,7 @@
                 </a:solidFill>
                 <a:cs typeface="Arial" pitchFamily="34" charset="0"/>
               </a:rPr>
-              <a:t>que </a:t>
-            </a:r>
-            <a:r>
-              <a:rPr lang="es-CO" sz="900" dirty="0" smtClean="0">
-                <a:solidFill>
-                  <a:schemeClr val="tx1"/>
-                </a:solidFill>
-                <a:cs typeface="Arial" pitchFamily="34" charset="0"/>
-              </a:rPr>
-              <a:t>se </a:t>
+              <a:t>que se </a:t>
             </a:r>
           </a:p>
           <a:p>
@@ -5110,16 +5014,7 @@
                 </a:solidFill>
                 <a:cs typeface="Arial" pitchFamily="34" charset="0"/>
               </a:rPr>
-              <a:t>se </a:t>
-            </a:r>
-            <a:r>
-              <a:rPr lang="es-CO" sz="900" dirty="0" smtClean="0">
-                <a:solidFill>
-                  <a:schemeClr val="tx1"/>
-                </a:solidFill>
-                <a:cs typeface="Arial" pitchFamily="34" charset="0"/>
-              </a:rPr>
-              <a:t>dividen  en  </a:t>
+              <a:t>se dividen  en  </a:t>
             </a:r>
             <a:endParaRPr lang="es-CO" sz="900" dirty="0">
               <a:solidFill>
@@ -5280,16 +5175,7 @@
                 </a:solidFill>
                 <a:cs typeface="Arial" pitchFamily="34" charset="0"/>
               </a:rPr>
-              <a:t>progresiones </a:t>
-            </a:r>
-            <a:r>
-              <a:rPr lang="es-CO" sz="900" dirty="0" smtClean="0">
-                <a:solidFill>
-                  <a:schemeClr val="tx1"/>
-                </a:solidFill>
-                <a:cs typeface="Arial" pitchFamily="34" charset="0"/>
-              </a:rPr>
-              <a:t>geométricas  </a:t>
+              <a:t>progresiones geométricas  </a:t>
             </a:r>
             <a:endParaRPr lang="es-CO" sz="900" b="1" dirty="0">
               <a:solidFill>
@@ -5696,16 +5582,7 @@
                 </a:solidFill>
                 <a:cs typeface="Arial" pitchFamily="34" charset="0"/>
               </a:rPr>
-              <a:t>se  </a:t>
-            </a:r>
-            <a:r>
-              <a:rPr lang="es-CO" sz="900" dirty="0" smtClean="0">
-                <a:solidFill>
-                  <a:schemeClr val="tx1"/>
-                </a:solidFill>
-                <a:cs typeface="Arial" pitchFamily="34" charset="0"/>
-              </a:rPr>
-              <a:t>caracterizan</a:t>
+              <a:t>se  caracterizan</a:t>
             </a:r>
           </a:p>
           <a:p>
@@ -5810,7 +5687,25 @@
                 </a:solidFill>
                 <a:cs typeface="Arial" pitchFamily="34" charset="0"/>
               </a:rPr>
-              <a:t>el  termino general </a:t>
+              <a:t>el  </a:t>
+            </a:r>
+            <a:r>
+              <a:rPr lang="es-CO" sz="900" dirty="0" smtClean="0">
+                <a:solidFill>
+                  <a:schemeClr val="tx1"/>
+                </a:solidFill>
+                <a:cs typeface="Arial" pitchFamily="34" charset="0"/>
+              </a:rPr>
+              <a:t>término </a:t>
+            </a:r>
+            <a:r>
+              <a:rPr lang="es-CO" sz="900" dirty="0" smtClean="0">
+                <a:solidFill>
+                  <a:schemeClr val="tx1"/>
+                </a:solidFill>
+                <a:cs typeface="Arial" pitchFamily="34" charset="0"/>
+              </a:rPr>
+              <a:t>general </a:t>
             </a:r>
             <a:endParaRPr lang="es-CO" sz="900" dirty="0">
               <a:solidFill>
@@ -6069,7 +5964,25 @@
                 </a:solidFill>
                 <a:cs typeface="Arial" pitchFamily="34" charset="0"/>
               </a:rPr>
-              <a:t> el  termino general </a:t>
+              <a:t> el  </a:t>
+            </a:r>
+            <a:r>
+              <a:rPr lang="es-CO" sz="900" dirty="0" smtClean="0">
+                <a:solidFill>
+                  <a:schemeClr val="tx1"/>
+                </a:solidFill>
+                <a:cs typeface="Arial" pitchFamily="34" charset="0"/>
+              </a:rPr>
+              <a:t>término </a:t>
+            </a:r>
+            <a:r>
+              <a:rPr lang="es-CO" sz="900" dirty="0" smtClean="0">
+                <a:solidFill>
+                  <a:schemeClr val="tx1"/>
+                </a:solidFill>
+                <a:cs typeface="Arial" pitchFamily="34" charset="0"/>
+              </a:rPr>
+              <a:t>general </a:t>
             </a:r>
             <a:endParaRPr lang="es-CO" sz="900" dirty="0">
               <a:solidFill>
@@ -6277,16 +6190,7 @@
                 </a:solidFill>
                 <a:cs typeface="Arial" pitchFamily="34" charset="0"/>
               </a:rPr>
-              <a:t>se  </a:t>
-            </a:r>
-            <a:r>
-              <a:rPr lang="es-CO" sz="900" dirty="0" smtClean="0">
-                <a:solidFill>
-                  <a:schemeClr val="tx1"/>
-                </a:solidFill>
-                <a:cs typeface="Arial" pitchFamily="34" charset="0"/>
-              </a:rPr>
-              <a:t>caracterizan</a:t>
+              <a:t>se  caracterizan</a:t>
             </a:r>
           </a:p>
           <a:p>
@@ -7880,8 +7784,8 @@
         </p:blipFill>
         <p:spPr bwMode="auto">
           <a:xfrm>
-            <a:off x="668338" y="4836688"/>
-            <a:ext cx="265112" cy="194100"/>
+            <a:off x="668338" y="4888486"/>
+            <a:ext cx="194364" cy="142302"/>
           </a:xfrm>
           <a:prstGeom prst="rect">
             <a:avLst/>
@@ -8496,8 +8400,8 @@
         </p:blipFill>
         <p:spPr bwMode="auto">
           <a:xfrm>
-            <a:off x="2992438" y="7096125"/>
-            <a:ext cx="1224370" cy="125413"/>
+            <a:off x="2992438" y="7117501"/>
+            <a:ext cx="1015682" cy="104037"/>
           </a:xfrm>
           <a:prstGeom prst="rect">
             <a:avLst/>
@@ -8828,8 +8732,8 @@
         </p:blipFill>
         <p:spPr bwMode="auto">
           <a:xfrm>
-            <a:off x="5610066" y="7772399"/>
-            <a:ext cx="1032233" cy="352426"/>
+            <a:off x="5692594" y="7792600"/>
+            <a:ext cx="898724" cy="306843"/>
           </a:xfrm>
           <a:prstGeom prst="rect">
             <a:avLst/>

--- a/fuentes/contenidos/grado09/guion08/MapaConceptual_MA_09_08_CO.pptx
+++ b/fuentes/contenidos/grado09/guion08/MapaConceptual_MA_09_08_CO.pptx
@@ -406,7 +406,7 @@
             <a:fld id="{5001C876-01F7-4317-94B9-1AE222133113}" type="datetimeFigureOut">
               <a:rPr lang="es-ES" smtClean="0"/>
               <a:pPr/>
-              <a:t>26/02/2016</a:t>
+              <a:t>31/03/2016</a:t>
             </a:fld>
             <a:endParaRPr lang="es-ES"/>
           </a:p>
@@ -962,8 +962,8 @@
         </p:nvSpPr>
         <p:spPr>
           <a:xfrm>
-            <a:off x="4716773" y="66679"/>
-            <a:ext cx="4216725" cy="968928"/>
+            <a:off x="4716774" y="557561"/>
+            <a:ext cx="4100778" cy="478046"/>
           </a:xfrm>
           <a:prstGeom prst="rect">
             <a:avLst/>
@@ -989,74 +989,41 @@
           <a:p>
             <a:pPr algn="ctr"/>
             <a:r>
-              <a:rPr lang="es-CO" sz="1900" b="1" dirty="0" smtClean="0">
-                <a:solidFill>
-                  <a:schemeClr val="tx1"/>
-                </a:solidFill>
-                <a:cs typeface="Arial" pitchFamily="34" charset="0"/>
-              </a:rPr>
-              <a:t>Sucesiones y progresiones </a:t>
-            </a:r>
-            <a:endParaRPr lang="es-CO" sz="1900" b="1" dirty="0">
+              <a:rPr lang="es-CO" sz="1650" dirty="0" smtClean="0">
+                <a:solidFill>
+                  <a:schemeClr val="tx1"/>
+                </a:solidFill>
+                <a:latin typeface="Arial" panose="020B0604020202020204" pitchFamily="34" charset="0"/>
+                <a:cs typeface="Arial" panose="020B0604020202020204" pitchFamily="34" charset="0"/>
+              </a:rPr>
+              <a:t>La sucesiones </a:t>
+            </a:r>
+            <a:r>
+              <a:rPr lang="es-CO" sz="1650" dirty="0" smtClean="0">
+                <a:solidFill>
+                  <a:schemeClr val="tx1"/>
+                </a:solidFill>
+                <a:latin typeface="Arial" panose="020B0604020202020204" pitchFamily="34" charset="0"/>
+                <a:cs typeface="Arial" panose="020B0604020202020204" pitchFamily="34" charset="0"/>
+              </a:rPr>
+              <a:t>y </a:t>
+            </a:r>
+            <a:r>
+              <a:rPr lang="es-CO" sz="1650" dirty="0" smtClean="0">
+                <a:solidFill>
+                  <a:schemeClr val="tx1"/>
+                </a:solidFill>
+                <a:latin typeface="Arial" panose="020B0604020202020204" pitchFamily="34" charset="0"/>
+                <a:cs typeface="Arial" panose="020B0604020202020204" pitchFamily="34" charset="0"/>
+              </a:rPr>
+              <a:t>las progresiones </a:t>
+            </a:r>
+            <a:endParaRPr lang="es-CO" sz="1650" dirty="0">
               <a:solidFill>
                 <a:schemeClr val="tx1"/>
               </a:solidFill>
-              <a:cs typeface="Arial" pitchFamily="34" charset="0"/>
-            </a:endParaRPr>
-          </a:p>
-        </p:txBody>
-      </p:sp>
-      <p:sp>
-        <p:nvSpPr>
-          <p:cNvPr id="326" name="Rectángulo 33"/>
-          <p:cNvSpPr/>
-          <p:nvPr/>
-        </p:nvSpPr>
-        <p:spPr>
-          <a:xfrm>
-            <a:off x="2804455" y="1281967"/>
-            <a:ext cx="1473211" cy="779671"/>
-          </a:xfrm>
-          <a:prstGeom prst="rect">
-            <a:avLst/>
-          </a:prstGeom>
-          <a:solidFill>
-            <a:schemeClr val="bg1"/>
-          </a:solidFill>
-        </p:spPr>
-        <p:style>
-          <a:lnRef idx="2">
-            <a:schemeClr val="dk1"/>
-          </a:lnRef>
-          <a:fillRef idx="1">
-            <a:schemeClr val="lt1"/>
-          </a:fillRef>
-          <a:effectRef idx="0">
-            <a:schemeClr val="dk1"/>
-          </a:effectRef>
-          <a:fontRef idx="minor">
-            <a:schemeClr val="dk1"/>
-          </a:fontRef>
-        </p:style>
-        <p:txBody>
-          <a:bodyPr lIns="105683" tIns="52841" rIns="105683" bIns="52841" rtlCol="0" anchor="ctr"/>
-          <a:lstStyle/>
-          <a:p>
-            <a:pPr algn="ctr"/>
-            <a:r>
-              <a:rPr lang="es-CO" sz="1400" b="1" dirty="0" smtClean="0">
-                <a:solidFill>
-                  <a:schemeClr val="tx1"/>
-                </a:solidFill>
-                <a:cs typeface="Arial" pitchFamily="34" charset="0"/>
-              </a:rPr>
-              <a:t>Sucesiones   </a:t>
-            </a:r>
-            <a:endParaRPr lang="es-CO" sz="1400" b="1" dirty="0">
-              <a:solidFill>
-                <a:schemeClr val="tx1"/>
-              </a:solidFill>
-              <a:cs typeface="Arial" pitchFamily="34" charset="0"/>
+              <a:latin typeface="Arial" panose="020B0604020202020204" pitchFamily="34" charset="0"/>
+              <a:cs typeface="Arial" panose="020B0604020202020204" pitchFamily="34" charset="0"/>
             </a:endParaRPr>
           </a:p>
         </p:txBody>
@@ -1069,7 +1036,7 @@
         </p:nvSpPr>
         <p:spPr>
           <a:xfrm>
-            <a:off x="2999858" y="2243384"/>
+            <a:off x="2973924" y="1922667"/>
             <a:ext cx="1095738" cy="272078"/>
           </a:xfrm>
           <a:prstGeom prst="rect">
@@ -1103,15 +1070,17 @@
                 <a:solidFill>
                   <a:schemeClr val="tx1"/>
                 </a:solidFill>
-                <a:cs typeface="Arial" pitchFamily="34" charset="0"/>
-              </a:rPr>
-              <a:t>se define como   </a:t>
+                <a:latin typeface="Arial" panose="020B0604020202020204" pitchFamily="34" charset="0"/>
+                <a:cs typeface="Arial" panose="020B0604020202020204" pitchFamily="34" charset="0"/>
+              </a:rPr>
+              <a:t>son</a:t>
             </a:r>
             <a:endParaRPr lang="es-CO" sz="900" dirty="0">
               <a:solidFill>
                 <a:schemeClr val="tx1"/>
               </a:solidFill>
-              <a:cs typeface="Arial" pitchFamily="34" charset="0"/>
+              <a:latin typeface="Arial" panose="020B0604020202020204" pitchFamily="34" charset="0"/>
+              <a:cs typeface="Arial" panose="020B0604020202020204" pitchFamily="34" charset="0"/>
             </a:endParaRPr>
           </a:p>
         </p:txBody>
@@ -1120,14 +1089,13 @@
         <p:nvCxnSpPr>
           <p:cNvPr id="329" name="328 Conector recto de flecha"/>
           <p:cNvCxnSpPr>
-            <a:stCxn id="326" idx="2"/>
             <a:endCxn id="328" idx="0"/>
           </p:cNvCxnSpPr>
           <p:nvPr/>
         </p:nvCxnSpPr>
         <p:spPr>
           <a:xfrm>
-            <a:off x="3541061" y="2061638"/>
+            <a:off x="3515127" y="1740921"/>
             <a:ext cx="6666" cy="181746"/>
           </a:xfrm>
           <a:prstGeom prst="straightConnector1">
@@ -1163,8 +1131,8 @@
         </p:nvSpPr>
         <p:spPr>
           <a:xfrm>
-            <a:off x="2709176" y="2625692"/>
-            <a:ext cx="1678709" cy="1044706"/>
+            <a:off x="2708338" y="2369858"/>
+            <a:ext cx="1626910" cy="877474"/>
           </a:xfrm>
           <a:prstGeom prst="rect">
             <a:avLst/>
@@ -1199,6 +1167,8 @@
                 <a:solidFill>
                   <a:schemeClr val="bg1"/>
                 </a:solidFill>
+                <a:latin typeface="Arial" panose="020B0604020202020204" pitchFamily="34" charset="0"/>
+                <a:cs typeface="Arial" panose="020B0604020202020204" pitchFamily="34" charset="0"/>
               </a:rPr>
               <a:t>términos organizados </a:t>
             </a:r>
@@ -1207,6 +1177,8 @@
                 <a:solidFill>
                   <a:schemeClr val="bg1"/>
                 </a:solidFill>
+                <a:latin typeface="Arial" panose="020B0604020202020204" pitchFamily="34" charset="0"/>
+                <a:cs typeface="Arial" panose="020B0604020202020204" pitchFamily="34" charset="0"/>
               </a:rPr>
               <a:t>uno a continuación del </a:t>
             </a:r>
@@ -1215,6 +1187,8 @@
                 <a:solidFill>
                   <a:schemeClr val="bg1"/>
                 </a:solidFill>
+                <a:latin typeface="Arial" panose="020B0604020202020204" pitchFamily="34" charset="0"/>
+                <a:cs typeface="Arial" panose="020B0604020202020204" pitchFamily="34" charset="0"/>
               </a:rPr>
               <a:t>otro, cumpliendo </a:t>
             </a:r>
@@ -1223,6 +1197,8 @@
                 <a:solidFill>
                   <a:schemeClr val="bg1"/>
                 </a:solidFill>
+                <a:latin typeface="Arial" panose="020B0604020202020204" pitchFamily="34" charset="0"/>
+                <a:cs typeface="Arial" panose="020B0604020202020204" pitchFamily="34" charset="0"/>
               </a:rPr>
               <a:t>cierto orden</a:t>
             </a:r>
@@ -1231,7 +1207,8 @@
                 <a:solidFill>
                   <a:schemeClr val="bg1"/>
                 </a:solidFill>
-                <a:cs typeface="Arial" pitchFamily="34" charset="0"/>
+                <a:latin typeface="Arial" panose="020B0604020202020204" pitchFamily="34" charset="0"/>
+                <a:cs typeface="Arial" panose="020B0604020202020204" pitchFamily="34" charset="0"/>
               </a:rPr>
               <a:t>   </a:t>
             </a:r>
@@ -1239,7 +1216,8 @@
               <a:solidFill>
                 <a:schemeClr val="bg1"/>
               </a:solidFill>
-              <a:cs typeface="Arial" pitchFamily="34" charset="0"/>
+              <a:latin typeface="Arial" panose="020B0604020202020204" pitchFamily="34" charset="0"/>
+              <a:cs typeface="Arial" panose="020B0604020202020204" pitchFamily="34" charset="0"/>
             </a:endParaRPr>
           </a:p>
         </p:txBody>
@@ -1255,8 +1233,8 @@
         </p:nvCxnSpPr>
         <p:spPr>
           <a:xfrm>
-            <a:off x="3547727" y="2515462"/>
-            <a:ext cx="804" cy="110230"/>
+            <a:off x="3521793" y="2194745"/>
+            <a:ext cx="0" cy="175113"/>
           </a:xfrm>
           <a:prstGeom prst="straightConnector1">
             <a:avLst/>
@@ -1283,74 +1261,18 @@
           </a:fontRef>
         </p:style>
       </p:cxnSp>
-      <p:sp>
-        <p:nvSpPr>
-          <p:cNvPr id="372" name="Rectángulo 33"/>
-          <p:cNvSpPr/>
-          <p:nvPr/>
-        </p:nvSpPr>
-        <p:spPr>
-          <a:xfrm>
-            <a:off x="9842508" y="1287777"/>
-            <a:ext cx="1513100" cy="757993"/>
-          </a:xfrm>
-          <a:prstGeom prst="rect">
-            <a:avLst/>
-          </a:prstGeom>
-          <a:solidFill>
-            <a:schemeClr val="bg1"/>
-          </a:solidFill>
-        </p:spPr>
-        <p:style>
-          <a:lnRef idx="2">
-            <a:schemeClr val="dk1"/>
-          </a:lnRef>
-          <a:fillRef idx="1">
-            <a:schemeClr val="lt1"/>
-          </a:fillRef>
-          <a:effectRef idx="0">
-            <a:schemeClr val="dk1"/>
-          </a:effectRef>
-          <a:fontRef idx="minor">
-            <a:schemeClr val="dk1"/>
-          </a:fontRef>
-        </p:style>
-        <p:txBody>
-          <a:bodyPr lIns="105683" tIns="52841" rIns="105683" bIns="52841" rtlCol="0" anchor="ctr"/>
-          <a:lstStyle/>
-          <a:p>
-            <a:pPr algn="ctr"/>
-            <a:r>
-              <a:rPr lang="es-CO" sz="1400" b="1" dirty="0" smtClean="0">
-                <a:solidFill>
-                  <a:schemeClr val="tx1"/>
-                </a:solidFill>
-                <a:cs typeface="Arial" pitchFamily="34" charset="0"/>
-              </a:rPr>
-              <a:t>Progresiones    </a:t>
-            </a:r>
-            <a:endParaRPr lang="es-CO" sz="1400" b="1" dirty="0">
-              <a:solidFill>
-                <a:schemeClr val="tx1"/>
-              </a:solidFill>
-              <a:cs typeface="Arial" pitchFamily="34" charset="0"/>
-            </a:endParaRPr>
-          </a:p>
-        </p:txBody>
-      </p:sp>
       <p:cxnSp>
         <p:nvCxnSpPr>
           <p:cNvPr id="582" name="581 Conector angular"/>
           <p:cNvCxnSpPr>
             <a:stCxn id="239" idx="2"/>
-            <a:endCxn id="326" idx="0"/>
           </p:cNvCxnSpPr>
           <p:nvPr/>
         </p:nvCxnSpPr>
         <p:spPr>
           <a:xfrm rot="5400000">
-            <a:off x="5059919" y="-483250"/>
-            <a:ext cx="246360" cy="3284075"/>
+            <a:off x="5030932" y="-454264"/>
+            <a:ext cx="246360" cy="3226102"/>
           </a:xfrm>
           <a:prstGeom prst="bentConnector3">
             <a:avLst>
@@ -1383,14 +1305,13 @@
           <p:cNvPr id="592" name="591 Conector angular"/>
           <p:cNvCxnSpPr>
             <a:stCxn id="239" idx="2"/>
-            <a:endCxn id="372" idx="0"/>
           </p:cNvCxnSpPr>
           <p:nvPr/>
         </p:nvCxnSpPr>
         <p:spPr>
           <a:xfrm rot="16200000" flipH="1">
-            <a:off x="8586012" y="-725269"/>
-            <a:ext cx="252170" cy="3773922"/>
+            <a:off x="8557025" y="-754256"/>
+            <a:ext cx="252170" cy="3831895"/>
           </a:xfrm>
           <a:prstGeom prst="bentConnector3">
             <a:avLst>
@@ -1426,8 +1347,8 @@
         </p:nvSpPr>
         <p:spPr>
           <a:xfrm>
-            <a:off x="2953622" y="4551469"/>
-            <a:ext cx="1197786" cy="602489"/>
+            <a:off x="3662983" y="4054975"/>
+            <a:ext cx="1091525" cy="422385"/>
           </a:xfrm>
           <a:prstGeom prst="rect">
             <a:avLst/>
@@ -1462,37 +1383,44 @@
                 <a:solidFill>
                   <a:schemeClr val="tx1"/>
                 </a:solidFill>
-                <a:cs typeface="Arial" pitchFamily="34" charset="0"/>
-              </a:rPr>
-              <a:t> pueden ser infinitas  </a:t>
+                <a:latin typeface="Arial" panose="020B0604020202020204" pitchFamily="34" charset="0"/>
+                <a:cs typeface="Arial" panose="020B0604020202020204" pitchFamily="34" charset="0"/>
+              </a:rPr>
+              <a:t> pueden ser </a:t>
+            </a:r>
+            <a:r>
+              <a:rPr lang="es-CO" sz="900" dirty="0" smtClean="0">
+                <a:solidFill>
+                  <a:schemeClr val="tx1"/>
+                </a:solidFill>
+                <a:latin typeface="Arial" panose="020B0604020202020204" pitchFamily="34" charset="0"/>
+                <a:cs typeface="Arial" panose="020B0604020202020204" pitchFamily="34" charset="0"/>
+              </a:rPr>
+              <a:t>numéricas infinitas</a:t>
             </a:r>
             <a:endParaRPr lang="es-CO" sz="900" b="1" dirty="0">
               <a:solidFill>
                 <a:schemeClr val="tx1"/>
               </a:solidFill>
-              <a:cs typeface="Arial" pitchFamily="34" charset="0"/>
+              <a:latin typeface="Arial" panose="020B0604020202020204" pitchFamily="34" charset="0"/>
+              <a:cs typeface="Arial" panose="020B0604020202020204" pitchFamily="34" charset="0"/>
             </a:endParaRPr>
           </a:p>
         </p:txBody>
       </p:sp>
       <p:cxnSp>
         <p:nvCxnSpPr>
-          <p:cNvPr id="599" name="598 Conector angular"/>
-          <p:cNvCxnSpPr>
-            <a:stCxn id="146" idx="2"/>
-            <a:endCxn id="596" idx="0"/>
-          </p:cNvCxnSpPr>
+          <p:cNvPr id="602" name="601 Conector angular"/>
+          <p:cNvCxnSpPr/>
           <p:nvPr/>
         </p:nvCxnSpPr>
         <p:spPr>
-          <a:xfrm rot="5400000">
-            <a:off x="3389487" y="4388214"/>
-            <a:ext cx="326283" cy="226"/>
-          </a:xfrm>
-          <a:prstGeom prst="bentConnector3">
-            <a:avLst>
-              <a:gd name="adj1" fmla="val 50000"/>
-            </a:avLst>
+          <a:xfrm>
+            <a:off x="3508435" y="3831449"/>
+            <a:ext cx="811060" cy="216875"/>
+          </a:xfrm>
+          <a:prstGeom prst="bentConnector2">
+            <a:avLst/>
           </a:prstGeom>
           <a:ln w="12700">
             <a:solidFill>
@@ -1515,63 +1443,23 @@
           </a:fontRef>
         </p:style>
       </p:cxnSp>
-      <p:cxnSp>
-        <p:nvCxnSpPr>
-          <p:cNvPr id="602" name="601 Conector angular"/>
-          <p:cNvCxnSpPr>
-            <a:stCxn id="146" idx="2"/>
-            <a:endCxn id="72" idx="0"/>
-          </p:cNvCxnSpPr>
-          <p:nvPr/>
-        </p:nvCxnSpPr>
-        <p:spPr>
-          <a:xfrm rot="16200000" flipH="1">
-            <a:off x="4082416" y="3695511"/>
-            <a:ext cx="327061" cy="1386410"/>
-          </a:xfrm>
-          <a:prstGeom prst="bentConnector3">
-            <a:avLst>
-              <a:gd name="adj1" fmla="val 50000"/>
-            </a:avLst>
-          </a:prstGeom>
-          <a:ln w="12700">
-            <a:solidFill>
-              <a:schemeClr val="tx1"/>
-            </a:solidFill>
-          </a:ln>
-        </p:spPr>
-        <p:style>
-          <a:lnRef idx="1">
-            <a:schemeClr val="accent1"/>
-          </a:lnRef>
-          <a:fillRef idx="0">
-            <a:schemeClr val="accent1"/>
-          </a:fillRef>
-          <a:effectRef idx="0">
-            <a:schemeClr val="accent1"/>
-          </a:effectRef>
-          <a:fontRef idx="minor">
-            <a:schemeClr val="tx1"/>
-          </a:fontRef>
-        </p:style>
-      </p:cxnSp>
       <p:sp>
         <p:nvSpPr>
-          <p:cNvPr id="113" name="Rectángulo 35"/>
+          <p:cNvPr id="117" name="Rectángulo 33"/>
           <p:cNvSpPr/>
           <p:nvPr/>
         </p:nvSpPr>
         <p:spPr>
           <a:xfrm>
-            <a:off x="3011322" y="5275039"/>
-            <a:ext cx="1095738" cy="221963"/>
+            <a:off x="3672991" y="5037198"/>
+            <a:ext cx="1010315" cy="504670"/>
           </a:xfrm>
           <a:prstGeom prst="rect">
             <a:avLst/>
           </a:prstGeom>
-          <a:ln>
-            <a:noFill/>
-          </a:ln>
+          <a:solidFill>
+            <a:schemeClr val="bg1"/>
+          </a:solidFill>
         </p:spPr>
         <p:style>
           <a:lnRef idx="2">
@@ -1597,36 +1485,48 @@
                 <a:solidFill>
                   <a:schemeClr val="tx1"/>
                 </a:solidFill>
-                <a:cs typeface="Arial" pitchFamily="34" charset="0"/>
-              </a:rPr>
-              <a:t>ejemplo   </a:t>
+                <a:latin typeface="Arial" panose="020B0604020202020204" pitchFamily="34" charset="0"/>
+                <a:cs typeface="Arial" panose="020B0604020202020204" pitchFamily="34" charset="0"/>
+              </a:rPr>
+              <a:t>la sucesión de los </a:t>
+            </a:r>
+            <a:r>
+              <a:rPr lang="es-CO" sz="900" dirty="0" smtClean="0">
+                <a:solidFill>
+                  <a:schemeClr val="tx1"/>
+                </a:solidFill>
+                <a:latin typeface="Arial" panose="020B0604020202020204" pitchFamily="34" charset="0"/>
+                <a:cs typeface="Arial" panose="020B0604020202020204" pitchFamily="34" charset="0"/>
+              </a:rPr>
+              <a:t>números pares                              </a:t>
             </a:r>
             <a:endParaRPr lang="es-CO" sz="900" dirty="0">
               <a:solidFill>
                 <a:schemeClr val="tx1"/>
               </a:solidFill>
-              <a:cs typeface="Arial" pitchFamily="34" charset="0"/>
+              <a:latin typeface="Arial" panose="020B0604020202020204" pitchFamily="34" charset="0"/>
+              <a:cs typeface="Arial" panose="020B0604020202020204" pitchFamily="34" charset="0"/>
             </a:endParaRPr>
           </a:p>
         </p:txBody>
       </p:sp>
       <p:sp>
         <p:nvSpPr>
-          <p:cNvPr id="117" name="Rectángulo 33"/>
+          <p:cNvPr id="122" name="Rectángulo 35"/>
           <p:cNvSpPr/>
           <p:nvPr/>
         </p:nvSpPr>
         <p:spPr>
           <a:xfrm>
-            <a:off x="2932909" y="5623075"/>
-            <a:ext cx="1260000" cy="715539"/>
+            <a:off x="10043930" y="1838159"/>
+            <a:ext cx="1095738" cy="359339"/>
           </a:xfrm>
           <a:prstGeom prst="rect">
             <a:avLst/>
           </a:prstGeom>
-          <a:solidFill>
-            <a:schemeClr val="bg1"/>
-          </a:solidFill>
+          <a:ln>
+            <a:noFill/>
+          </a:ln>
         </p:spPr>
         <p:style>
           <a:lnRef idx="2">
@@ -1652,250 +1552,17 @@
                 <a:solidFill>
                   <a:schemeClr val="tx1"/>
                 </a:solidFill>
-                <a:cs typeface="Arial" pitchFamily="34" charset="0"/>
-              </a:rPr>
-              <a:t>conjunto números pares                              </a:t>
+                <a:latin typeface="Arial" panose="020B0604020202020204" pitchFamily="34" charset="0"/>
+                <a:cs typeface="Arial" panose="020B0604020202020204" pitchFamily="34" charset="0"/>
+              </a:rPr>
+              <a:t>se define como   </a:t>
             </a:r>
             <a:endParaRPr lang="es-CO" sz="900" dirty="0">
               <a:solidFill>
                 <a:schemeClr val="tx1"/>
               </a:solidFill>
-              <a:cs typeface="Arial" pitchFamily="34" charset="0"/>
-            </a:endParaRPr>
-          </a:p>
-        </p:txBody>
-      </p:sp>
-      <p:cxnSp>
-        <p:nvCxnSpPr>
-          <p:cNvPr id="20" name="19 Conector recto"/>
-          <p:cNvCxnSpPr>
-            <a:stCxn id="113" idx="2"/>
-            <a:endCxn id="117" idx="0"/>
-          </p:cNvCxnSpPr>
-          <p:nvPr/>
-        </p:nvCxnSpPr>
-        <p:spPr>
-          <a:xfrm>
-            <a:off x="3559191" y="5497002"/>
-            <a:ext cx="3718" cy="126073"/>
-          </a:xfrm>
-          <a:prstGeom prst="line">
-            <a:avLst/>
-          </a:prstGeom>
-          <a:ln w="12700">
-            <a:solidFill>
-              <a:schemeClr val="tx1"/>
-            </a:solidFill>
-          </a:ln>
-        </p:spPr>
-        <p:style>
-          <a:lnRef idx="1">
-            <a:schemeClr val="accent1"/>
-          </a:lnRef>
-          <a:fillRef idx="0">
-            <a:schemeClr val="accent1"/>
-          </a:fillRef>
-          <a:effectRef idx="0">
-            <a:schemeClr val="accent1"/>
-          </a:effectRef>
-          <a:fontRef idx="minor">
-            <a:schemeClr val="tx1"/>
-          </a:fontRef>
-        </p:style>
-      </p:cxnSp>
-      <p:sp>
-        <p:nvSpPr>
-          <p:cNvPr id="122" name="Rectángulo 35"/>
-          <p:cNvSpPr/>
-          <p:nvPr/>
-        </p:nvSpPr>
-        <p:spPr>
-          <a:xfrm>
-            <a:off x="10055984" y="2134131"/>
-            <a:ext cx="1095738" cy="359339"/>
-          </a:xfrm>
-          <a:prstGeom prst="rect">
-            <a:avLst/>
-          </a:prstGeom>
-          <a:ln>
-            <a:noFill/>
-          </a:ln>
-        </p:spPr>
-        <p:style>
-          <a:lnRef idx="2">
-            <a:schemeClr val="dk1"/>
-          </a:lnRef>
-          <a:fillRef idx="1">
-            <a:schemeClr val="lt1"/>
-          </a:fillRef>
-          <a:effectRef idx="0">
-            <a:schemeClr val="dk1"/>
-          </a:effectRef>
-          <a:fontRef idx="minor">
-            <a:schemeClr val="dk1"/>
-          </a:fontRef>
-        </p:style>
-        <p:txBody>
-          <a:bodyPr lIns="105683" tIns="52841" rIns="105683" bIns="52841" rtlCol="0" anchor="ctr"/>
-          <a:lstStyle/>
-          <a:p>
-            <a:pPr algn="ctr"/>
-            <a:r>
-              <a:rPr lang="es-CO" sz="900" dirty="0" smtClean="0">
-                <a:solidFill>
-                  <a:schemeClr val="tx1"/>
-                </a:solidFill>
-                <a:cs typeface="Arial" pitchFamily="34" charset="0"/>
-              </a:rPr>
-              <a:t>se define como   </a:t>
-            </a:r>
-            <a:endParaRPr lang="es-CO" sz="900" dirty="0">
-              <a:solidFill>
-                <a:schemeClr val="tx1"/>
-              </a:solidFill>
-              <a:cs typeface="Arial" pitchFamily="34" charset="0"/>
-            </a:endParaRPr>
-          </a:p>
-        </p:txBody>
-      </p:sp>
-      <p:cxnSp>
-        <p:nvCxnSpPr>
-          <p:cNvPr id="27" name="26 Conector recto"/>
-          <p:cNvCxnSpPr>
-            <a:stCxn id="372" idx="2"/>
-            <a:endCxn id="122" idx="0"/>
-          </p:cNvCxnSpPr>
-          <p:nvPr/>
-        </p:nvCxnSpPr>
-        <p:spPr>
-          <a:xfrm>
-            <a:off x="10599058" y="2045770"/>
-            <a:ext cx="4795" cy="88361"/>
-          </a:xfrm>
-          <a:prstGeom prst="line">
-            <a:avLst/>
-          </a:prstGeom>
-          <a:ln w="12700">
-            <a:solidFill>
-              <a:schemeClr val="tx1"/>
-            </a:solidFill>
-          </a:ln>
-        </p:spPr>
-        <p:style>
-          <a:lnRef idx="1">
-            <a:schemeClr val="accent1"/>
-          </a:lnRef>
-          <a:fillRef idx="0">
-            <a:schemeClr val="accent1"/>
-          </a:fillRef>
-          <a:effectRef idx="0">
-            <a:schemeClr val="accent1"/>
-          </a:effectRef>
-          <a:fontRef idx="minor">
-            <a:schemeClr val="tx1"/>
-          </a:fontRef>
-        </p:style>
-      </p:cxnSp>
-      <p:cxnSp>
-        <p:nvCxnSpPr>
-          <p:cNvPr id="99" name="98 Conector recto"/>
-          <p:cNvCxnSpPr>
-            <a:stCxn id="114" idx="0"/>
-            <a:endCxn id="122" idx="2"/>
-          </p:cNvCxnSpPr>
-          <p:nvPr/>
-        </p:nvCxnSpPr>
-        <p:spPr>
-          <a:xfrm flipH="1" flipV="1">
-            <a:off x="10603853" y="2493470"/>
-            <a:ext cx="439" cy="111257"/>
-          </a:xfrm>
-          <a:prstGeom prst="line">
-            <a:avLst/>
-          </a:prstGeom>
-          <a:ln w="12700">
-            <a:solidFill>
-              <a:schemeClr val="tx1"/>
-            </a:solidFill>
-          </a:ln>
-        </p:spPr>
-        <p:style>
-          <a:lnRef idx="1">
-            <a:schemeClr val="accent1"/>
-          </a:lnRef>
-          <a:fillRef idx="0">
-            <a:schemeClr val="accent1"/>
-          </a:fillRef>
-          <a:effectRef idx="0">
-            <a:schemeClr val="accent1"/>
-          </a:effectRef>
-          <a:fontRef idx="minor">
-            <a:schemeClr val="tx1"/>
-          </a:fontRef>
-        </p:style>
-      </p:cxnSp>
-      <p:sp>
-        <p:nvSpPr>
-          <p:cNvPr id="72" name="Rectángulo 33"/>
-          <p:cNvSpPr/>
-          <p:nvPr/>
-        </p:nvSpPr>
-        <p:spPr>
-          <a:xfrm>
-            <a:off x="4340258" y="4552247"/>
-            <a:ext cx="1197786" cy="602489"/>
-          </a:xfrm>
-          <a:prstGeom prst="rect">
-            <a:avLst/>
-          </a:prstGeom>
-          <a:solidFill>
-            <a:schemeClr val="bg2">
-              <a:lumMod val="90000"/>
-            </a:schemeClr>
-          </a:solidFill>
-        </p:spPr>
-        <p:style>
-          <a:lnRef idx="2">
-            <a:schemeClr val="dk1"/>
-          </a:lnRef>
-          <a:fillRef idx="1">
-            <a:schemeClr val="lt1"/>
-          </a:fillRef>
-          <a:effectRef idx="0">
-            <a:schemeClr val="dk1"/>
-          </a:effectRef>
-          <a:fontRef idx="minor">
-            <a:schemeClr val="dk1"/>
-          </a:fontRef>
-        </p:style>
-        <p:txBody>
-          <a:bodyPr lIns="105683" tIns="52841" rIns="105683" bIns="52841" rtlCol="0" anchor="ctr"/>
-          <a:lstStyle/>
-          <a:p>
-            <a:pPr algn="ctr"/>
-            <a:r>
-              <a:rPr lang="es-CO" sz="900" dirty="0">
-                <a:solidFill>
-                  <a:schemeClr val="tx1"/>
-                </a:solidFill>
-                <a:cs typeface="Arial" pitchFamily="34" charset="0"/>
-              </a:rPr>
-              <a:t>p</a:t>
-            </a:r>
-            <a:r>
-              <a:rPr lang="es-CO" sz="900" dirty="0" smtClean="0">
-                <a:solidFill>
-                  <a:schemeClr val="tx1"/>
-                </a:solidFill>
-                <a:cs typeface="Arial" pitchFamily="34" charset="0"/>
-              </a:rPr>
-              <a:t>ueden ser  finitas   </a:t>
-            </a:r>
-            <a:endParaRPr lang="es-CO" sz="900" b="1" dirty="0">
-              <a:solidFill>
-                <a:schemeClr val="tx1"/>
-              </a:solidFill>
-              <a:cs typeface="Arial" pitchFamily="34" charset="0"/>
+              <a:latin typeface="Arial" panose="020B0604020202020204" pitchFamily="34" charset="0"/>
+              <a:cs typeface="Arial" panose="020B0604020202020204" pitchFamily="34" charset="0"/>
             </a:endParaRPr>
           </a:p>
         </p:txBody>
@@ -1910,9 +1577,9 @@
           <p:nvPr/>
         </p:nvCxnSpPr>
         <p:spPr>
-          <a:xfrm flipV="1">
-            <a:off x="3566061" y="6772275"/>
-            <a:ext cx="464" cy="205512"/>
+          <a:xfrm flipH="1" flipV="1">
+            <a:off x="4175085" y="6021263"/>
+            <a:ext cx="2538" cy="283301"/>
           </a:xfrm>
           <a:prstGeom prst="line">
             <a:avLst/>
@@ -1948,9 +1615,9 @@
           <p:nvPr/>
         </p:nvCxnSpPr>
         <p:spPr>
-          <a:xfrm flipH="1">
-            <a:off x="9257590" y="5500004"/>
-            <a:ext cx="808" cy="147301"/>
+          <a:xfrm>
+            <a:off x="8595695" y="4762084"/>
+            <a:ext cx="990" cy="103813"/>
           </a:xfrm>
           <a:prstGeom prst="line">
             <a:avLst/>
@@ -1984,7 +1651,7 @@
         </p:nvSpPr>
         <p:spPr>
           <a:xfrm>
-            <a:off x="9661482" y="2604727"/>
+            <a:off x="9648989" y="2326383"/>
             <a:ext cx="1885619" cy="1044706"/>
           </a:xfrm>
           <a:prstGeom prst="rect">
@@ -2020,6 +1687,8 @@
                 <a:solidFill>
                   <a:schemeClr val="bg1"/>
                 </a:solidFill>
+                <a:latin typeface="Arial" panose="020B0604020202020204" pitchFamily="34" charset="0"/>
+                <a:cs typeface="Arial" panose="020B0604020202020204" pitchFamily="34" charset="0"/>
               </a:rPr>
               <a:t>sucesiones en las cuales sus términos exceptuando el primero se generan sumando o multiplicando una cantidad fija    </a:t>
             </a:r>
@@ -2027,7 +1696,8 @@
               <a:solidFill>
                 <a:schemeClr val="bg1"/>
               </a:solidFill>
-              <a:cs typeface="Arial" pitchFamily="34" charset="0"/>
+              <a:latin typeface="Arial" panose="020B0604020202020204" pitchFamily="34" charset="0"/>
+              <a:cs typeface="Arial" panose="020B0604020202020204" pitchFamily="34" charset="0"/>
             </a:endParaRPr>
           </a:p>
         </p:txBody>
@@ -2043,8 +1713,8 @@
         </p:nvCxnSpPr>
         <p:spPr>
           <a:xfrm>
-            <a:off x="12202683" y="5104888"/>
-            <a:ext cx="2715" cy="239645"/>
+            <a:off x="11921706" y="4432443"/>
+            <a:ext cx="5398" cy="193159"/>
           </a:xfrm>
           <a:prstGeom prst="line">
             <a:avLst/>
@@ -2073,21 +1743,16 @@
       <p:cxnSp>
         <p:nvCxnSpPr>
           <p:cNvPr id="161" name="160 Conector angular"/>
-          <p:cNvCxnSpPr>
-            <a:stCxn id="146" idx="2"/>
-            <a:endCxn id="147" idx="0"/>
-          </p:cNvCxnSpPr>
+          <p:cNvCxnSpPr/>
           <p:nvPr/>
         </p:nvCxnSpPr>
         <p:spPr>
-          <a:xfrm rot="5400000">
-            <a:off x="2000412" y="2989633"/>
-            <a:ext cx="316776" cy="2787882"/>
-          </a:xfrm>
-          <a:prstGeom prst="bentConnector3">
-            <a:avLst>
-              <a:gd name="adj1" fmla="val 50000"/>
-            </a:avLst>
+          <a:xfrm rot="10800000" flipV="1">
+            <a:off x="1121524" y="3831152"/>
+            <a:ext cx="2379928" cy="466410"/>
+          </a:xfrm>
+          <a:prstGeom prst="bentConnector2">
+            <a:avLst/>
           </a:prstGeom>
           <a:ln w="12700">
             <a:solidFill>
@@ -2113,21 +1778,16 @@
       <p:cxnSp>
         <p:nvCxnSpPr>
           <p:cNvPr id="97" name="160 Conector angular"/>
-          <p:cNvCxnSpPr>
-            <a:stCxn id="219" idx="2"/>
-            <a:endCxn id="256" idx="0"/>
-          </p:cNvCxnSpPr>
+          <p:cNvCxnSpPr/>
           <p:nvPr/>
         </p:nvCxnSpPr>
         <p:spPr>
-          <a:xfrm rot="5400000">
-            <a:off x="9735667" y="3624513"/>
-            <a:ext cx="385710" cy="1370866"/>
-          </a:xfrm>
-          <a:prstGeom prst="bentConnector3">
-            <a:avLst>
-              <a:gd name="adj1" fmla="val 50000"/>
-            </a:avLst>
+          <a:xfrm rot="10800000" flipV="1">
+            <a:off x="8623198" y="3919182"/>
+            <a:ext cx="1949606" cy="164561"/>
+          </a:xfrm>
+          <a:prstGeom prst="bentConnector2">
+            <a:avLst/>
           </a:prstGeom>
           <a:ln w="12700">
             <a:solidFill>
@@ -2152,14 +1812,14 @@
       </p:cxnSp>
       <p:sp>
         <p:nvSpPr>
-          <p:cNvPr id="131" name="Rectángulo 35"/>
+          <p:cNvPr id="146" name="Rectángulo 35"/>
           <p:cNvSpPr/>
           <p:nvPr/>
         </p:nvSpPr>
         <p:spPr>
           <a:xfrm>
-            <a:off x="4394619" y="5258105"/>
-            <a:ext cx="1095738" cy="221963"/>
+            <a:off x="2916003" y="3346709"/>
+            <a:ext cx="1191057" cy="384264"/>
           </a:xfrm>
           <a:prstGeom prst="rect">
             <a:avLst/>
@@ -2192,178 +1852,17 @@
                 <a:solidFill>
                   <a:schemeClr val="tx1"/>
                 </a:solidFill>
-                <a:cs typeface="Arial" pitchFamily="34" charset="0"/>
-              </a:rPr>
-              <a:t>ejemplo   </a:t>
+                <a:latin typeface="Arial" panose="020B0604020202020204" pitchFamily="34" charset="0"/>
+                <a:cs typeface="Arial" panose="020B0604020202020204" pitchFamily="34" charset="0"/>
+              </a:rPr>
+              <a:t>características</a:t>
             </a:r>
             <a:endParaRPr lang="es-CO" sz="900" dirty="0">
               <a:solidFill>
                 <a:schemeClr val="tx1"/>
               </a:solidFill>
-              <a:cs typeface="Arial" pitchFamily="34" charset="0"/>
-            </a:endParaRPr>
-          </a:p>
-        </p:txBody>
-      </p:sp>
-      <p:cxnSp>
-        <p:nvCxnSpPr>
-          <p:cNvPr id="142" name="141 Conector recto"/>
-          <p:cNvCxnSpPr>
-            <a:stCxn id="131" idx="2"/>
-            <a:endCxn id="145" idx="0"/>
-          </p:cNvCxnSpPr>
-          <p:nvPr/>
-        </p:nvCxnSpPr>
-        <p:spPr>
-          <a:xfrm flipH="1">
-            <a:off x="4939602" y="5480068"/>
-            <a:ext cx="2886" cy="141460"/>
-          </a:xfrm>
-          <a:prstGeom prst="line">
-            <a:avLst/>
-          </a:prstGeom>
-          <a:ln w="12700">
-            <a:solidFill>
-              <a:schemeClr val="tx1"/>
-            </a:solidFill>
-          </a:ln>
-        </p:spPr>
-        <p:style>
-          <a:lnRef idx="1">
-            <a:schemeClr val="accent1"/>
-          </a:lnRef>
-          <a:fillRef idx="0">
-            <a:schemeClr val="accent1"/>
-          </a:fillRef>
-          <a:effectRef idx="0">
-            <a:schemeClr val="accent1"/>
-          </a:effectRef>
-          <a:fontRef idx="minor">
-            <a:schemeClr val="tx1"/>
-          </a:fontRef>
-        </p:style>
-      </p:cxnSp>
-      <p:sp>
-        <p:nvSpPr>
-          <p:cNvPr id="145" name="Rectángulo 33"/>
-          <p:cNvSpPr/>
-          <p:nvPr/>
-        </p:nvSpPr>
-        <p:spPr>
-          <a:xfrm>
-            <a:off x="4344816" y="5621528"/>
-            <a:ext cx="1189572" cy="715539"/>
-          </a:xfrm>
-          <a:prstGeom prst="rect">
-            <a:avLst/>
-          </a:prstGeom>
-          <a:solidFill>
-            <a:schemeClr val="bg1"/>
-          </a:solidFill>
-        </p:spPr>
-        <p:style>
-          <a:lnRef idx="2">
-            <a:schemeClr val="dk1"/>
-          </a:lnRef>
-          <a:fillRef idx="1">
-            <a:schemeClr val="lt1"/>
-          </a:fillRef>
-          <a:effectRef idx="0">
-            <a:schemeClr val="dk1"/>
-          </a:effectRef>
-          <a:fontRef idx="minor">
-            <a:schemeClr val="dk1"/>
-          </a:fontRef>
-        </p:style>
-        <p:txBody>
-          <a:bodyPr lIns="105683" tIns="52841" rIns="105683" bIns="52841" rtlCol="0" anchor="ctr"/>
-          <a:lstStyle/>
-          <a:p>
-            <a:pPr algn="ctr"/>
-            <a:r>
-              <a:rPr lang="es-CO" sz="900" dirty="0" smtClean="0">
-                <a:solidFill>
-                  <a:schemeClr val="tx1"/>
-                </a:solidFill>
-                <a:cs typeface="Arial" pitchFamily="34" charset="0"/>
-              </a:rPr>
-              <a:t>orden de llegada  en la fila del banco </a:t>
-            </a:r>
-          </a:p>
-          <a:p>
-            <a:pPr algn="ctr"/>
-            <a:endParaRPr lang="es-CO" sz="900" dirty="0" smtClean="0">
-              <a:solidFill>
-                <a:schemeClr val="tx1"/>
-              </a:solidFill>
-              <a:cs typeface="Arial" pitchFamily="34" charset="0"/>
-            </a:endParaRPr>
-          </a:p>
-        </p:txBody>
-      </p:sp>
-      <p:sp>
-        <p:nvSpPr>
-          <p:cNvPr id="146" name="Rectángulo 35"/>
-          <p:cNvSpPr/>
-          <p:nvPr/>
-        </p:nvSpPr>
-        <p:spPr>
-          <a:xfrm>
-            <a:off x="2957212" y="3840922"/>
-            <a:ext cx="1191057" cy="384264"/>
-          </a:xfrm>
-          <a:prstGeom prst="rect">
-            <a:avLst/>
-          </a:prstGeom>
-          <a:ln>
-            <a:noFill/>
-          </a:ln>
-        </p:spPr>
-        <p:style>
-          <a:lnRef idx="2">
-            <a:schemeClr val="dk1"/>
-          </a:lnRef>
-          <a:fillRef idx="1">
-            <a:schemeClr val="lt1"/>
-          </a:fillRef>
-          <a:effectRef idx="0">
-            <a:schemeClr val="dk1"/>
-          </a:effectRef>
-          <a:fontRef idx="minor">
-            <a:schemeClr val="dk1"/>
-          </a:fontRef>
-        </p:style>
-        <p:txBody>
-          <a:bodyPr lIns="105683" tIns="52841" rIns="105683" bIns="52841" rtlCol="0" anchor="ctr"/>
-          <a:lstStyle/>
-          <a:p>
-            <a:pPr algn="ctr"/>
-            <a:r>
-              <a:rPr lang="es-CO" sz="900" dirty="0" smtClean="0">
-                <a:solidFill>
-                  <a:schemeClr val="tx1"/>
-                </a:solidFill>
-                <a:cs typeface="Arial" pitchFamily="34" charset="0"/>
-              </a:rPr>
-              <a:t>se  caracterizan</a:t>
-            </a:r>
-          </a:p>
-          <a:p>
-            <a:pPr algn="ctr"/>
-            <a:r>
-              <a:rPr lang="es-CO" sz="900" dirty="0" smtClean="0">
-                <a:solidFill>
-                  <a:schemeClr val="tx1"/>
-                </a:solidFill>
-                <a:cs typeface="Arial" pitchFamily="34" charset="0"/>
-              </a:rPr>
-              <a:t> por  que </a:t>
-            </a:r>
-            <a:endParaRPr lang="es-CO" sz="900" dirty="0">
-              <a:solidFill>
-                <a:schemeClr val="tx1"/>
-              </a:solidFill>
-              <a:cs typeface="Arial" pitchFamily="34" charset="0"/>
+              <a:latin typeface="Arial" panose="020B0604020202020204" pitchFamily="34" charset="0"/>
+              <a:cs typeface="Arial" panose="020B0604020202020204" pitchFamily="34" charset="0"/>
             </a:endParaRPr>
           </a:p>
         </p:txBody>
@@ -2376,8 +1875,8 @@
         </p:nvSpPr>
         <p:spPr>
           <a:xfrm>
-            <a:off x="165966" y="4541962"/>
-            <a:ext cx="1197786" cy="602489"/>
+            <a:off x="712589" y="4019654"/>
+            <a:ext cx="1138686" cy="690830"/>
           </a:xfrm>
           <a:prstGeom prst="rect">
             <a:avLst/>
@@ -2412,10 +1911,41 @@
                 <a:solidFill>
                   <a:schemeClr val="tx1"/>
                 </a:solidFill>
-                <a:cs typeface="Arial" pitchFamily="34" charset="0"/>
-              </a:rPr>
-              <a:t>se denota como :</a:t>
-            </a:r>
+                <a:latin typeface="Arial" panose="020B0604020202020204" pitchFamily="34" charset="0"/>
+                <a:cs typeface="Arial" panose="020B0604020202020204" pitchFamily="34" charset="0"/>
+              </a:rPr>
+              <a:t>Tiene un término general  que se </a:t>
+            </a:r>
+            <a:r>
+              <a:rPr lang="es-CO" sz="900" dirty="0" smtClean="0">
+                <a:solidFill>
+                  <a:schemeClr val="tx1"/>
+                </a:solidFill>
+                <a:latin typeface="Arial" panose="020B0604020202020204" pitchFamily="34" charset="0"/>
+                <a:cs typeface="Arial" panose="020B0604020202020204" pitchFamily="34" charset="0"/>
+              </a:rPr>
+              <a:t>denota como </a:t>
+            </a:r>
+            <a:r>
+              <a:rPr lang="es-CO" sz="900" dirty="0" smtClean="0">
+                <a:solidFill>
+                  <a:schemeClr val="tx1"/>
+                </a:solidFill>
+                <a:latin typeface="Arial" panose="020B0604020202020204" pitchFamily="34" charset="0"/>
+                <a:cs typeface="Arial" panose="020B0604020202020204" pitchFamily="34" charset="0"/>
+              </a:rPr>
+              <a:t>:</a:t>
+            </a:r>
+          </a:p>
+          <a:p>
+            <a:pPr algn="ctr"/>
+            <a:endParaRPr lang="es-CO" sz="900" dirty="0" smtClean="0">
+              <a:solidFill>
+                <a:schemeClr val="tx1"/>
+              </a:solidFill>
+              <a:latin typeface="Arial" panose="020B0604020202020204" pitchFamily="34" charset="0"/>
+              <a:cs typeface="Arial" panose="020B0604020202020204" pitchFamily="34" charset="0"/>
+            </a:endParaRPr>
           </a:p>
           <a:p>
             <a:pPr algn="ctr"/>
@@ -2423,7 +1953,8 @@
               <a:solidFill>
                 <a:schemeClr val="tx1"/>
               </a:solidFill>
-              <a:cs typeface="Arial" pitchFamily="34" charset="0"/>
+              <a:latin typeface="Arial" panose="020B0604020202020204" pitchFamily="34" charset="0"/>
+              <a:cs typeface="Arial" panose="020B0604020202020204" pitchFamily="34" charset="0"/>
             </a:endParaRPr>
           </a:p>
         </p:txBody>
@@ -2433,14 +1964,13 @@
           <p:cNvPr id="150" name="149 Conector recto"/>
           <p:cNvCxnSpPr>
             <a:stCxn id="596" idx="2"/>
-            <a:endCxn id="113" idx="0"/>
           </p:cNvCxnSpPr>
           <p:nvPr/>
         </p:nvCxnSpPr>
         <p:spPr>
           <a:xfrm>
-            <a:off x="3552515" y="5153958"/>
-            <a:ext cx="6676" cy="121081"/>
+            <a:off x="4208746" y="4477360"/>
+            <a:ext cx="2105" cy="161538"/>
           </a:xfrm>
           <a:prstGeom prst="line">
             <a:avLst/>
@@ -2471,52 +2001,13 @@
           <p:cNvPr id="191" name="190 Conector recto"/>
           <p:cNvCxnSpPr>
             <a:stCxn id="330" idx="2"/>
-            <a:endCxn id="146" idx="0"/>
           </p:cNvCxnSpPr>
           <p:nvPr/>
         </p:nvCxnSpPr>
         <p:spPr>
           <a:xfrm>
-            <a:off x="3548531" y="3670398"/>
-            <a:ext cx="4210" cy="170524"/>
-          </a:xfrm>
-          <a:prstGeom prst="line">
-            <a:avLst/>
-          </a:prstGeom>
-          <a:ln w="12700">
-            <a:solidFill>
-              <a:schemeClr val="tx1"/>
-            </a:solidFill>
-          </a:ln>
-        </p:spPr>
-        <p:style>
-          <a:lnRef idx="1">
-            <a:schemeClr val="accent1"/>
-          </a:lnRef>
-          <a:fillRef idx="0">
-            <a:schemeClr val="accent1"/>
-          </a:fillRef>
-          <a:effectRef idx="0">
-            <a:schemeClr val="accent1"/>
-          </a:effectRef>
-          <a:fontRef idx="minor">
-            <a:schemeClr val="tx1"/>
-          </a:fontRef>
-        </p:style>
-      </p:cxnSp>
-      <p:cxnSp>
-        <p:nvCxnSpPr>
-          <p:cNvPr id="210" name="209 Conector recto"/>
-          <p:cNvCxnSpPr>
-            <a:stCxn id="72" idx="2"/>
-            <a:endCxn id="131" idx="0"/>
-          </p:cNvCxnSpPr>
-          <p:nvPr/>
-        </p:nvCxnSpPr>
-        <p:spPr>
-          <a:xfrm>
-            <a:off x="4939151" y="5154736"/>
-            <a:ext cx="3337" cy="103369"/>
+            <a:off x="3521793" y="3247332"/>
+            <a:ext cx="0" cy="170428"/>
           </a:xfrm>
           <a:prstGeom prst="line">
             <a:avLst/>
@@ -2587,7 +2078,7 @@
         </p:nvSpPr>
         <p:spPr>
           <a:xfrm>
-            <a:off x="214010" y="5265448"/>
+            <a:off x="701213" y="4873829"/>
             <a:ext cx="1095738" cy="221963"/>
           </a:xfrm>
           <a:prstGeom prst="rect">
@@ -2621,7 +2112,8 @@
                 <a:solidFill>
                   <a:schemeClr val="tx1"/>
                 </a:solidFill>
-                <a:cs typeface="Arial" pitchFamily="34" charset="0"/>
+                <a:latin typeface="Arial" panose="020B0604020202020204" pitchFamily="34" charset="0"/>
+                <a:cs typeface="Arial" panose="020B0604020202020204" pitchFamily="34" charset="0"/>
               </a:rPr>
               <a:t>donde   </a:t>
             </a:r>
@@ -2629,49 +2121,12 @@
               <a:solidFill>
                 <a:schemeClr val="tx1"/>
               </a:solidFill>
-              <a:cs typeface="Arial" pitchFamily="34" charset="0"/>
+              <a:latin typeface="Arial" panose="020B0604020202020204" pitchFamily="34" charset="0"/>
+              <a:cs typeface="Arial" panose="020B0604020202020204" pitchFamily="34" charset="0"/>
             </a:endParaRPr>
           </a:p>
         </p:txBody>
       </p:sp>
-      <p:cxnSp>
-        <p:nvCxnSpPr>
-          <p:cNvPr id="225" name="224 Conector recto"/>
-          <p:cNvCxnSpPr>
-            <a:stCxn id="147" idx="2"/>
-            <a:endCxn id="222" idx="0"/>
-          </p:cNvCxnSpPr>
-          <p:nvPr/>
-        </p:nvCxnSpPr>
-        <p:spPr>
-          <a:xfrm flipH="1">
-            <a:off x="761879" y="5144451"/>
-            <a:ext cx="2980" cy="120997"/>
-          </a:xfrm>
-          <a:prstGeom prst="line">
-            <a:avLst/>
-          </a:prstGeom>
-          <a:ln w="12700">
-            <a:solidFill>
-              <a:schemeClr val="tx1"/>
-            </a:solidFill>
-          </a:ln>
-        </p:spPr>
-        <p:style>
-          <a:lnRef idx="1">
-            <a:schemeClr val="accent1"/>
-          </a:lnRef>
-          <a:fillRef idx="0">
-            <a:schemeClr val="accent1"/>
-          </a:fillRef>
-          <a:effectRef idx="0">
-            <a:schemeClr val="accent1"/>
-          </a:effectRef>
-          <a:fontRef idx="minor">
-            <a:schemeClr val="tx1"/>
-          </a:fontRef>
-        </p:style>
-      </p:cxnSp>
       <p:sp>
         <p:nvSpPr>
           <p:cNvPr id="230" name="Rectángulo 33"/>
@@ -2680,8 +2135,8 @@
         </p:nvSpPr>
         <p:spPr>
           <a:xfrm>
-            <a:off x="123825" y="5609249"/>
-            <a:ext cx="1260000" cy="715539"/>
+            <a:off x="688279" y="5302738"/>
+            <a:ext cx="1119917" cy="319042"/>
           </a:xfrm>
           <a:prstGeom prst="rect">
             <a:avLst/>
@@ -2765,8 +2220,8 @@
         </p:nvCxnSpPr>
         <p:spPr>
           <a:xfrm flipH="1">
-            <a:off x="753825" y="5487411"/>
-            <a:ext cx="8054" cy="121838"/>
+            <a:off x="1248238" y="5095792"/>
+            <a:ext cx="844" cy="206946"/>
           </a:xfrm>
           <a:prstGeom prst="line">
             <a:avLst/>
@@ -2800,7 +2255,7 @@
         </p:nvSpPr>
         <p:spPr>
           <a:xfrm>
-            <a:off x="204492" y="6496346"/>
+            <a:off x="701822" y="5836031"/>
             <a:ext cx="1095738" cy="221963"/>
           </a:xfrm>
           <a:prstGeom prst="rect">
@@ -2834,7 +2289,8 @@
                 <a:solidFill>
                   <a:schemeClr val="tx1"/>
                 </a:solidFill>
-                <a:cs typeface="Arial" pitchFamily="34" charset="0"/>
+                <a:latin typeface="Arial" panose="020B0604020202020204" pitchFamily="34" charset="0"/>
+                <a:cs typeface="Arial" panose="020B0604020202020204" pitchFamily="34" charset="0"/>
               </a:rPr>
               <a:t>pueden ser    </a:t>
             </a:r>
@@ -2842,7 +2298,8 @@
               <a:solidFill>
                 <a:schemeClr val="tx1"/>
               </a:solidFill>
-              <a:cs typeface="Arial" pitchFamily="34" charset="0"/>
+              <a:latin typeface="Arial" panose="020B0604020202020204" pitchFamily="34" charset="0"/>
+              <a:cs typeface="Arial" panose="020B0604020202020204" pitchFamily="34" charset="0"/>
             </a:endParaRPr>
           </a:p>
         </p:txBody>
@@ -2857,9 +2314,9 @@
           <p:nvPr/>
         </p:nvCxnSpPr>
         <p:spPr>
-          <a:xfrm flipH="1">
-            <a:off x="752361" y="6324788"/>
-            <a:ext cx="1464" cy="171558"/>
+          <a:xfrm>
+            <a:off x="1248238" y="5621780"/>
+            <a:ext cx="1453" cy="214251"/>
           </a:xfrm>
           <a:prstGeom prst="line">
             <a:avLst/>
@@ -2893,8 +2350,8 @@
         </p:nvSpPr>
         <p:spPr>
           <a:xfrm>
-            <a:off x="116667" y="6882492"/>
-            <a:ext cx="1260000" cy="715539"/>
+            <a:off x="675271" y="6251480"/>
+            <a:ext cx="1150153" cy="414928"/>
           </a:xfrm>
           <a:prstGeom prst="rect">
             <a:avLst/>
@@ -2927,7 +2384,8 @@
                 <a:solidFill>
                   <a:schemeClr val="tx1"/>
                 </a:solidFill>
-                <a:cs typeface="Arial" pitchFamily="34" charset="0"/>
+                <a:latin typeface="Arial" panose="020B0604020202020204" pitchFamily="34" charset="0"/>
+                <a:cs typeface="Arial" panose="020B0604020202020204" pitchFamily="34" charset="0"/>
               </a:rPr>
               <a:t>numérica o no numéricas  </a:t>
             </a:r>
@@ -2935,7 +2393,8 @@
               <a:solidFill>
                 <a:schemeClr val="tx1"/>
               </a:solidFill>
-              <a:cs typeface="Arial" pitchFamily="34" charset="0"/>
+              <a:latin typeface="Arial" panose="020B0604020202020204" pitchFamily="34" charset="0"/>
+              <a:cs typeface="Arial" panose="020B0604020202020204" pitchFamily="34" charset="0"/>
             </a:endParaRPr>
           </a:p>
         </p:txBody>
@@ -2950,9 +2409,9 @@
           <p:nvPr/>
         </p:nvCxnSpPr>
         <p:spPr>
-          <a:xfrm flipH="1">
-            <a:off x="746667" y="6718309"/>
-            <a:ext cx="5694" cy="164183"/>
+          <a:xfrm>
+            <a:off x="1249691" y="6057994"/>
+            <a:ext cx="657" cy="193486"/>
           </a:xfrm>
           <a:prstGeom prst="line">
             <a:avLst/>
@@ -2978,70 +2437,6 @@
           </a:fontRef>
         </p:style>
       </p:cxnSp>
-      <p:sp>
-        <p:nvSpPr>
-          <p:cNvPr id="247" name="Rectángulo 33"/>
-          <p:cNvSpPr/>
-          <p:nvPr/>
-        </p:nvSpPr>
-        <p:spPr>
-          <a:xfrm>
-            <a:off x="97611" y="8787537"/>
-            <a:ext cx="1260000" cy="413613"/>
-          </a:xfrm>
-          <a:prstGeom prst="rect">
-            <a:avLst/>
-          </a:prstGeom>
-          <a:solidFill>
-            <a:schemeClr val="bg1"/>
-          </a:solidFill>
-        </p:spPr>
-        <p:style>
-          <a:lnRef idx="2">
-            <a:schemeClr val="dk1"/>
-          </a:lnRef>
-          <a:fillRef idx="1">
-            <a:schemeClr val="lt1"/>
-          </a:fillRef>
-          <a:effectRef idx="0">
-            <a:schemeClr val="dk1"/>
-          </a:effectRef>
-          <a:fontRef idx="minor">
-            <a:schemeClr val="dk1"/>
-          </a:fontRef>
-        </p:style>
-        <p:txBody>
-          <a:bodyPr lIns="105683" tIns="52841" rIns="105683" bIns="52841" rtlCol="0" anchor="ctr"/>
-          <a:lstStyle/>
-          <a:p>
-            <a:pPr algn="ctr"/>
-            <a:endParaRPr lang="es-CO" sz="900" dirty="0" smtClean="0">
-              <a:solidFill>
-                <a:schemeClr val="tx1"/>
-              </a:solidFill>
-              <a:cs typeface="Arial" pitchFamily="34" charset="0"/>
-            </a:endParaRPr>
-          </a:p>
-          <a:p>
-            <a:pPr algn="ctr"/>
-            <a:endParaRPr lang="es-CO" sz="900" dirty="0" smtClean="0">
-              <a:solidFill>
-                <a:schemeClr val="tx1"/>
-              </a:solidFill>
-              <a:cs typeface="Arial" pitchFamily="34" charset="0"/>
-            </a:endParaRPr>
-          </a:p>
-          <a:p>
-            <a:pPr algn="ctr"/>
-            <a:endParaRPr lang="es-CO" sz="900" baseline="-25000" dirty="0">
-              <a:solidFill>
-                <a:schemeClr val="tx1"/>
-              </a:solidFill>
-              <a:cs typeface="Arial" pitchFamily="34" charset="0"/>
-            </a:endParaRPr>
-          </a:p>
-        </p:txBody>
-      </p:sp>
       <p:cxnSp>
         <p:nvCxnSpPr>
           <p:cNvPr id="248" name="247 Conector recto"/>
@@ -3053,8 +2448,8 @@
         </p:nvCxnSpPr>
         <p:spPr>
           <a:xfrm>
-            <a:off x="742836" y="7995771"/>
-            <a:ext cx="3825" cy="153591"/>
+            <a:off x="1248660" y="7104113"/>
+            <a:ext cx="4299" cy="194799"/>
           </a:xfrm>
           <a:prstGeom prst="line">
             <a:avLst/>
@@ -3088,7 +2483,7 @@
         </p:nvSpPr>
         <p:spPr>
           <a:xfrm>
-            <a:off x="194967" y="7773808"/>
+            <a:off x="700791" y="6882150"/>
             <a:ext cx="1095738" cy="221963"/>
           </a:xfrm>
           <a:prstGeom prst="rect">
@@ -3122,15 +2517,17 @@
                 <a:solidFill>
                   <a:schemeClr val="tx1"/>
                 </a:solidFill>
-                <a:cs typeface="Arial" pitchFamily="34" charset="0"/>
-              </a:rPr>
-              <a:t>ejemplos  </a:t>
+                <a:latin typeface="Arial" panose="020B0604020202020204" pitchFamily="34" charset="0"/>
+                <a:cs typeface="Arial" panose="020B0604020202020204" pitchFamily="34" charset="0"/>
+              </a:rPr>
+              <a:t>como</a:t>
             </a:r>
             <a:endParaRPr lang="es-CO" sz="900" dirty="0">
               <a:solidFill>
                 <a:schemeClr val="tx1"/>
               </a:solidFill>
-              <a:cs typeface="Arial" pitchFamily="34" charset="0"/>
+              <a:latin typeface="Arial" panose="020B0604020202020204" pitchFamily="34" charset="0"/>
+              <a:cs typeface="Arial" panose="020B0604020202020204" pitchFamily="34" charset="0"/>
             </a:endParaRPr>
           </a:p>
         </p:txBody>
@@ -3146,8 +2543,8 @@
         </p:nvCxnSpPr>
         <p:spPr>
           <a:xfrm flipH="1">
-            <a:off x="742836" y="7598031"/>
-            <a:ext cx="3831" cy="175777"/>
+            <a:off x="1248660" y="6666408"/>
+            <a:ext cx="1688" cy="215742"/>
           </a:xfrm>
           <a:prstGeom prst="line">
             <a:avLst/>
@@ -3181,8 +2578,8 @@
         </p:nvSpPr>
         <p:spPr>
           <a:xfrm>
-            <a:off x="1542863" y="4550427"/>
-            <a:ext cx="1197786" cy="602489"/>
+            <a:off x="2261256" y="4004405"/>
+            <a:ext cx="823784" cy="399220"/>
           </a:xfrm>
           <a:prstGeom prst="rect">
             <a:avLst/>
@@ -3217,59 +2614,21 @@
                 <a:solidFill>
                   <a:schemeClr val="tx1"/>
                 </a:solidFill>
-                <a:cs typeface="Arial" pitchFamily="34" charset="0"/>
-              </a:rPr>
-              <a:t>termino general </a:t>
+                <a:latin typeface="Arial" panose="020B0604020202020204" pitchFamily="34" charset="0"/>
+                <a:cs typeface="Arial" panose="020B0604020202020204" pitchFamily="34" charset="0"/>
+              </a:rPr>
+              <a:t>son recurrentes</a:t>
             </a:r>
             <a:endParaRPr lang="es-CO" sz="900" b="1" dirty="0">
               <a:solidFill>
                 <a:schemeClr val="tx1"/>
               </a:solidFill>
-              <a:cs typeface="Arial" pitchFamily="34" charset="0"/>
+              <a:latin typeface="Arial" panose="020B0604020202020204" pitchFamily="34" charset="0"/>
+              <a:cs typeface="Arial" panose="020B0604020202020204" pitchFamily="34" charset="0"/>
             </a:endParaRPr>
           </a:p>
         </p:txBody>
       </p:sp>
-      <p:cxnSp>
-        <p:nvCxnSpPr>
-          <p:cNvPr id="141" name="140 Conector angular"/>
-          <p:cNvCxnSpPr>
-            <a:stCxn id="146" idx="2"/>
-            <a:endCxn id="135" idx="0"/>
-          </p:cNvCxnSpPr>
-          <p:nvPr/>
-        </p:nvCxnSpPr>
-        <p:spPr>
-          <a:xfrm rot="5400000">
-            <a:off x="2684629" y="3682314"/>
-            <a:ext cx="325241" cy="1410985"/>
-          </a:xfrm>
-          <a:prstGeom prst="bentConnector3">
-            <a:avLst>
-              <a:gd name="adj1" fmla="val 50000"/>
-            </a:avLst>
-          </a:prstGeom>
-          <a:ln w="12700">
-            <a:solidFill>
-              <a:schemeClr val="tx1"/>
-            </a:solidFill>
-          </a:ln>
-        </p:spPr>
-        <p:style>
-          <a:lnRef idx="1">
-            <a:schemeClr val="accent1"/>
-          </a:lnRef>
-          <a:fillRef idx="0">
-            <a:schemeClr val="accent1"/>
-          </a:fillRef>
-          <a:effectRef idx="0">
-            <a:schemeClr val="accent1"/>
-          </a:effectRef>
-          <a:fontRef idx="minor">
-            <a:schemeClr val="tx1"/>
-          </a:fontRef>
-        </p:style>
-      </p:cxnSp>
       <p:sp>
         <p:nvSpPr>
           <p:cNvPr id="153" name="Rectángulo 35"/>
@@ -3278,7 +2637,7 @@
         </p:nvSpPr>
         <p:spPr>
           <a:xfrm>
-            <a:off x="1599424" y="5250627"/>
+            <a:off x="2123241" y="4623782"/>
             <a:ext cx="1095738" cy="221963"/>
           </a:xfrm>
           <a:prstGeom prst="rect">
@@ -3312,7 +2671,8 @@
                 <a:solidFill>
                   <a:schemeClr val="tx1"/>
                 </a:solidFill>
-                <a:cs typeface="Arial" pitchFamily="34" charset="0"/>
+                <a:latin typeface="Arial" panose="020B0604020202020204" pitchFamily="34" charset="0"/>
+                <a:cs typeface="Arial" panose="020B0604020202020204" pitchFamily="34" charset="0"/>
               </a:rPr>
               <a:t>cuando    </a:t>
             </a:r>
@@ -3320,7 +2680,8 @@
               <a:solidFill>
                 <a:schemeClr val="tx1"/>
               </a:solidFill>
-              <a:cs typeface="Arial" pitchFamily="34" charset="0"/>
+              <a:latin typeface="Arial" panose="020B0604020202020204" pitchFamily="34" charset="0"/>
+              <a:cs typeface="Arial" panose="020B0604020202020204" pitchFamily="34" charset="0"/>
             </a:endParaRPr>
           </a:p>
         </p:txBody>
@@ -3333,8 +2694,8 @@
         </p:nvSpPr>
         <p:spPr>
           <a:xfrm>
-            <a:off x="1521002" y="5617710"/>
-            <a:ext cx="1260000" cy="715539"/>
+            <a:off x="2088790" y="5095792"/>
+            <a:ext cx="1166303" cy="740374"/>
           </a:xfrm>
           <a:prstGeom prst="rect">
             <a:avLst/>
@@ -3362,15 +2723,28 @@
           <a:lstStyle/>
           <a:p>
             <a:r>
-              <a:rPr lang="es-ES" sz="900" i="1" dirty="0" smtClean="0"/>
+              <a:rPr lang="es-ES" sz="900" i="1" dirty="0" smtClean="0">
+                <a:latin typeface="Arial" panose="020B0604020202020204" pitchFamily="34" charset="0"/>
+                <a:cs typeface="Arial" panose="020B0604020202020204" pitchFamily="34" charset="0"/>
+              </a:rPr>
               <a:t> </a:t>
             </a:r>
           </a:p>
           <a:p>
             <a:pPr algn="ctr"/>
             <a:r>
-              <a:rPr lang="es-ES" sz="900" dirty="0" smtClean="0"/>
-              <a:t>es numérica y  siguen un patrón   </a:t>
+              <a:rPr lang="es-CO" sz="900" dirty="0">
+                <a:latin typeface="Arial" panose="020B0604020202020204" pitchFamily="34" charset="0"/>
+                <a:cs typeface="Arial" panose="020B0604020202020204" pitchFamily="34" charset="0"/>
+              </a:rPr>
+              <a:t>los términos se obtienen a partir de operaciones con los </a:t>
+            </a:r>
+            <a:r>
+              <a:rPr lang="es-CO" sz="900" dirty="0" smtClean="0">
+                <a:latin typeface="Arial" panose="020B0604020202020204" pitchFamily="34" charset="0"/>
+                <a:cs typeface="Arial" panose="020B0604020202020204" pitchFamily="34" charset="0"/>
+              </a:rPr>
+              <a:t>anteriores</a:t>
             </a:r>
           </a:p>
           <a:p>
@@ -3379,7 +2753,18 @@
               <a:solidFill>
                 <a:schemeClr val="tx1"/>
               </a:solidFill>
-              <a:cs typeface="Arial" pitchFamily="34" charset="0"/>
+              <a:latin typeface="Arial" panose="020B0604020202020204" pitchFamily="34" charset="0"/>
+              <a:cs typeface="Arial" panose="020B0604020202020204" pitchFamily="34" charset="0"/>
+            </a:endParaRPr>
+          </a:p>
+          <a:p>
+            <a:pPr algn="ctr"/>
+            <a:endParaRPr lang="es-CO" sz="900" dirty="0">
+              <a:solidFill>
+                <a:schemeClr val="tx1"/>
+              </a:solidFill>
+              <a:latin typeface="Arial" panose="020B0604020202020204" pitchFamily="34" charset="0"/>
+              <a:cs typeface="Arial" panose="020B0604020202020204" pitchFamily="34" charset="0"/>
             </a:endParaRPr>
           </a:p>
         </p:txBody>
@@ -3394,9 +2779,9 @@
           <p:nvPr/>
         </p:nvCxnSpPr>
         <p:spPr>
-          <a:xfrm>
-            <a:off x="2141756" y="5152916"/>
-            <a:ext cx="5537" cy="97711"/>
+          <a:xfrm flipH="1">
+            <a:off x="2671110" y="4403625"/>
+            <a:ext cx="2038" cy="220157"/>
           </a:xfrm>
           <a:prstGeom prst="line">
             <a:avLst/>
@@ -3433,8 +2818,8 @@
         </p:nvCxnSpPr>
         <p:spPr>
           <a:xfrm>
-            <a:off x="2147293" y="5472590"/>
-            <a:ext cx="3709" cy="145120"/>
+            <a:off x="2671110" y="4845745"/>
+            <a:ext cx="832" cy="250047"/>
           </a:xfrm>
           <a:prstGeom prst="line">
             <a:avLst/>
@@ -3468,7 +2853,7 @@
         </p:nvSpPr>
         <p:spPr>
           <a:xfrm>
-            <a:off x="1608956" y="6489992"/>
+            <a:off x="2127504" y="6023785"/>
             <a:ext cx="1095738" cy="221963"/>
           </a:xfrm>
           <a:prstGeom prst="rect">
@@ -3502,15 +2887,17 @@
                 <a:solidFill>
                   <a:schemeClr val="tx1"/>
                 </a:solidFill>
-                <a:cs typeface="Arial" pitchFamily="34" charset="0"/>
-              </a:rPr>
-              <a:t>es posible     </a:t>
+                <a:latin typeface="Arial" panose="020B0604020202020204" pitchFamily="34" charset="0"/>
+                <a:cs typeface="Arial" panose="020B0604020202020204" pitchFamily="34" charset="0"/>
+              </a:rPr>
+              <a:t>como</a:t>
             </a:r>
             <a:endParaRPr lang="es-CO" sz="900" dirty="0">
               <a:solidFill>
                 <a:schemeClr val="tx1"/>
               </a:solidFill>
-              <a:cs typeface="Arial" pitchFamily="34" charset="0"/>
+              <a:latin typeface="Arial" panose="020B0604020202020204" pitchFamily="34" charset="0"/>
+              <a:cs typeface="Arial" panose="020B0604020202020204" pitchFamily="34" charset="0"/>
             </a:endParaRPr>
           </a:p>
         </p:txBody>
@@ -3523,8 +2910,8 @@
         </p:nvSpPr>
         <p:spPr>
           <a:xfrm>
-            <a:off x="1530656" y="6890953"/>
-            <a:ext cx="1260000" cy="715539"/>
+            <a:off x="2086554" y="6418201"/>
+            <a:ext cx="1180233" cy="552957"/>
           </a:xfrm>
           <a:prstGeom prst="rect">
             <a:avLst/>
@@ -3554,18 +2941,24 @@
             <a:pPr algn="ctr"/>
             <a:r>
               <a:rPr lang="es-CO" sz="900" dirty="0" smtClean="0">
-                <a:solidFill>
-                  <a:schemeClr val="tx1"/>
-                </a:solidFill>
-                <a:cs typeface="Arial" pitchFamily="34" charset="0"/>
-              </a:rPr>
-              <a:t>Establecer una  (formula)   </a:t>
+                <a:latin typeface="Arial" panose="020B0604020202020204" pitchFamily="34" charset="0"/>
+                <a:cs typeface="Arial" panose="020B0604020202020204" pitchFamily="34" charset="0"/>
+              </a:rPr>
+              <a:t>la sucesión </a:t>
+            </a:r>
+            <a:r>
+              <a:rPr lang="es-CO" sz="900" dirty="0">
+                <a:latin typeface="Arial" panose="020B0604020202020204" pitchFamily="34" charset="0"/>
+                <a:cs typeface="Arial" panose="020B0604020202020204" pitchFamily="34" charset="0"/>
+              </a:rPr>
+              <a:t>de Fibonacci: 0, 1, 1, 2, 3, 5, 8, 13, 21...</a:t>
             </a:r>
             <a:endParaRPr lang="es-CO" sz="900" dirty="0">
               <a:solidFill>
                 <a:schemeClr val="tx1"/>
               </a:solidFill>
-              <a:cs typeface="Arial" pitchFamily="34" charset="0"/>
+              <a:latin typeface="Arial" panose="020B0604020202020204" pitchFamily="34" charset="0"/>
+              <a:cs typeface="Arial" panose="020B0604020202020204" pitchFamily="34" charset="0"/>
             </a:endParaRPr>
           </a:p>
         </p:txBody>
@@ -3581,8 +2974,8 @@
         </p:nvCxnSpPr>
         <p:spPr>
           <a:xfrm>
-            <a:off x="2151002" y="6333249"/>
-            <a:ext cx="5823" cy="156743"/>
+            <a:off x="2671942" y="5836166"/>
+            <a:ext cx="3431" cy="187619"/>
           </a:xfrm>
           <a:prstGeom prst="line">
             <a:avLst/>
@@ -3619,139 +3012,8 @@
         </p:nvCxnSpPr>
         <p:spPr>
           <a:xfrm>
-            <a:off x="2156825" y="6711955"/>
-            <a:ext cx="3831" cy="178998"/>
-          </a:xfrm>
-          <a:prstGeom prst="line">
-            <a:avLst/>
-          </a:prstGeom>
-          <a:ln w="12700">
-            <a:solidFill>
-              <a:schemeClr val="tx1"/>
-            </a:solidFill>
-          </a:ln>
-        </p:spPr>
-        <p:style>
-          <a:lnRef idx="1">
-            <a:schemeClr val="accent1"/>
-          </a:lnRef>
-          <a:fillRef idx="0">
-            <a:schemeClr val="accent1"/>
-          </a:fillRef>
-          <a:effectRef idx="0">
-            <a:schemeClr val="accent1"/>
-          </a:effectRef>
-          <a:fontRef idx="minor">
-            <a:schemeClr val="tx1"/>
-          </a:fontRef>
-        </p:style>
-      </p:cxnSp>
-      <p:sp>
-        <p:nvSpPr>
-          <p:cNvPr id="156" name="Rectángulo 35"/>
-          <p:cNvSpPr/>
-          <p:nvPr/>
-        </p:nvSpPr>
-        <p:spPr>
-          <a:xfrm>
-            <a:off x="1608956" y="7769567"/>
-            <a:ext cx="1095738" cy="221963"/>
-          </a:xfrm>
-          <a:prstGeom prst="rect">
-            <a:avLst/>
-          </a:prstGeom>
-          <a:ln>
-            <a:noFill/>
-          </a:ln>
-        </p:spPr>
-        <p:style>
-          <a:lnRef idx="2">
-            <a:schemeClr val="dk1"/>
-          </a:lnRef>
-          <a:fillRef idx="1">
-            <a:schemeClr val="lt1"/>
-          </a:fillRef>
-          <a:effectRef idx="0">
-            <a:schemeClr val="dk1"/>
-          </a:effectRef>
-          <a:fontRef idx="minor">
-            <a:schemeClr val="dk1"/>
-          </a:fontRef>
-        </p:style>
-        <p:txBody>
-          <a:bodyPr lIns="105683" tIns="52841" rIns="105683" bIns="52841" rtlCol="0" anchor="ctr"/>
-          <a:lstStyle/>
-          <a:p>
-            <a:pPr algn="ctr"/>
-            <a:r>
-              <a:rPr lang="es-CO" sz="900" dirty="0" smtClean="0">
-                <a:solidFill>
-                  <a:schemeClr val="tx1"/>
-                </a:solidFill>
-                <a:cs typeface="Arial" pitchFamily="34" charset="0"/>
-              </a:rPr>
-              <a:t>ejemplos </a:t>
-            </a:r>
-            <a:endParaRPr lang="es-CO" sz="900" dirty="0">
-              <a:solidFill>
-                <a:schemeClr val="tx1"/>
-              </a:solidFill>
-              <a:cs typeface="Arial" pitchFamily="34" charset="0"/>
-            </a:endParaRPr>
-          </a:p>
-        </p:txBody>
-      </p:sp>
-      <p:cxnSp>
-        <p:nvCxnSpPr>
-          <p:cNvPr id="158" name="157 Conector recto"/>
-          <p:cNvCxnSpPr>
-            <a:stCxn id="151" idx="2"/>
-            <a:endCxn id="156" idx="0"/>
-          </p:cNvCxnSpPr>
-          <p:nvPr/>
-        </p:nvCxnSpPr>
-        <p:spPr>
-          <a:xfrm flipH="1">
-            <a:off x="2156825" y="7606492"/>
-            <a:ext cx="3831" cy="163075"/>
-          </a:xfrm>
-          <a:prstGeom prst="line">
-            <a:avLst/>
-          </a:prstGeom>
-          <a:ln w="12700">
-            <a:solidFill>
-              <a:schemeClr val="tx1"/>
-            </a:solidFill>
-          </a:ln>
-        </p:spPr>
-        <p:style>
-          <a:lnRef idx="1">
-            <a:schemeClr val="accent1"/>
-          </a:lnRef>
-          <a:fillRef idx="0">
-            <a:schemeClr val="accent1"/>
-          </a:fillRef>
-          <a:effectRef idx="0">
-            <a:schemeClr val="accent1"/>
-          </a:effectRef>
-          <a:fontRef idx="minor">
-            <a:schemeClr val="tx1"/>
-          </a:fontRef>
-        </p:style>
-      </p:cxnSp>
-      <p:cxnSp>
-        <p:nvCxnSpPr>
-          <p:cNvPr id="160" name="159 Conector recto"/>
-          <p:cNvCxnSpPr>
-            <a:stCxn id="156" idx="2"/>
-            <a:endCxn id="234" idx="0"/>
-          </p:cNvCxnSpPr>
-          <p:nvPr/>
-        </p:nvCxnSpPr>
-        <p:spPr>
-          <a:xfrm>
-            <a:off x="2156825" y="7991530"/>
-            <a:ext cx="9061" cy="119732"/>
+            <a:off x="2675373" y="6245748"/>
+            <a:ext cx="1298" cy="172453"/>
           </a:xfrm>
           <a:prstGeom prst="line">
             <a:avLst/>
@@ -3785,8 +3047,8 @@
         </p:nvSpPr>
         <p:spPr>
           <a:xfrm>
-            <a:off x="6084329" y="4546442"/>
-            <a:ext cx="1197786" cy="602489"/>
+            <a:off x="5077570" y="4051562"/>
+            <a:ext cx="1187421" cy="330940"/>
           </a:xfrm>
           <a:prstGeom prst="rect">
             <a:avLst/>
@@ -3821,7 +3083,8 @@
                 <a:solidFill>
                   <a:schemeClr val="tx1"/>
                 </a:solidFill>
-                <a:cs typeface="Arial" pitchFamily="34" charset="0"/>
+                <a:latin typeface="Arial" panose="020B0604020202020204" pitchFamily="34" charset="0"/>
+                <a:cs typeface="Arial" panose="020B0604020202020204" pitchFamily="34" charset="0"/>
               </a:rPr>
               <a:t>s</a:t>
             </a:r>
@@ -3830,7 +3093,8 @@
                 <a:solidFill>
                   <a:schemeClr val="tx1"/>
                 </a:solidFill>
-                <a:cs typeface="Arial" pitchFamily="34" charset="0"/>
+                <a:latin typeface="Arial" panose="020B0604020202020204" pitchFamily="34" charset="0"/>
+                <a:cs typeface="Arial" panose="020B0604020202020204" pitchFamily="34" charset="0"/>
               </a:rPr>
               <a:t>e definen operaciones    </a:t>
             </a:r>
@@ -3838,7 +3102,8 @@
               <a:solidFill>
                 <a:schemeClr val="tx1"/>
               </a:solidFill>
-              <a:cs typeface="Arial" pitchFamily="34" charset="0"/>
+              <a:latin typeface="Arial" panose="020B0604020202020204" pitchFamily="34" charset="0"/>
+              <a:cs typeface="Arial" panose="020B0604020202020204" pitchFamily="34" charset="0"/>
             </a:endParaRPr>
           </a:p>
         </p:txBody>
@@ -3851,7 +3116,7 @@
         </p:nvSpPr>
         <p:spPr>
           <a:xfrm>
-            <a:off x="6134969" y="5239941"/>
+            <a:off x="5117488" y="4584414"/>
             <a:ext cx="1095738" cy="221963"/>
           </a:xfrm>
           <a:prstGeom prst="rect">
@@ -3885,7 +3150,8 @@
                 <a:solidFill>
                   <a:schemeClr val="tx1"/>
                 </a:solidFill>
-                <a:cs typeface="Arial" pitchFamily="34" charset="0"/>
+                <a:latin typeface="Arial" panose="020B0604020202020204" pitchFamily="34" charset="0"/>
+                <a:cs typeface="Arial" panose="020B0604020202020204" pitchFamily="34" charset="0"/>
               </a:rPr>
               <a:t>como  </a:t>
             </a:r>
@@ -3893,7 +3159,8 @@
               <a:solidFill>
                 <a:schemeClr val="tx1"/>
               </a:solidFill>
-              <a:cs typeface="Arial" pitchFamily="34" charset="0"/>
+              <a:latin typeface="Arial" panose="020B0604020202020204" pitchFamily="34" charset="0"/>
+              <a:cs typeface="Arial" panose="020B0604020202020204" pitchFamily="34" charset="0"/>
             </a:endParaRPr>
           </a:p>
         </p:txBody>
@@ -3901,16 +3168,13 @@
       <p:cxnSp>
         <p:nvCxnSpPr>
           <p:cNvPr id="167" name="166 Conector recto"/>
-          <p:cNvCxnSpPr>
-            <a:stCxn id="163" idx="2"/>
-            <a:endCxn id="165" idx="0"/>
-          </p:cNvCxnSpPr>
+          <p:cNvCxnSpPr/>
           <p:nvPr/>
         </p:nvCxnSpPr>
         <p:spPr>
           <a:xfrm flipH="1">
-            <a:off x="6682838" y="5148931"/>
-            <a:ext cx="384" cy="91010"/>
+            <a:off x="5665357" y="4376404"/>
+            <a:ext cx="5924" cy="201912"/>
           </a:xfrm>
           <a:prstGeom prst="line">
             <a:avLst/>
@@ -3944,8 +3208,8 @@
         </p:nvSpPr>
         <p:spPr>
           <a:xfrm>
-            <a:off x="5675151" y="5627470"/>
-            <a:ext cx="895445" cy="505619"/>
+            <a:off x="5158026" y="5008224"/>
+            <a:ext cx="986965" cy="491780"/>
           </a:xfrm>
           <a:prstGeom prst="rect">
             <a:avLst/>
@@ -3978,70 +3242,17 @@
                 <a:solidFill>
                   <a:schemeClr val="tx1"/>
                 </a:solidFill>
-                <a:cs typeface="Arial" pitchFamily="34" charset="0"/>
-              </a:rPr>
-              <a:t>suma</a:t>
+                <a:latin typeface="Arial" panose="020B0604020202020204" pitchFamily="34" charset="0"/>
+                <a:cs typeface="Arial" panose="020B0604020202020204" pitchFamily="34" charset="0"/>
+              </a:rPr>
+              <a:t>La adición y la multiplicación</a:t>
             </a:r>
             <a:endParaRPr lang="es-CO" sz="900" dirty="0">
               <a:solidFill>
                 <a:schemeClr val="tx1"/>
               </a:solidFill>
-              <a:cs typeface="Arial" pitchFamily="34" charset="0"/>
-            </a:endParaRPr>
-          </a:p>
-        </p:txBody>
-      </p:sp>
-      <p:sp>
-        <p:nvSpPr>
-          <p:cNvPr id="176" name="Rectángulo 33"/>
-          <p:cNvSpPr/>
-          <p:nvPr/>
-        </p:nvSpPr>
-        <p:spPr>
-          <a:xfrm>
-            <a:off x="6807681" y="5623756"/>
-            <a:ext cx="895445" cy="505619"/>
-          </a:xfrm>
-          <a:prstGeom prst="rect">
-            <a:avLst/>
-          </a:prstGeom>
-          <a:solidFill>
-            <a:schemeClr val="bg1"/>
-          </a:solidFill>
-        </p:spPr>
-        <p:style>
-          <a:lnRef idx="2">
-            <a:schemeClr val="dk1"/>
-          </a:lnRef>
-          <a:fillRef idx="1">
-            <a:schemeClr val="lt1"/>
-          </a:fillRef>
-          <a:effectRef idx="0">
-            <a:schemeClr val="dk1"/>
-          </a:effectRef>
-          <a:fontRef idx="minor">
-            <a:schemeClr val="dk1"/>
-          </a:fontRef>
-        </p:style>
-        <p:txBody>
-          <a:bodyPr lIns="105683" tIns="52841" rIns="105683" bIns="52841" rtlCol="0" anchor="ctr"/>
-          <a:lstStyle/>
-          <a:p>
-            <a:pPr algn="ctr"/>
-            <a:r>
-              <a:rPr lang="es-CO" sz="900" dirty="0" smtClean="0">
-                <a:solidFill>
-                  <a:schemeClr val="tx1"/>
-                </a:solidFill>
-                <a:cs typeface="Arial" pitchFamily="34" charset="0"/>
-              </a:rPr>
-              <a:t>multiplicación </a:t>
-            </a:r>
-            <a:endParaRPr lang="es-CO" sz="900" dirty="0">
-              <a:solidFill>
-                <a:schemeClr val="tx1"/>
-              </a:solidFill>
-              <a:cs typeface="Arial" pitchFamily="34" charset="0"/>
+              <a:latin typeface="Arial" panose="020B0604020202020204" pitchFamily="34" charset="0"/>
+              <a:cs typeface="Arial" panose="020B0604020202020204" pitchFamily="34" charset="0"/>
             </a:endParaRPr>
           </a:p>
         </p:txBody>
@@ -4049,96 +3260,13 @@
       <p:cxnSp>
         <p:nvCxnSpPr>
           <p:cNvPr id="185" name="184 Conector angular"/>
-          <p:cNvCxnSpPr>
-            <a:stCxn id="165" idx="2"/>
-            <a:endCxn id="170" idx="0"/>
-          </p:cNvCxnSpPr>
+          <p:cNvCxnSpPr/>
           <p:nvPr/>
         </p:nvCxnSpPr>
         <p:spPr>
           <a:xfrm rot="5400000">
-            <a:off x="6320073" y="5264705"/>
-            <a:ext cx="165566" cy="559964"/>
-          </a:xfrm>
-          <a:prstGeom prst="bentConnector3">
-            <a:avLst>
-              <a:gd name="adj1" fmla="val 50000"/>
-            </a:avLst>
-          </a:prstGeom>
-          <a:ln w="12700">
-            <a:solidFill>
-              <a:schemeClr val="tx1"/>
-            </a:solidFill>
-          </a:ln>
-        </p:spPr>
-        <p:style>
-          <a:lnRef idx="1">
-            <a:schemeClr val="accent1"/>
-          </a:lnRef>
-          <a:fillRef idx="0">
-            <a:schemeClr val="accent1"/>
-          </a:fillRef>
-          <a:effectRef idx="0">
-            <a:schemeClr val="accent1"/>
-          </a:effectRef>
-          <a:fontRef idx="minor">
-            <a:schemeClr val="tx1"/>
-          </a:fontRef>
-        </p:style>
-      </p:cxnSp>
-      <p:cxnSp>
-        <p:nvCxnSpPr>
-          <p:cNvPr id="186" name="185 Conector angular"/>
-          <p:cNvCxnSpPr>
-            <a:stCxn id="165" idx="2"/>
-            <a:endCxn id="176" idx="0"/>
-          </p:cNvCxnSpPr>
-          <p:nvPr/>
-        </p:nvCxnSpPr>
-        <p:spPr>
-          <a:xfrm rot="16200000" flipH="1">
-            <a:off x="6888195" y="5256547"/>
-            <a:ext cx="161852" cy="572566"/>
-          </a:xfrm>
-          <a:prstGeom prst="bentConnector3">
-            <a:avLst>
-              <a:gd name="adj1" fmla="val 50000"/>
-            </a:avLst>
-          </a:prstGeom>
-          <a:ln w="12700">
-            <a:solidFill>
-              <a:schemeClr val="tx1"/>
-            </a:solidFill>
-          </a:ln>
-        </p:spPr>
-        <p:style>
-          <a:lnRef idx="1">
-            <a:schemeClr val="accent1"/>
-          </a:lnRef>
-          <a:fillRef idx="0">
-            <a:schemeClr val="accent1"/>
-          </a:fillRef>
-          <a:effectRef idx="0">
-            <a:schemeClr val="accent1"/>
-          </a:effectRef>
-          <a:fontRef idx="minor">
-            <a:schemeClr val="tx1"/>
-          </a:fontRef>
-        </p:style>
-      </p:cxnSp>
-      <p:cxnSp>
-        <p:nvCxnSpPr>
-          <p:cNvPr id="188" name="187 Conector angular"/>
-          <p:cNvCxnSpPr>
-            <a:stCxn id="163" idx="0"/>
-            <a:endCxn id="146" idx="2"/>
-          </p:cNvCxnSpPr>
-          <p:nvPr/>
-        </p:nvCxnSpPr>
-        <p:spPr>
-          <a:xfrm rot="16200000" flipV="1">
-            <a:off x="4957354" y="2820573"/>
-            <a:ext cx="321256" cy="3130481"/>
+            <a:off x="5557914" y="4900138"/>
+            <a:ext cx="197549" cy="2"/>
           </a:xfrm>
           <a:prstGeom prst="bentConnector3">
             <a:avLst>
@@ -4174,7 +3302,7 @@
         </p:nvSpPr>
         <p:spPr>
           <a:xfrm>
-            <a:off x="5743575" y="6279416"/>
+            <a:off x="5268454" y="5628161"/>
             <a:ext cx="756432" cy="276977"/>
           </a:xfrm>
           <a:prstGeom prst="rect">
@@ -4208,7 +3336,8 @@
                 <a:solidFill>
                   <a:schemeClr val="tx1"/>
                 </a:solidFill>
-                <a:cs typeface="Arial" pitchFamily="34" charset="0"/>
+                <a:latin typeface="Arial" panose="020B0604020202020204" pitchFamily="34" charset="0"/>
+                <a:cs typeface="Arial" panose="020B0604020202020204" pitchFamily="34" charset="0"/>
               </a:rPr>
               <a:t>que se </a:t>
             </a:r>
@@ -4220,15 +3349,17 @@
                 <a:solidFill>
                   <a:schemeClr val="tx1"/>
                 </a:solidFill>
-                <a:cs typeface="Arial" pitchFamily="34" charset="0"/>
-              </a:rPr>
-              <a:t>define    </a:t>
+                <a:latin typeface="Arial" panose="020B0604020202020204" pitchFamily="34" charset="0"/>
+                <a:cs typeface="Arial" panose="020B0604020202020204" pitchFamily="34" charset="0"/>
+              </a:rPr>
+              <a:t>aplican   </a:t>
             </a:r>
             <a:endParaRPr lang="es-CO" sz="900" dirty="0">
               <a:solidFill>
                 <a:schemeClr val="tx1"/>
               </a:solidFill>
-              <a:cs typeface="Arial" pitchFamily="34" charset="0"/>
+              <a:latin typeface="Arial" panose="020B0604020202020204" pitchFamily="34" charset="0"/>
+              <a:cs typeface="Arial" panose="020B0604020202020204" pitchFamily="34" charset="0"/>
             </a:endParaRPr>
           </a:p>
         </p:txBody>
@@ -4236,16 +3367,13 @@
       <p:cxnSp>
         <p:nvCxnSpPr>
           <p:cNvPr id="194" name="193 Conector recto"/>
-          <p:cNvCxnSpPr>
-            <a:stCxn id="170" idx="2"/>
-            <a:endCxn id="193" idx="0"/>
-          </p:cNvCxnSpPr>
+          <p:cNvCxnSpPr/>
           <p:nvPr/>
         </p:nvCxnSpPr>
         <p:spPr>
           <a:xfrm flipH="1">
-            <a:off x="6121791" y="6133089"/>
-            <a:ext cx="1083" cy="146327"/>
+            <a:off x="5646670" y="5500004"/>
+            <a:ext cx="4839" cy="128157"/>
           </a:xfrm>
           <a:prstGeom prst="line">
             <a:avLst/>
@@ -4279,8 +3407,8 @@
         </p:nvSpPr>
         <p:spPr>
           <a:xfrm>
-            <a:off x="5622198" y="6653012"/>
-            <a:ext cx="992109" cy="598952"/>
+            <a:off x="5177161" y="6102687"/>
+            <a:ext cx="939017" cy="378196"/>
           </a:xfrm>
           <a:prstGeom prst="rect">
             <a:avLst/>
@@ -4313,7 +3441,8 @@
                 <a:solidFill>
                   <a:schemeClr val="tx1"/>
                 </a:solidFill>
-                <a:cs typeface="Arial" pitchFamily="34" charset="0"/>
+                <a:latin typeface="Arial" panose="020B0604020202020204" pitchFamily="34" charset="0"/>
+                <a:cs typeface="Arial" panose="020B0604020202020204" pitchFamily="34" charset="0"/>
               </a:rPr>
               <a:t>componente a componente </a:t>
             </a:r>
@@ -4321,7 +3450,8 @@
               <a:solidFill>
                 <a:schemeClr val="tx1"/>
               </a:solidFill>
-              <a:cs typeface="Arial" pitchFamily="34" charset="0"/>
+              <a:latin typeface="Arial" panose="020B0604020202020204" pitchFamily="34" charset="0"/>
+              <a:cs typeface="Arial" panose="020B0604020202020204" pitchFamily="34" charset="0"/>
             </a:endParaRPr>
           </a:p>
         </p:txBody>
@@ -4334,8 +3464,8 @@
         </p:nvSpPr>
         <p:spPr>
           <a:xfrm>
-            <a:off x="5695950" y="7382180"/>
-            <a:ext cx="851682" cy="110981"/>
+            <a:off x="5185061" y="6894830"/>
+            <a:ext cx="959930" cy="74605"/>
           </a:xfrm>
           <a:prstGeom prst="rect">
             <a:avLst/>
@@ -4368,15 +3498,17 @@
                 <a:solidFill>
                   <a:schemeClr val="tx1"/>
                 </a:solidFill>
-                <a:cs typeface="Arial" pitchFamily="34" charset="0"/>
-              </a:rPr>
-              <a:t>ejemplo   </a:t>
+                <a:latin typeface="Arial" panose="020B0604020202020204" pitchFamily="34" charset="0"/>
+                <a:cs typeface="Arial" panose="020B0604020202020204" pitchFamily="34" charset="0"/>
+              </a:rPr>
+              <a:t>son ejemplos   </a:t>
             </a:r>
             <a:endParaRPr lang="es-CO" sz="900" dirty="0">
               <a:solidFill>
                 <a:schemeClr val="tx1"/>
               </a:solidFill>
-              <a:cs typeface="Arial" pitchFamily="34" charset="0"/>
+              <a:latin typeface="Arial" panose="020B0604020202020204" pitchFamily="34" charset="0"/>
+              <a:cs typeface="Arial" panose="020B0604020202020204" pitchFamily="34" charset="0"/>
             </a:endParaRPr>
           </a:p>
         </p:txBody>
@@ -4384,16 +3516,13 @@
       <p:cxnSp>
         <p:nvCxnSpPr>
           <p:cNvPr id="197" name="196 Conector recto"/>
-          <p:cNvCxnSpPr>
-            <a:stCxn id="193" idx="2"/>
-            <a:endCxn id="195" idx="0"/>
-          </p:cNvCxnSpPr>
+          <p:cNvCxnSpPr/>
           <p:nvPr/>
         </p:nvCxnSpPr>
         <p:spPr>
-          <a:xfrm flipH="1">
-            <a:off x="6118253" y="6556393"/>
-            <a:ext cx="3538" cy="96619"/>
+          <a:xfrm>
+            <a:off x="5645014" y="5911363"/>
+            <a:ext cx="0" cy="197549"/>
           </a:xfrm>
           <a:prstGeom prst="line">
             <a:avLst/>
@@ -4424,14 +3553,13 @@
           <p:cNvPr id="199" name="198 Conector recto"/>
           <p:cNvCxnSpPr>
             <a:stCxn id="195" idx="2"/>
-            <a:endCxn id="196" idx="0"/>
           </p:cNvCxnSpPr>
           <p:nvPr/>
         </p:nvCxnSpPr>
         <p:spPr>
-          <a:xfrm>
-            <a:off x="6118253" y="7251964"/>
-            <a:ext cx="3538" cy="130216"/>
+          <a:xfrm flipH="1">
+            <a:off x="5637143" y="6480883"/>
+            <a:ext cx="9527" cy="339292"/>
           </a:xfrm>
           <a:prstGeom prst="line">
             <a:avLst/>
@@ -4460,491 +3588,13 @@
       <p:cxnSp>
         <p:nvCxnSpPr>
           <p:cNvPr id="201" name="200 Conector recto"/>
-          <p:cNvCxnSpPr>
-            <a:stCxn id="196" idx="2"/>
-            <a:endCxn id="303" idx="0"/>
-          </p:cNvCxnSpPr>
+          <p:cNvCxnSpPr/>
           <p:nvPr/>
         </p:nvCxnSpPr>
         <p:spPr>
           <a:xfrm>
-            <a:off x="6121791" y="7493161"/>
+            <a:off x="5657232" y="7032970"/>
             <a:ext cx="1224" cy="159976"/>
-          </a:xfrm>
-          <a:prstGeom prst="line">
-            <a:avLst/>
-          </a:prstGeom>
-          <a:ln w="12700">
-            <a:solidFill>
-              <a:schemeClr val="tx1"/>
-            </a:solidFill>
-          </a:ln>
-        </p:spPr>
-        <p:style>
-          <a:lnRef idx="1">
-            <a:schemeClr val="accent1"/>
-          </a:lnRef>
-          <a:fillRef idx="0">
-            <a:schemeClr val="accent1"/>
-          </a:fillRef>
-          <a:effectRef idx="0">
-            <a:schemeClr val="accent1"/>
-          </a:effectRef>
-          <a:fontRef idx="minor">
-            <a:schemeClr val="tx1"/>
-          </a:fontRef>
-        </p:style>
-      </p:cxnSp>
-      <p:sp>
-        <p:nvSpPr>
-          <p:cNvPr id="204" name="Rectángulo 35"/>
-          <p:cNvSpPr/>
-          <p:nvPr/>
-        </p:nvSpPr>
-        <p:spPr>
-          <a:xfrm>
-            <a:off x="6709194" y="6260366"/>
-            <a:ext cx="1095738" cy="276977"/>
-          </a:xfrm>
-          <a:prstGeom prst="rect">
-            <a:avLst/>
-          </a:prstGeom>
-          <a:ln>
-            <a:noFill/>
-          </a:ln>
-        </p:spPr>
-        <p:style>
-          <a:lnRef idx="2">
-            <a:schemeClr val="dk1"/>
-          </a:lnRef>
-          <a:fillRef idx="1">
-            <a:schemeClr val="lt1"/>
-          </a:fillRef>
-          <a:effectRef idx="0">
-            <a:schemeClr val="dk1"/>
-          </a:effectRef>
-          <a:fontRef idx="minor">
-            <a:schemeClr val="dk1"/>
-          </a:fontRef>
-        </p:style>
-        <p:txBody>
-          <a:bodyPr lIns="105683" tIns="52841" rIns="105683" bIns="52841" rtlCol="0" anchor="ctr"/>
-          <a:lstStyle/>
-          <a:p>
-            <a:pPr algn="ctr"/>
-            <a:r>
-              <a:rPr lang="es-CO" sz="900" dirty="0" smtClean="0">
-                <a:solidFill>
-                  <a:schemeClr val="tx1"/>
-                </a:solidFill>
-                <a:cs typeface="Arial" pitchFamily="34" charset="0"/>
-              </a:rPr>
-              <a:t>que se </a:t>
-            </a:r>
-          </a:p>
-          <a:p>
-            <a:pPr algn="ctr"/>
-            <a:r>
-              <a:rPr lang="es-CO" sz="900" dirty="0" smtClean="0">
-                <a:solidFill>
-                  <a:schemeClr val="tx1"/>
-                </a:solidFill>
-                <a:cs typeface="Arial" pitchFamily="34" charset="0"/>
-              </a:rPr>
-              <a:t>define    </a:t>
-            </a:r>
-            <a:endParaRPr lang="es-CO" sz="900" dirty="0">
-              <a:solidFill>
-                <a:schemeClr val="tx1"/>
-              </a:solidFill>
-              <a:cs typeface="Arial" pitchFamily="34" charset="0"/>
-            </a:endParaRPr>
-          </a:p>
-        </p:txBody>
-      </p:sp>
-      <p:cxnSp>
-        <p:nvCxnSpPr>
-          <p:cNvPr id="205" name="204 Conector recto"/>
-          <p:cNvCxnSpPr>
-            <a:stCxn id="303" idx="2"/>
-            <a:endCxn id="309" idx="0"/>
-          </p:cNvCxnSpPr>
-          <p:nvPr/>
-        </p:nvCxnSpPr>
-        <p:spPr>
-          <a:xfrm flipH="1">
-            <a:off x="6119225" y="8225034"/>
-            <a:ext cx="3790" cy="144608"/>
-          </a:xfrm>
-          <a:prstGeom prst="line">
-            <a:avLst/>
-          </a:prstGeom>
-          <a:ln w="12700">
-            <a:solidFill>
-              <a:schemeClr val="tx1"/>
-            </a:solidFill>
-          </a:ln>
-        </p:spPr>
-        <p:style>
-          <a:lnRef idx="1">
-            <a:schemeClr val="accent1"/>
-          </a:lnRef>
-          <a:fillRef idx="0">
-            <a:schemeClr val="accent1"/>
-          </a:fillRef>
-          <a:effectRef idx="0">
-            <a:schemeClr val="accent1"/>
-          </a:effectRef>
-          <a:fontRef idx="minor">
-            <a:schemeClr val="tx1"/>
-          </a:fontRef>
-        </p:style>
-      </p:cxnSp>
-      <p:cxnSp>
-        <p:nvCxnSpPr>
-          <p:cNvPr id="206" name="205 Conector recto"/>
-          <p:cNvCxnSpPr>
-            <a:stCxn id="176" idx="2"/>
-            <a:endCxn id="204" idx="0"/>
-          </p:cNvCxnSpPr>
-          <p:nvPr/>
-        </p:nvCxnSpPr>
-        <p:spPr>
-          <a:xfrm>
-            <a:off x="7255404" y="6129375"/>
-            <a:ext cx="1659" cy="130991"/>
-          </a:xfrm>
-          <a:prstGeom prst="line">
-            <a:avLst/>
-          </a:prstGeom>
-          <a:ln w="12700">
-            <a:solidFill>
-              <a:schemeClr val="tx1"/>
-            </a:solidFill>
-          </a:ln>
-        </p:spPr>
-        <p:style>
-          <a:lnRef idx="1">
-            <a:schemeClr val="accent1"/>
-          </a:lnRef>
-          <a:fillRef idx="0">
-            <a:schemeClr val="accent1"/>
-          </a:fillRef>
-          <a:effectRef idx="0">
-            <a:schemeClr val="accent1"/>
-          </a:effectRef>
-          <a:fontRef idx="minor">
-            <a:schemeClr val="tx1"/>
-          </a:fontRef>
-        </p:style>
-      </p:cxnSp>
-      <p:sp>
-        <p:nvSpPr>
-          <p:cNvPr id="208" name="Rectángulo 33"/>
-          <p:cNvSpPr/>
-          <p:nvPr/>
-        </p:nvSpPr>
-        <p:spPr>
-          <a:xfrm>
-            <a:off x="6765198" y="6653012"/>
-            <a:ext cx="992109" cy="598952"/>
-          </a:xfrm>
-          <a:prstGeom prst="rect">
-            <a:avLst/>
-          </a:prstGeom>
-          <a:solidFill>
-            <a:schemeClr val="bg1"/>
-          </a:solidFill>
-        </p:spPr>
-        <p:style>
-          <a:lnRef idx="2">
-            <a:schemeClr val="dk1"/>
-          </a:lnRef>
-          <a:fillRef idx="1">
-            <a:schemeClr val="lt1"/>
-          </a:fillRef>
-          <a:effectRef idx="0">
-            <a:schemeClr val="dk1"/>
-          </a:effectRef>
-          <a:fontRef idx="minor">
-            <a:schemeClr val="dk1"/>
-          </a:fontRef>
-        </p:style>
-        <p:txBody>
-          <a:bodyPr lIns="105683" tIns="52841" rIns="105683" bIns="52841" rtlCol="0" anchor="ctr"/>
-          <a:lstStyle/>
-          <a:p>
-            <a:pPr algn="ctr"/>
-            <a:r>
-              <a:rPr lang="es-CO" sz="900" dirty="0" smtClean="0">
-                <a:solidFill>
-                  <a:schemeClr val="tx1"/>
-                </a:solidFill>
-                <a:cs typeface="Arial" pitchFamily="34" charset="0"/>
-              </a:rPr>
-              <a:t>componente a componente   </a:t>
-            </a:r>
-            <a:endParaRPr lang="es-CO" sz="900" dirty="0">
-              <a:solidFill>
-                <a:schemeClr val="tx1"/>
-              </a:solidFill>
-              <a:cs typeface="Arial" pitchFamily="34" charset="0"/>
-            </a:endParaRPr>
-          </a:p>
-        </p:txBody>
-      </p:sp>
-      <p:sp>
-        <p:nvSpPr>
-          <p:cNvPr id="209" name="Rectángulo 35"/>
-          <p:cNvSpPr/>
-          <p:nvPr/>
-        </p:nvSpPr>
-        <p:spPr>
-          <a:xfrm>
-            <a:off x="6838950" y="7372655"/>
-            <a:ext cx="851682" cy="110981"/>
-          </a:xfrm>
-          <a:prstGeom prst="rect">
-            <a:avLst/>
-          </a:prstGeom>
-          <a:ln>
-            <a:noFill/>
-          </a:ln>
-        </p:spPr>
-        <p:style>
-          <a:lnRef idx="2">
-            <a:schemeClr val="dk1"/>
-          </a:lnRef>
-          <a:fillRef idx="1">
-            <a:schemeClr val="lt1"/>
-          </a:fillRef>
-          <a:effectRef idx="0">
-            <a:schemeClr val="dk1"/>
-          </a:effectRef>
-          <a:fontRef idx="minor">
-            <a:schemeClr val="dk1"/>
-          </a:fontRef>
-        </p:style>
-        <p:txBody>
-          <a:bodyPr lIns="105683" tIns="52841" rIns="105683" bIns="52841" rtlCol="0" anchor="ctr"/>
-          <a:lstStyle/>
-          <a:p>
-            <a:pPr algn="ctr"/>
-            <a:r>
-              <a:rPr lang="es-CO" sz="900" dirty="0">
-                <a:solidFill>
-                  <a:schemeClr val="tx1"/>
-                </a:solidFill>
-                <a:cs typeface="Arial" pitchFamily="34" charset="0"/>
-              </a:rPr>
-              <a:t>e</a:t>
-            </a:r>
-            <a:r>
-              <a:rPr lang="es-CO" sz="900" dirty="0" smtClean="0">
-                <a:solidFill>
-                  <a:schemeClr val="tx1"/>
-                </a:solidFill>
-                <a:cs typeface="Arial" pitchFamily="34" charset="0"/>
-              </a:rPr>
-              <a:t>jemplos   </a:t>
-            </a:r>
-            <a:endParaRPr lang="es-CO" sz="900" dirty="0">
-              <a:solidFill>
-                <a:schemeClr val="tx1"/>
-              </a:solidFill>
-              <a:cs typeface="Arial" pitchFamily="34" charset="0"/>
-            </a:endParaRPr>
-          </a:p>
-        </p:txBody>
-      </p:sp>
-      <p:cxnSp>
-        <p:nvCxnSpPr>
-          <p:cNvPr id="211" name="210 Conector recto"/>
-          <p:cNvCxnSpPr>
-            <a:stCxn id="208" idx="2"/>
-            <a:endCxn id="209" idx="0"/>
-          </p:cNvCxnSpPr>
-          <p:nvPr/>
-        </p:nvCxnSpPr>
-        <p:spPr>
-          <a:xfrm>
-            <a:off x="7261253" y="7251964"/>
-            <a:ext cx="3538" cy="120691"/>
-          </a:xfrm>
-          <a:prstGeom prst="line">
-            <a:avLst/>
-          </a:prstGeom>
-          <a:ln w="12700">
-            <a:solidFill>
-              <a:schemeClr val="tx1"/>
-            </a:solidFill>
-          </a:ln>
-        </p:spPr>
-        <p:style>
-          <a:lnRef idx="1">
-            <a:schemeClr val="accent1"/>
-          </a:lnRef>
-          <a:fillRef idx="0">
-            <a:schemeClr val="accent1"/>
-          </a:fillRef>
-          <a:effectRef idx="0">
-            <a:schemeClr val="accent1"/>
-          </a:effectRef>
-          <a:fontRef idx="minor">
-            <a:schemeClr val="tx1"/>
-          </a:fontRef>
-        </p:style>
-      </p:cxnSp>
-      <p:sp>
-        <p:nvSpPr>
-          <p:cNvPr id="213" name="Rectángulo 33"/>
-          <p:cNvSpPr/>
-          <p:nvPr/>
-        </p:nvSpPr>
-        <p:spPr>
-          <a:xfrm>
-            <a:off x="6755673" y="7653137"/>
-            <a:ext cx="1039734" cy="571897"/>
-          </a:xfrm>
-          <a:prstGeom prst="rect">
-            <a:avLst/>
-          </a:prstGeom>
-          <a:solidFill>
-            <a:schemeClr val="bg1"/>
-          </a:solidFill>
-        </p:spPr>
-        <p:style>
-          <a:lnRef idx="2">
-            <a:schemeClr val="dk1"/>
-          </a:lnRef>
-          <a:fillRef idx="1">
-            <a:schemeClr val="lt1"/>
-          </a:fillRef>
-          <a:effectRef idx="0">
-            <a:schemeClr val="dk1"/>
-          </a:effectRef>
-          <a:fontRef idx="minor">
-            <a:schemeClr val="dk1"/>
-          </a:fontRef>
-        </p:style>
-        <p:txBody>
-          <a:bodyPr lIns="105683" tIns="52841" rIns="105683" bIns="52841" rtlCol="0" anchor="ctr"/>
-          <a:lstStyle/>
-          <a:p>
-            <a:endParaRPr lang="es-CO" sz="900" dirty="0" smtClean="0">
-              <a:solidFill>
-                <a:schemeClr val="tx1"/>
-              </a:solidFill>
-              <a:cs typeface="Arial" pitchFamily="34" charset="0"/>
-            </a:endParaRPr>
-          </a:p>
-          <a:p>
-            <a:endParaRPr lang="es-CO" sz="900" dirty="0" smtClean="0">
-              <a:solidFill>
-                <a:schemeClr val="tx1"/>
-              </a:solidFill>
-              <a:cs typeface="Arial" pitchFamily="34" charset="0"/>
-            </a:endParaRPr>
-          </a:p>
-          <a:p>
-            <a:endParaRPr lang="es-CO" sz="900" dirty="0" smtClean="0">
-              <a:solidFill>
-                <a:schemeClr val="tx1"/>
-              </a:solidFill>
-              <a:cs typeface="Arial" pitchFamily="34" charset="0"/>
-            </a:endParaRPr>
-          </a:p>
-        </p:txBody>
-      </p:sp>
-      <p:cxnSp>
-        <p:nvCxnSpPr>
-          <p:cNvPr id="215" name="214 Conector recto"/>
-          <p:cNvCxnSpPr>
-            <a:stCxn id="209" idx="2"/>
-            <a:endCxn id="213" idx="0"/>
-          </p:cNvCxnSpPr>
-          <p:nvPr/>
-        </p:nvCxnSpPr>
-        <p:spPr>
-          <a:xfrm>
-            <a:off x="7264791" y="7483636"/>
-            <a:ext cx="10749" cy="169501"/>
-          </a:xfrm>
-          <a:prstGeom prst="line">
-            <a:avLst/>
-          </a:prstGeom>
-          <a:ln w="12700">
-            <a:solidFill>
-              <a:schemeClr val="tx1"/>
-            </a:solidFill>
-          </a:ln>
-        </p:spPr>
-        <p:style>
-          <a:lnRef idx="1">
-            <a:schemeClr val="accent1"/>
-          </a:lnRef>
-          <a:fillRef idx="0">
-            <a:schemeClr val="accent1"/>
-          </a:fillRef>
-          <a:effectRef idx="0">
-            <a:schemeClr val="accent1"/>
-          </a:effectRef>
-          <a:fontRef idx="minor">
-            <a:schemeClr val="tx1"/>
-          </a:fontRef>
-        </p:style>
-      </p:cxnSp>
-      <p:cxnSp>
-        <p:nvCxnSpPr>
-          <p:cNvPr id="217" name="216 Conector recto"/>
-          <p:cNvCxnSpPr>
-            <a:stCxn id="213" idx="2"/>
-            <a:endCxn id="317" idx="0"/>
-          </p:cNvCxnSpPr>
-          <p:nvPr/>
-        </p:nvCxnSpPr>
-        <p:spPr>
-          <a:xfrm flipH="1">
-            <a:off x="7271750" y="8225034"/>
-            <a:ext cx="3790" cy="144608"/>
-          </a:xfrm>
-          <a:prstGeom prst="line">
-            <a:avLst/>
-          </a:prstGeom>
-          <a:ln w="12700">
-            <a:solidFill>
-              <a:schemeClr val="tx1"/>
-            </a:solidFill>
-          </a:ln>
-        </p:spPr>
-        <p:style>
-          <a:lnRef idx="1">
-            <a:schemeClr val="accent1"/>
-          </a:lnRef>
-          <a:fillRef idx="0">
-            <a:schemeClr val="accent1"/>
-          </a:fillRef>
-          <a:effectRef idx="0">
-            <a:schemeClr val="accent1"/>
-          </a:effectRef>
-          <a:fontRef idx="minor">
-            <a:schemeClr val="tx1"/>
-          </a:fontRef>
-        </p:style>
-      </p:cxnSp>
-      <p:cxnSp>
-        <p:nvCxnSpPr>
-          <p:cNvPr id="218" name="217 Conector recto"/>
-          <p:cNvCxnSpPr>
-            <a:stCxn id="204" idx="2"/>
-            <a:endCxn id="208" idx="0"/>
-          </p:cNvCxnSpPr>
-          <p:nvPr/>
-        </p:nvCxnSpPr>
-        <p:spPr>
-          <a:xfrm>
-            <a:off x="7257063" y="6537343"/>
-            <a:ext cx="4190" cy="115669"/>
           </a:xfrm>
           <a:prstGeom prst="line">
             <a:avLst/>
@@ -4978,7 +3628,7 @@
         </p:nvSpPr>
         <p:spPr>
           <a:xfrm>
-            <a:off x="10066086" y="3895128"/>
+            <a:off x="10010789" y="3543636"/>
             <a:ext cx="1095738" cy="221963"/>
           </a:xfrm>
           <a:prstGeom prst="rect">
@@ -5012,15 +3662,37 @@
                 <a:solidFill>
                   <a:schemeClr val="tx1"/>
                 </a:solidFill>
-                <a:cs typeface="Arial" pitchFamily="34" charset="0"/>
-              </a:rPr>
-              <a:t>se dividen  en  </a:t>
+                <a:latin typeface="Arial" panose="020B0604020202020204" pitchFamily="34" charset="0"/>
+                <a:cs typeface="Arial" panose="020B0604020202020204" pitchFamily="34" charset="0"/>
+              </a:rPr>
+              <a:t>se </a:t>
+            </a:r>
+            <a:r>
+              <a:rPr lang="es-CO" sz="900" dirty="0" smtClean="0">
+                <a:solidFill>
+                  <a:schemeClr val="tx1"/>
+                </a:solidFill>
+                <a:latin typeface="Arial" panose="020B0604020202020204" pitchFamily="34" charset="0"/>
+                <a:cs typeface="Arial" panose="020B0604020202020204" pitchFamily="34" charset="0"/>
+              </a:rPr>
+              <a:t>clasifican  </a:t>
+            </a:r>
+            <a:r>
+              <a:rPr lang="es-CO" sz="900" dirty="0" smtClean="0">
+                <a:solidFill>
+                  <a:schemeClr val="tx1"/>
+                </a:solidFill>
+                <a:latin typeface="Arial" panose="020B0604020202020204" pitchFamily="34" charset="0"/>
+                <a:cs typeface="Arial" panose="020B0604020202020204" pitchFamily="34" charset="0"/>
+              </a:rPr>
+              <a:t>en  </a:t>
             </a:r>
             <a:endParaRPr lang="es-CO" sz="900" dirty="0">
               <a:solidFill>
                 <a:schemeClr val="tx1"/>
               </a:solidFill>
-              <a:cs typeface="Arial" pitchFamily="34" charset="0"/>
+              <a:latin typeface="Arial" panose="020B0604020202020204" pitchFamily="34" charset="0"/>
+              <a:cs typeface="Arial" panose="020B0604020202020204" pitchFamily="34" charset="0"/>
             </a:endParaRPr>
           </a:p>
         </p:txBody>
@@ -5029,15 +3701,14 @@
         <p:nvCxnSpPr>
           <p:cNvPr id="221" name="220 Conector recto"/>
           <p:cNvCxnSpPr>
-            <a:stCxn id="114" idx="2"/>
             <a:endCxn id="219" idx="0"/>
           </p:cNvCxnSpPr>
           <p:nvPr/>
         </p:nvCxnSpPr>
         <p:spPr>
           <a:xfrm>
-            <a:off x="10604292" y="3649433"/>
-            <a:ext cx="9663" cy="245695"/>
+            <a:off x="10558658" y="3380827"/>
+            <a:ext cx="0" cy="162809"/>
           </a:xfrm>
           <a:prstGeom prst="line">
             <a:avLst/>
@@ -5071,8 +3742,8 @@
         </p:nvSpPr>
         <p:spPr>
           <a:xfrm>
-            <a:off x="8644196" y="4502801"/>
-            <a:ext cx="1197786" cy="602489"/>
+            <a:off x="8061295" y="4086755"/>
+            <a:ext cx="1068800" cy="366953"/>
           </a:xfrm>
           <a:prstGeom prst="rect">
             <a:avLst/>
@@ -5107,7 +3778,8 @@
                 <a:solidFill>
                   <a:schemeClr val="tx1"/>
                 </a:solidFill>
-                <a:cs typeface="Arial" pitchFamily="34" charset="0"/>
+                <a:latin typeface="Arial" panose="020B0604020202020204" pitchFamily="34" charset="0"/>
+                <a:cs typeface="Arial" panose="020B0604020202020204" pitchFamily="34" charset="0"/>
               </a:rPr>
               <a:t>p</a:t>
             </a:r>
@@ -5116,7 +3788,8 @@
                 <a:solidFill>
                   <a:schemeClr val="tx1"/>
                 </a:solidFill>
-                <a:cs typeface="Arial" pitchFamily="34" charset="0"/>
+                <a:latin typeface="Arial" panose="020B0604020202020204" pitchFamily="34" charset="0"/>
+                <a:cs typeface="Arial" panose="020B0604020202020204" pitchFamily="34" charset="0"/>
               </a:rPr>
               <a:t>rogresiones aritméticas  </a:t>
             </a:r>
@@ -5124,7 +3797,8 @@
               <a:solidFill>
                 <a:schemeClr val="tx1"/>
               </a:solidFill>
-              <a:cs typeface="Arial" pitchFamily="34" charset="0"/>
+              <a:latin typeface="Arial" panose="020B0604020202020204" pitchFamily="34" charset="0"/>
+              <a:cs typeface="Arial" panose="020B0604020202020204" pitchFamily="34" charset="0"/>
             </a:endParaRPr>
           </a:p>
         </p:txBody>
@@ -5137,8 +3811,8 @@
         </p:nvSpPr>
         <p:spPr>
           <a:xfrm>
-            <a:off x="11603790" y="4502399"/>
-            <a:ext cx="1197786" cy="602489"/>
+            <a:off x="11341955" y="4092300"/>
+            <a:ext cx="1159502" cy="340143"/>
           </a:xfrm>
           <a:prstGeom prst="rect">
             <a:avLst/>
@@ -5173,7 +3847,8 @@
                 <a:solidFill>
                   <a:schemeClr val="tx1"/>
                 </a:solidFill>
-                <a:cs typeface="Arial" pitchFamily="34" charset="0"/>
+                <a:latin typeface="Arial" panose="020B0604020202020204" pitchFamily="34" charset="0"/>
+                <a:cs typeface="Arial" panose="020B0604020202020204" pitchFamily="34" charset="0"/>
               </a:rPr>
               <a:t>progresiones geométricas  </a:t>
             </a:r>
@@ -5181,7 +3856,8 @@
               <a:solidFill>
                 <a:schemeClr val="tx1"/>
               </a:solidFill>
-              <a:cs typeface="Arial" pitchFamily="34" charset="0"/>
+              <a:latin typeface="Arial" panose="020B0604020202020204" pitchFamily="34" charset="0"/>
+              <a:cs typeface="Arial" panose="020B0604020202020204" pitchFamily="34" charset="0"/>
             </a:endParaRPr>
           </a:p>
         </p:txBody>
@@ -5189,16 +3865,13 @@
       <p:cxnSp>
         <p:nvCxnSpPr>
           <p:cNvPr id="258" name="160 Conector angular"/>
-          <p:cNvCxnSpPr>
-            <a:stCxn id="219" idx="2"/>
-            <a:endCxn id="257" idx="0"/>
-          </p:cNvCxnSpPr>
+          <p:cNvCxnSpPr/>
           <p:nvPr/>
         </p:nvCxnSpPr>
         <p:spPr>
           <a:xfrm rot="16200000" flipH="1">
-            <a:off x="11215665" y="3515381"/>
-            <a:ext cx="385308" cy="1588728"/>
+            <a:off x="11086868" y="3237042"/>
+            <a:ext cx="326701" cy="1363048"/>
           </a:xfrm>
           <a:prstGeom prst="bentConnector3">
             <a:avLst>
@@ -5234,7 +3907,7 @@
         </p:nvSpPr>
         <p:spPr>
           <a:xfrm>
-            <a:off x="8710529" y="5278041"/>
+            <a:off x="8047826" y="4540121"/>
             <a:ext cx="1095738" cy="221963"/>
           </a:xfrm>
           <a:prstGeom prst="rect">
@@ -5268,15 +3941,17 @@
                 <a:solidFill>
                   <a:schemeClr val="tx1"/>
                 </a:solidFill>
-                <a:cs typeface="Arial" pitchFamily="34" charset="0"/>
-              </a:rPr>
-              <a:t>cuando   </a:t>
+                <a:latin typeface="Arial" panose="020B0604020202020204" pitchFamily="34" charset="0"/>
+                <a:cs typeface="Arial" panose="020B0604020202020204" pitchFamily="34" charset="0"/>
+              </a:rPr>
+              <a:t>son  </a:t>
             </a:r>
             <a:endParaRPr lang="es-CO" sz="900" dirty="0">
               <a:solidFill>
                 <a:schemeClr val="tx1"/>
               </a:solidFill>
-              <a:cs typeface="Arial" pitchFamily="34" charset="0"/>
+              <a:latin typeface="Arial" panose="020B0604020202020204" pitchFamily="34" charset="0"/>
+              <a:cs typeface="Arial" panose="020B0604020202020204" pitchFamily="34" charset="0"/>
             </a:endParaRPr>
           </a:p>
         </p:txBody>
@@ -5289,8 +3964,8 @@
         </p:nvSpPr>
         <p:spPr>
           <a:xfrm>
-            <a:off x="8627590" y="5647305"/>
-            <a:ext cx="1260000" cy="715539"/>
+            <a:off x="7858410" y="4865897"/>
+            <a:ext cx="1476549" cy="953107"/>
           </a:xfrm>
           <a:prstGeom prst="rect">
             <a:avLst/>
@@ -5318,19 +3993,63 @@
           <a:lstStyle/>
           <a:p>
             <a:r>
-              <a:rPr lang="es-ES" sz="900" i="1" dirty="0" smtClean="0"/>
+              <a:rPr lang="es-ES" sz="900" i="1" dirty="0" smtClean="0">
+                <a:latin typeface="Arial" panose="020B0604020202020204" pitchFamily="34" charset="0"/>
+                <a:cs typeface="Arial" panose="020B0604020202020204" pitchFamily="34" charset="0"/>
+              </a:rPr>
               <a:t> </a:t>
             </a:r>
           </a:p>
           <a:p>
             <a:pPr algn="ctr"/>
             <a:r>
-              <a:rPr lang="es-ES" sz="900" dirty="0"/>
-              <a:t>s</a:t>
-            </a:r>
-            <a:r>
-              <a:rPr lang="es-ES" sz="900" dirty="0" smtClean="0"/>
-              <a:t>us términos se generan sumando  una cantidad fija   </a:t>
+              <a:rPr lang="es-CO" sz="900" dirty="0" smtClean="0">
+                <a:latin typeface="Arial" panose="020B0604020202020204" pitchFamily="34" charset="0"/>
+                <a:cs typeface="Arial" panose="020B0604020202020204" pitchFamily="34" charset="0"/>
+              </a:rPr>
+              <a:t>sucesiones </a:t>
+            </a:r>
+            <a:r>
+              <a:rPr lang="es-CO" sz="900" dirty="0">
+                <a:latin typeface="Arial" panose="020B0604020202020204" pitchFamily="34" charset="0"/>
+                <a:cs typeface="Arial" panose="020B0604020202020204" pitchFamily="34" charset="0"/>
+              </a:rPr>
+              <a:t>en </a:t>
+            </a:r>
+            <a:r>
+              <a:rPr lang="es-CO" sz="900" dirty="0" smtClean="0">
+                <a:latin typeface="Arial" panose="020B0604020202020204" pitchFamily="34" charset="0"/>
+                <a:cs typeface="Arial" panose="020B0604020202020204" pitchFamily="34" charset="0"/>
+              </a:rPr>
+              <a:t>las </a:t>
+            </a:r>
+            <a:r>
+              <a:rPr lang="es-CO" sz="900" dirty="0">
+                <a:latin typeface="Arial" panose="020B0604020202020204" pitchFamily="34" charset="0"/>
+                <a:cs typeface="Arial" panose="020B0604020202020204" pitchFamily="34" charset="0"/>
+              </a:rPr>
+              <a:t>que cada término (excepto el primero) se obtiene sumando al anterior una cantidad fija, </a:t>
+            </a:r>
+            <a:r>
+              <a:rPr lang="es-CO" sz="900" i="1" dirty="0">
+                <a:latin typeface="Arial" panose="020B0604020202020204" pitchFamily="34" charset="0"/>
+                <a:cs typeface="Arial" panose="020B0604020202020204" pitchFamily="34" charset="0"/>
+              </a:rPr>
+              <a:t>d</a:t>
+            </a:r>
+            <a:r>
+              <a:rPr lang="es-CO" sz="900" dirty="0">
+                <a:latin typeface="Arial" panose="020B0604020202020204" pitchFamily="34" charset="0"/>
+                <a:cs typeface="Arial" panose="020B0604020202020204" pitchFamily="34" charset="0"/>
+              </a:rPr>
+              <a:t>, llamada </a:t>
+            </a:r>
+            <a:r>
+              <a:rPr lang="es-CO" sz="900" b="1" dirty="0" smtClean="0">
+                <a:latin typeface="Arial" panose="020B0604020202020204" pitchFamily="34" charset="0"/>
+                <a:cs typeface="Arial" panose="020B0604020202020204" pitchFamily="34" charset="0"/>
+              </a:rPr>
+              <a:t>diferencia</a:t>
             </a:r>
           </a:p>
           <a:p>
@@ -5339,7 +4058,18 @@
               <a:solidFill>
                 <a:schemeClr val="tx1"/>
               </a:solidFill>
-              <a:cs typeface="Arial" pitchFamily="34" charset="0"/>
+              <a:latin typeface="Arial" panose="020B0604020202020204" pitchFamily="34" charset="0"/>
+              <a:cs typeface="Arial" panose="020B0604020202020204" pitchFamily="34" charset="0"/>
+            </a:endParaRPr>
+          </a:p>
+          <a:p>
+            <a:pPr algn="ctr"/>
+            <a:endParaRPr lang="es-CO" sz="900" dirty="0">
+              <a:solidFill>
+                <a:schemeClr val="tx1"/>
+              </a:solidFill>
+              <a:latin typeface="Arial" panose="020B0604020202020204" pitchFamily="34" charset="0"/>
+              <a:cs typeface="Arial" panose="020B0604020202020204" pitchFamily="34" charset="0"/>
             </a:endParaRPr>
           </a:p>
         </p:txBody>
@@ -5352,8 +4082,8 @@
         </p:nvSpPr>
         <p:spPr>
           <a:xfrm>
-            <a:off x="11574648" y="5669410"/>
-            <a:ext cx="1260000" cy="715539"/>
+            <a:off x="11167851" y="5006597"/>
+            <a:ext cx="1872365" cy="930282"/>
           </a:xfrm>
           <a:prstGeom prst="rect">
             <a:avLst/>
@@ -5381,28 +4111,69 @@
           <a:lstStyle/>
           <a:p>
             <a:r>
-              <a:rPr lang="es-ES" sz="900" i="1" dirty="0" smtClean="0"/>
+              <a:rPr lang="es-ES" sz="900" i="1" dirty="0" smtClean="0">
+                <a:latin typeface="Arial" panose="020B0604020202020204" pitchFamily="34" charset="0"/>
+                <a:cs typeface="Arial" panose="020B0604020202020204" pitchFamily="34" charset="0"/>
+              </a:rPr>
               <a:t> </a:t>
             </a:r>
           </a:p>
           <a:p>
             <a:pPr algn="ctr"/>
             <a:r>
-              <a:rPr lang="es-ES" sz="900" dirty="0"/>
-              <a:t>s</a:t>
-            </a:r>
-            <a:r>
-              <a:rPr lang="es-ES" sz="900" dirty="0" smtClean="0"/>
-              <a:t>us términos se generan  multiplicando  una cantidad fija   </a:t>
+              <a:rPr lang="es-CO" sz="900" dirty="0" smtClean="0">
+                <a:latin typeface="Arial" panose="020B0604020202020204" pitchFamily="34" charset="0"/>
+                <a:cs typeface="Arial" panose="020B0604020202020204" pitchFamily="34" charset="0"/>
+              </a:rPr>
+              <a:t>sucesiones </a:t>
+            </a:r>
+            <a:r>
+              <a:rPr lang="es-CO" sz="900" dirty="0">
+                <a:latin typeface="Arial" panose="020B0604020202020204" pitchFamily="34" charset="0"/>
+                <a:cs typeface="Arial" panose="020B0604020202020204" pitchFamily="34" charset="0"/>
+              </a:rPr>
+              <a:t>en la que cada término (excepto el primero) se obtiene multiplicando el anterior por una cantidad fija, </a:t>
+            </a:r>
+            <a:r>
+              <a:rPr lang="es-CO" sz="900" i="1" dirty="0">
+                <a:latin typeface="Arial" panose="020B0604020202020204" pitchFamily="34" charset="0"/>
+                <a:cs typeface="Arial" panose="020B0604020202020204" pitchFamily="34" charset="0"/>
+              </a:rPr>
+              <a:t>r</a:t>
+            </a:r>
+            <a:r>
+              <a:rPr lang="es-CO" sz="900" dirty="0">
+                <a:latin typeface="Arial" panose="020B0604020202020204" pitchFamily="34" charset="0"/>
+                <a:cs typeface="Arial" panose="020B0604020202020204" pitchFamily="34" charset="0"/>
+              </a:rPr>
+              <a:t>, llamada </a:t>
+            </a:r>
+            <a:r>
+              <a:rPr lang="es-CO" sz="900" b="1" dirty="0" smtClean="0">
+                <a:latin typeface="Arial" panose="020B0604020202020204" pitchFamily="34" charset="0"/>
+                <a:cs typeface="Arial" panose="020B0604020202020204" pitchFamily="34" charset="0"/>
+              </a:rPr>
+              <a:t>razón</a:t>
             </a:r>
           </a:p>
           <a:p>
             <a:pPr algn="ctr"/>
-            <a:endParaRPr lang="es-CO" sz="900" dirty="0">
+            <a:endParaRPr lang="es-CO" sz="900" b="1" dirty="0">
               <a:solidFill>
                 <a:schemeClr val="tx1"/>
               </a:solidFill>
-              <a:cs typeface="Arial" pitchFamily="34" charset="0"/>
+              <a:latin typeface="Arial" panose="020B0604020202020204" pitchFamily="34" charset="0"/>
+              <a:cs typeface="Arial" panose="020B0604020202020204" pitchFamily="34" charset="0"/>
+            </a:endParaRPr>
+          </a:p>
+          <a:p>
+            <a:pPr algn="ctr"/>
+            <a:endParaRPr lang="es-CO" sz="900" b="1" dirty="0">
+              <a:solidFill>
+                <a:schemeClr val="tx1"/>
+              </a:solidFill>
+              <a:latin typeface="Arial" panose="020B0604020202020204" pitchFamily="34" charset="0"/>
+              <a:cs typeface="Arial" panose="020B0604020202020204" pitchFamily="34" charset="0"/>
             </a:endParaRPr>
           </a:p>
         </p:txBody>
@@ -5412,14 +4183,13 @@
           <p:cNvPr id="262" name="261 Conector recto"/>
           <p:cNvCxnSpPr>
             <a:stCxn id="256" idx="2"/>
-            <a:endCxn id="259" idx="0"/>
           </p:cNvCxnSpPr>
           <p:nvPr/>
         </p:nvCxnSpPr>
         <p:spPr>
           <a:xfrm>
-            <a:off x="9243089" y="5105290"/>
-            <a:ext cx="15309" cy="172751"/>
+            <a:off x="8595695" y="4453708"/>
+            <a:ext cx="0" cy="132053"/>
           </a:xfrm>
           <a:prstGeom prst="line">
             <a:avLst/>
@@ -5453,7 +4223,7 @@
         </p:nvSpPr>
         <p:spPr>
           <a:xfrm>
-            <a:off x="11657529" y="5344533"/>
+            <a:off x="11379235" y="4625602"/>
             <a:ext cx="1095738" cy="221963"/>
           </a:xfrm>
           <a:prstGeom prst="rect">
@@ -5487,57 +4257,21 @@
                 <a:solidFill>
                   <a:schemeClr val="tx1"/>
                 </a:solidFill>
-                <a:cs typeface="Arial" pitchFamily="34" charset="0"/>
-              </a:rPr>
-              <a:t>cuando   </a:t>
+                <a:latin typeface="Arial" panose="020B0604020202020204" pitchFamily="34" charset="0"/>
+                <a:cs typeface="Arial" panose="020B0604020202020204" pitchFamily="34" charset="0"/>
+              </a:rPr>
+              <a:t>son   </a:t>
             </a:r>
             <a:endParaRPr lang="es-CO" sz="900" dirty="0">
               <a:solidFill>
                 <a:schemeClr val="tx1"/>
               </a:solidFill>
-              <a:cs typeface="Arial" pitchFamily="34" charset="0"/>
+              <a:latin typeface="Arial" panose="020B0604020202020204" pitchFamily="34" charset="0"/>
+              <a:cs typeface="Arial" panose="020B0604020202020204" pitchFamily="34" charset="0"/>
             </a:endParaRPr>
           </a:p>
         </p:txBody>
       </p:sp>
-      <p:cxnSp>
-        <p:nvCxnSpPr>
-          <p:cNvPr id="264" name="263 Conector recto"/>
-          <p:cNvCxnSpPr>
-            <a:stCxn id="263" idx="2"/>
-            <a:endCxn id="261" idx="0"/>
-          </p:cNvCxnSpPr>
-          <p:nvPr/>
-        </p:nvCxnSpPr>
-        <p:spPr>
-          <a:xfrm flipH="1">
-            <a:off x="12204648" y="5566496"/>
-            <a:ext cx="750" cy="102914"/>
-          </a:xfrm>
-          <a:prstGeom prst="line">
-            <a:avLst/>
-          </a:prstGeom>
-          <a:ln w="12700">
-            <a:solidFill>
-              <a:schemeClr val="tx1"/>
-            </a:solidFill>
-          </a:ln>
-        </p:spPr>
-        <p:style>
-          <a:lnRef idx="1">
-            <a:schemeClr val="accent1"/>
-          </a:lnRef>
-          <a:fillRef idx="0">
-            <a:schemeClr val="accent1"/>
-          </a:fillRef>
-          <a:effectRef idx="0">
-            <a:schemeClr val="accent1"/>
-          </a:effectRef>
-          <a:fontRef idx="minor">
-            <a:schemeClr val="tx1"/>
-          </a:fontRef>
-        </p:style>
-      </p:cxnSp>
       <p:sp>
         <p:nvSpPr>
           <p:cNvPr id="265" name="Rectángulo 35"/>
@@ -5546,7 +4280,7 @@
         </p:nvSpPr>
         <p:spPr>
           <a:xfrm>
-            <a:off x="8664338" y="6518284"/>
+            <a:off x="8002809" y="6016910"/>
             <a:ext cx="1191057" cy="384264"/>
           </a:xfrm>
           <a:prstGeom prst="rect">
@@ -5580,7 +4314,8 @@
                 <a:solidFill>
                   <a:schemeClr val="tx1"/>
                 </a:solidFill>
-                <a:cs typeface="Arial" pitchFamily="34" charset="0"/>
+                <a:latin typeface="Arial" panose="020B0604020202020204" pitchFamily="34" charset="0"/>
+                <a:cs typeface="Arial" panose="020B0604020202020204" pitchFamily="34" charset="0"/>
               </a:rPr>
               <a:t>se  caracterizan</a:t>
             </a:r>
@@ -5592,7 +4327,8 @@
                 <a:solidFill>
                   <a:schemeClr val="tx1"/>
                 </a:solidFill>
-                <a:cs typeface="Arial" pitchFamily="34" charset="0"/>
+                <a:latin typeface="Arial" panose="020B0604020202020204" pitchFamily="34" charset="0"/>
+                <a:cs typeface="Arial" panose="020B0604020202020204" pitchFamily="34" charset="0"/>
               </a:rPr>
               <a:t> por  </a:t>
             </a:r>
@@ -5600,7 +4336,8 @@
               <a:solidFill>
                 <a:schemeClr val="tx1"/>
               </a:solidFill>
-              <a:cs typeface="Arial" pitchFamily="34" charset="0"/>
+              <a:latin typeface="Arial" panose="020B0604020202020204" pitchFamily="34" charset="0"/>
+              <a:cs typeface="Arial" panose="020B0604020202020204" pitchFamily="34" charset="0"/>
             </a:endParaRPr>
           </a:p>
         </p:txBody>
@@ -5616,8 +4353,8 @@
         </p:nvCxnSpPr>
         <p:spPr>
           <a:xfrm flipH="1" flipV="1">
-            <a:off x="9257590" y="6362844"/>
-            <a:ext cx="2277" cy="155440"/>
+            <a:off x="8596685" y="5819004"/>
+            <a:ext cx="1653" cy="197906"/>
           </a:xfrm>
           <a:prstGeom prst="line">
             <a:avLst/>
@@ -5651,8 +4388,8 @@
         </p:nvSpPr>
         <p:spPr>
           <a:xfrm>
-            <a:off x="7836476" y="7161528"/>
-            <a:ext cx="895445" cy="505619"/>
+            <a:off x="7128473" y="6660154"/>
+            <a:ext cx="886348" cy="300650"/>
           </a:xfrm>
           <a:prstGeom prst="rect">
             <a:avLst/>
@@ -5685,33 +4422,17 @@
                 <a:solidFill>
                   <a:schemeClr val="tx1"/>
                 </a:solidFill>
-                <a:cs typeface="Arial" pitchFamily="34" charset="0"/>
-              </a:rPr>
-              <a:t>el  </a:t>
-            </a:r>
-            <a:r>
-              <a:rPr lang="es-CO" sz="900" dirty="0" smtClean="0">
-                <a:solidFill>
-                  <a:schemeClr val="tx1"/>
-                </a:solidFill>
-                <a:cs typeface="Arial" pitchFamily="34" charset="0"/>
-              </a:rPr>
-              <a:t>término </a:t>
-            </a:r>
-            <a:r>
-              <a:rPr lang="es-CO" sz="900" dirty="0" smtClean="0">
-                <a:solidFill>
-                  <a:schemeClr val="tx1"/>
-                </a:solidFill>
-                <a:cs typeface="Arial" pitchFamily="34" charset="0"/>
-              </a:rPr>
-              <a:t>general </a:t>
+                <a:latin typeface="Arial" panose="020B0604020202020204" pitchFamily="34" charset="0"/>
+                <a:cs typeface="Arial" panose="020B0604020202020204" pitchFamily="34" charset="0"/>
+              </a:rPr>
+              <a:t>el  término general </a:t>
             </a:r>
             <a:endParaRPr lang="es-CO" sz="900" dirty="0">
               <a:solidFill>
                 <a:schemeClr val="tx1"/>
               </a:solidFill>
-              <a:cs typeface="Arial" pitchFamily="34" charset="0"/>
+              <a:latin typeface="Arial" panose="020B0604020202020204" pitchFamily="34" charset="0"/>
+              <a:cs typeface="Arial" panose="020B0604020202020204" pitchFamily="34" charset="0"/>
             </a:endParaRPr>
           </a:p>
         </p:txBody>
@@ -5727,8 +4448,8 @@
         </p:nvCxnSpPr>
         <p:spPr>
           <a:xfrm rot="5400000">
-            <a:off x="8642543" y="6544204"/>
-            <a:ext cx="258980" cy="975668"/>
+            <a:off x="7955503" y="6017319"/>
+            <a:ext cx="258980" cy="1026691"/>
           </a:xfrm>
           <a:prstGeom prst="bentConnector3">
             <a:avLst>
@@ -5764,7 +4485,7 @@
         </p:nvSpPr>
         <p:spPr>
           <a:xfrm>
-            <a:off x="8817551" y="7161528"/>
+            <a:off x="8156022" y="6660154"/>
             <a:ext cx="895445" cy="505619"/>
           </a:xfrm>
           <a:prstGeom prst="rect">
@@ -5798,16 +4519,28 @@
                 <a:solidFill>
                   <a:schemeClr val="tx1"/>
                 </a:solidFill>
-                <a:cs typeface="Arial" pitchFamily="34" charset="0"/>
-              </a:rPr>
-              <a:t> sumar </a:t>
+                <a:latin typeface="Arial" panose="020B0604020202020204" pitchFamily="34" charset="0"/>
+                <a:cs typeface="Arial" panose="020B0604020202020204" pitchFamily="34" charset="0"/>
+              </a:rPr>
+              <a:t> </a:t>
+            </a:r>
+            <a:r>
+              <a:rPr lang="es-CO" sz="900" dirty="0" smtClean="0">
+                <a:solidFill>
+                  <a:schemeClr val="tx1"/>
+                </a:solidFill>
+                <a:latin typeface="Arial" panose="020B0604020202020204" pitchFamily="34" charset="0"/>
+                <a:cs typeface="Arial" panose="020B0604020202020204" pitchFamily="34" charset="0"/>
+              </a:rPr>
+              <a:t>la suma de </a:t>
             </a:r>
             <a:r>
               <a:rPr lang="es-CO" sz="900" i="1" dirty="0" smtClean="0">
                 <a:solidFill>
                   <a:schemeClr val="tx1"/>
                 </a:solidFill>
-                <a:cs typeface="Arial" pitchFamily="34" charset="0"/>
+                <a:latin typeface="Arial" panose="020B0604020202020204" pitchFamily="34" charset="0"/>
+                <a:cs typeface="Arial" panose="020B0604020202020204" pitchFamily="34" charset="0"/>
               </a:rPr>
               <a:t>n</a:t>
             </a:r>
@@ -5816,15 +4549,27 @@
                 <a:solidFill>
                   <a:schemeClr val="tx1"/>
                 </a:solidFill>
-                <a:cs typeface="Arial" pitchFamily="34" charset="0"/>
-              </a:rPr>
-              <a:t> términos  consecutivos  </a:t>
+                <a:latin typeface="Arial" panose="020B0604020202020204" pitchFamily="34" charset="0"/>
+                <a:cs typeface="Arial" panose="020B0604020202020204" pitchFamily="34" charset="0"/>
+              </a:rPr>
+              <a:t> </a:t>
+            </a:r>
+            <a:r>
+              <a:rPr lang="es-CO" sz="900" dirty="0" smtClean="0">
+                <a:solidFill>
+                  <a:schemeClr val="tx1"/>
+                </a:solidFill>
+                <a:latin typeface="Arial" panose="020B0604020202020204" pitchFamily="34" charset="0"/>
+                <a:cs typeface="Arial" panose="020B0604020202020204" pitchFamily="34" charset="0"/>
+              </a:rPr>
+              <a:t>términos  consecutivos  </a:t>
             </a:r>
             <a:endParaRPr lang="es-CO" sz="900" dirty="0">
               <a:solidFill>
                 <a:schemeClr val="tx1"/>
               </a:solidFill>
-              <a:cs typeface="Arial" pitchFamily="34" charset="0"/>
+              <a:latin typeface="Arial" panose="020B0604020202020204" pitchFamily="34" charset="0"/>
+              <a:cs typeface="Arial" panose="020B0604020202020204" pitchFamily="34" charset="0"/>
             </a:endParaRPr>
           </a:p>
         </p:txBody>
@@ -5837,8 +4582,8 @@
         </p:nvSpPr>
         <p:spPr>
           <a:xfrm>
-            <a:off x="9798721" y="7161528"/>
-            <a:ext cx="895445" cy="505619"/>
+            <a:off x="9137192" y="6660154"/>
+            <a:ext cx="950313" cy="551103"/>
           </a:xfrm>
           <a:prstGeom prst="rect">
             <a:avLst/>
@@ -5871,7 +4616,8 @@
                 <a:solidFill>
                   <a:schemeClr val="tx1"/>
                 </a:solidFill>
-                <a:cs typeface="Arial" pitchFamily="34" charset="0"/>
+                <a:latin typeface="Arial" panose="020B0604020202020204" pitchFamily="34" charset="0"/>
+                <a:cs typeface="Arial" panose="020B0604020202020204" pitchFamily="34" charset="0"/>
               </a:rPr>
               <a:t> </a:t>
             </a:r>
@@ -5880,7 +4626,8 @@
                 <a:solidFill>
                   <a:schemeClr val="tx1"/>
                 </a:solidFill>
-                <a:cs typeface="Arial" pitchFamily="34" charset="0"/>
+                <a:latin typeface="Arial" panose="020B0604020202020204" pitchFamily="34" charset="0"/>
+                <a:cs typeface="Arial" panose="020B0604020202020204" pitchFamily="34" charset="0"/>
               </a:rPr>
               <a:t>i</a:t>
             </a:r>
@@ -5889,7 +4636,8 @@
                 <a:solidFill>
                   <a:schemeClr val="tx1"/>
                 </a:solidFill>
-                <a:cs typeface="Arial" pitchFamily="34" charset="0"/>
+                <a:latin typeface="Arial" panose="020B0604020202020204" pitchFamily="34" charset="0"/>
+                <a:cs typeface="Arial" panose="020B0604020202020204" pitchFamily="34" charset="0"/>
               </a:rPr>
               <a:t>nterpolar</a:t>
             </a:r>
@@ -5898,7 +4646,8 @@
                 <a:solidFill>
                   <a:schemeClr val="tx1"/>
                 </a:solidFill>
-                <a:cs typeface="Arial" pitchFamily="34" charset="0"/>
+                <a:latin typeface="Arial" panose="020B0604020202020204" pitchFamily="34" charset="0"/>
+                <a:cs typeface="Arial" panose="020B0604020202020204" pitchFamily="34" charset="0"/>
               </a:rPr>
               <a:t> k </a:t>
             </a:r>
@@ -5907,15 +4656,77 @@
                 <a:solidFill>
                   <a:schemeClr val="tx1"/>
                 </a:solidFill>
-                <a:cs typeface="Arial" pitchFamily="34" charset="0"/>
-              </a:rPr>
-              <a:t>términos  entre a y b </a:t>
+                <a:latin typeface="Arial" panose="020B0604020202020204" pitchFamily="34" charset="0"/>
+                <a:cs typeface="Arial" panose="020B0604020202020204" pitchFamily="34" charset="0"/>
+              </a:rPr>
+              <a:t>términos  entre </a:t>
+            </a:r>
+            <a:r>
+              <a:rPr lang="es-CO" sz="900" dirty="0" smtClean="0">
+                <a:solidFill>
+                  <a:schemeClr val="tx1"/>
+                </a:solidFill>
+                <a:latin typeface="Arial" panose="020B0604020202020204" pitchFamily="34" charset="0"/>
+                <a:cs typeface="Arial" panose="020B0604020202020204" pitchFamily="34" charset="0"/>
+              </a:rPr>
+              <a:t>los términos </a:t>
+            </a:r>
+            <a:r>
+              <a:rPr lang="es-CO" sz="900" i="1" dirty="0" smtClean="0">
+                <a:solidFill>
+                  <a:schemeClr val="tx1"/>
+                </a:solidFill>
+                <a:latin typeface="Arial" panose="020B0604020202020204" pitchFamily="34" charset="0"/>
+                <a:cs typeface="Arial" panose="020B0604020202020204" pitchFamily="34" charset="0"/>
+              </a:rPr>
+              <a:t>a</a:t>
+            </a:r>
+            <a:r>
+              <a:rPr lang="es-CO" sz="900" dirty="0" smtClean="0">
+                <a:solidFill>
+                  <a:schemeClr val="tx1"/>
+                </a:solidFill>
+                <a:latin typeface="Arial" panose="020B0604020202020204" pitchFamily="34" charset="0"/>
+                <a:cs typeface="Arial" panose="020B0604020202020204" pitchFamily="34" charset="0"/>
+              </a:rPr>
+              <a:t> </a:t>
+            </a:r>
+            <a:r>
+              <a:rPr lang="es-CO" sz="900" dirty="0" smtClean="0">
+                <a:solidFill>
+                  <a:schemeClr val="tx1"/>
+                </a:solidFill>
+                <a:latin typeface="Arial" panose="020B0604020202020204" pitchFamily="34" charset="0"/>
+                <a:cs typeface="Arial" panose="020B0604020202020204" pitchFamily="34" charset="0"/>
+              </a:rPr>
+              <a:t>y </a:t>
+            </a:r>
+            <a:r>
+              <a:rPr lang="es-CO" sz="900" i="1" dirty="0" smtClean="0">
+                <a:solidFill>
+                  <a:schemeClr val="tx1"/>
+                </a:solidFill>
+                <a:latin typeface="Arial" panose="020B0604020202020204" pitchFamily="34" charset="0"/>
+                <a:cs typeface="Arial" panose="020B0604020202020204" pitchFamily="34" charset="0"/>
+              </a:rPr>
+              <a:t>b</a:t>
+            </a:r>
+            <a:r>
+              <a:rPr lang="es-CO" sz="900" dirty="0" smtClean="0">
+                <a:solidFill>
+                  <a:schemeClr val="tx1"/>
+                </a:solidFill>
+                <a:latin typeface="Arial" panose="020B0604020202020204" pitchFamily="34" charset="0"/>
+                <a:cs typeface="Arial" panose="020B0604020202020204" pitchFamily="34" charset="0"/>
+              </a:rPr>
+              <a:t> </a:t>
             </a:r>
             <a:endParaRPr lang="es-CO" sz="900" dirty="0">
               <a:solidFill>
                 <a:schemeClr val="tx1"/>
               </a:solidFill>
-              <a:cs typeface="Arial" pitchFamily="34" charset="0"/>
+              <a:latin typeface="Arial" panose="020B0604020202020204" pitchFamily="34" charset="0"/>
+              <a:cs typeface="Arial" panose="020B0604020202020204" pitchFamily="34" charset="0"/>
             </a:endParaRPr>
           </a:p>
         </p:txBody>
@@ -5928,8 +4739,8 @@
         </p:nvSpPr>
         <p:spPr>
           <a:xfrm>
-            <a:off x="10770176" y="7123428"/>
-            <a:ext cx="895445" cy="505619"/>
+            <a:off x="10530770" y="6744657"/>
+            <a:ext cx="793045" cy="320493"/>
           </a:xfrm>
           <a:prstGeom prst="rect">
             <a:avLst/>
@@ -5962,33 +4773,17 @@
                 <a:solidFill>
                   <a:schemeClr val="tx1"/>
                 </a:solidFill>
-                <a:cs typeface="Arial" pitchFamily="34" charset="0"/>
-              </a:rPr>
-              <a:t> el  </a:t>
-            </a:r>
-            <a:r>
-              <a:rPr lang="es-CO" sz="900" dirty="0" smtClean="0">
-                <a:solidFill>
-                  <a:schemeClr val="tx1"/>
-                </a:solidFill>
-                <a:cs typeface="Arial" pitchFamily="34" charset="0"/>
-              </a:rPr>
-              <a:t>término </a:t>
-            </a:r>
-            <a:r>
-              <a:rPr lang="es-CO" sz="900" dirty="0" smtClean="0">
-                <a:solidFill>
-                  <a:schemeClr val="tx1"/>
-                </a:solidFill>
-                <a:cs typeface="Arial" pitchFamily="34" charset="0"/>
-              </a:rPr>
-              <a:t>general </a:t>
+                <a:latin typeface="Arial" panose="020B0604020202020204" pitchFamily="34" charset="0"/>
+                <a:cs typeface="Arial" panose="020B0604020202020204" pitchFamily="34" charset="0"/>
+              </a:rPr>
+              <a:t> el  término general </a:t>
             </a:r>
             <a:endParaRPr lang="es-CO" sz="900" dirty="0">
               <a:solidFill>
                 <a:schemeClr val="tx1"/>
               </a:solidFill>
-              <a:cs typeface="Arial" pitchFamily="34" charset="0"/>
+              <a:latin typeface="Arial" panose="020B0604020202020204" pitchFamily="34" charset="0"/>
+              <a:cs typeface="Arial" panose="020B0604020202020204" pitchFamily="34" charset="0"/>
             </a:endParaRPr>
           </a:p>
         </p:txBody>
@@ -6001,8 +4796,8 @@
         </p:nvSpPr>
         <p:spPr>
           <a:xfrm>
-            <a:off x="11741726" y="7123428"/>
-            <a:ext cx="895445" cy="505619"/>
+            <a:off x="11568823" y="6722050"/>
+            <a:ext cx="815610" cy="331285"/>
           </a:xfrm>
           <a:prstGeom prst="rect">
             <a:avLst/>
@@ -6035,33 +4830,47 @@
                 <a:solidFill>
                   <a:schemeClr val="tx1"/>
                 </a:solidFill>
-                <a:cs typeface="Arial" pitchFamily="34" charset="0"/>
+                <a:latin typeface="Arial" panose="020B0604020202020204" pitchFamily="34" charset="0"/>
+                <a:cs typeface="Arial" panose="020B0604020202020204" pitchFamily="34" charset="0"/>
               </a:rPr>
               <a:t> </a:t>
             </a:r>
             <a:r>
+              <a:rPr lang="es-CO" sz="900" dirty="0" smtClean="0">
+                <a:solidFill>
+                  <a:schemeClr val="tx1"/>
+                </a:solidFill>
+                <a:latin typeface="Arial" panose="020B0604020202020204" pitchFamily="34" charset="0"/>
+                <a:cs typeface="Arial" panose="020B0604020202020204" pitchFamily="34" charset="0"/>
+              </a:rPr>
+              <a:t>la suma de </a:t>
+            </a:r>
+            <a:r>
               <a:rPr lang="es-CO" sz="900" i="1" dirty="0" smtClean="0">
                 <a:solidFill>
                   <a:schemeClr val="tx1"/>
                 </a:solidFill>
-                <a:cs typeface="Arial" pitchFamily="34" charset="0"/>
-              </a:rPr>
-              <a:t>n</a:t>
+                <a:latin typeface="Arial" panose="020B0604020202020204" pitchFamily="34" charset="0"/>
+                <a:cs typeface="Arial" panose="020B0604020202020204" pitchFamily="34" charset="0"/>
+              </a:rPr>
+              <a:t>n </a:t>
             </a:r>
             <a:r>
               <a:rPr lang="es-CO" sz="900" dirty="0" smtClean="0">
                 <a:solidFill>
                   <a:schemeClr val="tx1"/>
                 </a:solidFill>
-                <a:cs typeface="Arial" pitchFamily="34" charset="0"/>
-              </a:rPr>
-              <a:t> términos  consecutivos se suman y  se multiplican   </a:t>
+                <a:latin typeface="Arial" panose="020B0604020202020204" pitchFamily="34" charset="0"/>
+                <a:cs typeface="Arial" panose="020B0604020202020204" pitchFamily="34" charset="0"/>
+              </a:rPr>
+              <a:t>términos</a:t>
             </a:r>
             <a:endParaRPr lang="es-CO" sz="900" dirty="0">
               <a:solidFill>
                 <a:schemeClr val="tx1"/>
               </a:solidFill>
-              <a:cs typeface="Arial" pitchFamily="34" charset="0"/>
+              <a:latin typeface="Arial" panose="020B0604020202020204" pitchFamily="34" charset="0"/>
+              <a:cs typeface="Arial" panose="020B0604020202020204" pitchFamily="34" charset="0"/>
             </a:endParaRPr>
           </a:p>
         </p:txBody>
@@ -6077,7 +4886,7 @@
         </p:nvCxnSpPr>
         <p:spPr>
           <a:xfrm rot="16200000" flipH="1">
-            <a:off x="9133080" y="7029334"/>
+            <a:off x="8471551" y="6527960"/>
             <a:ext cx="258980" cy="5407"/>
           </a:xfrm>
           <a:prstGeom prst="bentConnector3">
@@ -6117,8 +4926,8 @@
         </p:nvCxnSpPr>
         <p:spPr>
           <a:xfrm rot="16200000" flipH="1">
-            <a:off x="9623665" y="6538749"/>
-            <a:ext cx="258980" cy="986577"/>
+            <a:off x="8975853" y="6023658"/>
+            <a:ext cx="258980" cy="1014011"/>
           </a:xfrm>
           <a:prstGeom prst="bentConnector3">
             <a:avLst>
@@ -6154,7 +4963,7 @@
         </p:nvSpPr>
         <p:spPr>
           <a:xfrm>
-            <a:off x="11601813" y="6499234"/>
+            <a:off x="11338091" y="6130119"/>
             <a:ext cx="1191057" cy="384264"/>
           </a:xfrm>
           <a:prstGeom prst="rect">
@@ -6188,7 +4997,8 @@
                 <a:solidFill>
                   <a:schemeClr val="tx1"/>
                 </a:solidFill>
-                <a:cs typeface="Arial" pitchFamily="34" charset="0"/>
+                <a:latin typeface="Arial" panose="020B0604020202020204" pitchFamily="34" charset="0"/>
+                <a:cs typeface="Arial" panose="020B0604020202020204" pitchFamily="34" charset="0"/>
               </a:rPr>
               <a:t>se  caracterizan</a:t>
             </a:r>
@@ -6200,7 +5010,8 @@
                 <a:solidFill>
                   <a:schemeClr val="tx1"/>
                 </a:solidFill>
-                <a:cs typeface="Arial" pitchFamily="34" charset="0"/>
+                <a:latin typeface="Arial" panose="020B0604020202020204" pitchFamily="34" charset="0"/>
+                <a:cs typeface="Arial" panose="020B0604020202020204" pitchFamily="34" charset="0"/>
               </a:rPr>
               <a:t> por   </a:t>
             </a:r>
@@ -6208,7 +5019,8 @@
               <a:solidFill>
                 <a:schemeClr val="tx1"/>
               </a:solidFill>
-              <a:cs typeface="Arial" pitchFamily="34" charset="0"/>
+              <a:latin typeface="Arial" panose="020B0604020202020204" pitchFamily="34" charset="0"/>
+              <a:cs typeface="Arial" panose="020B0604020202020204" pitchFamily="34" charset="0"/>
             </a:endParaRPr>
           </a:p>
         </p:txBody>
@@ -6216,16 +5028,13 @@
       <p:cxnSp>
         <p:nvCxnSpPr>
           <p:cNvPr id="282" name="281 Conector recto"/>
-          <p:cNvCxnSpPr>
-            <a:stCxn id="280" idx="0"/>
-            <a:endCxn id="261" idx="2"/>
-          </p:cNvCxnSpPr>
+          <p:cNvCxnSpPr/>
           <p:nvPr/>
         </p:nvCxnSpPr>
         <p:spPr>
           <a:xfrm flipV="1">
-            <a:off x="12197342" y="6384949"/>
-            <a:ext cx="7306" cy="114285"/>
+            <a:off x="11984298" y="5952473"/>
+            <a:ext cx="1" cy="252501"/>
           </a:xfrm>
           <a:prstGeom prst="line">
             <a:avLst/>
@@ -6259,8 +5068,8 @@
         </p:nvSpPr>
         <p:spPr>
           <a:xfrm>
-            <a:off x="12718955" y="7123428"/>
-            <a:ext cx="895445" cy="505619"/>
+            <a:off x="12665519" y="6730218"/>
+            <a:ext cx="775563" cy="505619"/>
           </a:xfrm>
           <a:prstGeom prst="rect">
             <a:avLst/>
@@ -6293,7 +5102,8 @@
                 <a:solidFill>
                   <a:schemeClr val="tx1"/>
                 </a:solidFill>
-                <a:cs typeface="Arial" pitchFamily="34" charset="0"/>
+                <a:latin typeface="Arial" panose="020B0604020202020204" pitchFamily="34" charset="0"/>
+                <a:cs typeface="Arial" panose="020B0604020202020204" pitchFamily="34" charset="0"/>
               </a:rPr>
               <a:t>interpolar</a:t>
             </a:r>
@@ -6302,7 +5112,8 @@
                 <a:solidFill>
                   <a:schemeClr val="tx1"/>
                 </a:solidFill>
-                <a:cs typeface="Arial" pitchFamily="34" charset="0"/>
+                <a:latin typeface="Arial" panose="020B0604020202020204" pitchFamily="34" charset="0"/>
+                <a:cs typeface="Arial" panose="020B0604020202020204" pitchFamily="34" charset="0"/>
               </a:rPr>
               <a:t> k </a:t>
             </a:r>
@@ -6311,15 +5122,47 @@
                 <a:solidFill>
                   <a:schemeClr val="tx1"/>
                 </a:solidFill>
-                <a:cs typeface="Arial" pitchFamily="34" charset="0"/>
-              </a:rPr>
-              <a:t>términos  entre a y b</a:t>
-            </a:r>
-            <a:endParaRPr lang="es-CO" sz="900" dirty="0">
+                <a:latin typeface="Arial" panose="020B0604020202020204" pitchFamily="34" charset="0"/>
+                <a:cs typeface="Arial" panose="020B0604020202020204" pitchFamily="34" charset="0"/>
+              </a:rPr>
+              <a:t>términos  entre </a:t>
+            </a:r>
+            <a:r>
+              <a:rPr lang="es-CO" sz="900" i="1" dirty="0" smtClean="0">
+                <a:solidFill>
+                  <a:schemeClr val="tx1"/>
+                </a:solidFill>
+                <a:latin typeface="Arial" panose="020B0604020202020204" pitchFamily="34" charset="0"/>
+                <a:cs typeface="Arial" panose="020B0604020202020204" pitchFamily="34" charset="0"/>
+              </a:rPr>
+              <a:t>a</a:t>
+            </a:r>
+            <a:r>
+              <a:rPr lang="es-CO" sz="900" dirty="0" smtClean="0">
+                <a:solidFill>
+                  <a:schemeClr val="tx1"/>
+                </a:solidFill>
+                <a:latin typeface="Arial" panose="020B0604020202020204" pitchFamily="34" charset="0"/>
+                <a:cs typeface="Arial" panose="020B0604020202020204" pitchFamily="34" charset="0"/>
+              </a:rPr>
+              <a:t> y </a:t>
+            </a:r>
+            <a:r>
+              <a:rPr lang="es-CO" sz="900" i="1" dirty="0" smtClean="0">
+                <a:solidFill>
+                  <a:schemeClr val="tx1"/>
+                </a:solidFill>
+                <a:latin typeface="Arial" panose="020B0604020202020204" pitchFamily="34" charset="0"/>
+                <a:cs typeface="Arial" panose="020B0604020202020204" pitchFamily="34" charset="0"/>
+              </a:rPr>
+              <a:t>b</a:t>
+            </a:r>
+            <a:endParaRPr lang="es-CO" sz="900" i="1" dirty="0">
               <a:solidFill>
                 <a:schemeClr val="tx1"/>
               </a:solidFill>
-              <a:cs typeface="Arial" pitchFamily="34" charset="0"/>
+              <a:latin typeface="Arial" panose="020B0604020202020204" pitchFamily="34" charset="0"/>
+              <a:cs typeface="Arial" panose="020B0604020202020204" pitchFamily="34" charset="0"/>
             </a:endParaRPr>
           </a:p>
         </p:txBody>
@@ -6332,7 +5175,7 @@
         </p:nvSpPr>
         <p:spPr>
           <a:xfrm>
-            <a:off x="7905750" y="7822466"/>
+            <a:off x="7192871" y="7106401"/>
             <a:ext cx="756432" cy="276977"/>
           </a:xfrm>
           <a:prstGeom prst="rect">
@@ -6366,7 +5209,8 @@
                 <a:solidFill>
                   <a:schemeClr val="tx1"/>
                 </a:solidFill>
-                <a:cs typeface="Arial" pitchFamily="34" charset="0"/>
+                <a:latin typeface="Arial" panose="020B0604020202020204" pitchFamily="34" charset="0"/>
+                <a:cs typeface="Arial" panose="020B0604020202020204" pitchFamily="34" charset="0"/>
               </a:rPr>
               <a:t>definido como     </a:t>
             </a:r>
@@ -6374,7 +5218,8 @@
               <a:solidFill>
                 <a:schemeClr val="tx1"/>
               </a:solidFill>
-              <a:cs typeface="Arial" pitchFamily="34" charset="0"/>
+              <a:latin typeface="Arial" panose="020B0604020202020204" pitchFamily="34" charset="0"/>
+              <a:cs typeface="Arial" panose="020B0604020202020204" pitchFamily="34" charset="0"/>
             </a:endParaRPr>
           </a:p>
         </p:txBody>
@@ -6390,8 +5235,8 @@
         </p:nvCxnSpPr>
         <p:spPr>
           <a:xfrm flipH="1">
-            <a:off x="8283966" y="7667147"/>
-            <a:ext cx="233" cy="155319"/>
+            <a:off x="7571087" y="6960804"/>
+            <a:ext cx="560" cy="145597"/>
           </a:xfrm>
           <a:prstGeom prst="line">
             <a:avLst/>
@@ -6425,8 +5270,8 @@
         </p:nvSpPr>
         <p:spPr>
           <a:xfrm>
-            <a:off x="7836476" y="8237853"/>
-            <a:ext cx="895445" cy="505619"/>
+            <a:off x="7105001" y="7507623"/>
+            <a:ext cx="929958" cy="326887"/>
           </a:xfrm>
           <a:prstGeom prst="rect">
             <a:avLst/>
@@ -6455,11 +5300,17 @@
           <a:p>
             <a:pPr algn="ctr"/>
             <a:r>
-              <a:rPr lang="es-CO" sz="900" i="1" dirty="0" smtClean="0"/>
+              <a:rPr lang="es-CO" sz="900" i="1" dirty="0" smtClean="0">
+                <a:latin typeface="Arial" panose="020B0604020202020204" pitchFamily="34" charset="0"/>
+                <a:cs typeface="Arial" panose="020B0604020202020204" pitchFamily="34" charset="0"/>
+              </a:rPr>
               <a:t> </a:t>
             </a:r>
             <a:r>
-              <a:rPr lang="es-CO" sz="900" dirty="0" smtClean="0"/>
+              <a:rPr lang="es-CO" sz="900" dirty="0" smtClean="0">
+                <a:latin typeface="Arial" panose="020B0604020202020204" pitchFamily="34" charset="0"/>
+                <a:cs typeface="Arial" panose="020B0604020202020204" pitchFamily="34" charset="0"/>
+              </a:rPr>
               <a:t> </a:t>
             </a:r>
             <a:r>
@@ -6467,7 +5318,8 @@
                 <a:solidFill>
                   <a:schemeClr val="tx1"/>
                 </a:solidFill>
-                <a:cs typeface="Arial" pitchFamily="34" charset="0"/>
+                <a:latin typeface="Arial" panose="020B0604020202020204" pitchFamily="34" charset="0"/>
+                <a:cs typeface="Arial" panose="020B0604020202020204" pitchFamily="34" charset="0"/>
               </a:rPr>
               <a:t> </a:t>
             </a:r>
@@ -6478,7 +5330,8 @@
               <a:solidFill>
                 <a:schemeClr val="tx1"/>
               </a:solidFill>
-              <a:cs typeface="Arial" pitchFamily="34" charset="0"/>
+              <a:latin typeface="Arial" panose="020B0604020202020204" pitchFamily="34" charset="0"/>
+              <a:cs typeface="Arial" panose="020B0604020202020204" pitchFamily="34" charset="0"/>
             </a:endParaRPr>
           </a:p>
         </p:txBody>
@@ -6493,9 +5346,9 @@
           <p:nvPr/>
         </p:nvCxnSpPr>
         <p:spPr>
-          <a:xfrm>
-            <a:off x="8283966" y="8099443"/>
-            <a:ext cx="233" cy="138410"/>
+          <a:xfrm flipH="1">
+            <a:off x="7569980" y="7383378"/>
+            <a:ext cx="1107" cy="124245"/>
           </a:xfrm>
           <a:prstGeom prst="line">
             <a:avLst/>
@@ -6529,7 +5382,7 @@
         </p:nvSpPr>
         <p:spPr>
           <a:xfrm>
-            <a:off x="8886825" y="7822466"/>
+            <a:off x="8225296" y="7321092"/>
             <a:ext cx="756432" cy="276977"/>
           </a:xfrm>
           <a:prstGeom prst="rect">
@@ -6563,7 +5416,8 @@
                 <a:solidFill>
                   <a:schemeClr val="tx1"/>
                 </a:solidFill>
-                <a:cs typeface="Arial" pitchFamily="34" charset="0"/>
+                <a:latin typeface="Arial" panose="020B0604020202020204" pitchFamily="34" charset="0"/>
+                <a:cs typeface="Arial" panose="020B0604020202020204" pitchFamily="34" charset="0"/>
               </a:rPr>
               <a:t>utilizando la formula      </a:t>
             </a:r>
@@ -6571,7 +5425,8 @@
               <a:solidFill>
                 <a:schemeClr val="tx1"/>
               </a:solidFill>
-              <a:cs typeface="Arial" pitchFamily="34" charset="0"/>
+              <a:latin typeface="Arial" panose="020B0604020202020204" pitchFamily="34" charset="0"/>
+              <a:cs typeface="Arial" panose="020B0604020202020204" pitchFamily="34" charset="0"/>
             </a:endParaRPr>
           </a:p>
         </p:txBody>
@@ -6587,7 +5442,7 @@
         </p:nvCxnSpPr>
         <p:spPr>
           <a:xfrm flipH="1">
-            <a:off x="9265041" y="7667147"/>
+            <a:off x="8603512" y="7165773"/>
             <a:ext cx="233" cy="155319"/>
           </a:xfrm>
           <a:prstGeom prst="line">
@@ -6622,7 +5477,7 @@
         </p:nvSpPr>
         <p:spPr>
           <a:xfrm>
-            <a:off x="8817551" y="8237853"/>
+            <a:off x="8156022" y="7736479"/>
             <a:ext cx="895445" cy="505619"/>
           </a:xfrm>
           <a:prstGeom prst="rect">
@@ -6655,7 +5510,8 @@
               <a:solidFill>
                 <a:schemeClr val="tx1"/>
               </a:solidFill>
-              <a:cs typeface="Arial" pitchFamily="34" charset="0"/>
+              <a:latin typeface="Arial" panose="020B0604020202020204" pitchFamily="34" charset="0"/>
+              <a:cs typeface="Arial" panose="020B0604020202020204" pitchFamily="34" charset="0"/>
             </a:endParaRPr>
           </a:p>
           <a:p>
@@ -6664,7 +5520,8 @@
               <a:solidFill>
                 <a:schemeClr val="tx1"/>
               </a:solidFill>
-              <a:cs typeface="Arial" pitchFamily="34" charset="0"/>
+              <a:latin typeface="Arial" panose="020B0604020202020204" pitchFamily="34" charset="0"/>
+              <a:cs typeface="Arial" panose="020B0604020202020204" pitchFamily="34" charset="0"/>
             </a:endParaRPr>
           </a:p>
         </p:txBody>
@@ -6680,7 +5537,7 @@
         </p:nvCxnSpPr>
         <p:spPr>
           <a:xfrm>
-            <a:off x="9265041" y="8099443"/>
+            <a:off x="8603512" y="7598069"/>
             <a:ext cx="233" cy="138410"/>
           </a:xfrm>
           <a:prstGeom prst="line">
@@ -6724,7 +5581,7 @@
         </p:blipFill>
         <p:spPr bwMode="auto">
           <a:xfrm>
-            <a:off x="8859838" y="8303195"/>
+            <a:off x="8198309" y="7801821"/>
             <a:ext cx="827087" cy="242318"/>
           </a:xfrm>
           <a:prstGeom prst="rect">
@@ -6748,7 +5605,7 @@
         </p:nvSpPr>
         <p:spPr>
           <a:xfrm>
-            <a:off x="9867900" y="7841516"/>
+            <a:off x="9237813" y="7296998"/>
             <a:ext cx="756432" cy="276977"/>
           </a:xfrm>
           <a:prstGeom prst="rect">
@@ -6782,15 +5639,27 @@
                 <a:solidFill>
                   <a:schemeClr val="tx1"/>
                 </a:solidFill>
-                <a:cs typeface="Arial" pitchFamily="34" charset="0"/>
-              </a:rPr>
-              <a:t>utilizando la formula      </a:t>
+                <a:latin typeface="Arial" panose="020B0604020202020204" pitchFamily="34" charset="0"/>
+                <a:cs typeface="Arial" panose="020B0604020202020204" pitchFamily="34" charset="0"/>
+              </a:rPr>
+              <a:t>con </a:t>
+            </a:r>
+            <a:r>
+              <a:rPr lang="es-CO" sz="900" dirty="0" smtClean="0">
+                <a:solidFill>
+                  <a:schemeClr val="tx1"/>
+                </a:solidFill>
+                <a:latin typeface="Arial" panose="020B0604020202020204" pitchFamily="34" charset="0"/>
+                <a:cs typeface="Arial" panose="020B0604020202020204" pitchFamily="34" charset="0"/>
+              </a:rPr>
+              <a:t>la formula      </a:t>
             </a:r>
             <a:endParaRPr lang="es-CO" sz="900" dirty="0">
               <a:solidFill>
                 <a:schemeClr val="tx1"/>
               </a:solidFill>
-              <a:cs typeface="Arial" pitchFamily="34" charset="0"/>
+              <a:latin typeface="Arial" panose="020B0604020202020204" pitchFamily="34" charset="0"/>
+              <a:cs typeface="Arial" panose="020B0604020202020204" pitchFamily="34" charset="0"/>
             </a:endParaRPr>
           </a:p>
         </p:txBody>
@@ -6805,9 +5674,9 @@
           <p:nvPr/>
         </p:nvCxnSpPr>
         <p:spPr>
-          <a:xfrm flipH="1">
-            <a:off x="10246116" y="7667147"/>
-            <a:ext cx="328" cy="174369"/>
+          <a:xfrm>
+            <a:off x="9612349" y="7211257"/>
+            <a:ext cx="3680" cy="85741"/>
           </a:xfrm>
           <a:prstGeom prst="line">
             <a:avLst/>
@@ -6841,8 +5710,8 @@
         </p:nvSpPr>
         <p:spPr>
           <a:xfrm>
-            <a:off x="9798626" y="8247378"/>
-            <a:ext cx="895445" cy="505619"/>
+            <a:off x="9202414" y="7769728"/>
+            <a:ext cx="830095" cy="434437"/>
           </a:xfrm>
           <a:prstGeom prst="rect">
             <a:avLst/>
@@ -6874,7 +5743,8 @@
               <a:solidFill>
                 <a:schemeClr val="tx1"/>
               </a:solidFill>
-              <a:cs typeface="Arial" pitchFamily="34" charset="0"/>
+              <a:latin typeface="Arial" panose="020B0604020202020204" pitchFamily="34" charset="0"/>
+              <a:cs typeface="Arial" panose="020B0604020202020204" pitchFamily="34" charset="0"/>
             </a:endParaRPr>
           </a:p>
           <a:p>
@@ -6883,7 +5753,8 @@
               <a:solidFill>
                 <a:schemeClr val="tx1"/>
               </a:solidFill>
-              <a:cs typeface="Arial" pitchFamily="34" charset="0"/>
+              <a:latin typeface="Arial" panose="020B0604020202020204" pitchFamily="34" charset="0"/>
+              <a:cs typeface="Arial" panose="020B0604020202020204" pitchFamily="34" charset="0"/>
             </a:endParaRPr>
           </a:p>
         </p:txBody>
@@ -6899,8 +5770,8 @@
         </p:nvCxnSpPr>
         <p:spPr>
           <a:xfrm>
-            <a:off x="10246116" y="8118493"/>
-            <a:ext cx="233" cy="128885"/>
+            <a:off x="9616029" y="7573975"/>
+            <a:ext cx="1433" cy="195753"/>
           </a:xfrm>
           <a:prstGeom prst="line">
             <a:avLst/>
@@ -6934,7 +5805,7 @@
         </p:nvSpPr>
         <p:spPr>
           <a:xfrm>
-            <a:off x="10848975" y="7793891"/>
+            <a:off x="10486150" y="7220552"/>
             <a:ext cx="756432" cy="276977"/>
           </a:xfrm>
           <a:prstGeom prst="rect">
@@ -6968,7 +5839,8 @@
                 <a:solidFill>
                   <a:schemeClr val="tx1"/>
                 </a:solidFill>
-                <a:cs typeface="Arial" pitchFamily="34" charset="0"/>
+                <a:latin typeface="Arial" panose="020B0604020202020204" pitchFamily="34" charset="0"/>
+                <a:cs typeface="Arial" panose="020B0604020202020204" pitchFamily="34" charset="0"/>
               </a:rPr>
               <a:t>definido como     </a:t>
             </a:r>
@@ -6976,7 +5848,8 @@
               <a:solidFill>
                 <a:schemeClr val="tx1"/>
               </a:solidFill>
-              <a:cs typeface="Arial" pitchFamily="34" charset="0"/>
+              <a:latin typeface="Arial" panose="020B0604020202020204" pitchFamily="34" charset="0"/>
+              <a:cs typeface="Arial" panose="020B0604020202020204" pitchFamily="34" charset="0"/>
             </a:endParaRPr>
           </a:p>
         </p:txBody>
@@ -6989,8 +5862,8 @@
         </p:nvSpPr>
         <p:spPr>
           <a:xfrm>
-            <a:off x="10779701" y="8256903"/>
-            <a:ext cx="895445" cy="505619"/>
+            <a:off x="10518675" y="7732638"/>
+            <a:ext cx="895445" cy="354802"/>
           </a:xfrm>
           <a:prstGeom prst="rect">
             <a:avLst/>
@@ -7022,7 +5895,8 @@
               <a:solidFill>
                 <a:srgbClr val="FF0000"/>
               </a:solidFill>
-              <a:cs typeface="Arial" pitchFamily="34" charset="0"/>
+              <a:latin typeface="Arial" panose="020B0604020202020204" pitchFamily="34" charset="0"/>
+              <a:cs typeface="Arial" panose="020B0604020202020204" pitchFamily="34" charset="0"/>
             </a:endParaRPr>
           </a:p>
           <a:p>
@@ -7031,7 +5905,8 @@
               <a:solidFill>
                 <a:srgbClr val="FF0000"/>
               </a:solidFill>
-              <a:cs typeface="Arial" pitchFamily="34" charset="0"/>
+              <a:latin typeface="Arial" panose="020B0604020202020204" pitchFamily="34" charset="0"/>
+              <a:cs typeface="Arial" panose="020B0604020202020204" pitchFamily="34" charset="0"/>
             </a:endParaRPr>
           </a:p>
         </p:txBody>
@@ -7039,54 +5914,13 @@
       <p:cxnSp>
         <p:nvCxnSpPr>
           <p:cNvPr id="184" name="183 Conector recto"/>
-          <p:cNvCxnSpPr>
-            <a:stCxn id="181" idx="2"/>
-            <a:endCxn id="183" idx="0"/>
-          </p:cNvCxnSpPr>
+          <p:cNvCxnSpPr/>
           <p:nvPr/>
         </p:nvCxnSpPr>
         <p:spPr>
           <a:xfrm>
-            <a:off x="11227191" y="8070868"/>
+            <a:off x="10951010" y="7078649"/>
             <a:ext cx="233" cy="186035"/>
-          </a:xfrm>
-          <a:prstGeom prst="line">
-            <a:avLst/>
-          </a:prstGeom>
-          <a:ln w="12700">
-            <a:solidFill>
-              <a:schemeClr val="tx1"/>
-            </a:solidFill>
-          </a:ln>
-        </p:spPr>
-        <p:style>
-          <a:lnRef idx="1">
-            <a:schemeClr val="accent1"/>
-          </a:lnRef>
-          <a:fillRef idx="0">
-            <a:schemeClr val="accent1"/>
-          </a:fillRef>
-          <a:effectRef idx="0">
-            <a:schemeClr val="accent1"/>
-          </a:effectRef>
-          <a:fontRef idx="minor">
-            <a:schemeClr val="tx1"/>
-          </a:fontRef>
-        </p:style>
-      </p:cxnSp>
-      <p:cxnSp>
-        <p:nvCxnSpPr>
-          <p:cNvPr id="187" name="186 Conector recto"/>
-          <p:cNvCxnSpPr>
-            <a:stCxn id="272" idx="2"/>
-            <a:endCxn id="181" idx="0"/>
-          </p:cNvCxnSpPr>
-          <p:nvPr/>
-        </p:nvCxnSpPr>
-        <p:spPr>
-          <a:xfrm>
-            <a:off x="11217899" y="7629047"/>
-            <a:ext cx="9292" cy="164844"/>
           </a:xfrm>
           <a:prstGeom prst="line">
             <a:avLst/>
@@ -7120,8 +5954,8 @@
         </p:nvSpPr>
         <p:spPr>
           <a:xfrm>
-            <a:off x="11751251" y="8237853"/>
-            <a:ext cx="895445" cy="991872"/>
+            <a:off x="11503509" y="7538512"/>
+            <a:ext cx="1053650" cy="468531"/>
           </a:xfrm>
           <a:prstGeom prst="rect">
             <a:avLst/>
@@ -7156,18 +5990,9 @@
             </a:endParaRPr>
           </a:p>
           <a:p>
-            <a:r>
-              <a:rPr lang="es-CO" sz="900" dirty="0" smtClean="0">
-                <a:solidFill>
-                  <a:schemeClr val="tx1"/>
-                </a:solidFill>
-                <a:cs typeface="Arial" pitchFamily="34" charset="0"/>
-              </a:rPr>
-              <a:t>sumar:</a:t>
-            </a:r>
             <a:endParaRPr lang="es-CO" sz="900" dirty="0" smtClean="0">
               <a:solidFill>
-                <a:srgbClr val="FF0000"/>
+                <a:schemeClr val="tx1"/>
               </a:solidFill>
               <a:cs typeface="Arial" pitchFamily="34" charset="0"/>
             </a:endParaRPr>
@@ -7176,31 +6001,6 @@
             <a:endParaRPr lang="es-CO" sz="900" dirty="0" smtClean="0">
               <a:solidFill>
                 <a:schemeClr val="tx1"/>
-              </a:solidFill>
-              <a:cs typeface="Arial" pitchFamily="34" charset="0"/>
-            </a:endParaRPr>
-          </a:p>
-          <a:p>
-            <a:endParaRPr lang="es-CO" sz="900" dirty="0" smtClean="0">
-              <a:solidFill>
-                <a:schemeClr val="tx1"/>
-              </a:solidFill>
-              <a:cs typeface="Arial" pitchFamily="34" charset="0"/>
-            </a:endParaRPr>
-          </a:p>
-          <a:p>
-            <a:r>
-              <a:rPr lang="es-CO" sz="900" dirty="0" smtClean="0">
-                <a:solidFill>
-                  <a:schemeClr val="tx1"/>
-                </a:solidFill>
-                <a:cs typeface="Arial" pitchFamily="34" charset="0"/>
-              </a:rPr>
-              <a:t>multiplicar: </a:t>
-            </a:r>
-            <a:endParaRPr lang="es-CO" sz="900" dirty="0" smtClean="0">
-              <a:solidFill>
-                <a:srgbClr val="FF0000"/>
               </a:solidFill>
               <a:cs typeface="Arial" pitchFamily="34" charset="0"/>
             </a:endParaRPr>
@@ -7231,44 +6031,6 @@
           </a:p>
         </p:txBody>
       </p:sp>
-      <p:cxnSp>
-        <p:nvCxnSpPr>
-          <p:cNvPr id="203" name="202 Conector recto"/>
-          <p:cNvCxnSpPr>
-            <a:stCxn id="220" idx="2"/>
-            <a:endCxn id="192" idx="0"/>
-          </p:cNvCxnSpPr>
-          <p:nvPr/>
-        </p:nvCxnSpPr>
-        <p:spPr>
-          <a:xfrm>
-            <a:off x="12189216" y="8032768"/>
-            <a:ext cx="9758" cy="205085"/>
-          </a:xfrm>
-          <a:prstGeom prst="line">
-            <a:avLst/>
-          </a:prstGeom>
-          <a:ln w="12700">
-            <a:solidFill>
-              <a:schemeClr val="tx1"/>
-            </a:solidFill>
-          </a:ln>
-        </p:spPr>
-        <p:style>
-          <a:lnRef idx="1">
-            <a:schemeClr val="accent1"/>
-          </a:lnRef>
-          <a:fillRef idx="0">
-            <a:schemeClr val="accent1"/>
-          </a:fillRef>
-          <a:effectRef idx="0">
-            <a:schemeClr val="accent1"/>
-          </a:effectRef>
-          <a:fontRef idx="minor">
-            <a:schemeClr val="tx1"/>
-          </a:fontRef>
-        </p:style>
-      </p:cxnSp>
       <p:sp>
         <p:nvSpPr>
           <p:cNvPr id="220" name="Rectángulo 35"/>
@@ -7277,7 +6039,7 @@
         </p:nvSpPr>
         <p:spPr>
           <a:xfrm>
-            <a:off x="11763375" y="7755791"/>
+            <a:off x="11520001" y="7090476"/>
             <a:ext cx="851682" cy="276977"/>
           </a:xfrm>
           <a:prstGeom prst="rect">
@@ -7311,15 +6073,17 @@
                 <a:solidFill>
                   <a:schemeClr val="tx1"/>
                 </a:solidFill>
-                <a:cs typeface="Arial" pitchFamily="34" charset="0"/>
-              </a:rPr>
-              <a:t>utilizando las formulas      </a:t>
+                <a:latin typeface="Arial" panose="020B0604020202020204" pitchFamily="34" charset="0"/>
+                <a:cs typeface="Arial" panose="020B0604020202020204" pitchFamily="34" charset="0"/>
+              </a:rPr>
+              <a:t>como</a:t>
             </a:r>
             <a:endParaRPr lang="es-CO" sz="900" dirty="0">
               <a:solidFill>
                 <a:schemeClr val="tx1"/>
               </a:solidFill>
-              <a:cs typeface="Arial" pitchFamily="34" charset="0"/>
+              <a:latin typeface="Arial" panose="020B0604020202020204" pitchFamily="34" charset="0"/>
+              <a:cs typeface="Arial" panose="020B0604020202020204" pitchFamily="34" charset="0"/>
             </a:endParaRPr>
           </a:p>
         </p:txBody>
@@ -7327,16 +6091,13 @@
       <p:cxnSp>
         <p:nvCxnSpPr>
           <p:cNvPr id="223" name="222 Conector recto"/>
-          <p:cNvCxnSpPr>
-            <a:stCxn id="273" idx="2"/>
-            <a:endCxn id="220" idx="0"/>
-          </p:cNvCxnSpPr>
+          <p:cNvCxnSpPr/>
           <p:nvPr/>
         </p:nvCxnSpPr>
         <p:spPr>
           <a:xfrm flipH="1">
-            <a:off x="12189216" y="7629047"/>
-            <a:ext cx="233" cy="126744"/>
+            <a:off x="11939194" y="7064813"/>
+            <a:ext cx="1804" cy="117949"/>
           </a:xfrm>
           <a:prstGeom prst="line">
             <a:avLst/>
@@ -7379,7 +6140,7 @@
         </p:blipFill>
         <p:spPr bwMode="auto">
           <a:xfrm>
-            <a:off x="11791950" y="8429625"/>
+            <a:off x="11622872" y="7632787"/>
             <a:ext cx="793629" cy="245233"/>
           </a:xfrm>
           <a:prstGeom prst="rect">
@@ -7398,15 +6159,12 @@
       <p:cxnSp>
         <p:nvCxnSpPr>
           <p:cNvPr id="228" name="160 Conector angular"/>
-          <p:cNvCxnSpPr>
-            <a:stCxn id="280" idx="2"/>
-            <a:endCxn id="272" idx="0"/>
-          </p:cNvCxnSpPr>
+          <p:cNvCxnSpPr/>
           <p:nvPr/>
         </p:nvCxnSpPr>
         <p:spPr>
           <a:xfrm rot="5400000">
-            <a:off x="11587656" y="6513742"/>
+            <a:off x="11336155" y="6127205"/>
             <a:ext cx="239930" cy="979443"/>
           </a:xfrm>
           <a:prstGeom prst="bentConnector3">
@@ -7437,22 +6195,19 @@
       </p:cxnSp>
       <p:cxnSp>
         <p:nvCxnSpPr>
-          <p:cNvPr id="233" name="160 Conector angular"/>
+          <p:cNvPr id="249" name="160 Conector angular"/>
           <p:cNvCxnSpPr>
-            <a:stCxn id="280" idx="2"/>
-            <a:endCxn id="273" idx="0"/>
+            <a:endCxn id="288" idx="0"/>
           </p:cNvCxnSpPr>
           <p:nvPr/>
         </p:nvCxnSpPr>
         <p:spPr>
-          <a:xfrm rot="5400000">
-            <a:off x="12073431" y="6999517"/>
-            <a:ext cx="239930" cy="7893"/>
-          </a:xfrm>
-          <a:prstGeom prst="bentConnector3">
-            <a:avLst>
-              <a:gd name="adj1" fmla="val 50000"/>
-            </a:avLst>
+          <a:xfrm>
+            <a:off x="11939194" y="6616926"/>
+            <a:ext cx="1114107" cy="113292"/>
+          </a:xfrm>
+          <a:prstGeom prst="bentConnector2">
+            <a:avLst/>
           </a:prstGeom>
           <a:ln w="12700">
             <a:solidFill>
@@ -7475,9 +6230,156 @@
           </a:fontRef>
         </p:style>
       </p:cxnSp>
+      <p:cxnSp>
+        <p:nvCxnSpPr>
+          <p:cNvPr id="253" name="252 Conector recto"/>
+          <p:cNvCxnSpPr/>
+          <p:nvPr/>
+        </p:nvCxnSpPr>
+        <p:spPr>
+          <a:xfrm>
+            <a:off x="13063841" y="7220552"/>
+            <a:ext cx="3613" cy="174369"/>
+          </a:xfrm>
+          <a:prstGeom prst="line">
+            <a:avLst/>
+          </a:prstGeom>
+          <a:ln w="12700">
+            <a:solidFill>
+              <a:schemeClr val="tx1"/>
+            </a:solidFill>
+          </a:ln>
+        </p:spPr>
+        <p:style>
+          <a:lnRef idx="1">
+            <a:schemeClr val="accent1"/>
+          </a:lnRef>
+          <a:fillRef idx="0">
+            <a:schemeClr val="accent1"/>
+          </a:fillRef>
+          <a:effectRef idx="0">
+            <a:schemeClr val="accent1"/>
+          </a:effectRef>
+          <a:fontRef idx="minor">
+            <a:schemeClr val="tx1"/>
+          </a:fontRef>
+        </p:style>
+      </p:cxnSp>
+      <p:sp>
+        <p:nvSpPr>
+          <p:cNvPr id="269" name="Rectángulo 35"/>
+          <p:cNvSpPr/>
+          <p:nvPr/>
+        </p:nvSpPr>
+        <p:spPr>
+          <a:xfrm>
+            <a:off x="12697281" y="7399507"/>
+            <a:ext cx="790890" cy="276977"/>
+          </a:xfrm>
+          <a:prstGeom prst="rect">
+            <a:avLst/>
+          </a:prstGeom>
+          <a:ln>
+            <a:noFill/>
+          </a:ln>
+        </p:spPr>
+        <p:style>
+          <a:lnRef idx="2">
+            <a:schemeClr val="dk1"/>
+          </a:lnRef>
+          <a:fillRef idx="1">
+            <a:schemeClr val="lt1"/>
+          </a:fillRef>
+          <a:effectRef idx="0">
+            <a:schemeClr val="dk1"/>
+          </a:effectRef>
+          <a:fontRef idx="minor">
+            <a:schemeClr val="dk1"/>
+          </a:fontRef>
+        </p:style>
+        <p:txBody>
+          <a:bodyPr lIns="105683" tIns="52841" rIns="105683" bIns="52841" rtlCol="0" anchor="ctr"/>
+          <a:lstStyle/>
+          <a:p>
+            <a:pPr algn="ctr"/>
+            <a:r>
+              <a:rPr lang="es-CO" sz="900" dirty="0" smtClean="0">
+                <a:solidFill>
+                  <a:schemeClr val="tx1"/>
+                </a:solidFill>
+                <a:latin typeface="Arial" panose="020B0604020202020204" pitchFamily="34" charset="0"/>
+                <a:cs typeface="Arial" panose="020B0604020202020204" pitchFamily="34" charset="0"/>
+              </a:rPr>
+              <a:t>calculando</a:t>
+            </a:r>
+            <a:endParaRPr lang="es-CO" sz="900" dirty="0">
+              <a:solidFill>
+                <a:schemeClr val="tx1"/>
+              </a:solidFill>
+              <a:latin typeface="Arial" panose="020B0604020202020204" pitchFamily="34" charset="0"/>
+              <a:cs typeface="Arial" panose="020B0604020202020204" pitchFamily="34" charset="0"/>
+            </a:endParaRPr>
+          </a:p>
+        </p:txBody>
+      </p:sp>
+      <p:sp>
+        <p:nvSpPr>
+          <p:cNvPr id="281" name="Rectángulo 33"/>
+          <p:cNvSpPr/>
+          <p:nvPr/>
+        </p:nvSpPr>
+        <p:spPr>
+          <a:xfrm>
+            <a:off x="12704944" y="7783093"/>
+            <a:ext cx="696711" cy="505619"/>
+          </a:xfrm>
+          <a:prstGeom prst="rect">
+            <a:avLst/>
+          </a:prstGeom>
+          <a:solidFill>
+            <a:schemeClr val="bg1"/>
+          </a:solidFill>
+        </p:spPr>
+        <p:style>
+          <a:lnRef idx="2">
+            <a:schemeClr val="dk1"/>
+          </a:lnRef>
+          <a:fillRef idx="1">
+            <a:schemeClr val="lt1"/>
+          </a:fillRef>
+          <a:effectRef idx="0">
+            <a:schemeClr val="dk1"/>
+          </a:effectRef>
+          <a:fontRef idx="minor">
+            <a:schemeClr val="dk1"/>
+          </a:fontRef>
+        </p:style>
+        <p:txBody>
+          <a:bodyPr lIns="105683" tIns="52841" rIns="105683" bIns="52841" rtlCol="0" anchor="ctr"/>
+          <a:lstStyle/>
+          <a:p>
+            <a:pPr algn="ctr"/>
+            <a:endParaRPr lang="es-CO" sz="900" dirty="0" smtClean="0">
+              <a:solidFill>
+                <a:srgbClr val="FF0000"/>
+              </a:solidFill>
+              <a:cs typeface="Arial" pitchFamily="34" charset="0"/>
+            </a:endParaRPr>
+          </a:p>
+          <a:p>
+            <a:pPr algn="ctr"/>
+            <a:endParaRPr lang="es-CO" sz="900" dirty="0" smtClean="0">
+              <a:solidFill>
+                <a:srgbClr val="FF0000"/>
+              </a:solidFill>
+              <a:cs typeface="Arial" pitchFamily="34" charset="0"/>
+            </a:endParaRPr>
+          </a:p>
+        </p:txBody>
+      </p:sp>
       <p:pic>
         <p:nvPicPr>
-          <p:cNvPr id="1030" name="Picture 6"/>
+          <p:cNvPr id="1031" name="Picture 7"/>
           <p:cNvPicPr>
             <a:picLocks noChangeAspect="1" noChangeArrowheads="1"/>
           </p:cNvPicPr>
@@ -7492,8 +6394,8 @@
         </p:blipFill>
         <p:spPr bwMode="auto">
           <a:xfrm>
-            <a:off x="11793538" y="8953500"/>
-            <a:ext cx="833218" cy="125412"/>
+            <a:off x="12801305" y="7879862"/>
+            <a:ext cx="567816" cy="312082"/>
           </a:xfrm>
           <a:prstGeom prst="rect">
             <a:avLst/>
@@ -7508,235 +6410,9 @@
           <a:effectLst/>
         </p:spPr>
       </p:pic>
-      <p:cxnSp>
-        <p:nvCxnSpPr>
-          <p:cNvPr id="249" name="160 Conector angular"/>
-          <p:cNvCxnSpPr>
-            <a:stCxn id="280" idx="2"/>
-            <a:endCxn id="288" idx="0"/>
-          </p:cNvCxnSpPr>
-          <p:nvPr/>
-        </p:nvCxnSpPr>
-        <p:spPr>
-          <a:xfrm rot="16200000" flipH="1">
-            <a:off x="12562045" y="6518795"/>
-            <a:ext cx="239930" cy="969336"/>
-          </a:xfrm>
-          <a:prstGeom prst="bentConnector3">
-            <a:avLst>
-              <a:gd name="adj1" fmla="val 50000"/>
-            </a:avLst>
-          </a:prstGeom>
-          <a:ln w="12700">
-            <a:solidFill>
-              <a:schemeClr val="tx1"/>
-            </a:solidFill>
-          </a:ln>
-        </p:spPr>
-        <p:style>
-          <a:lnRef idx="1">
-            <a:schemeClr val="accent1"/>
-          </a:lnRef>
-          <a:fillRef idx="0">
-            <a:schemeClr val="accent1"/>
-          </a:fillRef>
-          <a:effectRef idx="0">
-            <a:schemeClr val="accent1"/>
-          </a:effectRef>
-          <a:fontRef idx="minor">
-            <a:schemeClr val="tx1"/>
-          </a:fontRef>
-        </p:style>
-      </p:cxnSp>
-      <p:cxnSp>
-        <p:nvCxnSpPr>
-          <p:cNvPr id="253" name="252 Conector recto"/>
-          <p:cNvCxnSpPr>
-            <a:stCxn id="288" idx="2"/>
-            <a:endCxn id="269" idx="0"/>
-          </p:cNvCxnSpPr>
-          <p:nvPr/>
-        </p:nvCxnSpPr>
-        <p:spPr>
-          <a:xfrm>
-            <a:off x="13166678" y="7629047"/>
-            <a:ext cx="3613" cy="174369"/>
-          </a:xfrm>
-          <a:prstGeom prst="line">
-            <a:avLst/>
-          </a:prstGeom>
-          <a:ln w="12700">
-            <a:solidFill>
-              <a:schemeClr val="tx1"/>
-            </a:solidFill>
-          </a:ln>
-        </p:spPr>
-        <p:style>
-          <a:lnRef idx="1">
-            <a:schemeClr val="accent1"/>
-          </a:lnRef>
-          <a:fillRef idx="0">
-            <a:schemeClr val="accent1"/>
-          </a:fillRef>
-          <a:effectRef idx="0">
-            <a:schemeClr val="accent1"/>
-          </a:effectRef>
-          <a:fontRef idx="minor">
-            <a:schemeClr val="tx1"/>
-          </a:fontRef>
-        </p:style>
-      </p:cxnSp>
-      <p:sp>
-        <p:nvSpPr>
-          <p:cNvPr id="269" name="Rectángulo 35"/>
-          <p:cNvSpPr/>
-          <p:nvPr/>
-        </p:nvSpPr>
-        <p:spPr>
-          <a:xfrm>
-            <a:off x="12792075" y="7803416"/>
-            <a:ext cx="756432" cy="276977"/>
-          </a:xfrm>
-          <a:prstGeom prst="rect">
-            <a:avLst/>
-          </a:prstGeom>
-          <a:ln>
-            <a:noFill/>
-          </a:ln>
-        </p:spPr>
-        <p:style>
-          <a:lnRef idx="2">
-            <a:schemeClr val="dk1"/>
-          </a:lnRef>
-          <a:fillRef idx="1">
-            <a:schemeClr val="lt1"/>
-          </a:fillRef>
-          <a:effectRef idx="0">
-            <a:schemeClr val="dk1"/>
-          </a:effectRef>
-          <a:fontRef idx="minor">
-            <a:schemeClr val="dk1"/>
-          </a:fontRef>
-        </p:style>
-        <p:txBody>
-          <a:bodyPr lIns="105683" tIns="52841" rIns="105683" bIns="52841" rtlCol="0" anchor="ctr"/>
-          <a:lstStyle/>
-          <a:p>
-            <a:pPr algn="ctr"/>
-            <a:r>
-              <a:rPr lang="es-CO" sz="900" dirty="0" smtClean="0">
-                <a:solidFill>
-                  <a:schemeClr val="tx1"/>
-                </a:solidFill>
-                <a:cs typeface="Arial" pitchFamily="34" charset="0"/>
-              </a:rPr>
-              <a:t>utilizando la formula      </a:t>
-            </a:r>
-            <a:endParaRPr lang="es-CO" sz="900" dirty="0">
-              <a:solidFill>
-                <a:schemeClr val="tx1"/>
-              </a:solidFill>
-              <a:cs typeface="Arial" pitchFamily="34" charset="0"/>
-            </a:endParaRPr>
-          </a:p>
-        </p:txBody>
-      </p:sp>
-      <p:cxnSp>
-        <p:nvCxnSpPr>
-          <p:cNvPr id="276" name="275 Conector recto"/>
-          <p:cNvCxnSpPr>
-            <a:stCxn id="269" idx="2"/>
-            <a:endCxn id="281" idx="0"/>
-          </p:cNvCxnSpPr>
-          <p:nvPr/>
-        </p:nvCxnSpPr>
-        <p:spPr>
-          <a:xfrm>
-            <a:off x="13170291" y="8080393"/>
-            <a:ext cx="5912" cy="243185"/>
-          </a:xfrm>
-          <a:prstGeom prst="line">
-            <a:avLst/>
-          </a:prstGeom>
-          <a:ln w="12700">
-            <a:solidFill>
-              <a:schemeClr val="tx1"/>
-            </a:solidFill>
-          </a:ln>
-        </p:spPr>
-        <p:style>
-          <a:lnRef idx="1">
-            <a:schemeClr val="accent1"/>
-          </a:lnRef>
-          <a:fillRef idx="0">
-            <a:schemeClr val="accent1"/>
-          </a:fillRef>
-          <a:effectRef idx="0">
-            <a:schemeClr val="accent1"/>
-          </a:effectRef>
-          <a:fontRef idx="minor">
-            <a:schemeClr val="tx1"/>
-          </a:fontRef>
-        </p:style>
-      </p:cxnSp>
-      <p:sp>
-        <p:nvSpPr>
-          <p:cNvPr id="281" name="Rectángulo 33"/>
-          <p:cNvSpPr/>
-          <p:nvPr/>
-        </p:nvSpPr>
-        <p:spPr>
-          <a:xfrm>
-            <a:off x="12728480" y="8323578"/>
-            <a:ext cx="895445" cy="505619"/>
-          </a:xfrm>
-          <a:prstGeom prst="rect">
-            <a:avLst/>
-          </a:prstGeom>
-          <a:solidFill>
-            <a:schemeClr val="bg1"/>
-          </a:solidFill>
-        </p:spPr>
-        <p:style>
-          <a:lnRef idx="2">
-            <a:schemeClr val="dk1"/>
-          </a:lnRef>
-          <a:fillRef idx="1">
-            <a:schemeClr val="lt1"/>
-          </a:fillRef>
-          <a:effectRef idx="0">
-            <a:schemeClr val="dk1"/>
-          </a:effectRef>
-          <a:fontRef idx="minor">
-            <a:schemeClr val="dk1"/>
-          </a:fontRef>
-        </p:style>
-        <p:txBody>
-          <a:bodyPr lIns="105683" tIns="52841" rIns="105683" bIns="52841" rtlCol="0" anchor="ctr"/>
-          <a:lstStyle/>
-          <a:p>
-            <a:pPr algn="ctr"/>
-            <a:endParaRPr lang="es-CO" sz="900" dirty="0" smtClean="0">
-              <a:solidFill>
-                <a:srgbClr val="FF0000"/>
-              </a:solidFill>
-              <a:cs typeface="Arial" pitchFamily="34" charset="0"/>
-            </a:endParaRPr>
-          </a:p>
-          <a:p>
-            <a:pPr algn="ctr"/>
-            <a:endParaRPr lang="es-CO" sz="900" dirty="0" smtClean="0">
-              <a:solidFill>
-                <a:srgbClr val="FF0000"/>
-              </a:solidFill>
-              <a:cs typeface="Arial" pitchFamily="34" charset="0"/>
-            </a:endParaRPr>
-          </a:p>
-        </p:txBody>
-      </p:sp>
       <p:pic>
         <p:nvPicPr>
-          <p:cNvPr id="1031" name="Picture 7"/>
+          <p:cNvPr id="2" name="Picture 2"/>
           <p:cNvPicPr>
             <a:picLocks noChangeAspect="1" noChangeArrowheads="1"/>
           </p:cNvPicPr>
@@ -7751,8 +6427,8 @@
         </p:blipFill>
         <p:spPr bwMode="auto">
           <a:xfrm>
-            <a:off x="12841289" y="8354906"/>
-            <a:ext cx="567816" cy="312082"/>
+            <a:off x="1161603" y="4484356"/>
+            <a:ext cx="142440" cy="104286"/>
           </a:xfrm>
           <a:prstGeom prst="rect">
             <a:avLst/>
@@ -7767,9 +6443,204 @@
           <a:effectLst/>
         </p:spPr>
       </p:pic>
+      <p:sp>
+        <p:nvSpPr>
+          <p:cNvPr id="179" name="Rectángulo 33"/>
+          <p:cNvSpPr/>
+          <p:nvPr/>
+        </p:nvSpPr>
+        <p:spPr>
+          <a:xfrm>
+            <a:off x="619002" y="7298912"/>
+            <a:ext cx="1267914" cy="643256"/>
+          </a:xfrm>
+          <a:prstGeom prst="rect">
+            <a:avLst/>
+          </a:prstGeom>
+          <a:solidFill>
+            <a:schemeClr val="bg1"/>
+          </a:solidFill>
+        </p:spPr>
+        <p:style>
+          <a:lnRef idx="2">
+            <a:schemeClr val="dk1"/>
+          </a:lnRef>
+          <a:fillRef idx="1">
+            <a:schemeClr val="lt1"/>
+          </a:fillRef>
+          <a:effectRef idx="0">
+            <a:schemeClr val="dk1"/>
+          </a:effectRef>
+          <a:fontRef idx="minor">
+            <a:schemeClr val="dk1"/>
+          </a:fontRef>
+        </p:style>
+        <p:txBody>
+          <a:bodyPr lIns="105683" tIns="52841" rIns="105683" bIns="52841" rtlCol="0" anchor="ctr"/>
+          <a:lstStyle/>
+          <a:p>
+            <a:pPr algn="ctr"/>
+            <a:endParaRPr lang="es-CO" sz="900" i="1" dirty="0" smtClean="0">
+              <a:solidFill>
+                <a:schemeClr val="tx1"/>
+              </a:solidFill>
+              <a:cs typeface="Arial" pitchFamily="34" charset="0"/>
+            </a:endParaRPr>
+          </a:p>
+          <a:p>
+            <a:pPr algn="ctr"/>
+            <a:endParaRPr lang="es-CO" sz="900" i="1" dirty="0" smtClean="0">
+              <a:solidFill>
+                <a:schemeClr val="tx1"/>
+              </a:solidFill>
+              <a:cs typeface="Arial" pitchFamily="34" charset="0"/>
+            </a:endParaRPr>
+          </a:p>
+          <a:p>
+            <a:pPr algn="ctr"/>
+            <a:endParaRPr lang="es-CO" sz="900" i="1" dirty="0" smtClean="0">
+              <a:solidFill>
+                <a:schemeClr val="tx1"/>
+              </a:solidFill>
+              <a:cs typeface="Arial" pitchFamily="34" charset="0"/>
+            </a:endParaRPr>
+          </a:p>
+          <a:p>
+            <a:pPr algn="ctr"/>
+            <a:r>
+              <a:rPr lang="es-CO" sz="900" dirty="0" smtClean="0">
+                <a:solidFill>
+                  <a:schemeClr val="tx1"/>
+                </a:solidFill>
+                <a:cs typeface="Arial" pitchFamily="34" charset="0"/>
+              </a:rPr>
+              <a:t>  </a:t>
+            </a:r>
+            <a:endParaRPr lang="es-CO" sz="900" dirty="0" smtClean="0">
+              <a:solidFill>
+                <a:srgbClr val="FF0000"/>
+              </a:solidFill>
+              <a:cs typeface="Arial" pitchFamily="34" charset="0"/>
+            </a:endParaRPr>
+          </a:p>
+          <a:p>
+            <a:pPr algn="ctr"/>
+            <a:endParaRPr lang="es-CO" sz="900" baseline="-25000" dirty="0">
+              <a:solidFill>
+                <a:schemeClr val="tx1"/>
+              </a:solidFill>
+              <a:cs typeface="Arial" pitchFamily="34" charset="0"/>
+            </a:endParaRPr>
+          </a:p>
+        </p:txBody>
+      </p:sp>
+      <p:sp>
+        <p:nvSpPr>
+          <p:cNvPr id="279" name="Rectángulo 33"/>
+          <p:cNvSpPr/>
+          <p:nvPr/>
+        </p:nvSpPr>
+        <p:spPr>
+          <a:xfrm>
+            <a:off x="3547623" y="6304564"/>
+            <a:ext cx="1260000" cy="356463"/>
+          </a:xfrm>
+          <a:prstGeom prst="rect">
+            <a:avLst/>
+          </a:prstGeom>
+          <a:solidFill>
+            <a:schemeClr val="bg1"/>
+          </a:solidFill>
+        </p:spPr>
+        <p:style>
+          <a:lnRef idx="2">
+            <a:schemeClr val="dk1"/>
+          </a:lnRef>
+          <a:fillRef idx="1">
+            <a:schemeClr val="lt1"/>
+          </a:fillRef>
+          <a:effectRef idx="0">
+            <a:schemeClr val="dk1"/>
+          </a:effectRef>
+          <a:fontRef idx="minor">
+            <a:schemeClr val="dk1"/>
+          </a:fontRef>
+        </p:style>
+        <p:txBody>
+          <a:bodyPr lIns="105683" tIns="52841" rIns="105683" bIns="52841" rtlCol="0" anchor="ctr"/>
+          <a:lstStyle/>
+          <a:p>
+            <a:pPr algn="ctr"/>
+            <a:endParaRPr lang="es-CO" sz="900" i="1" dirty="0" smtClean="0">
+              <a:solidFill>
+                <a:schemeClr val="tx1"/>
+              </a:solidFill>
+              <a:latin typeface="Arial" panose="020B0604020202020204" pitchFamily="34" charset="0"/>
+              <a:cs typeface="Arial" panose="020B0604020202020204" pitchFamily="34" charset="0"/>
+            </a:endParaRPr>
+          </a:p>
+        </p:txBody>
+      </p:sp>
+      <p:sp>
+        <p:nvSpPr>
+          <p:cNvPr id="286" name="Rectángulo 35"/>
+          <p:cNvSpPr/>
+          <p:nvPr/>
+        </p:nvSpPr>
+        <p:spPr>
+          <a:xfrm>
+            <a:off x="3627216" y="5758030"/>
+            <a:ext cx="1095738" cy="263233"/>
+          </a:xfrm>
+          <a:prstGeom prst="rect">
+            <a:avLst/>
+          </a:prstGeom>
+          <a:ln>
+            <a:noFill/>
+          </a:ln>
+        </p:spPr>
+        <p:style>
+          <a:lnRef idx="2">
+            <a:schemeClr val="dk1"/>
+          </a:lnRef>
+          <a:fillRef idx="1">
+            <a:schemeClr val="lt1"/>
+          </a:fillRef>
+          <a:effectRef idx="0">
+            <a:schemeClr val="dk1"/>
+          </a:effectRef>
+          <a:fontRef idx="minor">
+            <a:schemeClr val="dk1"/>
+          </a:fontRef>
+        </p:style>
+        <p:txBody>
+          <a:bodyPr lIns="105683" tIns="52841" rIns="105683" bIns="52841" rtlCol="0" anchor="ctr"/>
+          <a:lstStyle/>
+          <a:p>
+            <a:pPr algn="ctr"/>
+            <a:r>
+              <a:rPr lang="es-CO" sz="900" dirty="0" smtClean="0">
+                <a:solidFill>
+                  <a:schemeClr val="tx1"/>
+                </a:solidFill>
+                <a:latin typeface="Arial" panose="020B0604020202020204" pitchFamily="34" charset="0"/>
+                <a:cs typeface="Arial" panose="020B0604020202020204" pitchFamily="34" charset="0"/>
+              </a:rPr>
+              <a:t>representado  como       </a:t>
+            </a:r>
+            <a:endParaRPr lang="es-CO" sz="900" dirty="0">
+              <a:solidFill>
+                <a:schemeClr val="tx1"/>
+              </a:solidFill>
+              <a:latin typeface="Arial" panose="020B0604020202020204" pitchFamily="34" charset="0"/>
+              <a:cs typeface="Arial" panose="020B0604020202020204" pitchFamily="34" charset="0"/>
+            </a:endParaRPr>
+          </a:p>
+        </p:txBody>
+      </p:sp>
       <p:pic>
         <p:nvPicPr>
-          <p:cNvPr id="2" name="Picture 2"/>
+          <p:cNvPr id="5" name="Picture 5"/>
           <p:cNvPicPr>
             <a:picLocks noChangeAspect="1" noChangeArrowheads="1"/>
           </p:cNvPicPr>
@@ -7784,8 +6655,8 @@
         </p:blipFill>
         <p:spPr bwMode="auto">
           <a:xfrm>
-            <a:off x="668338" y="4888486"/>
-            <a:ext cx="194364" cy="142302"/>
+            <a:off x="3666594" y="6447215"/>
+            <a:ext cx="1015682" cy="104037"/>
           </a:xfrm>
           <a:prstGeom prst="rect">
             <a:avLst/>
@@ -7800,110 +6671,19 @@
           <a:effectLst/>
         </p:spPr>
       </p:pic>
-      <p:sp>
-        <p:nvSpPr>
-          <p:cNvPr id="179" name="Rectángulo 33"/>
-          <p:cNvSpPr/>
-          <p:nvPr/>
-        </p:nvSpPr>
-        <p:spPr>
-          <a:xfrm>
-            <a:off x="116661" y="8149362"/>
-            <a:ext cx="1260000" cy="461238"/>
-          </a:xfrm>
-          <a:prstGeom prst="rect">
-            <a:avLst/>
-          </a:prstGeom>
-          <a:solidFill>
-            <a:schemeClr val="bg1"/>
-          </a:solidFill>
-        </p:spPr>
-        <p:style>
-          <a:lnRef idx="2">
-            <a:schemeClr val="dk1"/>
-          </a:lnRef>
-          <a:fillRef idx="1">
-            <a:schemeClr val="lt1"/>
-          </a:fillRef>
-          <a:effectRef idx="0">
-            <a:schemeClr val="dk1"/>
-          </a:effectRef>
-          <a:fontRef idx="minor">
-            <a:schemeClr val="dk1"/>
-          </a:fontRef>
-        </p:style>
-        <p:txBody>
-          <a:bodyPr lIns="105683" tIns="52841" rIns="105683" bIns="52841" rtlCol="0" anchor="ctr"/>
-          <a:lstStyle/>
-          <a:p>
-            <a:pPr algn="ctr"/>
-            <a:endParaRPr lang="es-CO" sz="900" i="1" dirty="0" smtClean="0">
-              <a:solidFill>
-                <a:schemeClr val="tx1"/>
-              </a:solidFill>
-              <a:cs typeface="Arial" pitchFamily="34" charset="0"/>
-            </a:endParaRPr>
-          </a:p>
-          <a:p>
-            <a:pPr algn="ctr"/>
-            <a:endParaRPr lang="es-CO" sz="900" i="1" dirty="0" smtClean="0">
-              <a:solidFill>
-                <a:schemeClr val="tx1"/>
-              </a:solidFill>
-              <a:cs typeface="Arial" pitchFamily="34" charset="0"/>
-            </a:endParaRPr>
-          </a:p>
-          <a:p>
-            <a:pPr algn="ctr"/>
-            <a:endParaRPr lang="es-CO" sz="900" i="1" dirty="0" smtClean="0">
-              <a:solidFill>
-                <a:schemeClr val="tx1"/>
-              </a:solidFill>
-              <a:cs typeface="Arial" pitchFamily="34" charset="0"/>
-            </a:endParaRPr>
-          </a:p>
-          <a:p>
-            <a:pPr algn="ctr"/>
-            <a:r>
-              <a:rPr lang="es-CO" sz="900" dirty="0" smtClean="0">
-                <a:solidFill>
-                  <a:schemeClr val="tx1"/>
-                </a:solidFill>
-                <a:cs typeface="Arial" pitchFamily="34" charset="0"/>
-              </a:rPr>
-              <a:t>  </a:t>
-            </a:r>
-            <a:endParaRPr lang="es-CO" sz="900" dirty="0" smtClean="0">
-              <a:solidFill>
-                <a:srgbClr val="FF0000"/>
-              </a:solidFill>
-              <a:cs typeface="Arial" pitchFamily="34" charset="0"/>
-            </a:endParaRPr>
-          </a:p>
-          <a:p>
-            <a:pPr algn="ctr"/>
-            <a:endParaRPr lang="es-CO" sz="900" baseline="-25000" dirty="0">
-              <a:solidFill>
-                <a:schemeClr val="tx1"/>
-              </a:solidFill>
-              <a:cs typeface="Arial" pitchFamily="34" charset="0"/>
-            </a:endParaRPr>
-          </a:p>
-        </p:txBody>
-      </p:sp>
       <p:cxnSp>
         <p:nvCxnSpPr>
-          <p:cNvPr id="212" name="211 Conector recto"/>
+          <p:cNvPr id="292" name="291 Conector recto"/>
           <p:cNvCxnSpPr>
-            <a:stCxn id="179" idx="2"/>
-            <a:endCxn id="247" idx="0"/>
+            <a:stCxn id="117" idx="2"/>
+            <a:endCxn id="286" idx="0"/>
           </p:cNvCxnSpPr>
           <p:nvPr/>
         </p:nvCxnSpPr>
         <p:spPr>
           <a:xfrm flipH="1">
-            <a:off x="727611" y="8610600"/>
-            <a:ext cx="19050" cy="176937"/>
+            <a:off x="4175085" y="5541868"/>
+            <a:ext cx="3064" cy="216162"/>
           </a:xfrm>
           <a:prstGeom prst="line">
             <a:avLst/>
@@ -7931,14 +6711,14 @@
       </p:cxnSp>
       <p:sp>
         <p:nvSpPr>
-          <p:cNvPr id="234" name="Rectángulo 33"/>
+          <p:cNvPr id="303" name="Rectángulo 33"/>
           <p:cNvSpPr/>
           <p:nvPr/>
         </p:nvSpPr>
         <p:spPr>
           <a:xfrm>
-            <a:off x="1535886" y="8111262"/>
-            <a:ext cx="1260000" cy="356463"/>
+            <a:off x="4495427" y="7385636"/>
+            <a:ext cx="1029271" cy="701803"/>
           </a:xfrm>
           <a:prstGeom prst="rect">
             <a:avLst/>
@@ -7965,83 +6745,88 @@
           <a:bodyPr lIns="105683" tIns="52841" rIns="105683" bIns="52841" rtlCol="0" anchor="ctr"/>
           <a:lstStyle/>
           <a:p>
-            <a:pPr algn="ctr"/>
-            <a:endParaRPr lang="es-CO" sz="1000" i="1" dirty="0" smtClean="0">
-              <a:solidFill>
-                <a:srgbClr val="FF0000"/>
-              </a:solidFill>
-              <a:cs typeface="Arial" pitchFamily="34" charset="0"/>
-            </a:endParaRPr>
-          </a:p>
-          <a:p>
-            <a:pPr algn="ctr"/>
-            <a:endParaRPr lang="es-CO" sz="1000" dirty="0" smtClean="0">
-              <a:solidFill>
-                <a:srgbClr val="FF0000"/>
-              </a:solidFill>
-              <a:cs typeface="Arial" pitchFamily="34" charset="0"/>
-            </a:endParaRPr>
-          </a:p>
-          <a:p>
-            <a:pPr algn="ctr"/>
-            <a:endParaRPr lang="es-CO" sz="1000" baseline="-25000" dirty="0">
-              <a:solidFill>
-                <a:srgbClr val="FF0000"/>
-              </a:solidFill>
-              <a:cs typeface="Arial" pitchFamily="34" charset="0"/>
-            </a:endParaRPr>
-          </a:p>
-        </p:txBody>
-      </p:sp>
-      <p:sp>
-        <p:nvSpPr>
-          <p:cNvPr id="235" name="Rectángulo 33"/>
-          <p:cNvSpPr/>
-          <p:nvPr/>
-        </p:nvSpPr>
-        <p:spPr>
-          <a:xfrm>
-            <a:off x="1535886" y="8930412"/>
-            <a:ext cx="1260000" cy="356463"/>
-          </a:xfrm>
-          <a:prstGeom prst="rect">
-            <a:avLst/>
-          </a:prstGeom>
-          <a:solidFill>
-            <a:schemeClr val="bg1"/>
-          </a:solidFill>
-        </p:spPr>
-        <p:style>
-          <a:lnRef idx="2">
-            <a:schemeClr val="dk1"/>
-          </a:lnRef>
-          <a:fillRef idx="1">
-            <a:schemeClr val="lt1"/>
-          </a:fillRef>
-          <a:effectRef idx="0">
-            <a:schemeClr val="dk1"/>
-          </a:effectRef>
-          <a:fontRef idx="minor">
-            <a:schemeClr val="dk1"/>
-          </a:fontRef>
-        </p:style>
-        <p:txBody>
-          <a:bodyPr lIns="105683" tIns="52841" rIns="105683" bIns="52841" rtlCol="0" anchor="ctr"/>
-          <a:lstStyle/>
-          <a:p>
-            <a:pPr algn="ctr"/>
-            <a:endParaRPr lang="es-CO" sz="900" i="1" dirty="0" smtClean="0">
+            <a:r>
+              <a:rPr lang="es-CO" sz="900" dirty="0" smtClean="0">
+                <a:solidFill>
+                  <a:schemeClr val="tx1"/>
+                </a:solidFill>
+                <a:latin typeface="Arial" panose="020B0604020202020204" pitchFamily="34" charset="0"/>
+                <a:cs typeface="Arial" panose="020B0604020202020204" pitchFamily="34" charset="0"/>
+              </a:rPr>
+              <a:t>                                                           </a:t>
+            </a:r>
+          </a:p>
+          <a:p>
+            <a:endParaRPr lang="es-CO" sz="900" dirty="0" smtClean="0">
               <a:solidFill>
                 <a:schemeClr val="tx1"/>
               </a:solidFill>
-              <a:cs typeface="Arial" pitchFamily="34" charset="0"/>
+              <a:latin typeface="Arial" panose="020B0604020202020204" pitchFamily="34" charset="0"/>
+              <a:cs typeface="Arial" panose="020B0604020202020204" pitchFamily="34" charset="0"/>
+            </a:endParaRPr>
+          </a:p>
+          <a:p>
+            <a:r>
+              <a:rPr lang="es-CO" sz="900" dirty="0" smtClean="0">
+                <a:solidFill>
+                  <a:schemeClr val="tx1"/>
+                </a:solidFill>
+                <a:latin typeface="Arial" panose="020B0604020202020204" pitchFamily="34" charset="0"/>
+                <a:cs typeface="Arial" panose="020B0604020202020204" pitchFamily="34" charset="0"/>
+              </a:rPr>
+              <a:t>para la adición:</a:t>
+            </a:r>
+          </a:p>
+          <a:p>
+            <a:endParaRPr lang="es-CO" sz="900" dirty="0">
+              <a:solidFill>
+                <a:schemeClr val="tx1"/>
+              </a:solidFill>
+              <a:latin typeface="Arial" panose="020B0604020202020204" pitchFamily="34" charset="0"/>
+              <a:cs typeface="Arial" panose="020B0604020202020204" pitchFamily="34" charset="0"/>
+            </a:endParaRPr>
+          </a:p>
+          <a:p>
+            <a:endParaRPr lang="es-CO" sz="900" dirty="0" smtClean="0">
+              <a:solidFill>
+                <a:schemeClr val="tx1"/>
+              </a:solidFill>
+              <a:latin typeface="Arial" panose="020B0604020202020204" pitchFamily="34" charset="0"/>
+              <a:cs typeface="Arial" panose="020B0604020202020204" pitchFamily="34" charset="0"/>
+            </a:endParaRPr>
+          </a:p>
+          <a:p>
+            <a:endParaRPr lang="es-CO" sz="900" dirty="0">
+              <a:solidFill>
+                <a:schemeClr val="tx1"/>
+              </a:solidFill>
+              <a:latin typeface="Arial" panose="020B0604020202020204" pitchFamily="34" charset="0"/>
+              <a:cs typeface="Arial" panose="020B0604020202020204" pitchFamily="34" charset="0"/>
+            </a:endParaRPr>
+          </a:p>
+          <a:p>
+            <a:endParaRPr lang="es-CO" sz="900" dirty="0" smtClean="0">
+              <a:solidFill>
+                <a:schemeClr val="tx1"/>
+              </a:solidFill>
+              <a:latin typeface="Arial" panose="020B0604020202020204" pitchFamily="34" charset="0"/>
+              <a:cs typeface="Arial" panose="020B0604020202020204" pitchFamily="34" charset="0"/>
+            </a:endParaRPr>
+          </a:p>
+          <a:p>
+            <a:endParaRPr lang="es-CO" sz="900" dirty="0" smtClean="0">
+              <a:solidFill>
+                <a:schemeClr val="tx1"/>
+              </a:solidFill>
+              <a:latin typeface="Arial" panose="020B0604020202020204" pitchFamily="34" charset="0"/>
+              <a:cs typeface="Arial" panose="020B0604020202020204" pitchFamily="34" charset="0"/>
             </a:endParaRPr>
           </a:p>
         </p:txBody>
       </p:sp>
       <p:pic>
         <p:nvPicPr>
-          <p:cNvPr id="245" name="Picture 3"/>
+          <p:cNvPr id="305" name="Picture 7"/>
           <p:cNvPicPr>
             <a:picLocks noChangeAspect="1" noChangeArrowheads="1"/>
           </p:cNvPicPr>
@@ -8056,8 +6841,8 @@
         </p:blipFill>
         <p:spPr bwMode="auto">
           <a:xfrm>
-            <a:off x="1630364" y="8233057"/>
-            <a:ext cx="1089432" cy="120368"/>
+            <a:off x="5834817" y="7710062"/>
+            <a:ext cx="898724" cy="306843"/>
           </a:xfrm>
           <a:prstGeom prst="rect">
             <a:avLst/>
@@ -8072,102 +6857,9 @@
           <a:effectLst/>
         </p:spPr>
       </p:pic>
-      <p:sp>
-        <p:nvSpPr>
-          <p:cNvPr id="246" name="Rectángulo 35"/>
-          <p:cNvSpPr/>
-          <p:nvPr/>
-        </p:nvSpPr>
-        <p:spPr>
-          <a:xfrm>
-            <a:off x="1618481" y="8588717"/>
-            <a:ext cx="1095738" cy="221963"/>
-          </a:xfrm>
-          <a:prstGeom prst="rect">
-            <a:avLst/>
-          </a:prstGeom>
-          <a:ln>
-            <a:noFill/>
-          </a:ln>
-        </p:spPr>
-        <p:style>
-          <a:lnRef idx="2">
-            <a:schemeClr val="dk1"/>
-          </a:lnRef>
-          <a:fillRef idx="1">
-            <a:schemeClr val="lt1"/>
-          </a:fillRef>
-          <a:effectRef idx="0">
-            <a:schemeClr val="dk1"/>
-          </a:effectRef>
-          <a:fontRef idx="minor">
-            <a:schemeClr val="dk1"/>
-          </a:fontRef>
-        </p:style>
-        <p:txBody>
-          <a:bodyPr lIns="105683" tIns="52841" rIns="105683" bIns="52841" rtlCol="0" anchor="ctr"/>
-          <a:lstStyle/>
-          <a:p>
-            <a:pPr algn="ctr"/>
-            <a:r>
-              <a:rPr lang="es-CO" sz="900" dirty="0" smtClean="0">
-                <a:solidFill>
-                  <a:schemeClr val="tx1"/>
-                </a:solidFill>
-                <a:cs typeface="Arial" pitchFamily="34" charset="0"/>
-              </a:rPr>
-              <a:t>su formula   </a:t>
-            </a:r>
-            <a:endParaRPr lang="es-CO" sz="900" dirty="0">
-              <a:solidFill>
-                <a:schemeClr val="tx1"/>
-              </a:solidFill>
-              <a:cs typeface="Arial" pitchFamily="34" charset="0"/>
-            </a:endParaRPr>
-          </a:p>
-        </p:txBody>
-      </p:sp>
-      <p:cxnSp>
-        <p:nvCxnSpPr>
-          <p:cNvPr id="250" name="249 Conector recto"/>
-          <p:cNvCxnSpPr>
-            <a:stCxn id="234" idx="2"/>
-            <a:endCxn id="246" idx="0"/>
-          </p:cNvCxnSpPr>
-          <p:nvPr/>
-        </p:nvCxnSpPr>
-        <p:spPr>
-          <a:xfrm>
-            <a:off x="2165886" y="8467725"/>
-            <a:ext cx="464" cy="120992"/>
-          </a:xfrm>
-          <a:prstGeom prst="line">
-            <a:avLst/>
-          </a:prstGeom>
-          <a:ln w="12700">
-            <a:solidFill>
-              <a:schemeClr val="tx1"/>
-            </a:solidFill>
-          </a:ln>
-        </p:spPr>
-        <p:style>
-          <a:lnRef idx="1">
-            <a:schemeClr val="accent1"/>
-          </a:lnRef>
-          <a:fillRef idx="0">
-            <a:schemeClr val="accent1"/>
-          </a:fillRef>
-          <a:effectRef idx="0">
-            <a:schemeClr val="accent1"/>
-          </a:effectRef>
-          <a:fontRef idx="minor">
-            <a:schemeClr val="tx1"/>
-          </a:fontRef>
-        </p:style>
-      </p:cxnSp>
       <p:pic>
         <p:nvPicPr>
-          <p:cNvPr id="4" name="Picture 4"/>
+          <p:cNvPr id="1035" name="Picture 11"/>
           <p:cNvPicPr>
             <a:picLocks noChangeAspect="1" noChangeArrowheads="1"/>
           </p:cNvPicPr>
@@ -8182,8 +6874,8 @@
         </p:blipFill>
         <p:spPr bwMode="auto">
           <a:xfrm>
-            <a:off x="1685926" y="8991600"/>
-            <a:ext cx="945062" cy="153988"/>
+            <a:off x="7162846" y="7624636"/>
+            <a:ext cx="835030" cy="87313"/>
           </a:xfrm>
           <a:prstGeom prst="rect">
             <a:avLst/>
@@ -8198,194 +6890,9 @@
           <a:effectLst/>
         </p:spPr>
       </p:pic>
-      <p:cxnSp>
-        <p:nvCxnSpPr>
-          <p:cNvPr id="255" name="254 Conector recto"/>
-          <p:cNvCxnSpPr>
-            <a:stCxn id="246" idx="2"/>
-            <a:endCxn id="235" idx="0"/>
-          </p:cNvCxnSpPr>
-          <p:nvPr/>
-        </p:nvCxnSpPr>
-        <p:spPr>
-          <a:xfrm flipH="1">
-            <a:off x="2165886" y="8810680"/>
-            <a:ext cx="464" cy="119732"/>
-          </a:xfrm>
-          <a:prstGeom prst="line">
-            <a:avLst/>
-          </a:prstGeom>
-          <a:ln w="12700">
-            <a:solidFill>
-              <a:schemeClr val="tx1"/>
-            </a:solidFill>
-          </a:ln>
-        </p:spPr>
-        <p:style>
-          <a:lnRef idx="1">
-            <a:schemeClr val="accent1"/>
-          </a:lnRef>
-          <a:fillRef idx="0">
-            <a:schemeClr val="accent1"/>
-          </a:fillRef>
-          <a:effectRef idx="0">
-            <a:schemeClr val="accent1"/>
-          </a:effectRef>
-          <a:fontRef idx="minor">
-            <a:schemeClr val="tx1"/>
-          </a:fontRef>
-        </p:style>
-      </p:cxnSp>
-      <p:sp>
-        <p:nvSpPr>
-          <p:cNvPr id="279" name="Rectángulo 33"/>
-          <p:cNvSpPr/>
-          <p:nvPr/>
-        </p:nvSpPr>
-        <p:spPr>
-          <a:xfrm>
-            <a:off x="2936061" y="6977787"/>
-            <a:ext cx="1260000" cy="356463"/>
-          </a:xfrm>
-          <a:prstGeom prst="rect">
-            <a:avLst/>
-          </a:prstGeom>
-          <a:solidFill>
-            <a:schemeClr val="bg1"/>
-          </a:solidFill>
-        </p:spPr>
-        <p:style>
-          <a:lnRef idx="2">
-            <a:schemeClr val="dk1"/>
-          </a:lnRef>
-          <a:fillRef idx="1">
-            <a:schemeClr val="lt1"/>
-          </a:fillRef>
-          <a:effectRef idx="0">
-            <a:schemeClr val="dk1"/>
-          </a:effectRef>
-          <a:fontRef idx="minor">
-            <a:schemeClr val="dk1"/>
-          </a:fontRef>
-        </p:style>
-        <p:txBody>
-          <a:bodyPr lIns="105683" tIns="52841" rIns="105683" bIns="52841" rtlCol="0" anchor="ctr"/>
-          <a:lstStyle/>
-          <a:p>
-            <a:pPr algn="ctr"/>
-            <a:endParaRPr lang="es-CO" sz="900" i="1" dirty="0" smtClean="0">
-              <a:solidFill>
-                <a:schemeClr val="tx1"/>
-              </a:solidFill>
-              <a:cs typeface="Arial" pitchFamily="34" charset="0"/>
-            </a:endParaRPr>
-          </a:p>
-        </p:txBody>
-      </p:sp>
-      <p:sp>
-        <p:nvSpPr>
-          <p:cNvPr id="283" name="Rectángulo 33"/>
-          <p:cNvSpPr/>
-          <p:nvPr/>
-        </p:nvSpPr>
-        <p:spPr>
-          <a:xfrm>
-            <a:off x="4317186" y="6968262"/>
-            <a:ext cx="1260000" cy="356463"/>
-          </a:xfrm>
-          <a:prstGeom prst="rect">
-            <a:avLst/>
-          </a:prstGeom>
-          <a:solidFill>
-            <a:schemeClr val="bg1"/>
-          </a:solidFill>
-        </p:spPr>
-        <p:style>
-          <a:lnRef idx="2">
-            <a:schemeClr val="dk1"/>
-          </a:lnRef>
-          <a:fillRef idx="1">
-            <a:schemeClr val="lt1"/>
-          </a:fillRef>
-          <a:effectRef idx="0">
-            <a:schemeClr val="dk1"/>
-          </a:effectRef>
-          <a:fontRef idx="minor">
-            <a:schemeClr val="dk1"/>
-          </a:fontRef>
-        </p:style>
-        <p:txBody>
-          <a:bodyPr lIns="105683" tIns="52841" rIns="105683" bIns="52841" rtlCol="0" anchor="ctr"/>
-          <a:lstStyle/>
-          <a:p>
-            <a:pPr algn="ctr"/>
-            <a:endParaRPr lang="es-CO" sz="900" i="1" dirty="0" smtClean="0">
-              <a:solidFill>
-                <a:srgbClr val="FF0000"/>
-              </a:solidFill>
-              <a:cs typeface="Arial" pitchFamily="34" charset="0"/>
-            </a:endParaRPr>
-          </a:p>
-        </p:txBody>
-      </p:sp>
-      <p:sp>
-        <p:nvSpPr>
-          <p:cNvPr id="286" name="Rectángulo 35"/>
-          <p:cNvSpPr/>
-          <p:nvPr/>
-        </p:nvSpPr>
-        <p:spPr>
-          <a:xfrm>
-            <a:off x="3018656" y="6509042"/>
-            <a:ext cx="1095738" cy="263233"/>
-          </a:xfrm>
-          <a:prstGeom prst="rect">
-            <a:avLst/>
-          </a:prstGeom>
-          <a:ln>
-            <a:noFill/>
-          </a:ln>
-        </p:spPr>
-        <p:style>
-          <a:lnRef idx="2">
-            <a:schemeClr val="dk1"/>
-          </a:lnRef>
-          <a:fillRef idx="1">
-            <a:schemeClr val="lt1"/>
-          </a:fillRef>
-          <a:effectRef idx="0">
-            <a:schemeClr val="dk1"/>
-          </a:effectRef>
-          <a:fontRef idx="minor">
-            <a:schemeClr val="dk1"/>
-          </a:fontRef>
-        </p:style>
-        <p:txBody>
-          <a:bodyPr lIns="105683" tIns="52841" rIns="105683" bIns="52841" rtlCol="0" anchor="ctr"/>
-          <a:lstStyle/>
-          <a:p>
-            <a:pPr algn="ctr"/>
-            <a:r>
-              <a:rPr lang="es-CO" sz="900" dirty="0" smtClean="0">
-                <a:solidFill>
-                  <a:schemeClr val="tx1"/>
-                </a:solidFill>
-                <a:cs typeface="Arial" pitchFamily="34" charset="0"/>
-              </a:rPr>
-              <a:t>representado  como       </a:t>
-            </a:r>
-            <a:endParaRPr lang="es-CO" sz="900" dirty="0">
-              <a:solidFill>
-                <a:schemeClr val="tx1"/>
-              </a:solidFill>
-              <a:cs typeface="Arial" pitchFamily="34" charset="0"/>
-            </a:endParaRPr>
-          </a:p>
-        </p:txBody>
-      </p:sp>
       <p:pic>
         <p:nvPicPr>
-          <p:cNvPr id="5" name="Picture 5"/>
+          <p:cNvPr id="1036" name="Picture 12"/>
           <p:cNvPicPr>
             <a:picLocks noChangeAspect="1" noChangeArrowheads="1"/>
           </p:cNvPicPr>
@@ -8400,8 +6907,8 @@
         </p:blipFill>
         <p:spPr bwMode="auto">
           <a:xfrm>
-            <a:off x="2992438" y="7117501"/>
-            <a:ext cx="1015682" cy="104037"/>
+            <a:off x="9306701" y="7834510"/>
+            <a:ext cx="571881" cy="266296"/>
           </a:xfrm>
           <a:prstGeom prst="rect">
             <a:avLst/>
@@ -8416,178 +6923,9 @@
           <a:effectLst/>
         </p:spPr>
       </p:pic>
-      <p:cxnSp>
-        <p:nvCxnSpPr>
-          <p:cNvPr id="292" name="291 Conector recto"/>
-          <p:cNvCxnSpPr>
-            <a:stCxn id="117" idx="2"/>
-            <a:endCxn id="286" idx="0"/>
-          </p:cNvCxnSpPr>
-          <p:nvPr/>
-        </p:nvCxnSpPr>
-        <p:spPr>
-          <a:xfrm>
-            <a:off x="3562909" y="6338614"/>
-            <a:ext cx="3616" cy="170428"/>
-          </a:xfrm>
-          <a:prstGeom prst="line">
-            <a:avLst/>
-          </a:prstGeom>
-          <a:ln w="12700">
-            <a:solidFill>
-              <a:schemeClr val="tx1"/>
-            </a:solidFill>
-          </a:ln>
-        </p:spPr>
-        <p:style>
-          <a:lnRef idx="1">
-            <a:schemeClr val="accent1"/>
-          </a:lnRef>
-          <a:fillRef idx="0">
-            <a:schemeClr val="accent1"/>
-          </a:fillRef>
-          <a:effectRef idx="0">
-            <a:schemeClr val="accent1"/>
-          </a:effectRef>
-          <a:fontRef idx="minor">
-            <a:schemeClr val="tx1"/>
-          </a:fontRef>
-        </p:style>
-      </p:cxnSp>
-      <p:sp>
-        <p:nvSpPr>
-          <p:cNvPr id="295" name="Rectángulo 35"/>
-          <p:cNvSpPr/>
-          <p:nvPr/>
-        </p:nvSpPr>
-        <p:spPr>
-          <a:xfrm>
-            <a:off x="4399781" y="6489992"/>
-            <a:ext cx="1095738" cy="263233"/>
-          </a:xfrm>
-          <a:prstGeom prst="rect">
-            <a:avLst/>
-          </a:prstGeom>
-          <a:ln>
-            <a:noFill/>
-          </a:ln>
-        </p:spPr>
-        <p:style>
-          <a:lnRef idx="2">
-            <a:schemeClr val="dk1"/>
-          </a:lnRef>
-          <a:fillRef idx="1">
-            <a:schemeClr val="lt1"/>
-          </a:fillRef>
-          <a:effectRef idx="0">
-            <a:schemeClr val="dk1"/>
-          </a:effectRef>
-          <a:fontRef idx="minor">
-            <a:schemeClr val="dk1"/>
-          </a:fontRef>
-        </p:style>
-        <p:txBody>
-          <a:bodyPr lIns="105683" tIns="52841" rIns="105683" bIns="52841" rtlCol="0" anchor="ctr"/>
-          <a:lstStyle/>
-          <a:p>
-            <a:pPr algn="ctr"/>
-            <a:r>
-              <a:rPr lang="es-CO" sz="900" dirty="0" smtClean="0">
-                <a:solidFill>
-                  <a:schemeClr val="tx1"/>
-                </a:solidFill>
-                <a:cs typeface="Arial" pitchFamily="34" charset="0"/>
-              </a:rPr>
-              <a:t>representado  como       </a:t>
-            </a:r>
-            <a:endParaRPr lang="es-CO" sz="900" dirty="0">
-              <a:solidFill>
-                <a:schemeClr val="tx1"/>
-              </a:solidFill>
-              <a:cs typeface="Arial" pitchFamily="34" charset="0"/>
-            </a:endParaRPr>
-          </a:p>
-        </p:txBody>
-      </p:sp>
-      <p:cxnSp>
-        <p:nvCxnSpPr>
-          <p:cNvPr id="296" name="295 Conector recto"/>
-          <p:cNvCxnSpPr>
-            <a:stCxn id="145" idx="2"/>
-            <a:endCxn id="295" idx="0"/>
-          </p:cNvCxnSpPr>
-          <p:nvPr/>
-        </p:nvCxnSpPr>
-        <p:spPr>
-          <a:xfrm>
-            <a:off x="4939602" y="6337067"/>
-            <a:ext cx="8048" cy="152925"/>
-          </a:xfrm>
-          <a:prstGeom prst="line">
-            <a:avLst/>
-          </a:prstGeom>
-          <a:ln w="12700">
-            <a:solidFill>
-              <a:schemeClr val="tx1"/>
-            </a:solidFill>
-          </a:ln>
-        </p:spPr>
-        <p:style>
-          <a:lnRef idx="1">
-            <a:schemeClr val="accent1"/>
-          </a:lnRef>
-          <a:fillRef idx="0">
-            <a:schemeClr val="accent1"/>
-          </a:fillRef>
-          <a:effectRef idx="0">
-            <a:schemeClr val="accent1"/>
-          </a:effectRef>
-          <a:fontRef idx="minor">
-            <a:schemeClr val="tx1"/>
-          </a:fontRef>
-        </p:style>
-      </p:cxnSp>
-      <p:cxnSp>
-        <p:nvCxnSpPr>
-          <p:cNvPr id="299" name="298 Conector recto"/>
-          <p:cNvCxnSpPr>
-            <a:stCxn id="295" idx="2"/>
-            <a:endCxn id="283" idx="0"/>
-          </p:cNvCxnSpPr>
-          <p:nvPr/>
-        </p:nvCxnSpPr>
-        <p:spPr>
-          <a:xfrm flipH="1">
-            <a:off x="4947186" y="6753225"/>
-            <a:ext cx="464" cy="215037"/>
-          </a:xfrm>
-          <a:prstGeom prst="line">
-            <a:avLst/>
-          </a:prstGeom>
-          <a:ln w="12700">
-            <a:solidFill>
-              <a:schemeClr val="tx1"/>
-            </a:solidFill>
-          </a:ln>
-        </p:spPr>
-        <p:style>
-          <a:lnRef idx="1">
-            <a:schemeClr val="accent1"/>
-          </a:lnRef>
-          <a:fillRef idx="0">
-            <a:schemeClr val="accent1"/>
-          </a:fillRef>
-          <a:effectRef idx="0">
-            <a:schemeClr val="accent1"/>
-          </a:effectRef>
-          <a:fontRef idx="minor">
-            <a:schemeClr val="tx1"/>
-          </a:fontRef>
-        </p:style>
-      </p:cxnSp>
       <p:pic>
         <p:nvPicPr>
-          <p:cNvPr id="6" name="Picture 6"/>
+          <p:cNvPr id="1037" name="Picture 13"/>
           <p:cNvPicPr>
             <a:picLocks noChangeAspect="1" noChangeArrowheads="1"/>
           </p:cNvPicPr>
@@ -8602,8 +6940,8 @@
         </p:blipFill>
         <p:spPr bwMode="auto">
           <a:xfrm>
-            <a:off x="4362449" y="7086601"/>
-            <a:ext cx="1188311" cy="96838"/>
+            <a:off x="10568694" y="7751656"/>
+            <a:ext cx="769397" cy="145879"/>
           </a:xfrm>
           <a:prstGeom prst="rect">
             <a:avLst/>
@@ -8620,7 +6958,7 @@
       </p:pic>
       <p:pic>
         <p:nvPicPr>
-          <p:cNvPr id="1032" name="Picture 8"/>
+          <p:cNvPr id="1038" name="Picture 14"/>
           <p:cNvPicPr>
             <a:picLocks noChangeAspect="1" noChangeArrowheads="1"/>
           </p:cNvPicPr>
@@ -8635,8 +6973,8 @@
         </p:blipFill>
         <p:spPr bwMode="auto">
           <a:xfrm>
-            <a:off x="6773862" y="7688263"/>
-            <a:ext cx="1028035" cy="360361"/>
+            <a:off x="675271" y="7679622"/>
+            <a:ext cx="1157219" cy="217976"/>
           </a:xfrm>
           <a:prstGeom prst="rect">
             <a:avLst/>
@@ -8651,73 +6989,9 @@
           <a:effectLst/>
         </p:spPr>
       </p:pic>
-      <p:sp>
-        <p:nvSpPr>
-          <p:cNvPr id="303" name="Rectángulo 33"/>
-          <p:cNvSpPr/>
-          <p:nvPr/>
-        </p:nvSpPr>
-        <p:spPr>
-          <a:xfrm>
-            <a:off x="5603148" y="7653137"/>
-            <a:ext cx="1039734" cy="571897"/>
-          </a:xfrm>
-          <a:prstGeom prst="rect">
-            <a:avLst/>
-          </a:prstGeom>
-          <a:solidFill>
-            <a:schemeClr val="bg1"/>
-          </a:solidFill>
-        </p:spPr>
-        <p:style>
-          <a:lnRef idx="2">
-            <a:schemeClr val="dk1"/>
-          </a:lnRef>
-          <a:fillRef idx="1">
-            <a:schemeClr val="lt1"/>
-          </a:fillRef>
-          <a:effectRef idx="0">
-            <a:schemeClr val="dk1"/>
-          </a:effectRef>
-          <a:fontRef idx="minor">
-            <a:schemeClr val="dk1"/>
-          </a:fontRef>
-        </p:style>
-        <p:txBody>
-          <a:bodyPr lIns="105683" tIns="52841" rIns="105683" bIns="52841" rtlCol="0" anchor="ctr"/>
-          <a:lstStyle/>
-          <a:p>
-            <a:r>
-              <a:rPr lang="es-CO" sz="900" dirty="0" smtClean="0">
-                <a:solidFill>
-                  <a:schemeClr val="tx1"/>
-                </a:solidFill>
-                <a:cs typeface="Arial" pitchFamily="34" charset="0"/>
-              </a:rPr>
-              <a:t>                                                           </a:t>
-            </a:r>
-          </a:p>
-          <a:p>
-            <a:endParaRPr lang="es-CO" sz="900" dirty="0" smtClean="0">
-              <a:solidFill>
-                <a:schemeClr val="tx1"/>
-              </a:solidFill>
-              <a:cs typeface="Arial" pitchFamily="34" charset="0"/>
-            </a:endParaRPr>
-          </a:p>
-          <a:p>
-            <a:endParaRPr lang="es-CO" sz="900" dirty="0" smtClean="0">
-              <a:solidFill>
-                <a:schemeClr val="tx1"/>
-              </a:solidFill>
-              <a:cs typeface="Arial" pitchFamily="34" charset="0"/>
-            </a:endParaRPr>
-          </a:p>
-        </p:txBody>
-      </p:sp>
       <p:pic>
         <p:nvPicPr>
-          <p:cNvPr id="305" name="Picture 7"/>
+          <p:cNvPr id="1039" name="Picture 15"/>
           <p:cNvPicPr>
             <a:picLocks noChangeAspect="1" noChangeArrowheads="1"/>
           </p:cNvPicPr>
@@ -8732,8 +7006,8 @@
         </p:blipFill>
         <p:spPr bwMode="auto">
           <a:xfrm>
-            <a:off x="5692594" y="7792600"/>
-            <a:ext cx="898724" cy="306843"/>
+            <a:off x="694115" y="7421735"/>
+            <a:ext cx="1102414" cy="172077"/>
           </a:xfrm>
           <a:prstGeom prst="rect">
             <a:avLst/>
@@ -8750,14 +7024,14 @@
       </p:pic>
       <p:sp>
         <p:nvSpPr>
-          <p:cNvPr id="306" name="Rectángulo 33"/>
+          <p:cNvPr id="178" name="Rectángulo 177" descr="Nodo de primer nivel" title="Nodo01"/>
           <p:cNvSpPr/>
           <p:nvPr/>
         </p:nvSpPr>
         <p:spPr>
           <a:xfrm>
-            <a:off x="5603148" y="8713391"/>
-            <a:ext cx="1039734" cy="571897"/>
+            <a:off x="2959420" y="1285041"/>
+            <a:ext cx="1124746" cy="439782"/>
           </a:xfrm>
           <a:prstGeom prst="rect">
             <a:avLst/>
@@ -8765,6 +7039,276 @@
           <a:solidFill>
             <a:schemeClr val="bg1"/>
           </a:solidFill>
+          <a:ln>
+            <a:solidFill>
+              <a:schemeClr val="tx1"/>
+            </a:solidFill>
+          </a:ln>
+          <a:effectLst>
+            <a:outerShdw blurRad="50800" dist="38100" dir="2700000" algn="tl" rotWithShape="0">
+              <a:prstClr val="black">
+                <a:alpha val="40000"/>
+              </a:prstClr>
+            </a:outerShdw>
+          </a:effectLst>
+        </p:spPr>
+        <p:style>
+          <a:lnRef idx="2">
+            <a:schemeClr val="accent6"/>
+          </a:lnRef>
+          <a:fillRef idx="1">
+            <a:schemeClr val="lt1"/>
+          </a:fillRef>
+          <a:effectRef idx="0">
+            <a:schemeClr val="accent6"/>
+          </a:effectRef>
+          <a:fontRef idx="minor">
+            <a:schemeClr val="dk1"/>
+          </a:fontRef>
+        </p:style>
+        <p:txBody>
+          <a:bodyPr rtlCol="0" anchor="ctr"/>
+          <a:lstStyle/>
+          <a:p>
+            <a:pPr algn="ctr"/>
+            <a:r>
+              <a:rPr lang="es-ES" sz="1200" b="1" dirty="0" smtClean="0">
+                <a:latin typeface="Arial" panose="020B0604020202020204" pitchFamily="34" charset="0"/>
+                <a:cs typeface="Arial" panose="020B0604020202020204" pitchFamily="34" charset="0"/>
+              </a:rPr>
+              <a:t>Sucesiones</a:t>
+            </a:r>
+            <a:endParaRPr lang="es-ES" sz="1200" b="1" dirty="0">
+              <a:latin typeface="Arial" panose="020B0604020202020204" pitchFamily="34" charset="0"/>
+              <a:cs typeface="Arial" panose="020B0604020202020204" pitchFamily="34" charset="0"/>
+            </a:endParaRPr>
+          </a:p>
+        </p:txBody>
+      </p:sp>
+      <p:sp>
+        <p:nvSpPr>
+          <p:cNvPr id="180" name="Rectángulo 179" descr="Nodo de primer nivel" title="Nodo01"/>
+          <p:cNvSpPr/>
+          <p:nvPr/>
+        </p:nvSpPr>
+        <p:spPr>
+          <a:xfrm>
+            <a:off x="9907588" y="1286384"/>
+            <a:ext cx="1302140" cy="439782"/>
+          </a:xfrm>
+          <a:prstGeom prst="rect">
+            <a:avLst/>
+          </a:prstGeom>
+          <a:solidFill>
+            <a:schemeClr val="bg1"/>
+          </a:solidFill>
+          <a:ln>
+            <a:solidFill>
+              <a:schemeClr val="tx1"/>
+            </a:solidFill>
+          </a:ln>
+          <a:effectLst>
+            <a:outerShdw blurRad="50800" dist="38100" dir="2700000" algn="tl" rotWithShape="0">
+              <a:prstClr val="black">
+                <a:alpha val="40000"/>
+              </a:prstClr>
+            </a:outerShdw>
+          </a:effectLst>
+        </p:spPr>
+        <p:style>
+          <a:lnRef idx="2">
+            <a:schemeClr val="accent6"/>
+          </a:lnRef>
+          <a:fillRef idx="1">
+            <a:schemeClr val="lt1"/>
+          </a:fillRef>
+          <a:effectRef idx="0">
+            <a:schemeClr val="accent6"/>
+          </a:effectRef>
+          <a:fontRef idx="minor">
+            <a:schemeClr val="dk1"/>
+          </a:fontRef>
+        </p:style>
+        <p:txBody>
+          <a:bodyPr rtlCol="0" anchor="ctr"/>
+          <a:lstStyle/>
+          <a:p>
+            <a:pPr algn="ctr"/>
+            <a:r>
+              <a:rPr lang="es-ES" sz="1200" b="1" dirty="0" smtClean="0">
+                <a:latin typeface="Arial" panose="020B0604020202020204" pitchFamily="34" charset="0"/>
+                <a:cs typeface="Arial" panose="020B0604020202020204" pitchFamily="34" charset="0"/>
+              </a:rPr>
+              <a:t>Progresiones</a:t>
+            </a:r>
+            <a:endParaRPr lang="es-ES" sz="1200" b="1" dirty="0">
+              <a:latin typeface="Arial" panose="020B0604020202020204" pitchFamily="34" charset="0"/>
+              <a:cs typeface="Arial" panose="020B0604020202020204" pitchFamily="34" charset="0"/>
+            </a:endParaRPr>
+          </a:p>
+        </p:txBody>
+      </p:sp>
+      <p:cxnSp>
+        <p:nvCxnSpPr>
+          <p:cNvPr id="198" name="Conector angular 197"/>
+          <p:cNvCxnSpPr/>
+          <p:nvPr/>
+        </p:nvCxnSpPr>
+        <p:spPr>
+          <a:xfrm rot="16200000" flipH="1">
+            <a:off x="10553256" y="2268574"/>
+            <a:ext cx="143029" cy="877"/>
+          </a:xfrm>
+          <a:prstGeom prst="bentConnector3">
+            <a:avLst>
+              <a:gd name="adj1" fmla="val -26335"/>
+            </a:avLst>
+          </a:prstGeom>
+          <a:ln w="12700">
+            <a:solidFill>
+              <a:schemeClr val="tx1"/>
+            </a:solidFill>
+          </a:ln>
+        </p:spPr>
+        <p:style>
+          <a:lnRef idx="1">
+            <a:schemeClr val="accent1"/>
+          </a:lnRef>
+          <a:fillRef idx="0">
+            <a:schemeClr val="accent1"/>
+          </a:fillRef>
+          <a:effectRef idx="0">
+            <a:schemeClr val="accent1"/>
+          </a:effectRef>
+          <a:fontRef idx="minor">
+            <a:schemeClr val="tx1"/>
+          </a:fontRef>
+        </p:style>
+      </p:cxnSp>
+      <p:cxnSp>
+        <p:nvCxnSpPr>
+          <p:cNvPr id="202" name="Conector angular 201"/>
+          <p:cNvCxnSpPr/>
+          <p:nvPr/>
+        </p:nvCxnSpPr>
+        <p:spPr>
+          <a:xfrm rot="16200000" flipH="1">
+            <a:off x="10553256" y="1872814"/>
+            <a:ext cx="143029" cy="877"/>
+          </a:xfrm>
+          <a:prstGeom prst="bentConnector3">
+            <a:avLst>
+              <a:gd name="adj1" fmla="val -26335"/>
+            </a:avLst>
+          </a:prstGeom>
+          <a:ln w="12700">
+            <a:solidFill>
+              <a:schemeClr val="tx1"/>
+            </a:solidFill>
+          </a:ln>
+        </p:spPr>
+        <p:style>
+          <a:lnRef idx="1">
+            <a:schemeClr val="accent1"/>
+          </a:lnRef>
+          <a:fillRef idx="0">
+            <a:schemeClr val="accent1"/>
+          </a:fillRef>
+          <a:effectRef idx="0">
+            <a:schemeClr val="accent1"/>
+          </a:effectRef>
+          <a:fontRef idx="minor">
+            <a:schemeClr val="tx1"/>
+          </a:fontRef>
+        </p:style>
+      </p:cxnSp>
+      <p:cxnSp>
+        <p:nvCxnSpPr>
+          <p:cNvPr id="251" name="190 Conector recto"/>
+          <p:cNvCxnSpPr/>
+          <p:nvPr/>
+        </p:nvCxnSpPr>
+        <p:spPr>
+          <a:xfrm>
+            <a:off x="2708338" y="3820623"/>
+            <a:ext cx="0" cy="170428"/>
+          </a:xfrm>
+          <a:prstGeom prst="line">
+            <a:avLst/>
+          </a:prstGeom>
+          <a:ln w="12700">
+            <a:solidFill>
+              <a:schemeClr val="tx1"/>
+            </a:solidFill>
+          </a:ln>
+        </p:spPr>
+        <p:style>
+          <a:lnRef idx="1">
+            <a:schemeClr val="accent1"/>
+          </a:lnRef>
+          <a:fillRef idx="0">
+            <a:schemeClr val="accent1"/>
+          </a:fillRef>
+          <a:effectRef idx="0">
+            <a:schemeClr val="accent1"/>
+          </a:effectRef>
+          <a:fontRef idx="minor">
+            <a:schemeClr val="tx1"/>
+          </a:fontRef>
+        </p:style>
+      </p:cxnSp>
+      <p:cxnSp>
+        <p:nvCxnSpPr>
+          <p:cNvPr id="275" name="230 Conector recto"/>
+          <p:cNvCxnSpPr/>
+          <p:nvPr/>
+        </p:nvCxnSpPr>
+        <p:spPr>
+          <a:xfrm flipH="1">
+            <a:off x="1243038" y="4714417"/>
+            <a:ext cx="844" cy="206946"/>
+          </a:xfrm>
+          <a:prstGeom prst="line">
+            <a:avLst/>
+          </a:prstGeom>
+          <a:ln w="12700">
+            <a:solidFill>
+              <a:schemeClr val="tx1"/>
+            </a:solidFill>
+          </a:ln>
+        </p:spPr>
+        <p:style>
+          <a:lnRef idx="1">
+            <a:schemeClr val="accent1"/>
+          </a:lnRef>
+          <a:fillRef idx="0">
+            <a:schemeClr val="accent1"/>
+          </a:fillRef>
+          <a:effectRef idx="0">
+            <a:schemeClr val="accent1"/>
+          </a:effectRef>
+          <a:fontRef idx="minor">
+            <a:schemeClr val="tx1"/>
+          </a:fontRef>
+        </p:style>
+      </p:cxnSp>
+      <p:sp>
+        <p:nvSpPr>
+          <p:cNvPr id="312" name="Rectángulo 35"/>
+          <p:cNvSpPr/>
+          <p:nvPr/>
+        </p:nvSpPr>
+        <p:spPr>
+          <a:xfrm>
+            <a:off x="3658770" y="4596028"/>
+            <a:ext cx="1095738" cy="221963"/>
+          </a:xfrm>
+          <a:prstGeom prst="rect">
+            <a:avLst/>
+          </a:prstGeom>
+          <a:ln>
+            <a:noFill/>
+          </a:ln>
         </p:spPr>
         <p:style>
           <a:lnRef idx="2">
@@ -8784,34 +7328,101 @@
           <a:bodyPr lIns="105683" tIns="52841" rIns="105683" bIns="52841" rtlCol="0" anchor="ctr"/>
           <a:lstStyle/>
           <a:p>
-            <a:endParaRPr lang="es-CO" sz="900" dirty="0" smtClean="0">
+            <a:pPr algn="ctr"/>
+            <a:r>
+              <a:rPr lang="es-CO" sz="900" dirty="0" smtClean="0">
+                <a:solidFill>
+                  <a:schemeClr val="tx1"/>
+                </a:solidFill>
+                <a:latin typeface="Arial" panose="020B0604020202020204" pitchFamily="34" charset="0"/>
+                <a:cs typeface="Arial" panose="020B0604020202020204" pitchFamily="34" charset="0"/>
+              </a:rPr>
+              <a:t>como</a:t>
+            </a:r>
+            <a:endParaRPr lang="es-CO" sz="900" dirty="0">
               <a:solidFill>
                 <a:schemeClr val="tx1"/>
               </a:solidFill>
-              <a:cs typeface="Arial" pitchFamily="34" charset="0"/>
-            </a:endParaRPr>
-          </a:p>
-          <a:p>
-            <a:endParaRPr lang="es-CO" sz="900" dirty="0" smtClean="0">
-              <a:solidFill>
-                <a:schemeClr val="tx1"/>
-              </a:solidFill>
-              <a:cs typeface="Arial" pitchFamily="34" charset="0"/>
-            </a:endParaRPr>
-          </a:p>
-          <a:p>
-            <a:endParaRPr lang="es-CO" sz="900" dirty="0" smtClean="0">
-              <a:solidFill>
-                <a:schemeClr val="tx1"/>
-              </a:solidFill>
-              <a:cs typeface="Arial" pitchFamily="34" charset="0"/>
+              <a:latin typeface="Arial" panose="020B0604020202020204" pitchFamily="34" charset="0"/>
+              <a:cs typeface="Arial" panose="020B0604020202020204" pitchFamily="34" charset="0"/>
             </a:endParaRPr>
           </a:p>
         </p:txBody>
       </p:sp>
+      <p:cxnSp>
+        <p:nvCxnSpPr>
+          <p:cNvPr id="321" name="143 Conector recto"/>
+          <p:cNvCxnSpPr/>
+          <p:nvPr/>
+        </p:nvCxnSpPr>
+        <p:spPr>
+          <a:xfrm>
+            <a:off x="4221889" y="4777334"/>
+            <a:ext cx="832" cy="250047"/>
+          </a:xfrm>
+          <a:prstGeom prst="line">
+            <a:avLst/>
+          </a:prstGeom>
+          <a:ln w="12700">
+            <a:solidFill>
+              <a:schemeClr val="tx1"/>
+            </a:solidFill>
+          </a:ln>
+        </p:spPr>
+        <p:style>
+          <a:lnRef idx="1">
+            <a:schemeClr val="accent1"/>
+          </a:lnRef>
+          <a:fillRef idx="0">
+            <a:schemeClr val="accent1"/>
+          </a:fillRef>
+          <a:effectRef idx="0">
+            <a:schemeClr val="accent1"/>
+          </a:effectRef>
+          <a:fontRef idx="minor">
+            <a:schemeClr val="tx1"/>
+          </a:fontRef>
+        </p:style>
+      </p:cxnSp>
+      <p:cxnSp>
+        <p:nvCxnSpPr>
+          <p:cNvPr id="340" name="331 Conector recto de flecha"/>
+          <p:cNvCxnSpPr/>
+          <p:nvPr/>
+        </p:nvCxnSpPr>
+        <p:spPr>
+          <a:xfrm>
+            <a:off x="3508435" y="3645510"/>
+            <a:ext cx="0" cy="175113"/>
+          </a:xfrm>
+          <a:prstGeom prst="straightConnector1">
+            <a:avLst/>
+          </a:prstGeom>
+          <a:ln w="12700">
+            <a:solidFill>
+              <a:schemeClr val="tx1"/>
+            </a:solidFill>
+            <a:tailEnd type="none"/>
+          </a:ln>
+        </p:spPr>
+        <p:style>
+          <a:lnRef idx="1">
+            <a:schemeClr val="accent1"/>
+          </a:lnRef>
+          <a:fillRef idx="0">
+            <a:schemeClr val="accent1"/>
+          </a:fillRef>
+          <a:effectRef idx="0">
+            <a:schemeClr val="accent1"/>
+          </a:effectRef>
+          <a:fontRef idx="minor">
+            <a:schemeClr val="tx1"/>
+          </a:fontRef>
+        </p:style>
+      </p:cxnSp>
       <p:pic>
         <p:nvPicPr>
-          <p:cNvPr id="307" name="Picture 9"/>
+          <p:cNvPr id="363" name="Picture 8"/>
           <p:cNvPicPr>
             <a:picLocks noChangeAspect="1" noChangeArrowheads="1"/>
           </p:cNvPicPr>
@@ -8826,8 +7437,8 @@
         </p:blipFill>
         <p:spPr bwMode="auto">
           <a:xfrm>
-            <a:off x="5659438" y="8748337"/>
-            <a:ext cx="912811" cy="387129"/>
+            <a:off x="4598646" y="7645899"/>
+            <a:ext cx="806193" cy="282598"/>
           </a:xfrm>
           <a:prstGeom prst="rect">
             <a:avLst/>
@@ -8844,21 +7455,19 @@
       </p:pic>
       <p:sp>
         <p:nvSpPr>
-          <p:cNvPr id="309" name="Rectángulo 35"/>
+          <p:cNvPr id="367" name="Rectángulo 33"/>
           <p:cNvSpPr/>
           <p:nvPr/>
         </p:nvSpPr>
         <p:spPr>
           <a:xfrm>
-            <a:off x="5571356" y="8369642"/>
-            <a:ext cx="1095738" cy="221963"/>
+            <a:off x="5734482" y="7393243"/>
+            <a:ext cx="1029271" cy="701803"/>
           </a:xfrm>
           <a:prstGeom prst="rect">
             <a:avLst/>
           </a:prstGeom>
-          <a:ln>
-            <a:noFill/>
-          </a:ln>
+          <a:noFill/>
         </p:spPr>
         <p:style>
           <a:lnRef idx="2">
@@ -8878,40 +7487,97 @@
           <a:bodyPr lIns="105683" tIns="52841" rIns="105683" bIns="52841" rtlCol="0" anchor="ctr"/>
           <a:lstStyle/>
           <a:p>
-            <a:pPr algn="ctr"/>
             <a:r>
               <a:rPr lang="es-CO" sz="900" dirty="0" smtClean="0">
                 <a:solidFill>
                   <a:schemeClr val="tx1"/>
                 </a:solidFill>
-                <a:cs typeface="Arial" pitchFamily="34" charset="0"/>
-              </a:rPr>
-              <a:t>con las formulas  </a:t>
-            </a:r>
+                <a:latin typeface="Arial" panose="020B0604020202020204" pitchFamily="34" charset="0"/>
+                <a:cs typeface="Arial" panose="020B0604020202020204" pitchFamily="34" charset="0"/>
+              </a:rPr>
+              <a:t>                                                           </a:t>
+            </a:r>
+          </a:p>
+          <a:p>
+            <a:endParaRPr lang="es-CO" sz="900" dirty="0" smtClean="0">
+              <a:solidFill>
+                <a:schemeClr val="tx1"/>
+              </a:solidFill>
+              <a:latin typeface="Arial" panose="020B0604020202020204" pitchFamily="34" charset="0"/>
+              <a:cs typeface="Arial" panose="020B0604020202020204" pitchFamily="34" charset="0"/>
+            </a:endParaRPr>
+          </a:p>
+          <a:p>
+            <a:r>
+              <a:rPr lang="es-CO" sz="900" dirty="0" smtClean="0">
+                <a:solidFill>
+                  <a:schemeClr val="tx1"/>
+                </a:solidFill>
+                <a:latin typeface="Arial" panose="020B0604020202020204" pitchFamily="34" charset="0"/>
+                <a:cs typeface="Arial" panose="020B0604020202020204" pitchFamily="34" charset="0"/>
+              </a:rPr>
+              <a:t>para la multiplicación:</a:t>
+            </a:r>
+          </a:p>
+          <a:p>
             <a:endParaRPr lang="es-CO" sz="900" dirty="0">
               <a:solidFill>
                 <a:schemeClr val="tx1"/>
               </a:solidFill>
-              <a:cs typeface="Arial" pitchFamily="34" charset="0"/>
+              <a:latin typeface="Arial" panose="020B0604020202020204" pitchFamily="34" charset="0"/>
+              <a:cs typeface="Arial" panose="020B0604020202020204" pitchFamily="34" charset="0"/>
+            </a:endParaRPr>
+          </a:p>
+          <a:p>
+            <a:endParaRPr lang="es-CO" sz="900" dirty="0" smtClean="0">
+              <a:solidFill>
+                <a:schemeClr val="tx1"/>
+              </a:solidFill>
+              <a:latin typeface="Arial" panose="020B0604020202020204" pitchFamily="34" charset="0"/>
+              <a:cs typeface="Arial" panose="020B0604020202020204" pitchFamily="34" charset="0"/>
+            </a:endParaRPr>
+          </a:p>
+          <a:p>
+            <a:endParaRPr lang="es-CO" sz="900" dirty="0">
+              <a:solidFill>
+                <a:schemeClr val="tx1"/>
+              </a:solidFill>
+              <a:latin typeface="Arial" panose="020B0604020202020204" pitchFamily="34" charset="0"/>
+              <a:cs typeface="Arial" panose="020B0604020202020204" pitchFamily="34" charset="0"/>
+            </a:endParaRPr>
+          </a:p>
+          <a:p>
+            <a:endParaRPr lang="es-CO" sz="900" dirty="0" smtClean="0">
+              <a:solidFill>
+                <a:schemeClr val="tx1"/>
+              </a:solidFill>
+              <a:latin typeface="Arial" panose="020B0604020202020204" pitchFamily="34" charset="0"/>
+              <a:cs typeface="Arial" panose="020B0604020202020204" pitchFamily="34" charset="0"/>
+            </a:endParaRPr>
+          </a:p>
+          <a:p>
+            <a:endParaRPr lang="es-CO" sz="900" dirty="0" smtClean="0">
+              <a:solidFill>
+                <a:schemeClr val="tx1"/>
+              </a:solidFill>
+              <a:latin typeface="Arial" panose="020B0604020202020204" pitchFamily="34" charset="0"/>
+              <a:cs typeface="Arial" panose="020B0604020202020204" pitchFamily="34" charset="0"/>
             </a:endParaRPr>
           </a:p>
         </p:txBody>
       </p:sp>
       <p:cxnSp>
         <p:nvCxnSpPr>
-          <p:cNvPr id="314" name="313 Conector recto"/>
-          <p:cNvCxnSpPr>
-            <a:stCxn id="309" idx="2"/>
-            <a:endCxn id="306" idx="0"/>
-          </p:cNvCxnSpPr>
+          <p:cNvPr id="368" name="601 Conector angular"/>
+          <p:cNvCxnSpPr/>
           <p:nvPr/>
         </p:nvCxnSpPr>
         <p:spPr>
           <a:xfrm>
-            <a:off x="6119225" y="8591605"/>
-            <a:ext cx="3790" cy="121786"/>
-          </a:xfrm>
-          <a:prstGeom prst="line">
+            <a:off x="4313918" y="3833420"/>
+            <a:ext cx="1336033" cy="212779"/>
+          </a:xfrm>
+          <a:prstGeom prst="bentConnector2">
             <a:avLst/>
           </a:prstGeom>
           <a:ln w="12700">
@@ -8935,137 +7601,18 @@
           </a:fontRef>
         </p:style>
       </p:cxnSp>
-      <p:sp>
-        <p:nvSpPr>
-          <p:cNvPr id="317" name="Rectángulo 35"/>
-          <p:cNvSpPr/>
-          <p:nvPr/>
-        </p:nvSpPr>
-        <p:spPr>
-          <a:xfrm>
-            <a:off x="6723881" y="8369642"/>
-            <a:ext cx="1095738" cy="221963"/>
-          </a:xfrm>
-          <a:prstGeom prst="rect">
-            <a:avLst/>
-          </a:prstGeom>
-          <a:ln>
-            <a:noFill/>
-          </a:ln>
-        </p:spPr>
-        <p:style>
-          <a:lnRef idx="2">
-            <a:schemeClr val="dk1"/>
-          </a:lnRef>
-          <a:fillRef idx="1">
-            <a:schemeClr val="lt1"/>
-          </a:fillRef>
-          <a:effectRef idx="0">
-            <a:schemeClr val="dk1"/>
-          </a:effectRef>
-          <a:fontRef idx="minor">
-            <a:schemeClr val="dk1"/>
-          </a:fontRef>
-        </p:style>
-        <p:txBody>
-          <a:bodyPr lIns="105683" tIns="52841" rIns="105683" bIns="52841" rtlCol="0" anchor="ctr"/>
-          <a:lstStyle/>
-          <a:p>
-            <a:pPr algn="ctr"/>
-            <a:r>
-              <a:rPr lang="es-CO" sz="900" dirty="0" smtClean="0">
-                <a:solidFill>
-                  <a:schemeClr val="tx1"/>
-                </a:solidFill>
-                <a:cs typeface="Arial" pitchFamily="34" charset="0"/>
-              </a:rPr>
-              <a:t>con las formulas  </a:t>
-            </a:r>
-            <a:endParaRPr lang="es-CO" sz="900" dirty="0">
-              <a:solidFill>
-                <a:schemeClr val="tx1"/>
-              </a:solidFill>
-              <a:cs typeface="Arial" pitchFamily="34" charset="0"/>
-            </a:endParaRPr>
-          </a:p>
-        </p:txBody>
-      </p:sp>
-      <p:sp>
-        <p:nvSpPr>
-          <p:cNvPr id="319" name="Rectángulo 33"/>
-          <p:cNvSpPr/>
-          <p:nvPr/>
-        </p:nvSpPr>
-        <p:spPr>
-          <a:xfrm>
-            <a:off x="6755673" y="8713391"/>
-            <a:ext cx="1039734" cy="571897"/>
-          </a:xfrm>
-          <a:prstGeom prst="rect">
-            <a:avLst/>
-          </a:prstGeom>
-          <a:solidFill>
-            <a:schemeClr val="bg1"/>
-          </a:solidFill>
-        </p:spPr>
-        <p:style>
-          <a:lnRef idx="2">
-            <a:schemeClr val="dk1"/>
-          </a:lnRef>
-          <a:fillRef idx="1">
-            <a:schemeClr val="lt1"/>
-          </a:fillRef>
-          <a:effectRef idx="0">
-            <a:schemeClr val="dk1"/>
-          </a:effectRef>
-          <a:fontRef idx="minor">
-            <a:schemeClr val="dk1"/>
-          </a:fontRef>
-        </p:style>
-        <p:txBody>
-          <a:bodyPr lIns="105683" tIns="52841" rIns="105683" bIns="52841" rtlCol="0" anchor="ctr"/>
-          <a:lstStyle/>
-          <a:p>
-            <a:endParaRPr lang="es-CO" sz="900" dirty="0" smtClean="0">
-              <a:solidFill>
-                <a:schemeClr val="tx1"/>
-              </a:solidFill>
-              <a:cs typeface="Arial" pitchFamily="34" charset="0"/>
-            </a:endParaRPr>
-          </a:p>
-          <a:p>
-            <a:endParaRPr lang="es-CO" sz="900" dirty="0" smtClean="0">
-              <a:solidFill>
-                <a:schemeClr val="tx1"/>
-              </a:solidFill>
-              <a:cs typeface="Arial" pitchFamily="34" charset="0"/>
-            </a:endParaRPr>
-          </a:p>
-          <a:p>
-            <a:endParaRPr lang="es-CO" sz="900" dirty="0" smtClean="0">
-              <a:solidFill>
-                <a:schemeClr val="tx1"/>
-              </a:solidFill>
-              <a:cs typeface="Arial" pitchFamily="34" charset="0"/>
-            </a:endParaRPr>
-          </a:p>
-        </p:txBody>
-      </p:sp>
       <p:cxnSp>
         <p:nvCxnSpPr>
-          <p:cNvPr id="320" name="319 Conector recto"/>
-          <p:cNvCxnSpPr>
-            <a:stCxn id="317" idx="2"/>
-            <a:endCxn id="319" idx="0"/>
-          </p:cNvCxnSpPr>
+          <p:cNvPr id="391" name="601 Conector angular"/>
+          <p:cNvCxnSpPr/>
           <p:nvPr/>
         </p:nvCxnSpPr>
         <p:spPr>
           <a:xfrm>
-            <a:off x="7271750" y="8591605"/>
-            <a:ext cx="3790" cy="121786"/>
-          </a:xfrm>
-          <a:prstGeom prst="line">
+            <a:off x="5506252" y="7194543"/>
+            <a:ext cx="742865" cy="192890"/>
+          </a:xfrm>
+          <a:prstGeom prst="bentConnector2">
             <a:avLst/>
           </a:prstGeom>
           <a:ln w="12700">
@@ -9089,204 +7636,216 @@
           </a:fontRef>
         </p:style>
       </p:cxnSp>
-      <p:pic>
-        <p:nvPicPr>
-          <p:cNvPr id="324" name="Picture 10"/>
-          <p:cNvPicPr>
-            <a:picLocks noChangeAspect="1" noChangeArrowheads="1"/>
-          </p:cNvPicPr>
-          <p:nvPr/>
-        </p:nvPicPr>
-        <p:blipFill>
-          <a:blip r:embed="rId15" cstate="print"/>
-          <a:srcRect/>
-          <a:stretch>
-            <a:fillRect/>
-          </a:stretch>
-        </p:blipFill>
-        <p:spPr bwMode="auto">
-          <a:xfrm>
-            <a:off x="6802438" y="8735304"/>
-            <a:ext cx="947454" cy="389646"/>
-          </a:xfrm>
-          <a:prstGeom prst="rect">
-            <a:avLst/>
-          </a:prstGeom>
-          <a:noFill/>
-          <a:ln w="9525">
-            <a:noFill/>
-            <a:miter lim="800000"/>
-            <a:headEnd/>
-            <a:tailEnd/>
-          </a:ln>
-          <a:effectLst/>
-        </p:spPr>
-      </p:pic>
-      <p:pic>
-        <p:nvPicPr>
-          <p:cNvPr id="1035" name="Picture 11"/>
-          <p:cNvPicPr>
-            <a:picLocks noChangeAspect="1" noChangeArrowheads="1"/>
-          </p:cNvPicPr>
-          <p:nvPr/>
-        </p:nvPicPr>
-        <p:blipFill>
-          <a:blip r:embed="rId16" cstate="print"/>
-          <a:srcRect/>
-          <a:stretch>
-            <a:fillRect/>
-          </a:stretch>
-        </p:blipFill>
-        <p:spPr bwMode="auto">
-          <a:xfrm>
-            <a:off x="7870820" y="8372474"/>
-            <a:ext cx="835030" cy="87313"/>
-          </a:xfrm>
-          <a:prstGeom prst="rect">
-            <a:avLst/>
-          </a:prstGeom>
-          <a:noFill/>
-          <a:ln w="9525">
-            <a:noFill/>
-            <a:miter lim="800000"/>
-            <a:headEnd/>
-            <a:tailEnd/>
-          </a:ln>
-          <a:effectLst/>
-        </p:spPr>
-      </p:pic>
-      <p:pic>
-        <p:nvPicPr>
-          <p:cNvPr id="1036" name="Picture 12"/>
-          <p:cNvPicPr>
-            <a:picLocks noChangeAspect="1" noChangeArrowheads="1"/>
-          </p:cNvPicPr>
-          <p:nvPr/>
-        </p:nvPicPr>
-        <p:blipFill>
-          <a:blip r:embed="rId17" cstate="print"/>
-          <a:srcRect/>
-          <a:stretch>
-            <a:fillRect/>
-          </a:stretch>
-        </p:blipFill>
-        <p:spPr bwMode="auto">
-          <a:xfrm>
-            <a:off x="9907588" y="8267699"/>
-            <a:ext cx="684211" cy="318602"/>
-          </a:xfrm>
-          <a:prstGeom prst="rect">
-            <a:avLst/>
-          </a:prstGeom>
-          <a:noFill/>
-          <a:ln w="9525">
-            <a:noFill/>
-            <a:miter lim="800000"/>
-            <a:headEnd/>
-            <a:tailEnd/>
-          </a:ln>
-          <a:effectLst/>
-        </p:spPr>
-      </p:pic>
-      <p:pic>
-        <p:nvPicPr>
-          <p:cNvPr id="1037" name="Picture 13"/>
-          <p:cNvPicPr>
-            <a:picLocks noChangeAspect="1" noChangeArrowheads="1"/>
-          </p:cNvPicPr>
-          <p:nvPr/>
-        </p:nvPicPr>
-        <p:blipFill>
-          <a:blip r:embed="rId18" cstate="print"/>
-          <a:srcRect/>
-          <a:stretch>
-            <a:fillRect/>
-          </a:stretch>
-        </p:blipFill>
-        <p:spPr bwMode="auto">
-          <a:xfrm>
-            <a:off x="10850563" y="8331370"/>
-            <a:ext cx="769397" cy="145879"/>
-          </a:xfrm>
-          <a:prstGeom prst="rect">
-            <a:avLst/>
-          </a:prstGeom>
-          <a:noFill/>
-          <a:ln w="9525">
-            <a:noFill/>
-            <a:miter lim="800000"/>
-            <a:headEnd/>
-            <a:tailEnd/>
-          </a:ln>
-          <a:effectLst/>
-        </p:spPr>
-      </p:pic>
-      <p:pic>
-        <p:nvPicPr>
-          <p:cNvPr id="1038" name="Picture 14"/>
-          <p:cNvPicPr>
-            <a:picLocks noChangeAspect="1" noChangeArrowheads="1"/>
-          </p:cNvPicPr>
-          <p:nvPr/>
-        </p:nvPicPr>
-        <p:blipFill>
-          <a:blip r:embed="rId19" cstate="print"/>
-          <a:srcRect/>
-          <a:stretch>
-            <a:fillRect/>
-          </a:stretch>
-        </p:blipFill>
-        <p:spPr bwMode="auto">
-          <a:xfrm>
-            <a:off x="173038" y="8821249"/>
-            <a:ext cx="1157219" cy="217976"/>
-          </a:xfrm>
-          <a:prstGeom prst="rect">
-            <a:avLst/>
-          </a:prstGeom>
-          <a:noFill/>
-          <a:ln w="9525">
-            <a:noFill/>
-            <a:miter lim="800000"/>
-            <a:headEnd/>
-            <a:tailEnd/>
-          </a:ln>
-          <a:effectLst/>
-        </p:spPr>
-      </p:pic>
-      <p:pic>
-        <p:nvPicPr>
-          <p:cNvPr id="1039" name="Picture 15"/>
-          <p:cNvPicPr>
-            <a:picLocks noChangeAspect="1" noChangeArrowheads="1"/>
-          </p:cNvPicPr>
-          <p:nvPr/>
-        </p:nvPicPr>
-        <p:blipFill>
-          <a:blip r:embed="rId20" cstate="print"/>
-          <a:srcRect/>
-          <a:stretch>
-            <a:fillRect/>
-          </a:stretch>
-        </p:blipFill>
-        <p:spPr bwMode="auto">
-          <a:xfrm>
-            <a:off x="115887" y="8212139"/>
-            <a:ext cx="1271281" cy="198436"/>
-          </a:xfrm>
-          <a:prstGeom prst="rect">
-            <a:avLst/>
-          </a:prstGeom>
-          <a:noFill/>
-          <a:ln w="9525">
-            <a:noFill/>
-            <a:miter lim="800000"/>
-            <a:headEnd/>
-            <a:tailEnd/>
-          </a:ln>
-          <a:effectLst/>
-        </p:spPr>
-      </p:pic>
+      <p:cxnSp>
+        <p:nvCxnSpPr>
+          <p:cNvPr id="393" name="601 Conector angular"/>
+          <p:cNvCxnSpPr/>
+          <p:nvPr/>
+        </p:nvCxnSpPr>
+        <p:spPr>
+          <a:xfrm flipH="1">
+            <a:off x="4779897" y="7198596"/>
+            <a:ext cx="742865" cy="192890"/>
+          </a:xfrm>
+          <a:prstGeom prst="bentConnector2">
+            <a:avLst/>
+          </a:prstGeom>
+          <a:ln w="12700">
+            <a:solidFill>
+              <a:schemeClr val="tx1"/>
+            </a:solidFill>
+          </a:ln>
+        </p:spPr>
+        <p:style>
+          <a:lnRef idx="1">
+            <a:schemeClr val="accent1"/>
+          </a:lnRef>
+          <a:fillRef idx="0">
+            <a:schemeClr val="accent1"/>
+          </a:fillRef>
+          <a:effectRef idx="0">
+            <a:schemeClr val="accent1"/>
+          </a:effectRef>
+          <a:fontRef idx="minor">
+            <a:schemeClr val="tx1"/>
+          </a:fontRef>
+        </p:style>
+      </p:cxnSp>
+      <p:cxnSp>
+        <p:nvCxnSpPr>
+          <p:cNvPr id="474" name="265 Conector recto"/>
+          <p:cNvCxnSpPr/>
+          <p:nvPr/>
+        </p:nvCxnSpPr>
+        <p:spPr>
+          <a:xfrm flipH="1" flipV="1">
+            <a:off x="11933620" y="4793097"/>
+            <a:ext cx="1653" cy="197906"/>
+          </a:xfrm>
+          <a:prstGeom prst="line">
+            <a:avLst/>
+          </a:prstGeom>
+          <a:ln w="12700">
+            <a:solidFill>
+              <a:schemeClr val="tx1"/>
+            </a:solidFill>
+          </a:ln>
+        </p:spPr>
+        <p:style>
+          <a:lnRef idx="1">
+            <a:schemeClr val="accent1"/>
+          </a:lnRef>
+          <a:fillRef idx="0">
+            <a:schemeClr val="accent1"/>
+          </a:fillRef>
+          <a:effectRef idx="0">
+            <a:schemeClr val="accent1"/>
+          </a:effectRef>
+          <a:fontRef idx="minor">
+            <a:schemeClr val="tx1"/>
+          </a:fontRef>
+        </p:style>
+      </p:cxnSp>
+      <p:cxnSp>
+        <p:nvCxnSpPr>
+          <p:cNvPr id="486" name="252 Conector recto"/>
+          <p:cNvCxnSpPr/>
+          <p:nvPr/>
+        </p:nvCxnSpPr>
+        <p:spPr>
+          <a:xfrm>
+            <a:off x="10932387" y="7541847"/>
+            <a:ext cx="3613" cy="174369"/>
+          </a:xfrm>
+          <a:prstGeom prst="line">
+            <a:avLst/>
+          </a:prstGeom>
+          <a:ln w="12700">
+            <a:solidFill>
+              <a:schemeClr val="tx1"/>
+            </a:solidFill>
+          </a:ln>
+        </p:spPr>
+        <p:style>
+          <a:lnRef idx="1">
+            <a:schemeClr val="accent1"/>
+          </a:lnRef>
+          <a:fillRef idx="0">
+            <a:schemeClr val="accent1"/>
+          </a:fillRef>
+          <a:effectRef idx="0">
+            <a:schemeClr val="accent1"/>
+          </a:effectRef>
+          <a:fontRef idx="minor">
+            <a:schemeClr val="tx1"/>
+          </a:fontRef>
+        </p:style>
+      </p:cxnSp>
+      <p:cxnSp>
+        <p:nvCxnSpPr>
+          <p:cNvPr id="489" name="252 Conector recto"/>
+          <p:cNvCxnSpPr/>
+          <p:nvPr/>
+        </p:nvCxnSpPr>
+        <p:spPr>
+          <a:xfrm>
+            <a:off x="11932081" y="7348301"/>
+            <a:ext cx="3613" cy="174369"/>
+          </a:xfrm>
+          <a:prstGeom prst="line">
+            <a:avLst/>
+          </a:prstGeom>
+          <a:ln w="12700">
+            <a:solidFill>
+              <a:schemeClr val="tx1"/>
+            </a:solidFill>
+          </a:ln>
+        </p:spPr>
+        <p:style>
+          <a:lnRef idx="1">
+            <a:schemeClr val="accent1"/>
+          </a:lnRef>
+          <a:fillRef idx="0">
+            <a:schemeClr val="accent1"/>
+          </a:fillRef>
+          <a:effectRef idx="0">
+            <a:schemeClr val="accent1"/>
+          </a:effectRef>
+          <a:fontRef idx="minor">
+            <a:schemeClr val="tx1"/>
+          </a:fontRef>
+        </p:style>
+      </p:cxnSp>
+      <p:cxnSp>
+        <p:nvCxnSpPr>
+          <p:cNvPr id="490" name="252 Conector recto"/>
+          <p:cNvCxnSpPr/>
+          <p:nvPr/>
+        </p:nvCxnSpPr>
+        <p:spPr>
+          <a:xfrm>
+            <a:off x="13060228" y="7599140"/>
+            <a:ext cx="3613" cy="174369"/>
+          </a:xfrm>
+          <a:prstGeom prst="line">
+            <a:avLst/>
+          </a:prstGeom>
+          <a:ln w="12700">
+            <a:solidFill>
+              <a:schemeClr val="tx1"/>
+            </a:solidFill>
+          </a:ln>
+        </p:spPr>
+        <p:style>
+          <a:lnRef idx="1">
+            <a:schemeClr val="accent1"/>
+          </a:lnRef>
+          <a:fillRef idx="0">
+            <a:schemeClr val="accent1"/>
+          </a:fillRef>
+          <a:effectRef idx="0">
+            <a:schemeClr val="accent1"/>
+          </a:effectRef>
+          <a:fontRef idx="minor">
+            <a:schemeClr val="tx1"/>
+          </a:fontRef>
+        </p:style>
+      </p:cxnSp>
+      <p:cxnSp>
+        <p:nvCxnSpPr>
+          <p:cNvPr id="496" name="222 Conector recto"/>
+          <p:cNvCxnSpPr/>
+          <p:nvPr/>
+        </p:nvCxnSpPr>
+        <p:spPr>
+          <a:xfrm flipH="1">
+            <a:off x="11945842" y="6587853"/>
+            <a:ext cx="480" cy="132761"/>
+          </a:xfrm>
+          <a:prstGeom prst="line">
+            <a:avLst/>
+          </a:prstGeom>
+          <a:ln w="12700">
+            <a:solidFill>
+              <a:schemeClr val="tx1"/>
+            </a:solidFill>
+          </a:ln>
+        </p:spPr>
+        <p:style>
+          <a:lnRef idx="1">
+            <a:schemeClr val="accent1"/>
+          </a:lnRef>
+          <a:fillRef idx="0">
+            <a:schemeClr val="accent1"/>
+          </a:fillRef>
+          <a:effectRef idx="0">
+            <a:schemeClr val="accent1"/>
+          </a:effectRef>
+          <a:fontRef idx="minor">
+            <a:schemeClr val="tx1"/>
+          </a:fontRef>
+        </p:style>
+      </p:cxnSp>
     </p:spTree>
     <p:extLst>
       <p:ext uri="{BB962C8B-B14F-4D97-AF65-F5344CB8AC3E}">
